--- a/Presentation/SocialHub_FrancisT_06_23_2020.pptx
+++ b/Presentation/SocialHub_FrancisT_06_23_2020.pptx
@@ -6,6 +6,22 @@
   </p:sldMasterIdLst>
   <p:sldIdLst>
     <p:sldId id="256" r:id="rId2"/>
+    <p:sldId id="259" r:id="rId3"/>
+    <p:sldId id="257" r:id="rId4"/>
+    <p:sldId id="260" r:id="rId5"/>
+    <p:sldId id="264" r:id="rId6"/>
+    <p:sldId id="261" r:id="rId7"/>
+    <p:sldId id="262" r:id="rId8"/>
+    <p:sldId id="263" r:id="rId9"/>
+    <p:sldId id="265" r:id="rId10"/>
+    <p:sldId id="266" r:id="rId11"/>
+    <p:sldId id="267" r:id="rId12"/>
+    <p:sldId id="268" r:id="rId13"/>
+    <p:sldId id="269" r:id="rId14"/>
+    <p:sldId id="270" r:id="rId15"/>
+    <p:sldId id="271" r:id="rId16"/>
+    <p:sldId id="272" r:id="rId17"/>
+    <p:sldId id="273" r:id="rId18"/>
   </p:sldIdLst>
   <p:sldSz cx="12192000" cy="6858000"/>
   <p:notesSz cx="6858000" cy="9144000"/>
@@ -104,7 +120,192 @@
       </a:defRPr>
     </a:lvl9pPr>
   </p:defaultTextStyle>
+  <p:extLst>
+    <p:ext uri="{EFAFB233-063F-42B5-8137-9DF3F51BA10A}">
+      <p15:sldGuideLst xmlns:p15="http://schemas.microsoft.com/office/powerpoint/2012/main"/>
+    </p:ext>
+  </p:extLst>
 </p:presentation>
+</file>
+
+<file path=ppt/revisionInfo.xml><?xml version="1.0" encoding="utf-8"?>
+<p1510:revInfo xmlns:a="http://schemas.openxmlformats.org/drawingml/2006/main" xmlns:r="http://schemas.openxmlformats.org/officeDocument/2006/relationships" xmlns:p1510="http://schemas.microsoft.com/office/powerpoint/2015/10/main">
+  <p1510:revLst>
+    <p1510:client id="{E2F6CC62-A8FA-4CA3-B44E-705F9FC4EF55}" v="22" dt="2020-06-23T20:03:29.650"/>
+  </p1510:revLst>
+</p1510:revInfo>
+</file>
+
+<file path=ppt/changesInfos/changesInfo1.xml><?xml version="1.0" encoding="utf-8"?>
+<pc:chgInfo xmlns:a="http://schemas.openxmlformats.org/drawingml/2006/main" xmlns:r="http://schemas.openxmlformats.org/officeDocument/2006/relationships" xmlns:ac="http://schemas.microsoft.com/office/drawing/2013/main/command" xmlns:pc="http://schemas.microsoft.com/office/powerpoint/2013/main/command">
+  <pc:docChgLst>
+    <pc:chgData name="Francis, Thomas" userId="2e7f689e-290c-4746-ba0f-274b885931e9" providerId="ADAL" clId="{E2F6CC62-A8FA-4CA3-B44E-705F9FC4EF55}"/>
+    <pc:docChg chg="addSld modSld">
+      <pc:chgData name="Francis, Thomas" userId="2e7f689e-290c-4746-ba0f-274b885931e9" providerId="ADAL" clId="{E2F6CC62-A8FA-4CA3-B44E-705F9FC4EF55}" dt="2020-06-23T20:03:29.649" v="21"/>
+      <pc:docMkLst>
+        <pc:docMk/>
+      </pc:docMkLst>
+      <pc:sldChg chg="add">
+        <pc:chgData name="Francis, Thomas" userId="2e7f689e-290c-4746-ba0f-274b885931e9" providerId="ADAL" clId="{E2F6CC62-A8FA-4CA3-B44E-705F9FC4EF55}" dt="2020-06-23T19:21:32.184" v="0"/>
+        <pc:sldMkLst>
+          <pc:docMk/>
+          <pc:sldMk cId="3120845105" sldId="257"/>
+        </pc:sldMkLst>
+      </pc:sldChg>
+      <pc:sldChg chg="add">
+        <pc:chgData name="Francis, Thomas" userId="2e7f689e-290c-4746-ba0f-274b885931e9" providerId="ADAL" clId="{E2F6CC62-A8FA-4CA3-B44E-705F9FC4EF55}" dt="2020-06-23T19:25:52.582" v="1"/>
+        <pc:sldMkLst>
+          <pc:docMk/>
+          <pc:sldMk cId="3646455698" sldId="258"/>
+        </pc:sldMkLst>
+      </pc:sldChg>
+      <pc:sldChg chg="add">
+        <pc:chgData name="Francis, Thomas" userId="2e7f689e-290c-4746-ba0f-274b885931e9" providerId="ADAL" clId="{E2F6CC62-A8FA-4CA3-B44E-705F9FC4EF55}" dt="2020-06-23T19:27:40.992" v="2"/>
+        <pc:sldMkLst>
+          <pc:docMk/>
+          <pc:sldMk cId="2261067227" sldId="259"/>
+        </pc:sldMkLst>
+      </pc:sldChg>
+      <pc:sldChg chg="add">
+        <pc:chgData name="Francis, Thomas" userId="2e7f689e-290c-4746-ba0f-274b885931e9" providerId="ADAL" clId="{E2F6CC62-A8FA-4CA3-B44E-705F9FC4EF55}" dt="2020-06-23T19:29:19.158" v="3"/>
+        <pc:sldMkLst>
+          <pc:docMk/>
+          <pc:sldMk cId="1218510847" sldId="260"/>
+        </pc:sldMkLst>
+      </pc:sldChg>
+      <pc:sldChg chg="add">
+        <pc:chgData name="Francis, Thomas" userId="2e7f689e-290c-4746-ba0f-274b885931e9" providerId="ADAL" clId="{E2F6CC62-A8FA-4CA3-B44E-705F9FC4EF55}" dt="2020-06-23T19:30:46.506" v="4"/>
+        <pc:sldMkLst>
+          <pc:docMk/>
+          <pc:sldMk cId="1869608470" sldId="261"/>
+        </pc:sldMkLst>
+      </pc:sldChg>
+      <pc:sldChg chg="add">
+        <pc:chgData name="Francis, Thomas" userId="2e7f689e-290c-4746-ba0f-274b885931e9" providerId="ADAL" clId="{E2F6CC62-A8FA-4CA3-B44E-705F9FC4EF55}" dt="2020-06-23T19:31:18.217" v="5"/>
+        <pc:sldMkLst>
+          <pc:docMk/>
+          <pc:sldMk cId="3390689853" sldId="262"/>
+        </pc:sldMkLst>
+      </pc:sldChg>
+      <pc:sldChg chg="add">
+        <pc:chgData name="Francis, Thomas" userId="2e7f689e-290c-4746-ba0f-274b885931e9" providerId="ADAL" clId="{E2F6CC62-A8FA-4CA3-B44E-705F9FC4EF55}" dt="2020-06-23T19:31:36.099" v="6"/>
+        <pc:sldMkLst>
+          <pc:docMk/>
+          <pc:sldMk cId="3588991441" sldId="263"/>
+        </pc:sldMkLst>
+      </pc:sldChg>
+      <pc:sldChg chg="modSp add">
+        <pc:chgData name="Francis, Thomas" userId="2e7f689e-290c-4746-ba0f-274b885931e9" providerId="ADAL" clId="{E2F6CC62-A8FA-4CA3-B44E-705F9FC4EF55}" dt="2020-06-23T19:36:32.553" v="8"/>
+        <pc:sldMkLst>
+          <pc:docMk/>
+          <pc:sldMk cId="2857083325" sldId="264"/>
+        </pc:sldMkLst>
+        <pc:spChg chg="mod">
+          <ac:chgData name="Francis, Thomas" userId="2e7f689e-290c-4746-ba0f-274b885931e9" providerId="ADAL" clId="{E2F6CC62-A8FA-4CA3-B44E-705F9FC4EF55}" dt="2020-06-23T19:36:32.553" v="8"/>
+          <ac:spMkLst>
+            <pc:docMk/>
+            <pc:sldMk cId="2857083325" sldId="264"/>
+            <ac:spMk id="2" creationId="{03A83AAA-7579-4CCF-B549-55E15067F0C9}"/>
+          </ac:spMkLst>
+        </pc:spChg>
+      </pc:sldChg>
+      <pc:sldChg chg="add">
+        <pc:chgData name="Francis, Thomas" userId="2e7f689e-290c-4746-ba0f-274b885931e9" providerId="ADAL" clId="{E2F6CC62-A8FA-4CA3-B44E-705F9FC4EF55}" dt="2020-06-23T19:37:06.500" v="9"/>
+        <pc:sldMkLst>
+          <pc:docMk/>
+          <pc:sldMk cId="3954596595" sldId="265"/>
+        </pc:sldMkLst>
+      </pc:sldChg>
+      <pc:sldChg chg="add">
+        <pc:chgData name="Francis, Thomas" userId="2e7f689e-290c-4746-ba0f-274b885931e9" providerId="ADAL" clId="{E2F6CC62-A8FA-4CA3-B44E-705F9FC4EF55}" dt="2020-06-23T19:37:32.212" v="10"/>
+        <pc:sldMkLst>
+          <pc:docMk/>
+          <pc:sldMk cId="769491226" sldId="266"/>
+        </pc:sldMkLst>
+      </pc:sldChg>
+      <pc:sldChg chg="modSp add">
+        <pc:chgData name="Francis, Thomas" userId="2e7f689e-290c-4746-ba0f-274b885931e9" providerId="ADAL" clId="{E2F6CC62-A8FA-4CA3-B44E-705F9FC4EF55}" dt="2020-06-23T19:40:22.187" v="12"/>
+        <pc:sldMkLst>
+          <pc:docMk/>
+          <pc:sldMk cId="2268850528" sldId="267"/>
+        </pc:sldMkLst>
+        <pc:spChg chg="mod">
+          <ac:chgData name="Francis, Thomas" userId="2e7f689e-290c-4746-ba0f-274b885931e9" providerId="ADAL" clId="{E2F6CC62-A8FA-4CA3-B44E-705F9FC4EF55}" dt="2020-06-23T19:40:22.187" v="12"/>
+          <ac:spMkLst>
+            <pc:docMk/>
+            <pc:sldMk cId="2268850528" sldId="267"/>
+            <ac:spMk id="2" creationId="{B3037C3D-BFC2-4468-9E2B-915398E1B4AA}"/>
+          </ac:spMkLst>
+        </pc:spChg>
+      </pc:sldChg>
+      <pc:sldChg chg="add">
+        <pc:chgData name="Francis, Thomas" userId="2e7f689e-290c-4746-ba0f-274b885931e9" providerId="ADAL" clId="{E2F6CC62-A8FA-4CA3-B44E-705F9FC4EF55}" dt="2020-06-23T19:41:19.089" v="15"/>
+        <pc:sldMkLst>
+          <pc:docMk/>
+          <pc:sldMk cId="1372409126" sldId="268"/>
+        </pc:sldMkLst>
+      </pc:sldChg>
+      <pc:sldChg chg="modSp add">
+        <pc:chgData name="Francis, Thomas" userId="2e7f689e-290c-4746-ba0f-274b885931e9" providerId="ADAL" clId="{E2F6CC62-A8FA-4CA3-B44E-705F9FC4EF55}" dt="2020-06-23T19:40:44.097" v="14"/>
+        <pc:sldMkLst>
+          <pc:docMk/>
+          <pc:sldMk cId="2347595266" sldId="268"/>
+        </pc:sldMkLst>
+        <pc:spChg chg="mod">
+          <ac:chgData name="Francis, Thomas" userId="2e7f689e-290c-4746-ba0f-274b885931e9" providerId="ADAL" clId="{E2F6CC62-A8FA-4CA3-B44E-705F9FC4EF55}" dt="2020-06-23T19:40:44.097" v="14"/>
+          <ac:spMkLst>
+            <pc:docMk/>
+            <pc:sldMk cId="2347595266" sldId="268"/>
+            <ac:spMk id="2" creationId="{98295DE0-31D7-4D91-A9AD-C3EE6CBCE0A4}"/>
+          </ac:spMkLst>
+        </pc:spChg>
+      </pc:sldChg>
+      <pc:sldChg chg="modSp add">
+        <pc:chgData name="Francis, Thomas" userId="2e7f689e-290c-4746-ba0f-274b885931e9" providerId="ADAL" clId="{E2F6CC62-A8FA-4CA3-B44E-705F9FC4EF55}" dt="2020-06-23T19:44:39.336" v="17"/>
+        <pc:sldMkLst>
+          <pc:docMk/>
+          <pc:sldMk cId="3782560227" sldId="269"/>
+        </pc:sldMkLst>
+        <pc:spChg chg="mod">
+          <ac:chgData name="Francis, Thomas" userId="2e7f689e-290c-4746-ba0f-274b885931e9" providerId="ADAL" clId="{E2F6CC62-A8FA-4CA3-B44E-705F9FC4EF55}" dt="2020-06-23T19:44:39.336" v="17"/>
+          <ac:spMkLst>
+            <pc:docMk/>
+            <pc:sldMk cId="3782560227" sldId="269"/>
+            <ac:spMk id="2" creationId="{C8C62815-189A-4B56-BE46-22DD75FF65EF}"/>
+          </ac:spMkLst>
+        </pc:spChg>
+      </pc:sldChg>
+      <pc:sldChg chg="add">
+        <pc:chgData name="Francis, Thomas" userId="2e7f689e-290c-4746-ba0f-274b885931e9" providerId="ADAL" clId="{E2F6CC62-A8FA-4CA3-B44E-705F9FC4EF55}" dt="2020-06-23T19:47:10.964" v="18"/>
+        <pc:sldMkLst>
+          <pc:docMk/>
+          <pc:sldMk cId="3084942385" sldId="270"/>
+        </pc:sldMkLst>
+      </pc:sldChg>
+      <pc:sldChg chg="add">
+        <pc:chgData name="Francis, Thomas" userId="2e7f689e-290c-4746-ba0f-274b885931e9" providerId="ADAL" clId="{E2F6CC62-A8FA-4CA3-B44E-705F9FC4EF55}" dt="2020-06-23T19:49:29.744" v="19"/>
+        <pc:sldMkLst>
+          <pc:docMk/>
+          <pc:sldMk cId="2554370827" sldId="271"/>
+        </pc:sldMkLst>
+      </pc:sldChg>
+      <pc:sldChg chg="add">
+        <pc:chgData name="Francis, Thomas" userId="2e7f689e-290c-4746-ba0f-274b885931e9" providerId="ADAL" clId="{E2F6CC62-A8FA-4CA3-B44E-705F9FC4EF55}" dt="2020-06-23T19:51:38.718" v="20"/>
+        <pc:sldMkLst>
+          <pc:docMk/>
+          <pc:sldMk cId="3345576059" sldId="272"/>
+        </pc:sldMkLst>
+      </pc:sldChg>
+      <pc:sldChg chg="add">
+        <pc:chgData name="Francis, Thomas" userId="2e7f689e-290c-4746-ba0f-274b885931e9" providerId="ADAL" clId="{E2F6CC62-A8FA-4CA3-B44E-705F9FC4EF55}" dt="2020-06-23T20:03:29.649" v="21"/>
+        <pc:sldMkLst>
+          <pc:docMk/>
+          <pc:sldMk cId="3166939221" sldId="273"/>
+        </pc:sldMkLst>
+      </pc:sldChg>
+    </pc:docChg>
+  </pc:docChgLst>
+</pc:chgInfo>
 </file>
 
 <file path=ppt/slideLayouts/slideLayout1.xml><?xml version="1.0" encoding="utf-8"?>
@@ -7640,7 +7841,10 @@
           <a:bodyPr/>
           <a:lstStyle/>
           <a:p>
-            <a:endParaRPr lang="en-US" dirty="0"/>
+            <a:r>
+              <a:rPr lang="en-US" dirty="0"/>
+              <a:t>Name of This Business</a:t>
+            </a:r>
           </a:p>
         </p:txBody>
       </p:sp>
@@ -7667,7 +7871,7 @@
           <a:p>
             <a:r>
               <a:rPr lang="en-US" dirty="0"/>
-              <a:t>THE Social Hub for Adults</a:t>
+              <a:t>An Adult Social Hub</a:t>
             </a:r>
           </a:p>
         </p:txBody>
@@ -7676,6 +7880,1468 @@
     <p:extLst>
       <p:ext uri="{BB962C8B-B14F-4D97-AF65-F5344CB8AC3E}">
         <p14:creationId xmlns:p14="http://schemas.microsoft.com/office/powerpoint/2010/main" val="118792049"/>
+      </p:ext>
+    </p:extLst>
+  </p:cSld>
+  <p:clrMapOvr>
+    <a:masterClrMapping/>
+  </p:clrMapOvr>
+</p:sld>
+</file>
+
+<file path=ppt/slides/slide10.xml><?xml version="1.0" encoding="utf-8"?>
+<p:sld xmlns:a="http://schemas.openxmlformats.org/drawingml/2006/main" xmlns:r="http://schemas.openxmlformats.org/officeDocument/2006/relationships" xmlns:p="http://schemas.openxmlformats.org/presentationml/2006/main">
+  <p:cSld>
+    <p:spTree>
+      <p:nvGrpSpPr>
+        <p:cNvPr id="1" name=""/>
+        <p:cNvGrpSpPr/>
+        <p:nvPr/>
+      </p:nvGrpSpPr>
+      <p:grpSpPr>
+        <a:xfrm>
+          <a:off x="0" y="0"/>
+          <a:ext cx="0" cy="0"/>
+          <a:chOff x="0" y="0"/>
+          <a:chExt cx="0" cy="0"/>
+        </a:xfrm>
+      </p:grpSpPr>
+      <p:sp>
+        <p:nvSpPr>
+          <p:cNvPr id="2" name="Title 1">
+            <a:extLst>
+              <a:ext uri="{FF2B5EF4-FFF2-40B4-BE49-F238E27FC236}">
+                <a16:creationId xmlns:a16="http://schemas.microsoft.com/office/drawing/2014/main" id="{4662463E-1C73-4495-9B05-DD94995DA51C}"/>
+              </a:ext>
+            </a:extLst>
+          </p:cNvPr>
+          <p:cNvSpPr>
+            <a:spLocks noGrp="1"/>
+          </p:cNvSpPr>
+          <p:nvPr>
+            <p:ph type="title"/>
+          </p:nvPr>
+        </p:nvSpPr>
+        <p:spPr/>
+        <p:txBody>
+          <a:bodyPr/>
+          <a:lstStyle/>
+          <a:p>
+            <a:r>
+              <a:rPr lang="en-US" dirty="0"/>
+              <a:t>Getting people through the door: innovators and early adopters.</a:t>
+            </a:r>
+          </a:p>
+        </p:txBody>
+      </p:sp>
+      <p:sp>
+        <p:nvSpPr>
+          <p:cNvPr id="3" name="Content Placeholder 2">
+            <a:extLst>
+              <a:ext uri="{FF2B5EF4-FFF2-40B4-BE49-F238E27FC236}">
+                <a16:creationId xmlns:a16="http://schemas.microsoft.com/office/drawing/2014/main" id="{C83C7887-2280-44A9-A116-CC573F03482B}"/>
+              </a:ext>
+            </a:extLst>
+          </p:cNvPr>
+          <p:cNvSpPr>
+            <a:spLocks noGrp="1"/>
+          </p:cNvSpPr>
+          <p:nvPr>
+            <p:ph idx="1"/>
+          </p:nvPr>
+        </p:nvSpPr>
+        <p:spPr/>
+        <p:txBody>
+          <a:bodyPr/>
+          <a:lstStyle/>
+          <a:p>
+            <a:endParaRPr lang="en-US" dirty="0"/>
+          </a:p>
+        </p:txBody>
+      </p:sp>
+    </p:spTree>
+    <p:extLst>
+      <p:ext uri="{BB962C8B-B14F-4D97-AF65-F5344CB8AC3E}">
+        <p14:creationId xmlns:p14="http://schemas.microsoft.com/office/powerpoint/2010/main" val="769491226"/>
+      </p:ext>
+    </p:extLst>
+  </p:cSld>
+  <p:clrMapOvr>
+    <a:masterClrMapping/>
+  </p:clrMapOvr>
+</p:sld>
+</file>
+
+<file path=ppt/slides/slide11.xml><?xml version="1.0" encoding="utf-8"?>
+<p:sld xmlns:a="http://schemas.openxmlformats.org/drawingml/2006/main" xmlns:r="http://schemas.openxmlformats.org/officeDocument/2006/relationships" xmlns:p="http://schemas.openxmlformats.org/presentationml/2006/main">
+  <p:cSld>
+    <p:spTree>
+      <p:nvGrpSpPr>
+        <p:cNvPr id="1" name=""/>
+        <p:cNvGrpSpPr/>
+        <p:nvPr/>
+      </p:nvGrpSpPr>
+      <p:grpSpPr>
+        <a:xfrm>
+          <a:off x="0" y="0"/>
+          <a:ext cx="0" cy="0"/>
+          <a:chOff x="0" y="0"/>
+          <a:chExt cx="0" cy="0"/>
+        </a:xfrm>
+      </p:grpSpPr>
+      <p:sp>
+        <p:nvSpPr>
+          <p:cNvPr id="2" name="Title 1">
+            <a:extLst>
+              <a:ext uri="{FF2B5EF4-FFF2-40B4-BE49-F238E27FC236}">
+                <a16:creationId xmlns:a16="http://schemas.microsoft.com/office/drawing/2014/main" id="{B3037C3D-BFC2-4468-9E2B-915398E1B4AA}"/>
+              </a:ext>
+            </a:extLst>
+          </p:cNvPr>
+          <p:cNvSpPr>
+            <a:spLocks noGrp="1"/>
+          </p:cNvSpPr>
+          <p:nvPr>
+            <p:ph type="title"/>
+          </p:nvPr>
+        </p:nvSpPr>
+        <p:spPr/>
+        <p:txBody>
+          <a:bodyPr/>
+          <a:lstStyle/>
+          <a:p>
+            <a:r>
+              <a:rPr lang="en-US" dirty="0"/>
+              <a:t>Getting people through the door: mainstream and late adopters.</a:t>
+            </a:r>
+          </a:p>
+        </p:txBody>
+      </p:sp>
+      <p:sp>
+        <p:nvSpPr>
+          <p:cNvPr id="3" name="Content Placeholder 2">
+            <a:extLst>
+              <a:ext uri="{FF2B5EF4-FFF2-40B4-BE49-F238E27FC236}">
+                <a16:creationId xmlns:a16="http://schemas.microsoft.com/office/drawing/2014/main" id="{82D175DE-DD27-4B6D-A263-AF7633BD39F3}"/>
+              </a:ext>
+            </a:extLst>
+          </p:cNvPr>
+          <p:cNvSpPr>
+            <a:spLocks noGrp="1"/>
+          </p:cNvSpPr>
+          <p:nvPr>
+            <p:ph idx="1"/>
+          </p:nvPr>
+        </p:nvSpPr>
+        <p:spPr/>
+        <p:txBody>
+          <a:bodyPr/>
+          <a:lstStyle/>
+          <a:p>
+            <a:endParaRPr lang="en-US"/>
+          </a:p>
+        </p:txBody>
+      </p:sp>
+    </p:spTree>
+    <p:extLst>
+      <p:ext uri="{BB962C8B-B14F-4D97-AF65-F5344CB8AC3E}">
+        <p14:creationId xmlns:p14="http://schemas.microsoft.com/office/powerpoint/2010/main" val="2268850528"/>
+      </p:ext>
+    </p:extLst>
+  </p:cSld>
+  <p:clrMapOvr>
+    <a:masterClrMapping/>
+  </p:clrMapOvr>
+</p:sld>
+</file>
+
+<file path=ppt/slides/slide12.xml><?xml version="1.0" encoding="utf-8"?>
+<p:sld xmlns:a="http://schemas.openxmlformats.org/drawingml/2006/main" xmlns:r="http://schemas.openxmlformats.org/officeDocument/2006/relationships" xmlns:p="http://schemas.openxmlformats.org/presentationml/2006/main">
+  <p:cSld>
+    <p:spTree>
+      <p:nvGrpSpPr>
+        <p:cNvPr id="1" name=""/>
+        <p:cNvGrpSpPr/>
+        <p:nvPr/>
+      </p:nvGrpSpPr>
+      <p:grpSpPr>
+        <a:xfrm>
+          <a:off x="0" y="0"/>
+          <a:ext cx="0" cy="0"/>
+          <a:chOff x="0" y="0"/>
+          <a:chExt cx="0" cy="0"/>
+        </a:xfrm>
+      </p:grpSpPr>
+      <p:sp>
+        <p:nvSpPr>
+          <p:cNvPr id="2" name="Title 1">
+            <a:extLst>
+              <a:ext uri="{FF2B5EF4-FFF2-40B4-BE49-F238E27FC236}">
+                <a16:creationId xmlns:a16="http://schemas.microsoft.com/office/drawing/2014/main" id="{BA951A29-BC9A-4D1A-A73C-FDD2862C3BAA}"/>
+              </a:ext>
+            </a:extLst>
+          </p:cNvPr>
+          <p:cNvSpPr>
+            <a:spLocks noGrp="1"/>
+          </p:cNvSpPr>
+          <p:nvPr>
+            <p:ph type="title"/>
+          </p:nvPr>
+        </p:nvSpPr>
+        <p:spPr/>
+        <p:txBody>
+          <a:bodyPr/>
+          <a:lstStyle/>
+          <a:p>
+            <a:r>
+              <a:rPr lang="en-US" dirty="0"/>
+              <a:t>Maintaining Long-term relevancy: flexibility and foresight.</a:t>
+            </a:r>
+          </a:p>
+        </p:txBody>
+      </p:sp>
+      <p:sp>
+        <p:nvSpPr>
+          <p:cNvPr id="3" name="Content Placeholder 2">
+            <a:extLst>
+              <a:ext uri="{FF2B5EF4-FFF2-40B4-BE49-F238E27FC236}">
+                <a16:creationId xmlns:a16="http://schemas.microsoft.com/office/drawing/2014/main" id="{D42A00CE-02EC-46F2-9902-98278BC8FA74}"/>
+              </a:ext>
+            </a:extLst>
+          </p:cNvPr>
+          <p:cNvSpPr>
+            <a:spLocks noGrp="1"/>
+          </p:cNvSpPr>
+          <p:nvPr>
+            <p:ph idx="1"/>
+          </p:nvPr>
+        </p:nvSpPr>
+        <p:spPr/>
+        <p:txBody>
+          <a:bodyPr/>
+          <a:lstStyle/>
+          <a:p>
+            <a:r>
+              <a:rPr lang="en-US" dirty="0"/>
+              <a:t>Flexibility in space usage</a:t>
+            </a:r>
+          </a:p>
+          <a:p>
+            <a:r>
+              <a:rPr lang="en-US" dirty="0"/>
+              <a:t>Incorporation of tech at the very beginning to future-proof the space</a:t>
+            </a:r>
+          </a:p>
+          <a:p>
+            <a:pPr marL="0" indent="0">
+              <a:buNone/>
+            </a:pPr>
+            <a:endParaRPr lang="en-US" dirty="0"/>
+          </a:p>
+          <a:p>
+            <a:endParaRPr lang="en-US" dirty="0"/>
+          </a:p>
+        </p:txBody>
+      </p:sp>
+    </p:spTree>
+    <p:extLst>
+      <p:ext uri="{BB962C8B-B14F-4D97-AF65-F5344CB8AC3E}">
+        <p14:creationId xmlns:p14="http://schemas.microsoft.com/office/powerpoint/2010/main" val="1372409126"/>
+      </p:ext>
+    </p:extLst>
+  </p:cSld>
+  <p:clrMapOvr>
+    <a:masterClrMapping/>
+  </p:clrMapOvr>
+</p:sld>
+</file>
+
+<file path=ppt/slides/slide13.xml><?xml version="1.0" encoding="utf-8"?>
+<p:sld xmlns:a="http://schemas.openxmlformats.org/drawingml/2006/main" xmlns:r="http://schemas.openxmlformats.org/officeDocument/2006/relationships" xmlns:p="http://schemas.openxmlformats.org/presentationml/2006/main">
+  <p:cSld>
+    <p:spTree>
+      <p:nvGrpSpPr>
+        <p:cNvPr id="1" name=""/>
+        <p:cNvGrpSpPr/>
+        <p:nvPr/>
+      </p:nvGrpSpPr>
+      <p:grpSpPr>
+        <a:xfrm>
+          <a:off x="0" y="0"/>
+          <a:ext cx="0" cy="0"/>
+          <a:chOff x="0" y="0"/>
+          <a:chExt cx="0" cy="0"/>
+        </a:xfrm>
+      </p:grpSpPr>
+      <p:sp>
+        <p:nvSpPr>
+          <p:cNvPr id="2" name="Title 1">
+            <a:extLst>
+              <a:ext uri="{FF2B5EF4-FFF2-40B4-BE49-F238E27FC236}">
+                <a16:creationId xmlns:a16="http://schemas.microsoft.com/office/drawing/2014/main" id="{C8C62815-189A-4B56-BE46-22DD75FF65EF}"/>
+              </a:ext>
+            </a:extLst>
+          </p:cNvPr>
+          <p:cNvSpPr>
+            <a:spLocks noGrp="1"/>
+          </p:cNvSpPr>
+          <p:nvPr>
+            <p:ph type="title"/>
+          </p:nvPr>
+        </p:nvSpPr>
+        <p:spPr/>
+        <p:txBody>
+          <a:bodyPr/>
+          <a:lstStyle/>
+          <a:p>
+            <a:r>
+              <a:rPr lang="en-US" dirty="0"/>
+              <a:t>Maintaining Long-Term Relevancy: analyzing our consumer cycle</a:t>
+            </a:r>
+          </a:p>
+        </p:txBody>
+      </p:sp>
+      <p:sp>
+        <p:nvSpPr>
+          <p:cNvPr id="3" name="Content Placeholder 2">
+            <a:extLst>
+              <a:ext uri="{FF2B5EF4-FFF2-40B4-BE49-F238E27FC236}">
+                <a16:creationId xmlns:a16="http://schemas.microsoft.com/office/drawing/2014/main" id="{BE5FF881-FCB7-4DA1-8287-9465D4AC7E47}"/>
+              </a:ext>
+            </a:extLst>
+          </p:cNvPr>
+          <p:cNvSpPr>
+            <a:spLocks noGrp="1"/>
+          </p:cNvSpPr>
+          <p:nvPr>
+            <p:ph idx="1"/>
+          </p:nvPr>
+        </p:nvSpPr>
+        <p:spPr/>
+        <p:txBody>
+          <a:bodyPr/>
+          <a:lstStyle/>
+          <a:p>
+            <a:endParaRPr lang="en-US" dirty="0"/>
+          </a:p>
+        </p:txBody>
+      </p:sp>
+    </p:spTree>
+    <p:extLst>
+      <p:ext uri="{BB962C8B-B14F-4D97-AF65-F5344CB8AC3E}">
+        <p14:creationId xmlns:p14="http://schemas.microsoft.com/office/powerpoint/2010/main" val="3782560227"/>
+      </p:ext>
+    </p:extLst>
+  </p:cSld>
+  <p:clrMapOvr>
+    <a:masterClrMapping/>
+  </p:clrMapOvr>
+</p:sld>
+</file>
+
+<file path=ppt/slides/slide14.xml><?xml version="1.0" encoding="utf-8"?>
+<p:sld xmlns:a="http://schemas.openxmlformats.org/drawingml/2006/main" xmlns:r="http://schemas.openxmlformats.org/officeDocument/2006/relationships" xmlns:p="http://schemas.openxmlformats.org/presentationml/2006/main">
+  <p:cSld>
+    <p:spTree>
+      <p:nvGrpSpPr>
+        <p:cNvPr id="1" name=""/>
+        <p:cNvGrpSpPr/>
+        <p:nvPr/>
+      </p:nvGrpSpPr>
+      <p:grpSpPr>
+        <a:xfrm>
+          <a:off x="0" y="0"/>
+          <a:ext cx="0" cy="0"/>
+          <a:chOff x="0" y="0"/>
+          <a:chExt cx="0" cy="0"/>
+        </a:xfrm>
+      </p:grpSpPr>
+      <p:sp>
+        <p:nvSpPr>
+          <p:cNvPr id="2" name="Title 1">
+            <a:extLst>
+              <a:ext uri="{FF2B5EF4-FFF2-40B4-BE49-F238E27FC236}">
+                <a16:creationId xmlns:a16="http://schemas.microsoft.com/office/drawing/2014/main" id="{912499FA-0186-4237-9979-3B7E114399E2}"/>
+              </a:ext>
+            </a:extLst>
+          </p:cNvPr>
+          <p:cNvSpPr>
+            <a:spLocks noGrp="1"/>
+          </p:cNvSpPr>
+          <p:nvPr>
+            <p:ph type="title"/>
+          </p:nvPr>
+        </p:nvSpPr>
+        <p:spPr/>
+        <p:txBody>
+          <a:bodyPr/>
+          <a:lstStyle/>
+          <a:p>
+            <a:r>
+              <a:rPr lang="en-US" dirty="0"/>
+              <a:t>Avoiding Liability in the Kitchen</a:t>
+            </a:r>
+          </a:p>
+        </p:txBody>
+      </p:sp>
+      <p:sp>
+        <p:nvSpPr>
+          <p:cNvPr id="3" name="Content Placeholder 2">
+            <a:extLst>
+              <a:ext uri="{FF2B5EF4-FFF2-40B4-BE49-F238E27FC236}">
+                <a16:creationId xmlns:a16="http://schemas.microsoft.com/office/drawing/2014/main" id="{856D4DB8-51FC-457D-B0A1-049B0EF6BFA7}"/>
+              </a:ext>
+            </a:extLst>
+          </p:cNvPr>
+          <p:cNvSpPr>
+            <a:spLocks noGrp="1"/>
+          </p:cNvSpPr>
+          <p:nvPr>
+            <p:ph idx="1"/>
+          </p:nvPr>
+        </p:nvSpPr>
+        <p:spPr/>
+        <p:txBody>
+          <a:bodyPr/>
+          <a:lstStyle/>
+          <a:p>
+            <a:r>
+              <a:rPr lang="en-US" dirty="0"/>
+              <a:t>Supervisors</a:t>
+            </a:r>
+          </a:p>
+          <a:p>
+            <a:r>
+              <a:rPr lang="en-US" dirty="0"/>
+              <a:t>Liability waivers and allergy forms.</a:t>
+            </a:r>
+          </a:p>
+          <a:p>
+            <a:r>
+              <a:rPr lang="en-US" dirty="0"/>
+              <a:t>Separating food into food-specific fridges and shelves to prevent cross-contamination</a:t>
+            </a:r>
+          </a:p>
+        </p:txBody>
+      </p:sp>
+    </p:spTree>
+    <p:extLst>
+      <p:ext uri="{BB962C8B-B14F-4D97-AF65-F5344CB8AC3E}">
+        <p14:creationId xmlns:p14="http://schemas.microsoft.com/office/powerpoint/2010/main" val="3084942385"/>
+      </p:ext>
+    </p:extLst>
+  </p:cSld>
+  <p:clrMapOvr>
+    <a:masterClrMapping/>
+  </p:clrMapOvr>
+</p:sld>
+</file>
+
+<file path=ppt/slides/slide15.xml><?xml version="1.0" encoding="utf-8"?>
+<p:sld xmlns:a="http://schemas.openxmlformats.org/drawingml/2006/main" xmlns:r="http://schemas.openxmlformats.org/officeDocument/2006/relationships" xmlns:p="http://schemas.openxmlformats.org/presentationml/2006/main">
+  <p:cSld>
+    <p:spTree>
+      <p:nvGrpSpPr>
+        <p:cNvPr id="1" name=""/>
+        <p:cNvGrpSpPr/>
+        <p:nvPr/>
+      </p:nvGrpSpPr>
+      <p:grpSpPr>
+        <a:xfrm>
+          <a:off x="0" y="0"/>
+          <a:ext cx="0" cy="0"/>
+          <a:chOff x="0" y="0"/>
+          <a:chExt cx="0" cy="0"/>
+        </a:xfrm>
+      </p:grpSpPr>
+      <p:sp>
+        <p:nvSpPr>
+          <p:cNvPr id="2" name="Title 1">
+            <a:extLst>
+              <a:ext uri="{FF2B5EF4-FFF2-40B4-BE49-F238E27FC236}">
+                <a16:creationId xmlns:a16="http://schemas.microsoft.com/office/drawing/2014/main" id="{233DB1E5-3D5A-499C-92D8-9926CB2F0CA1}"/>
+              </a:ext>
+            </a:extLst>
+          </p:cNvPr>
+          <p:cNvSpPr>
+            <a:spLocks noGrp="1"/>
+          </p:cNvSpPr>
+          <p:nvPr>
+            <p:ph type="title"/>
+          </p:nvPr>
+        </p:nvSpPr>
+        <p:spPr/>
+        <p:txBody>
+          <a:bodyPr/>
+          <a:lstStyle/>
+          <a:p>
+            <a:r>
+              <a:rPr lang="en-US" dirty="0"/>
+              <a:t>Type of Business</a:t>
+            </a:r>
+          </a:p>
+        </p:txBody>
+      </p:sp>
+      <p:sp>
+        <p:nvSpPr>
+          <p:cNvPr id="3" name="Content Placeholder 2">
+            <a:extLst>
+              <a:ext uri="{FF2B5EF4-FFF2-40B4-BE49-F238E27FC236}">
+                <a16:creationId xmlns:a16="http://schemas.microsoft.com/office/drawing/2014/main" id="{092F2695-6742-4FC6-BCF3-A1BA616EF10F}"/>
+              </a:ext>
+            </a:extLst>
+          </p:cNvPr>
+          <p:cNvSpPr>
+            <a:spLocks noGrp="1"/>
+          </p:cNvSpPr>
+          <p:nvPr>
+            <p:ph idx="1"/>
+          </p:nvPr>
+        </p:nvSpPr>
+        <p:spPr/>
+        <p:txBody>
+          <a:bodyPr/>
+          <a:lstStyle/>
+          <a:p>
+            <a:r>
+              <a:rPr lang="en-US" dirty="0"/>
+              <a:t>Operate as a for-profit LLC, Co-Op</a:t>
+            </a:r>
+          </a:p>
+          <a:p>
+            <a:r>
+              <a:rPr lang="en-US" dirty="0"/>
+              <a:t>Operate as a non-profit, attempting to solve a public health issue</a:t>
+            </a:r>
+          </a:p>
+        </p:txBody>
+      </p:sp>
+    </p:spTree>
+    <p:extLst>
+      <p:ext uri="{BB962C8B-B14F-4D97-AF65-F5344CB8AC3E}">
+        <p14:creationId xmlns:p14="http://schemas.microsoft.com/office/powerpoint/2010/main" val="2554370827"/>
+      </p:ext>
+    </p:extLst>
+  </p:cSld>
+  <p:clrMapOvr>
+    <a:masterClrMapping/>
+  </p:clrMapOvr>
+</p:sld>
+</file>
+
+<file path=ppt/slides/slide16.xml><?xml version="1.0" encoding="utf-8"?>
+<p:sld xmlns:a="http://schemas.openxmlformats.org/drawingml/2006/main" xmlns:r="http://schemas.openxmlformats.org/officeDocument/2006/relationships" xmlns:p="http://schemas.openxmlformats.org/presentationml/2006/main">
+  <p:cSld>
+    <p:spTree>
+      <p:nvGrpSpPr>
+        <p:cNvPr id="1" name=""/>
+        <p:cNvGrpSpPr/>
+        <p:nvPr/>
+      </p:nvGrpSpPr>
+      <p:grpSpPr>
+        <a:xfrm>
+          <a:off x="0" y="0"/>
+          <a:ext cx="0" cy="0"/>
+          <a:chOff x="0" y="0"/>
+          <a:chExt cx="0" cy="0"/>
+        </a:xfrm>
+      </p:grpSpPr>
+      <p:sp>
+        <p:nvSpPr>
+          <p:cNvPr id="2" name="Title 1">
+            <a:extLst>
+              <a:ext uri="{FF2B5EF4-FFF2-40B4-BE49-F238E27FC236}">
+                <a16:creationId xmlns:a16="http://schemas.microsoft.com/office/drawing/2014/main" id="{EF0FDFBD-C4F8-4F2B-B418-027C2D9234B8}"/>
+              </a:ext>
+            </a:extLst>
+          </p:cNvPr>
+          <p:cNvSpPr>
+            <a:spLocks noGrp="1"/>
+          </p:cNvSpPr>
+          <p:nvPr>
+            <p:ph type="title"/>
+          </p:nvPr>
+        </p:nvSpPr>
+        <p:spPr/>
+        <p:txBody>
+          <a:bodyPr/>
+          <a:lstStyle/>
+          <a:p>
+            <a:r>
+              <a:rPr lang="en-US" dirty="0"/>
+              <a:t>Finances</a:t>
+            </a:r>
+          </a:p>
+        </p:txBody>
+      </p:sp>
+      <p:sp>
+        <p:nvSpPr>
+          <p:cNvPr id="3" name="Content Placeholder 2">
+            <a:extLst>
+              <a:ext uri="{FF2B5EF4-FFF2-40B4-BE49-F238E27FC236}">
+                <a16:creationId xmlns:a16="http://schemas.microsoft.com/office/drawing/2014/main" id="{71DB8266-80FE-4AE4-8A09-30C2E2B143AA}"/>
+              </a:ext>
+            </a:extLst>
+          </p:cNvPr>
+          <p:cNvSpPr>
+            <a:spLocks noGrp="1"/>
+          </p:cNvSpPr>
+          <p:nvPr>
+            <p:ph idx="1"/>
+          </p:nvPr>
+        </p:nvSpPr>
+        <p:spPr/>
+        <p:txBody>
+          <a:bodyPr/>
+          <a:lstStyle/>
+          <a:p>
+            <a:r>
+              <a:rPr lang="en-US" dirty="0"/>
+              <a:t>Operating Costs: ~$144,000 for the first five months of operation</a:t>
+            </a:r>
+          </a:p>
+          <a:p>
+            <a:r>
+              <a:rPr lang="en-US" dirty="0"/>
+              <a:t>Overhead: $39,000</a:t>
+            </a:r>
+          </a:p>
+          <a:p>
+            <a:r>
+              <a:rPr lang="en-US" dirty="0"/>
+              <a:t>Funding estimate total: $185,000</a:t>
+            </a:r>
+          </a:p>
+          <a:p>
+            <a:r>
+              <a:rPr lang="en-US" dirty="0"/>
+              <a:t>Break-even point: an engaged community of 250 people</a:t>
+            </a:r>
+          </a:p>
+          <a:p>
+            <a:r>
+              <a:rPr lang="en-US" dirty="0"/>
+              <a:t>Max community engagement capacity: 500 people</a:t>
+            </a:r>
+          </a:p>
+        </p:txBody>
+      </p:sp>
+    </p:spTree>
+    <p:extLst>
+      <p:ext uri="{BB962C8B-B14F-4D97-AF65-F5344CB8AC3E}">
+        <p14:creationId xmlns:p14="http://schemas.microsoft.com/office/powerpoint/2010/main" val="3345576059"/>
+      </p:ext>
+    </p:extLst>
+  </p:cSld>
+  <p:clrMapOvr>
+    <a:masterClrMapping/>
+  </p:clrMapOvr>
+</p:sld>
+</file>
+
+<file path=ppt/slides/slide17.xml><?xml version="1.0" encoding="utf-8"?>
+<p:sld xmlns:a="http://schemas.openxmlformats.org/drawingml/2006/main" xmlns:r="http://schemas.openxmlformats.org/officeDocument/2006/relationships" xmlns:p="http://schemas.openxmlformats.org/presentationml/2006/main">
+  <p:cSld>
+    <p:spTree>
+      <p:nvGrpSpPr>
+        <p:cNvPr id="1" name=""/>
+        <p:cNvGrpSpPr/>
+        <p:nvPr/>
+      </p:nvGrpSpPr>
+      <p:grpSpPr>
+        <a:xfrm>
+          <a:off x="0" y="0"/>
+          <a:ext cx="0" cy="0"/>
+          <a:chOff x="0" y="0"/>
+          <a:chExt cx="0" cy="0"/>
+        </a:xfrm>
+      </p:grpSpPr>
+      <p:sp>
+        <p:nvSpPr>
+          <p:cNvPr id="2" name="Title 1">
+            <a:extLst>
+              <a:ext uri="{FF2B5EF4-FFF2-40B4-BE49-F238E27FC236}">
+                <a16:creationId xmlns:a16="http://schemas.microsoft.com/office/drawing/2014/main" id="{0B49C125-978B-4A83-AF64-24CCB912E43E}"/>
+              </a:ext>
+            </a:extLst>
+          </p:cNvPr>
+          <p:cNvSpPr>
+            <a:spLocks noGrp="1"/>
+          </p:cNvSpPr>
+          <p:nvPr>
+            <p:ph type="title"/>
+          </p:nvPr>
+        </p:nvSpPr>
+        <p:spPr/>
+        <p:txBody>
+          <a:bodyPr/>
+          <a:lstStyle/>
+          <a:p>
+            <a:r>
+              <a:rPr lang="en-US" dirty="0"/>
+              <a:t>Target Demographic: 18-34 year-olds in the New Haven County Area, CT</a:t>
+            </a:r>
+          </a:p>
+        </p:txBody>
+      </p:sp>
+      <p:sp>
+        <p:nvSpPr>
+          <p:cNvPr id="3" name="Content Placeholder 2">
+            <a:extLst>
+              <a:ext uri="{FF2B5EF4-FFF2-40B4-BE49-F238E27FC236}">
+                <a16:creationId xmlns:a16="http://schemas.microsoft.com/office/drawing/2014/main" id="{4EDA088C-672F-4FD5-BCB0-9D0AA8F203F3}"/>
+              </a:ext>
+            </a:extLst>
+          </p:cNvPr>
+          <p:cNvSpPr>
+            <a:spLocks noGrp="1"/>
+          </p:cNvSpPr>
+          <p:nvPr>
+            <p:ph idx="1"/>
+          </p:nvPr>
+        </p:nvSpPr>
+        <p:spPr/>
+        <p:txBody>
+          <a:bodyPr/>
+          <a:lstStyle/>
+          <a:p>
+            <a:r>
+              <a:rPr lang="en-US" dirty="0"/>
+              <a:t>Target Demographic size in New Haven County: ~200,000 people</a:t>
+            </a:r>
+          </a:p>
+          <a:p>
+            <a:r>
+              <a:rPr lang="en-US" dirty="0"/>
+              <a:t>Percent of people needed to break even: 0.122%</a:t>
+            </a:r>
+          </a:p>
+          <a:p>
+            <a:r>
+              <a:rPr lang="en-US" dirty="0"/>
+              <a:t>Percent of people needed to reach max capacity: 0.2%</a:t>
+            </a:r>
+          </a:p>
+        </p:txBody>
+      </p:sp>
+    </p:spTree>
+    <p:extLst>
+      <p:ext uri="{BB962C8B-B14F-4D97-AF65-F5344CB8AC3E}">
+        <p14:creationId xmlns:p14="http://schemas.microsoft.com/office/powerpoint/2010/main" val="3166939221"/>
+      </p:ext>
+    </p:extLst>
+  </p:cSld>
+  <p:clrMapOvr>
+    <a:masterClrMapping/>
+  </p:clrMapOvr>
+</p:sld>
+</file>
+
+<file path=ppt/slides/slide2.xml><?xml version="1.0" encoding="utf-8"?>
+<p:sld xmlns:a="http://schemas.openxmlformats.org/drawingml/2006/main" xmlns:r="http://schemas.openxmlformats.org/officeDocument/2006/relationships" xmlns:p="http://schemas.openxmlformats.org/presentationml/2006/main">
+  <p:cSld>
+    <p:spTree>
+      <p:nvGrpSpPr>
+        <p:cNvPr id="1" name=""/>
+        <p:cNvGrpSpPr/>
+        <p:nvPr/>
+      </p:nvGrpSpPr>
+      <p:grpSpPr>
+        <a:xfrm>
+          <a:off x="0" y="0"/>
+          <a:ext cx="0" cy="0"/>
+          <a:chOff x="0" y="0"/>
+          <a:chExt cx="0" cy="0"/>
+        </a:xfrm>
+      </p:grpSpPr>
+      <p:sp>
+        <p:nvSpPr>
+          <p:cNvPr id="2" name="Title 1">
+            <a:extLst>
+              <a:ext uri="{FF2B5EF4-FFF2-40B4-BE49-F238E27FC236}">
+                <a16:creationId xmlns:a16="http://schemas.microsoft.com/office/drawing/2014/main" id="{F73C27AA-D214-4CB7-B091-BBB36FE26B5A}"/>
+              </a:ext>
+            </a:extLst>
+          </p:cNvPr>
+          <p:cNvSpPr>
+            <a:spLocks noGrp="1"/>
+          </p:cNvSpPr>
+          <p:nvPr>
+            <p:ph type="title"/>
+          </p:nvPr>
+        </p:nvSpPr>
+        <p:spPr/>
+        <p:txBody>
+          <a:bodyPr/>
+          <a:lstStyle/>
+          <a:p>
+            <a:r>
+              <a:rPr lang="en-US" dirty="0"/>
+              <a:t>The Loneliness Epidemic in the U.S.</a:t>
+            </a:r>
+          </a:p>
+        </p:txBody>
+      </p:sp>
+      <p:sp>
+        <p:nvSpPr>
+          <p:cNvPr id="3" name="Content Placeholder 2">
+            <a:extLst>
+              <a:ext uri="{FF2B5EF4-FFF2-40B4-BE49-F238E27FC236}">
+                <a16:creationId xmlns:a16="http://schemas.microsoft.com/office/drawing/2014/main" id="{2ACBEB85-D66C-4239-B404-B1EAD1E1AB74}"/>
+              </a:ext>
+            </a:extLst>
+          </p:cNvPr>
+          <p:cNvSpPr>
+            <a:spLocks noGrp="1"/>
+          </p:cNvSpPr>
+          <p:nvPr>
+            <p:ph idx="1"/>
+          </p:nvPr>
+        </p:nvSpPr>
+        <p:spPr/>
+        <p:txBody>
+          <a:bodyPr/>
+          <a:lstStyle/>
+          <a:p>
+            <a:r>
+              <a:rPr lang="en-US" dirty="0"/>
+              <a:t>Cite reasons why it exists</a:t>
+            </a:r>
+          </a:p>
+          <a:p>
+            <a:r>
+              <a:rPr lang="en-US" dirty="0"/>
+              <a:t>Cite that loneliness is public health problem</a:t>
+            </a:r>
+          </a:p>
+        </p:txBody>
+      </p:sp>
+    </p:spTree>
+    <p:extLst>
+      <p:ext uri="{BB962C8B-B14F-4D97-AF65-F5344CB8AC3E}">
+        <p14:creationId xmlns:p14="http://schemas.microsoft.com/office/powerpoint/2010/main" val="2261067227"/>
+      </p:ext>
+    </p:extLst>
+  </p:cSld>
+  <p:clrMapOvr>
+    <a:masterClrMapping/>
+  </p:clrMapOvr>
+</p:sld>
+</file>
+
+<file path=ppt/slides/slide3.xml><?xml version="1.0" encoding="utf-8"?>
+<p:sld xmlns:a="http://schemas.openxmlformats.org/drawingml/2006/main" xmlns:r="http://schemas.openxmlformats.org/officeDocument/2006/relationships" xmlns:p="http://schemas.openxmlformats.org/presentationml/2006/main">
+  <p:cSld>
+    <p:spTree>
+      <p:nvGrpSpPr>
+        <p:cNvPr id="1" name=""/>
+        <p:cNvGrpSpPr/>
+        <p:nvPr/>
+      </p:nvGrpSpPr>
+      <p:grpSpPr>
+        <a:xfrm>
+          <a:off x="0" y="0"/>
+          <a:ext cx="0" cy="0"/>
+          <a:chOff x="0" y="0"/>
+          <a:chExt cx="0" cy="0"/>
+        </a:xfrm>
+      </p:grpSpPr>
+      <p:sp>
+        <p:nvSpPr>
+          <p:cNvPr id="2" name="Title 1">
+            <a:extLst>
+              <a:ext uri="{FF2B5EF4-FFF2-40B4-BE49-F238E27FC236}">
+                <a16:creationId xmlns:a16="http://schemas.microsoft.com/office/drawing/2014/main" id="{BCB2D7CD-753D-4A6A-8CFD-C62EE5AACC66}"/>
+              </a:ext>
+            </a:extLst>
+          </p:cNvPr>
+          <p:cNvSpPr>
+            <a:spLocks noGrp="1"/>
+          </p:cNvSpPr>
+          <p:nvPr>
+            <p:ph type="title"/>
+          </p:nvPr>
+        </p:nvSpPr>
+        <p:spPr/>
+        <p:txBody>
+          <a:bodyPr/>
+          <a:lstStyle/>
+          <a:p>
+            <a:r>
+              <a:rPr lang="en-US" dirty="0"/>
+              <a:t>Mission</a:t>
+            </a:r>
+          </a:p>
+        </p:txBody>
+      </p:sp>
+      <p:sp>
+        <p:nvSpPr>
+          <p:cNvPr id="3" name="Content Placeholder 2">
+            <a:extLst>
+              <a:ext uri="{FF2B5EF4-FFF2-40B4-BE49-F238E27FC236}">
+                <a16:creationId xmlns:a16="http://schemas.microsoft.com/office/drawing/2014/main" id="{DA475984-AACC-404F-9DED-331D7A7B3FEF}"/>
+              </a:ext>
+            </a:extLst>
+          </p:cNvPr>
+          <p:cNvSpPr>
+            <a:spLocks noGrp="1"/>
+          </p:cNvSpPr>
+          <p:nvPr>
+            <p:ph idx="1"/>
+          </p:nvPr>
+        </p:nvSpPr>
+        <p:spPr/>
+        <p:txBody>
+          <a:bodyPr/>
+          <a:lstStyle/>
+          <a:p>
+            <a:r>
+              <a:rPr lang="en-US" dirty="0"/>
+              <a:t>Mitigate or reduce the loneliness epidemic in the U.S.</a:t>
+            </a:r>
+          </a:p>
+          <a:p>
+            <a:r>
+              <a:rPr lang="en-US" dirty="0"/>
+              <a:t>(include graphic of the loneliness epidemic)</a:t>
+            </a:r>
+          </a:p>
+        </p:txBody>
+      </p:sp>
+    </p:spTree>
+    <p:extLst>
+      <p:ext uri="{BB962C8B-B14F-4D97-AF65-F5344CB8AC3E}">
+        <p14:creationId xmlns:p14="http://schemas.microsoft.com/office/powerpoint/2010/main" val="3120845105"/>
+      </p:ext>
+    </p:extLst>
+  </p:cSld>
+  <p:clrMapOvr>
+    <a:masterClrMapping/>
+  </p:clrMapOvr>
+</p:sld>
+</file>
+
+<file path=ppt/slides/slide4.xml><?xml version="1.0" encoding="utf-8"?>
+<p:sld xmlns:a="http://schemas.openxmlformats.org/drawingml/2006/main" xmlns:r="http://schemas.openxmlformats.org/officeDocument/2006/relationships" xmlns:p="http://schemas.openxmlformats.org/presentationml/2006/main">
+  <p:cSld>
+    <p:spTree>
+      <p:nvGrpSpPr>
+        <p:cNvPr id="1" name=""/>
+        <p:cNvGrpSpPr/>
+        <p:nvPr/>
+      </p:nvGrpSpPr>
+      <p:grpSpPr>
+        <a:xfrm>
+          <a:off x="0" y="0"/>
+          <a:ext cx="0" cy="0"/>
+          <a:chOff x="0" y="0"/>
+          <a:chExt cx="0" cy="0"/>
+        </a:xfrm>
+      </p:grpSpPr>
+      <p:sp>
+        <p:nvSpPr>
+          <p:cNvPr id="2" name="Title 1">
+            <a:extLst>
+              <a:ext uri="{FF2B5EF4-FFF2-40B4-BE49-F238E27FC236}">
+                <a16:creationId xmlns:a16="http://schemas.microsoft.com/office/drawing/2014/main" id="{0E9E9493-B9AD-4917-A903-3B6FE53A9442}"/>
+              </a:ext>
+            </a:extLst>
+          </p:cNvPr>
+          <p:cNvSpPr>
+            <a:spLocks noGrp="1"/>
+          </p:cNvSpPr>
+          <p:nvPr>
+            <p:ph type="title"/>
+          </p:nvPr>
+        </p:nvSpPr>
+        <p:spPr/>
+        <p:txBody>
+          <a:bodyPr/>
+          <a:lstStyle/>
+          <a:p>
+            <a:r>
+              <a:rPr lang="en-US" dirty="0"/>
+              <a:t>App Saturation in the Digital Age:</a:t>
+            </a:r>
+            <a:br>
+              <a:rPr lang="en-US" dirty="0"/>
+            </a:br>
+            <a:r>
+              <a:rPr lang="en-US" dirty="0"/>
+              <a:t>What has fallen?</a:t>
+            </a:r>
+          </a:p>
+        </p:txBody>
+      </p:sp>
+      <p:sp>
+        <p:nvSpPr>
+          <p:cNvPr id="3" name="Content Placeholder 2">
+            <a:extLst>
+              <a:ext uri="{FF2B5EF4-FFF2-40B4-BE49-F238E27FC236}">
+                <a16:creationId xmlns:a16="http://schemas.microsoft.com/office/drawing/2014/main" id="{CFCB06AD-75C0-48A3-9D8C-FF5CEE3919A4}"/>
+              </a:ext>
+            </a:extLst>
+          </p:cNvPr>
+          <p:cNvSpPr>
+            <a:spLocks noGrp="1"/>
+          </p:cNvSpPr>
+          <p:nvPr>
+            <p:ph idx="1"/>
+          </p:nvPr>
+        </p:nvSpPr>
+        <p:spPr/>
+        <p:txBody>
+          <a:bodyPr/>
+          <a:lstStyle/>
+          <a:p>
+            <a:endParaRPr lang="en-US" dirty="0"/>
+          </a:p>
+        </p:txBody>
+      </p:sp>
+    </p:spTree>
+    <p:extLst>
+      <p:ext uri="{BB962C8B-B14F-4D97-AF65-F5344CB8AC3E}">
+        <p14:creationId xmlns:p14="http://schemas.microsoft.com/office/powerpoint/2010/main" val="1218510847"/>
+      </p:ext>
+    </p:extLst>
+  </p:cSld>
+  <p:clrMapOvr>
+    <a:masterClrMapping/>
+  </p:clrMapOvr>
+</p:sld>
+</file>
+
+<file path=ppt/slides/slide5.xml><?xml version="1.0" encoding="utf-8"?>
+<p:sld xmlns:a="http://schemas.openxmlformats.org/drawingml/2006/main" xmlns:r="http://schemas.openxmlformats.org/officeDocument/2006/relationships" xmlns:p="http://schemas.openxmlformats.org/presentationml/2006/main">
+  <p:cSld>
+    <p:spTree>
+      <p:nvGrpSpPr>
+        <p:cNvPr id="1" name=""/>
+        <p:cNvGrpSpPr/>
+        <p:nvPr/>
+      </p:nvGrpSpPr>
+      <p:grpSpPr>
+        <a:xfrm>
+          <a:off x="0" y="0"/>
+          <a:ext cx="0" cy="0"/>
+          <a:chOff x="0" y="0"/>
+          <a:chExt cx="0" cy="0"/>
+        </a:xfrm>
+      </p:grpSpPr>
+      <p:sp>
+        <p:nvSpPr>
+          <p:cNvPr id="2" name="Title 1">
+            <a:extLst>
+              <a:ext uri="{FF2B5EF4-FFF2-40B4-BE49-F238E27FC236}">
+                <a16:creationId xmlns:a16="http://schemas.microsoft.com/office/drawing/2014/main" id="{03A83AAA-7579-4CCF-B549-55E15067F0C9}"/>
+              </a:ext>
+            </a:extLst>
+          </p:cNvPr>
+          <p:cNvSpPr>
+            <a:spLocks noGrp="1"/>
+          </p:cNvSpPr>
+          <p:nvPr>
+            <p:ph type="title"/>
+          </p:nvPr>
+        </p:nvSpPr>
+        <p:spPr/>
+        <p:txBody>
+          <a:bodyPr/>
+          <a:lstStyle/>
+          <a:p>
+            <a:r>
+              <a:rPr lang="en-US" dirty="0"/>
+              <a:t>App Saturation in the Digital Age:</a:t>
+            </a:r>
+            <a:br>
+              <a:rPr lang="en-US" dirty="0"/>
+            </a:br>
+            <a:r>
+              <a:rPr lang="en-US" dirty="0"/>
+              <a:t>What has risen?</a:t>
+            </a:r>
+          </a:p>
+        </p:txBody>
+      </p:sp>
+      <p:sp>
+        <p:nvSpPr>
+          <p:cNvPr id="3" name="Content Placeholder 2">
+            <a:extLst>
+              <a:ext uri="{FF2B5EF4-FFF2-40B4-BE49-F238E27FC236}">
+                <a16:creationId xmlns:a16="http://schemas.microsoft.com/office/drawing/2014/main" id="{A5953C17-5FCD-4DAC-B513-0B581147CD2E}"/>
+              </a:ext>
+            </a:extLst>
+          </p:cNvPr>
+          <p:cNvSpPr>
+            <a:spLocks noGrp="1"/>
+          </p:cNvSpPr>
+          <p:nvPr>
+            <p:ph idx="1"/>
+          </p:nvPr>
+        </p:nvSpPr>
+        <p:spPr/>
+        <p:txBody>
+          <a:bodyPr/>
+          <a:lstStyle/>
+          <a:p>
+            <a:endParaRPr lang="en-US" dirty="0"/>
+          </a:p>
+        </p:txBody>
+      </p:sp>
+    </p:spTree>
+    <p:extLst>
+      <p:ext uri="{BB962C8B-B14F-4D97-AF65-F5344CB8AC3E}">
+        <p14:creationId xmlns:p14="http://schemas.microsoft.com/office/powerpoint/2010/main" val="2857083325"/>
+      </p:ext>
+    </p:extLst>
+  </p:cSld>
+  <p:clrMapOvr>
+    <a:masterClrMapping/>
+  </p:clrMapOvr>
+</p:sld>
+</file>
+
+<file path=ppt/slides/slide6.xml><?xml version="1.0" encoding="utf-8"?>
+<p:sld xmlns:a="http://schemas.openxmlformats.org/drawingml/2006/main" xmlns:r="http://schemas.openxmlformats.org/officeDocument/2006/relationships" xmlns:p="http://schemas.openxmlformats.org/presentationml/2006/main">
+  <p:cSld>
+    <p:spTree>
+      <p:nvGrpSpPr>
+        <p:cNvPr id="1" name=""/>
+        <p:cNvGrpSpPr/>
+        <p:nvPr/>
+      </p:nvGrpSpPr>
+      <p:grpSpPr>
+        <a:xfrm>
+          <a:off x="0" y="0"/>
+          <a:ext cx="0" cy="0"/>
+          <a:chOff x="0" y="0"/>
+          <a:chExt cx="0" cy="0"/>
+        </a:xfrm>
+      </p:grpSpPr>
+      <p:sp>
+        <p:nvSpPr>
+          <p:cNvPr id="2" name="Title 1">
+            <a:extLst>
+              <a:ext uri="{FF2B5EF4-FFF2-40B4-BE49-F238E27FC236}">
+                <a16:creationId xmlns:a16="http://schemas.microsoft.com/office/drawing/2014/main" id="{EB55CCCA-E5E2-4C6E-A942-18132981FBAF}"/>
+              </a:ext>
+            </a:extLst>
+          </p:cNvPr>
+          <p:cNvSpPr>
+            <a:spLocks noGrp="1"/>
+          </p:cNvSpPr>
+          <p:nvPr>
+            <p:ph type="title"/>
+          </p:nvPr>
+        </p:nvSpPr>
+        <p:spPr/>
+        <p:txBody>
+          <a:bodyPr/>
+          <a:lstStyle/>
+          <a:p>
+            <a:r>
+              <a:rPr lang="en-US" dirty="0"/>
+              <a:t>The Current Method of Meeting People</a:t>
+            </a:r>
+          </a:p>
+        </p:txBody>
+      </p:sp>
+      <p:sp>
+        <p:nvSpPr>
+          <p:cNvPr id="3" name="Content Placeholder 2">
+            <a:extLst>
+              <a:ext uri="{FF2B5EF4-FFF2-40B4-BE49-F238E27FC236}">
+                <a16:creationId xmlns:a16="http://schemas.microsoft.com/office/drawing/2014/main" id="{9D92BAF7-0615-4FB6-B39B-9CDCF6D1CA74}"/>
+              </a:ext>
+            </a:extLst>
+          </p:cNvPr>
+          <p:cNvSpPr>
+            <a:spLocks noGrp="1"/>
+          </p:cNvSpPr>
+          <p:nvPr>
+            <p:ph idx="1"/>
+          </p:nvPr>
+        </p:nvSpPr>
+        <p:spPr/>
+        <p:txBody>
+          <a:bodyPr/>
+          <a:lstStyle/>
+          <a:p>
+            <a:endParaRPr lang="en-US"/>
+          </a:p>
+        </p:txBody>
+      </p:sp>
+    </p:spTree>
+    <p:extLst>
+      <p:ext uri="{BB962C8B-B14F-4D97-AF65-F5344CB8AC3E}">
+        <p14:creationId xmlns:p14="http://schemas.microsoft.com/office/powerpoint/2010/main" val="1869608470"/>
+      </p:ext>
+    </p:extLst>
+  </p:cSld>
+  <p:clrMapOvr>
+    <a:masterClrMapping/>
+  </p:clrMapOvr>
+</p:sld>
+</file>
+
+<file path=ppt/slides/slide7.xml><?xml version="1.0" encoding="utf-8"?>
+<p:sld xmlns:a="http://schemas.openxmlformats.org/drawingml/2006/main" xmlns:r="http://schemas.openxmlformats.org/officeDocument/2006/relationships" xmlns:p="http://schemas.openxmlformats.org/presentationml/2006/main">
+  <p:cSld>
+    <p:spTree>
+      <p:nvGrpSpPr>
+        <p:cNvPr id="1" name=""/>
+        <p:cNvGrpSpPr/>
+        <p:nvPr/>
+      </p:nvGrpSpPr>
+      <p:grpSpPr>
+        <a:xfrm>
+          <a:off x="0" y="0"/>
+          <a:ext cx="0" cy="0"/>
+          <a:chOff x="0" y="0"/>
+          <a:chExt cx="0" cy="0"/>
+        </a:xfrm>
+      </p:grpSpPr>
+      <p:sp>
+        <p:nvSpPr>
+          <p:cNvPr id="2" name="Title 1">
+            <a:extLst>
+              <a:ext uri="{FF2B5EF4-FFF2-40B4-BE49-F238E27FC236}">
+                <a16:creationId xmlns:a16="http://schemas.microsoft.com/office/drawing/2014/main" id="{B8AD46B9-84F6-4361-8E76-6BAFE815FFC1}"/>
+              </a:ext>
+            </a:extLst>
+          </p:cNvPr>
+          <p:cNvSpPr>
+            <a:spLocks noGrp="1"/>
+          </p:cNvSpPr>
+          <p:nvPr>
+            <p:ph type="title"/>
+          </p:nvPr>
+        </p:nvSpPr>
+        <p:spPr/>
+        <p:txBody>
+          <a:bodyPr/>
+          <a:lstStyle/>
+          <a:p>
+            <a:r>
+              <a:rPr lang="en-US" dirty="0"/>
+              <a:t>The Old Method of Meeting People</a:t>
+            </a:r>
+          </a:p>
+        </p:txBody>
+      </p:sp>
+      <p:sp>
+        <p:nvSpPr>
+          <p:cNvPr id="3" name="Content Placeholder 2">
+            <a:extLst>
+              <a:ext uri="{FF2B5EF4-FFF2-40B4-BE49-F238E27FC236}">
+                <a16:creationId xmlns:a16="http://schemas.microsoft.com/office/drawing/2014/main" id="{69F4B873-5DDA-4F2C-8891-E4BC94C1F90B}"/>
+              </a:ext>
+            </a:extLst>
+          </p:cNvPr>
+          <p:cNvSpPr>
+            <a:spLocks noGrp="1"/>
+          </p:cNvSpPr>
+          <p:nvPr>
+            <p:ph idx="1"/>
+          </p:nvPr>
+        </p:nvSpPr>
+        <p:spPr/>
+        <p:txBody>
+          <a:bodyPr/>
+          <a:lstStyle/>
+          <a:p>
+            <a:endParaRPr lang="en-US"/>
+          </a:p>
+        </p:txBody>
+      </p:sp>
+    </p:spTree>
+    <p:extLst>
+      <p:ext uri="{BB962C8B-B14F-4D97-AF65-F5344CB8AC3E}">
+        <p14:creationId xmlns:p14="http://schemas.microsoft.com/office/powerpoint/2010/main" val="3390689853"/>
+      </p:ext>
+    </p:extLst>
+  </p:cSld>
+  <p:clrMapOvr>
+    <a:masterClrMapping/>
+  </p:clrMapOvr>
+</p:sld>
+</file>
+
+<file path=ppt/slides/slide8.xml><?xml version="1.0" encoding="utf-8"?>
+<p:sld xmlns:a="http://schemas.openxmlformats.org/drawingml/2006/main" xmlns:r="http://schemas.openxmlformats.org/officeDocument/2006/relationships" xmlns:p="http://schemas.openxmlformats.org/presentationml/2006/main">
+  <p:cSld>
+    <p:spTree>
+      <p:nvGrpSpPr>
+        <p:cNvPr id="1" name=""/>
+        <p:cNvGrpSpPr/>
+        <p:nvPr/>
+      </p:nvGrpSpPr>
+      <p:grpSpPr>
+        <a:xfrm>
+          <a:off x="0" y="0"/>
+          <a:ext cx="0" cy="0"/>
+          <a:chOff x="0" y="0"/>
+          <a:chExt cx="0" cy="0"/>
+        </a:xfrm>
+      </p:grpSpPr>
+      <p:sp>
+        <p:nvSpPr>
+          <p:cNvPr id="2" name="Title 1">
+            <a:extLst>
+              <a:ext uri="{FF2B5EF4-FFF2-40B4-BE49-F238E27FC236}">
+                <a16:creationId xmlns:a16="http://schemas.microsoft.com/office/drawing/2014/main" id="{04CED4E4-98F4-4D9F-B822-03E91F005E9C}"/>
+              </a:ext>
+            </a:extLst>
+          </p:cNvPr>
+          <p:cNvSpPr>
+            <a:spLocks noGrp="1"/>
+          </p:cNvSpPr>
+          <p:nvPr>
+            <p:ph type="title"/>
+          </p:nvPr>
+        </p:nvSpPr>
+        <p:spPr/>
+        <p:txBody>
+          <a:bodyPr/>
+          <a:lstStyle/>
+          <a:p>
+            <a:r>
+              <a:rPr lang="en-US" dirty="0"/>
+              <a:t>Appealing to Human Nature</a:t>
+            </a:r>
+          </a:p>
+        </p:txBody>
+      </p:sp>
+      <p:sp>
+        <p:nvSpPr>
+          <p:cNvPr id="3" name="Content Placeholder 2">
+            <a:extLst>
+              <a:ext uri="{FF2B5EF4-FFF2-40B4-BE49-F238E27FC236}">
+                <a16:creationId xmlns:a16="http://schemas.microsoft.com/office/drawing/2014/main" id="{38614445-E97F-4EB7-A9CF-27D818C15CC8}"/>
+              </a:ext>
+            </a:extLst>
+          </p:cNvPr>
+          <p:cNvSpPr>
+            <a:spLocks noGrp="1"/>
+          </p:cNvSpPr>
+          <p:nvPr>
+            <p:ph idx="1"/>
+          </p:nvPr>
+        </p:nvSpPr>
+        <p:spPr/>
+        <p:txBody>
+          <a:bodyPr/>
+          <a:lstStyle/>
+          <a:p>
+            <a:r>
+              <a:rPr lang="en-US" dirty="0"/>
+              <a:t>Universal Languages</a:t>
+            </a:r>
+          </a:p>
+          <a:p>
+            <a:r>
+              <a:rPr lang="en-US" dirty="0"/>
+              <a:t>Shared Activities</a:t>
+            </a:r>
+          </a:p>
+          <a:p>
+            <a:r>
+              <a:rPr lang="en-US" dirty="0"/>
+              <a:t>Amenities of a theoretical brick-and-mortar location</a:t>
+            </a:r>
+          </a:p>
+        </p:txBody>
+      </p:sp>
+    </p:spTree>
+    <p:extLst>
+      <p:ext uri="{BB962C8B-B14F-4D97-AF65-F5344CB8AC3E}">
+        <p14:creationId xmlns:p14="http://schemas.microsoft.com/office/powerpoint/2010/main" val="3588991441"/>
+      </p:ext>
+    </p:extLst>
+  </p:cSld>
+  <p:clrMapOvr>
+    <a:masterClrMapping/>
+  </p:clrMapOvr>
+</p:sld>
+</file>
+
+<file path=ppt/slides/slide9.xml><?xml version="1.0" encoding="utf-8"?>
+<p:sld xmlns:a="http://schemas.openxmlformats.org/drawingml/2006/main" xmlns:r="http://schemas.openxmlformats.org/officeDocument/2006/relationships" xmlns:p="http://schemas.openxmlformats.org/presentationml/2006/main">
+  <p:cSld>
+    <p:spTree>
+      <p:nvGrpSpPr>
+        <p:cNvPr id="1" name=""/>
+        <p:cNvGrpSpPr/>
+        <p:nvPr/>
+      </p:nvGrpSpPr>
+      <p:grpSpPr>
+        <a:xfrm>
+          <a:off x="0" y="0"/>
+          <a:ext cx="0" cy="0"/>
+          <a:chOff x="0" y="0"/>
+          <a:chExt cx="0" cy="0"/>
+        </a:xfrm>
+      </p:grpSpPr>
+      <p:sp>
+        <p:nvSpPr>
+          <p:cNvPr id="2" name="Title 1">
+            <a:extLst>
+              <a:ext uri="{FF2B5EF4-FFF2-40B4-BE49-F238E27FC236}">
+                <a16:creationId xmlns:a16="http://schemas.microsoft.com/office/drawing/2014/main" id="{436E6B99-EA4B-4CFC-8B53-A278E290312B}"/>
+              </a:ext>
+            </a:extLst>
+          </p:cNvPr>
+          <p:cNvSpPr>
+            <a:spLocks noGrp="1"/>
+          </p:cNvSpPr>
+          <p:nvPr>
+            <p:ph type="title"/>
+          </p:nvPr>
+        </p:nvSpPr>
+        <p:spPr/>
+        <p:txBody>
+          <a:bodyPr/>
+          <a:lstStyle/>
+          <a:p>
+            <a:r>
+              <a:rPr lang="en-US" dirty="0"/>
+              <a:t>Practical Challenges</a:t>
+            </a:r>
+          </a:p>
+        </p:txBody>
+      </p:sp>
+      <p:sp>
+        <p:nvSpPr>
+          <p:cNvPr id="3" name="Content Placeholder 2">
+            <a:extLst>
+              <a:ext uri="{FF2B5EF4-FFF2-40B4-BE49-F238E27FC236}">
+                <a16:creationId xmlns:a16="http://schemas.microsoft.com/office/drawing/2014/main" id="{66B4A99F-C54A-4282-B4E7-C53053C15A07}"/>
+              </a:ext>
+            </a:extLst>
+          </p:cNvPr>
+          <p:cNvSpPr>
+            <a:spLocks noGrp="1"/>
+          </p:cNvSpPr>
+          <p:nvPr>
+            <p:ph idx="1"/>
+          </p:nvPr>
+        </p:nvSpPr>
+        <p:spPr/>
+        <p:txBody>
+          <a:bodyPr/>
+          <a:lstStyle/>
+          <a:p>
+            <a:pPr marL="0" indent="0">
+              <a:buNone/>
+            </a:pPr>
+            <a:endParaRPr lang="en-US" dirty="0"/>
+          </a:p>
+        </p:txBody>
+      </p:sp>
+    </p:spTree>
+    <p:extLst>
+      <p:ext uri="{BB962C8B-B14F-4D97-AF65-F5344CB8AC3E}">
+        <p14:creationId xmlns:p14="http://schemas.microsoft.com/office/powerpoint/2010/main" val="3954596595"/>
       </p:ext>
     </p:extLst>
   </p:cSld>

--- a/Presentation/SocialHub_FrancisT_06_23_2020.pptx
+++ b/Presentation/SocialHub_FrancisT_06_23_2020.pptx
@@ -7,21 +7,23 @@
   <p:sldIdLst>
     <p:sldId id="256" r:id="rId2"/>
     <p:sldId id="259" r:id="rId3"/>
-    <p:sldId id="257" r:id="rId4"/>
-    <p:sldId id="260" r:id="rId5"/>
-    <p:sldId id="264" r:id="rId6"/>
-    <p:sldId id="261" r:id="rId7"/>
-    <p:sldId id="262" r:id="rId8"/>
-    <p:sldId id="263" r:id="rId9"/>
-    <p:sldId id="265" r:id="rId10"/>
-    <p:sldId id="266" r:id="rId11"/>
-    <p:sldId id="267" r:id="rId12"/>
-    <p:sldId id="268" r:id="rId13"/>
-    <p:sldId id="269" r:id="rId14"/>
-    <p:sldId id="270" r:id="rId15"/>
-    <p:sldId id="271" r:id="rId16"/>
-    <p:sldId id="272" r:id="rId17"/>
-    <p:sldId id="273" r:id="rId18"/>
+    <p:sldId id="276" r:id="rId4"/>
+    <p:sldId id="277" r:id="rId5"/>
+    <p:sldId id="257" r:id="rId6"/>
+    <p:sldId id="260" r:id="rId7"/>
+    <p:sldId id="264" r:id="rId8"/>
+    <p:sldId id="261" r:id="rId9"/>
+    <p:sldId id="262" r:id="rId10"/>
+    <p:sldId id="263" r:id="rId11"/>
+    <p:sldId id="274" r:id="rId12"/>
+    <p:sldId id="275" r:id="rId13"/>
+    <p:sldId id="266" r:id="rId14"/>
+    <p:sldId id="267" r:id="rId15"/>
+    <p:sldId id="268" r:id="rId16"/>
+    <p:sldId id="270" r:id="rId17"/>
+    <p:sldId id="271" r:id="rId18"/>
+    <p:sldId id="272" r:id="rId19"/>
+    <p:sldId id="273" r:id="rId20"/>
   </p:sldIdLst>
   <p:sldSz cx="12192000" cy="6858000"/>
   <p:notesSz cx="6858000" cy="9144000"/>
@@ -131,7 +133,7 @@
 <file path=ppt/revisionInfo.xml><?xml version="1.0" encoding="utf-8"?>
 <p1510:revInfo xmlns:a="http://schemas.openxmlformats.org/drawingml/2006/main" xmlns:r="http://schemas.openxmlformats.org/officeDocument/2006/relationships" xmlns:p1510="http://schemas.microsoft.com/office/powerpoint/2015/10/main">
   <p1510:revLst>
-    <p1510:client id="{E2F6CC62-A8FA-4CA3-B44E-705F9FC4EF55}" v="22" dt="2020-06-23T20:03:29.650"/>
+    <p1510:client id="{E2F6CC62-A8FA-4CA3-B44E-705F9FC4EF55}" v="45" dt="2020-06-24T18:48:24.480"/>
   </p1510:revLst>
 </p1510:revInfo>
 </file>
@@ -140,17 +142,40 @@
 <pc:chgInfo xmlns:a="http://schemas.openxmlformats.org/drawingml/2006/main" xmlns:r="http://schemas.openxmlformats.org/officeDocument/2006/relationships" xmlns:ac="http://schemas.microsoft.com/office/drawing/2013/main/command" xmlns:pc="http://schemas.microsoft.com/office/powerpoint/2013/main/command">
   <pc:docChgLst>
     <pc:chgData name="Francis, Thomas" userId="2e7f689e-290c-4746-ba0f-274b885931e9" providerId="ADAL" clId="{E2F6CC62-A8FA-4CA3-B44E-705F9FC4EF55}"/>
-    <pc:docChg chg="addSld modSld">
-      <pc:chgData name="Francis, Thomas" userId="2e7f689e-290c-4746-ba0f-274b885931e9" providerId="ADAL" clId="{E2F6CC62-A8FA-4CA3-B44E-705F9FC4EF55}" dt="2020-06-23T20:03:29.649" v="21"/>
+    <pc:docChg chg="undo custSel mod addSld delSld modSld">
+      <pc:chgData name="Francis, Thomas" userId="2e7f689e-290c-4746-ba0f-274b885931e9" providerId="ADAL" clId="{E2F6CC62-A8FA-4CA3-B44E-705F9FC4EF55}" dt="2020-06-24T19:51:51.960" v="5696" actId="20577"/>
       <pc:docMkLst>
         <pc:docMk/>
       </pc:docMkLst>
-      <pc:sldChg chg="add">
-        <pc:chgData name="Francis, Thomas" userId="2e7f689e-290c-4746-ba0f-274b885931e9" providerId="ADAL" clId="{E2F6CC62-A8FA-4CA3-B44E-705F9FC4EF55}" dt="2020-06-23T19:21:32.184" v="0"/>
+      <pc:sldChg chg="modSp">
+        <pc:chgData name="Francis, Thomas" userId="2e7f689e-290c-4746-ba0f-274b885931e9" providerId="ADAL" clId="{E2F6CC62-A8FA-4CA3-B44E-705F9FC4EF55}" dt="2020-06-24T16:26:21.569" v="3644" actId="114"/>
+        <pc:sldMkLst>
+          <pc:docMk/>
+          <pc:sldMk cId="118792049" sldId="256"/>
+        </pc:sldMkLst>
+        <pc:spChg chg="mod">
+          <ac:chgData name="Francis, Thomas" userId="2e7f689e-290c-4746-ba0f-274b885931e9" providerId="ADAL" clId="{E2F6CC62-A8FA-4CA3-B44E-705F9FC4EF55}" dt="2020-06-24T16:26:21.569" v="3644" actId="114"/>
+          <ac:spMkLst>
+            <pc:docMk/>
+            <pc:sldMk cId="118792049" sldId="256"/>
+            <ac:spMk id="3" creationId="{A6D36364-E33E-43B3-8292-544DD087E1A1}"/>
+          </ac:spMkLst>
+        </pc:spChg>
+      </pc:sldChg>
+      <pc:sldChg chg="modSp add">
+        <pc:chgData name="Francis, Thomas" userId="2e7f689e-290c-4746-ba0f-274b885931e9" providerId="ADAL" clId="{E2F6CC62-A8FA-4CA3-B44E-705F9FC4EF55}" dt="2020-06-24T18:43:40.049" v="4064" actId="20577"/>
         <pc:sldMkLst>
           <pc:docMk/>
           <pc:sldMk cId="3120845105" sldId="257"/>
         </pc:sldMkLst>
+        <pc:spChg chg="mod">
+          <ac:chgData name="Francis, Thomas" userId="2e7f689e-290c-4746-ba0f-274b885931e9" providerId="ADAL" clId="{E2F6CC62-A8FA-4CA3-B44E-705F9FC4EF55}" dt="2020-06-24T18:43:40.049" v="4064" actId="20577"/>
+          <ac:spMkLst>
+            <pc:docMk/>
+            <pc:sldMk cId="3120845105" sldId="257"/>
+            <ac:spMk id="3" creationId="{DA475984-AACC-404F-9DED-331D7A7B3FEF}"/>
+          </ac:spMkLst>
+        </pc:spChg>
       </pc:sldChg>
       <pc:sldChg chg="add">
         <pc:chgData name="Francis, Thomas" userId="2e7f689e-290c-4746-ba0f-274b885931e9" providerId="ADAL" clId="{E2F6CC62-A8FA-4CA3-B44E-705F9FC4EF55}" dt="2020-06-23T19:25:52.582" v="1"/>
@@ -159,91 +184,291 @@
           <pc:sldMk cId="3646455698" sldId="258"/>
         </pc:sldMkLst>
       </pc:sldChg>
-      <pc:sldChg chg="add">
-        <pc:chgData name="Francis, Thomas" userId="2e7f689e-290c-4746-ba0f-274b885931e9" providerId="ADAL" clId="{E2F6CC62-A8FA-4CA3-B44E-705F9FC4EF55}" dt="2020-06-23T19:27:40.992" v="2"/>
+      <pc:sldChg chg="modSp add">
+        <pc:chgData name="Francis, Thomas" userId="2e7f689e-290c-4746-ba0f-274b885931e9" providerId="ADAL" clId="{E2F6CC62-A8FA-4CA3-B44E-705F9FC4EF55}" dt="2020-06-24T18:20:12.472" v="3649"/>
         <pc:sldMkLst>
           <pc:docMk/>
           <pc:sldMk cId="2261067227" sldId="259"/>
         </pc:sldMkLst>
+        <pc:spChg chg="mod">
+          <ac:chgData name="Francis, Thomas" userId="2e7f689e-290c-4746-ba0f-274b885931e9" providerId="ADAL" clId="{E2F6CC62-A8FA-4CA3-B44E-705F9FC4EF55}" dt="2020-06-24T18:20:12.472" v="3649"/>
+          <ac:spMkLst>
+            <pc:docMk/>
+            <pc:sldMk cId="2261067227" sldId="259"/>
+            <ac:spMk id="3" creationId="{2ACBEB85-D66C-4239-B404-B1EAD1E1AB74}"/>
+          </ac:spMkLst>
+        </pc:spChg>
       </pc:sldChg>
-      <pc:sldChg chg="add">
-        <pc:chgData name="Francis, Thomas" userId="2e7f689e-290c-4746-ba0f-274b885931e9" providerId="ADAL" clId="{E2F6CC62-A8FA-4CA3-B44E-705F9FC4EF55}" dt="2020-06-23T19:29:19.158" v="3"/>
+      <pc:sldChg chg="addSp delSp modSp add mod setBg">
+        <pc:chgData name="Francis, Thomas" userId="2e7f689e-290c-4746-ba0f-274b885931e9" providerId="ADAL" clId="{E2F6CC62-A8FA-4CA3-B44E-705F9FC4EF55}" dt="2020-06-24T18:49:00.105" v="4173" actId="20577"/>
         <pc:sldMkLst>
           <pc:docMk/>
           <pc:sldMk cId="1218510847" sldId="260"/>
         </pc:sldMkLst>
+        <pc:spChg chg="mod">
+          <ac:chgData name="Francis, Thomas" userId="2e7f689e-290c-4746-ba0f-274b885931e9" providerId="ADAL" clId="{E2F6CC62-A8FA-4CA3-B44E-705F9FC4EF55}" dt="2020-06-24T18:48:45.793" v="4167" actId="26606"/>
+          <ac:spMkLst>
+            <pc:docMk/>
+            <pc:sldMk cId="1218510847" sldId="260"/>
+            <ac:spMk id="2" creationId="{0E9E9493-B9AD-4917-A903-3B6FE53A9442}"/>
+          </ac:spMkLst>
+        </pc:spChg>
+        <pc:spChg chg="mod">
+          <ac:chgData name="Francis, Thomas" userId="2e7f689e-290c-4746-ba0f-274b885931e9" providerId="ADAL" clId="{E2F6CC62-A8FA-4CA3-B44E-705F9FC4EF55}" dt="2020-06-24T18:49:00.105" v="4173" actId="20577"/>
+          <ac:spMkLst>
+            <pc:docMk/>
+            <pc:sldMk cId="1218510847" sldId="260"/>
+            <ac:spMk id="3" creationId="{CFCB06AD-75C0-48A3-9D8C-FF5CEE3919A4}"/>
+          </ac:spMkLst>
+        </pc:spChg>
+        <pc:spChg chg="add del">
+          <ac:chgData name="Francis, Thomas" userId="2e7f689e-290c-4746-ba0f-274b885931e9" providerId="ADAL" clId="{E2F6CC62-A8FA-4CA3-B44E-705F9FC4EF55}" dt="2020-06-24T18:48:45.777" v="4166" actId="26606"/>
+          <ac:spMkLst>
+            <pc:docMk/>
+            <pc:sldMk cId="1218510847" sldId="260"/>
+            <ac:spMk id="8" creationId="{19FE08D8-CEA0-461E-870A-02CD15D9B9D2}"/>
+          </ac:spMkLst>
+        </pc:spChg>
+        <pc:spChg chg="add del">
+          <ac:chgData name="Francis, Thomas" userId="2e7f689e-290c-4746-ba0f-274b885931e9" providerId="ADAL" clId="{E2F6CC62-A8FA-4CA3-B44E-705F9FC4EF55}" dt="2020-06-24T18:48:45.777" v="4166" actId="26606"/>
+          <ac:spMkLst>
+            <pc:docMk/>
+            <pc:sldMk cId="1218510847" sldId="260"/>
+            <ac:spMk id="10" creationId="{2B982904-A46E-41DF-BA98-61E2300C7DCB}"/>
+          </ac:spMkLst>
+        </pc:spChg>
+        <pc:spChg chg="add del">
+          <ac:chgData name="Francis, Thomas" userId="2e7f689e-290c-4746-ba0f-274b885931e9" providerId="ADAL" clId="{E2F6CC62-A8FA-4CA3-B44E-705F9FC4EF55}" dt="2020-06-24T18:48:45.777" v="4166" actId="26606"/>
+          <ac:spMkLst>
+            <pc:docMk/>
+            <pc:sldMk cId="1218510847" sldId="260"/>
+            <ac:spMk id="12" creationId="{27018161-547E-48F7-A0D9-272C9EA5B379}"/>
+          </ac:spMkLst>
+        </pc:spChg>
+        <pc:spChg chg="add">
+          <ac:chgData name="Francis, Thomas" userId="2e7f689e-290c-4746-ba0f-274b885931e9" providerId="ADAL" clId="{E2F6CC62-A8FA-4CA3-B44E-705F9FC4EF55}" dt="2020-06-24T18:48:45.793" v="4167" actId="26606"/>
+          <ac:spMkLst>
+            <pc:docMk/>
+            <pc:sldMk cId="1218510847" sldId="260"/>
+            <ac:spMk id="27" creationId="{CD306B45-25EE-434D-ABA9-A27B79320CFF}"/>
+          </ac:spMkLst>
+        </pc:spChg>
+        <pc:spChg chg="add">
+          <ac:chgData name="Francis, Thomas" userId="2e7f689e-290c-4746-ba0f-274b885931e9" providerId="ADAL" clId="{E2F6CC62-A8FA-4CA3-B44E-705F9FC4EF55}" dt="2020-06-24T18:48:45.793" v="4167" actId="26606"/>
+          <ac:spMkLst>
+            <pc:docMk/>
+            <pc:sldMk cId="1218510847" sldId="260"/>
+            <ac:spMk id="28" creationId="{0A42F85E-4939-431E-8B4A-EC07C8E0AB65}"/>
+          </ac:spMkLst>
+        </pc:spChg>
+        <pc:grpChg chg="add">
+          <ac:chgData name="Francis, Thomas" userId="2e7f689e-290c-4746-ba0f-274b885931e9" providerId="ADAL" clId="{E2F6CC62-A8FA-4CA3-B44E-705F9FC4EF55}" dt="2020-06-24T18:48:45.793" v="4167" actId="26606"/>
+          <ac:grpSpMkLst>
+            <pc:docMk/>
+            <pc:sldMk cId="1218510847" sldId="260"/>
+            <ac:grpSpMk id="14" creationId="{5D2B17EF-74EB-4C33-B2E2-8E727B2E7D68}"/>
+          </ac:grpSpMkLst>
+        </pc:grpChg>
+        <pc:cxnChg chg="add">
+          <ac:chgData name="Francis, Thomas" userId="2e7f689e-290c-4746-ba0f-274b885931e9" providerId="ADAL" clId="{E2F6CC62-A8FA-4CA3-B44E-705F9FC4EF55}" dt="2020-06-24T18:48:45.793" v="4167" actId="26606"/>
+          <ac:cxnSpMkLst>
+            <pc:docMk/>
+            <pc:sldMk cId="1218510847" sldId="260"/>
+            <ac:cxnSpMk id="29" creationId="{27EBB3F9-D6F7-4F6A-8843-9FEBA15E4969}"/>
+          </ac:cxnSpMkLst>
+        </pc:cxnChg>
       </pc:sldChg>
-      <pc:sldChg chg="add">
-        <pc:chgData name="Francis, Thomas" userId="2e7f689e-290c-4746-ba0f-274b885931e9" providerId="ADAL" clId="{E2F6CC62-A8FA-4CA3-B44E-705F9FC4EF55}" dt="2020-06-23T19:30:46.506" v="4"/>
+      <pc:sldChg chg="addSp modSp add mod setBg">
+        <pc:chgData name="Francis, Thomas" userId="2e7f689e-290c-4746-ba0f-274b885931e9" providerId="ADAL" clId="{E2F6CC62-A8FA-4CA3-B44E-705F9FC4EF55}" dt="2020-06-24T19:46:21.782" v="5356" actId="20577"/>
         <pc:sldMkLst>
           <pc:docMk/>
           <pc:sldMk cId="1869608470" sldId="261"/>
         </pc:sldMkLst>
+        <pc:spChg chg="mod">
+          <ac:chgData name="Francis, Thomas" userId="2e7f689e-290c-4746-ba0f-274b885931e9" providerId="ADAL" clId="{E2F6CC62-A8FA-4CA3-B44E-705F9FC4EF55}" dt="2020-06-24T19:04:29.280" v="5304" actId="26606"/>
+          <ac:spMkLst>
+            <pc:docMk/>
+            <pc:sldMk cId="1869608470" sldId="261"/>
+            <ac:spMk id="2" creationId="{EB55CCCA-E5E2-4C6E-A942-18132981FBAF}"/>
+          </ac:spMkLst>
+        </pc:spChg>
+        <pc:spChg chg="mod">
+          <ac:chgData name="Francis, Thomas" userId="2e7f689e-290c-4746-ba0f-274b885931e9" providerId="ADAL" clId="{E2F6CC62-A8FA-4CA3-B44E-705F9FC4EF55}" dt="2020-06-24T19:46:21.782" v="5356" actId="20577"/>
+          <ac:spMkLst>
+            <pc:docMk/>
+            <pc:sldMk cId="1869608470" sldId="261"/>
+            <ac:spMk id="3" creationId="{9D92BAF7-0615-4FB6-B39B-9CDCF6D1CA74}"/>
+          </ac:spMkLst>
+        </pc:spChg>
+        <pc:spChg chg="add">
+          <ac:chgData name="Francis, Thomas" userId="2e7f689e-290c-4746-ba0f-274b885931e9" providerId="ADAL" clId="{E2F6CC62-A8FA-4CA3-B44E-705F9FC4EF55}" dt="2020-06-24T19:04:29.280" v="5304" actId="26606"/>
+          <ac:spMkLst>
+            <pc:docMk/>
+            <pc:sldMk cId="1869608470" sldId="261"/>
+            <ac:spMk id="8" creationId="{83030214-227F-42DB-9282-BBA6AF8D94A8}"/>
+          </ac:spMkLst>
+        </pc:spChg>
+        <pc:spChg chg="add">
+          <ac:chgData name="Francis, Thomas" userId="2e7f689e-290c-4746-ba0f-274b885931e9" providerId="ADAL" clId="{E2F6CC62-A8FA-4CA3-B44E-705F9FC4EF55}" dt="2020-06-24T19:04:29.280" v="5304" actId="26606"/>
+          <ac:spMkLst>
+            <pc:docMk/>
+            <pc:sldMk cId="1869608470" sldId="261"/>
+            <ac:spMk id="10" creationId="{0D7A9289-BAD1-4A78-979F-A655C886DBF5}"/>
+          </ac:spMkLst>
+        </pc:spChg>
       </pc:sldChg>
-      <pc:sldChg chg="add">
-        <pc:chgData name="Francis, Thomas" userId="2e7f689e-290c-4746-ba0f-274b885931e9" providerId="ADAL" clId="{E2F6CC62-A8FA-4CA3-B44E-705F9FC4EF55}" dt="2020-06-23T19:31:18.217" v="5"/>
+      <pc:sldChg chg="modSp add">
+        <pc:chgData name="Francis, Thomas" userId="2e7f689e-290c-4746-ba0f-274b885931e9" providerId="ADAL" clId="{E2F6CC62-A8FA-4CA3-B44E-705F9FC4EF55}" dt="2020-06-24T19:48:34.940" v="5590" actId="20577"/>
         <pc:sldMkLst>
           <pc:docMk/>
           <pc:sldMk cId="3390689853" sldId="262"/>
         </pc:sldMkLst>
+        <pc:spChg chg="mod">
+          <ac:chgData name="Francis, Thomas" userId="2e7f689e-290c-4746-ba0f-274b885931e9" providerId="ADAL" clId="{E2F6CC62-A8FA-4CA3-B44E-705F9FC4EF55}" dt="2020-06-24T19:48:34.940" v="5590" actId="20577"/>
+          <ac:spMkLst>
+            <pc:docMk/>
+            <pc:sldMk cId="3390689853" sldId="262"/>
+            <ac:spMk id="3" creationId="{69F4B873-5DDA-4F2C-8891-E4BC94C1F90B}"/>
+          </ac:spMkLst>
+        </pc:spChg>
       </pc:sldChg>
-      <pc:sldChg chg="add">
-        <pc:chgData name="Francis, Thomas" userId="2e7f689e-290c-4746-ba0f-274b885931e9" providerId="ADAL" clId="{E2F6CC62-A8FA-4CA3-B44E-705F9FC4EF55}" dt="2020-06-23T19:31:36.099" v="6"/>
+      <pc:sldChg chg="modSp add">
+        <pc:chgData name="Francis, Thomas" userId="2e7f689e-290c-4746-ba0f-274b885931e9" providerId="ADAL" clId="{E2F6CC62-A8FA-4CA3-B44E-705F9FC4EF55}" dt="2020-06-24T19:51:17.084" v="5689" actId="20577"/>
         <pc:sldMkLst>
           <pc:docMk/>
           <pc:sldMk cId="3588991441" sldId="263"/>
         </pc:sldMkLst>
+        <pc:spChg chg="mod">
+          <ac:chgData name="Francis, Thomas" userId="2e7f689e-290c-4746-ba0f-274b885931e9" providerId="ADAL" clId="{E2F6CC62-A8FA-4CA3-B44E-705F9FC4EF55}" dt="2020-06-24T19:51:17.084" v="5689" actId="20577"/>
+          <ac:spMkLst>
+            <pc:docMk/>
+            <pc:sldMk cId="3588991441" sldId="263"/>
+            <ac:spMk id="3" creationId="{38614445-E97F-4EB7-A9CF-27D818C15CC8}"/>
+          </ac:spMkLst>
+        </pc:spChg>
       </pc:sldChg>
-      <pc:sldChg chg="modSp add">
-        <pc:chgData name="Francis, Thomas" userId="2e7f689e-290c-4746-ba0f-274b885931e9" providerId="ADAL" clId="{E2F6CC62-A8FA-4CA3-B44E-705F9FC4EF55}" dt="2020-06-23T19:36:32.553" v="8"/>
+      <pc:sldChg chg="addSp modSp add mod setBg">
+        <pc:chgData name="Francis, Thomas" userId="2e7f689e-290c-4746-ba0f-274b885931e9" providerId="ADAL" clId="{E2F6CC62-A8FA-4CA3-B44E-705F9FC4EF55}" dt="2020-06-24T18:53:29.284" v="4424" actId="26606"/>
         <pc:sldMkLst>
           <pc:docMk/>
           <pc:sldMk cId="2857083325" sldId="264"/>
         </pc:sldMkLst>
         <pc:spChg chg="mod">
-          <ac:chgData name="Francis, Thomas" userId="2e7f689e-290c-4746-ba0f-274b885931e9" providerId="ADAL" clId="{E2F6CC62-A8FA-4CA3-B44E-705F9FC4EF55}" dt="2020-06-23T19:36:32.553" v="8"/>
+          <ac:chgData name="Francis, Thomas" userId="2e7f689e-290c-4746-ba0f-274b885931e9" providerId="ADAL" clId="{E2F6CC62-A8FA-4CA3-B44E-705F9FC4EF55}" dt="2020-06-24T18:53:29.284" v="4424" actId="26606"/>
           <ac:spMkLst>
             <pc:docMk/>
             <pc:sldMk cId="2857083325" sldId="264"/>
             <ac:spMk id="2" creationId="{03A83AAA-7579-4CCF-B549-55E15067F0C9}"/>
           </ac:spMkLst>
         </pc:spChg>
+        <pc:spChg chg="mod">
+          <ac:chgData name="Francis, Thomas" userId="2e7f689e-290c-4746-ba0f-274b885931e9" providerId="ADAL" clId="{E2F6CC62-A8FA-4CA3-B44E-705F9FC4EF55}" dt="2020-06-24T18:53:29.284" v="4424" actId="26606"/>
+          <ac:spMkLst>
+            <pc:docMk/>
+            <pc:sldMk cId="2857083325" sldId="264"/>
+            <ac:spMk id="3" creationId="{A5953C17-5FCD-4DAC-B513-0B581147CD2E}"/>
+          </ac:spMkLst>
+        </pc:spChg>
+        <pc:spChg chg="add">
+          <ac:chgData name="Francis, Thomas" userId="2e7f689e-290c-4746-ba0f-274b885931e9" providerId="ADAL" clId="{E2F6CC62-A8FA-4CA3-B44E-705F9FC4EF55}" dt="2020-06-24T18:53:29.284" v="4424" actId="26606"/>
+          <ac:spMkLst>
+            <pc:docMk/>
+            <pc:sldMk cId="2857083325" sldId="264"/>
+            <ac:spMk id="8" creationId="{CD306B45-25EE-434D-ABA9-A27B79320CFF}"/>
+          </ac:spMkLst>
+        </pc:spChg>
+        <pc:spChg chg="add">
+          <ac:chgData name="Francis, Thomas" userId="2e7f689e-290c-4746-ba0f-274b885931e9" providerId="ADAL" clId="{E2F6CC62-A8FA-4CA3-B44E-705F9FC4EF55}" dt="2020-06-24T18:53:29.284" v="4424" actId="26606"/>
+          <ac:spMkLst>
+            <pc:docMk/>
+            <pc:sldMk cId="2857083325" sldId="264"/>
+            <ac:spMk id="10" creationId="{0A42F85E-4939-431E-8B4A-EC07C8E0AB65}"/>
+          </ac:spMkLst>
+        </pc:spChg>
+        <pc:grpChg chg="add">
+          <ac:chgData name="Francis, Thomas" userId="2e7f689e-290c-4746-ba0f-274b885931e9" providerId="ADAL" clId="{E2F6CC62-A8FA-4CA3-B44E-705F9FC4EF55}" dt="2020-06-24T18:53:29.284" v="4424" actId="26606"/>
+          <ac:grpSpMkLst>
+            <pc:docMk/>
+            <pc:sldMk cId="2857083325" sldId="264"/>
+            <ac:grpSpMk id="14" creationId="{5D2B17EF-74EB-4C33-B2E2-8E727B2E7D68}"/>
+          </ac:grpSpMkLst>
+        </pc:grpChg>
+        <pc:cxnChg chg="add">
+          <ac:chgData name="Francis, Thomas" userId="2e7f689e-290c-4746-ba0f-274b885931e9" providerId="ADAL" clId="{E2F6CC62-A8FA-4CA3-B44E-705F9FC4EF55}" dt="2020-06-24T18:53:29.284" v="4424" actId="26606"/>
+          <ac:cxnSpMkLst>
+            <pc:docMk/>
+            <pc:sldMk cId="2857083325" sldId="264"/>
+            <ac:cxnSpMk id="12" creationId="{27EBB3F9-D6F7-4F6A-8843-9FEBA15E4969}"/>
+          </ac:cxnSpMkLst>
+        </pc:cxnChg>
       </pc:sldChg>
-      <pc:sldChg chg="add">
-        <pc:chgData name="Francis, Thomas" userId="2e7f689e-290c-4746-ba0f-274b885931e9" providerId="ADAL" clId="{E2F6CC62-A8FA-4CA3-B44E-705F9FC4EF55}" dt="2020-06-23T19:37:06.500" v="9"/>
+      <pc:sldChg chg="add del">
+        <pc:chgData name="Francis, Thomas" userId="2e7f689e-290c-4746-ba0f-274b885931e9" providerId="ADAL" clId="{E2F6CC62-A8FA-4CA3-B44E-705F9FC4EF55}" dt="2020-06-24T15:51:13.515" v="2281" actId="2696"/>
         <pc:sldMkLst>
           <pc:docMk/>
           <pc:sldMk cId="3954596595" sldId="265"/>
         </pc:sldMkLst>
       </pc:sldChg>
-      <pc:sldChg chg="add">
-        <pc:chgData name="Francis, Thomas" userId="2e7f689e-290c-4746-ba0f-274b885931e9" providerId="ADAL" clId="{E2F6CC62-A8FA-4CA3-B44E-705F9FC4EF55}" dt="2020-06-23T19:37:32.212" v="10"/>
+      <pc:sldChg chg="modSp add">
+        <pc:chgData name="Francis, Thomas" userId="2e7f689e-290c-4746-ba0f-274b885931e9" providerId="ADAL" clId="{E2F6CC62-A8FA-4CA3-B44E-705F9FC4EF55}" dt="2020-06-24T15:52:35.792" v="2309" actId="20577"/>
         <pc:sldMkLst>
           <pc:docMk/>
           <pc:sldMk cId="769491226" sldId="266"/>
         </pc:sldMkLst>
+        <pc:spChg chg="mod">
+          <ac:chgData name="Francis, Thomas" userId="2e7f689e-290c-4746-ba0f-274b885931e9" providerId="ADAL" clId="{E2F6CC62-A8FA-4CA3-B44E-705F9FC4EF55}" dt="2020-06-24T15:52:35.792" v="2309" actId="20577"/>
+          <ac:spMkLst>
+            <pc:docMk/>
+            <pc:sldMk cId="769491226" sldId="266"/>
+            <ac:spMk id="2" creationId="{4662463E-1C73-4495-9B05-DD94995DA51C}"/>
+          </ac:spMkLst>
+        </pc:spChg>
+        <pc:spChg chg="mod">
+          <ac:chgData name="Francis, Thomas" userId="2e7f689e-290c-4746-ba0f-274b885931e9" providerId="ADAL" clId="{E2F6CC62-A8FA-4CA3-B44E-705F9FC4EF55}" dt="2020-06-24T15:39:23.522" v="1975" actId="20577"/>
+          <ac:spMkLst>
+            <pc:docMk/>
+            <pc:sldMk cId="769491226" sldId="266"/>
+            <ac:spMk id="3" creationId="{C83C7887-2280-44A9-A116-CC573F03482B}"/>
+          </ac:spMkLst>
+        </pc:spChg>
       </pc:sldChg>
       <pc:sldChg chg="modSp add">
-        <pc:chgData name="Francis, Thomas" userId="2e7f689e-290c-4746-ba0f-274b885931e9" providerId="ADAL" clId="{E2F6CC62-A8FA-4CA3-B44E-705F9FC4EF55}" dt="2020-06-23T19:40:22.187" v="12"/>
+        <pc:chgData name="Francis, Thomas" userId="2e7f689e-290c-4746-ba0f-274b885931e9" providerId="ADAL" clId="{E2F6CC62-A8FA-4CA3-B44E-705F9FC4EF55}" dt="2020-06-24T16:19:19.486" v="3595" actId="20577"/>
         <pc:sldMkLst>
           <pc:docMk/>
           <pc:sldMk cId="2268850528" sldId="267"/>
         </pc:sldMkLst>
         <pc:spChg chg="mod">
-          <ac:chgData name="Francis, Thomas" userId="2e7f689e-290c-4746-ba0f-274b885931e9" providerId="ADAL" clId="{E2F6CC62-A8FA-4CA3-B44E-705F9FC4EF55}" dt="2020-06-23T19:40:22.187" v="12"/>
+          <ac:chgData name="Francis, Thomas" userId="2e7f689e-290c-4746-ba0f-274b885931e9" providerId="ADAL" clId="{E2F6CC62-A8FA-4CA3-B44E-705F9FC4EF55}" dt="2020-06-24T15:53:45.259" v="2421" actId="20577"/>
           <ac:spMkLst>
             <pc:docMk/>
             <pc:sldMk cId="2268850528" sldId="267"/>
             <ac:spMk id="2" creationId="{B3037C3D-BFC2-4468-9E2B-915398E1B4AA}"/>
           </ac:spMkLst>
         </pc:spChg>
+        <pc:spChg chg="mod">
+          <ac:chgData name="Francis, Thomas" userId="2e7f689e-290c-4746-ba0f-274b885931e9" providerId="ADAL" clId="{E2F6CC62-A8FA-4CA3-B44E-705F9FC4EF55}" dt="2020-06-24T16:19:19.486" v="3595" actId="20577"/>
+          <ac:spMkLst>
+            <pc:docMk/>
+            <pc:sldMk cId="2268850528" sldId="267"/>
+            <ac:spMk id="3" creationId="{82D175DE-DD27-4B6D-A263-AF7633BD39F3}"/>
+          </ac:spMkLst>
+        </pc:spChg>
       </pc:sldChg>
-      <pc:sldChg chg="add">
-        <pc:chgData name="Francis, Thomas" userId="2e7f689e-290c-4746-ba0f-274b885931e9" providerId="ADAL" clId="{E2F6CC62-A8FA-4CA3-B44E-705F9FC4EF55}" dt="2020-06-23T19:41:19.089" v="15"/>
+      <pc:sldChg chg="modSp add">
+        <pc:chgData name="Francis, Thomas" userId="2e7f689e-290c-4746-ba0f-274b885931e9" providerId="ADAL" clId="{E2F6CC62-A8FA-4CA3-B44E-705F9FC4EF55}" dt="2020-06-24T16:02:42.602" v="3189" actId="20577"/>
         <pc:sldMkLst>
           <pc:docMk/>
           <pc:sldMk cId="1372409126" sldId="268"/>
         </pc:sldMkLst>
+        <pc:spChg chg="mod">
+          <ac:chgData name="Francis, Thomas" userId="2e7f689e-290c-4746-ba0f-274b885931e9" providerId="ADAL" clId="{E2F6CC62-A8FA-4CA3-B44E-705F9FC4EF55}" dt="2020-06-24T16:02:42.602" v="3189" actId="20577"/>
+          <ac:spMkLst>
+            <pc:docMk/>
+            <pc:sldMk cId="1372409126" sldId="268"/>
+            <ac:spMk id="3" creationId="{D42A00CE-02EC-46F2-9902-98278BC8FA74}"/>
+          </ac:spMkLst>
+        </pc:spChg>
       </pc:sldChg>
       <pc:sldChg chg="modSp add">
         <pc:chgData name="Francis, Thomas" userId="2e7f689e-290c-4746-ba0f-274b885931e9" providerId="ADAL" clId="{E2F6CC62-A8FA-4CA3-B44E-705F9FC4EF55}" dt="2020-06-23T19:40:44.097" v="14"/>
@@ -260,18 +485,26 @@
           </ac:spMkLst>
         </pc:spChg>
       </pc:sldChg>
-      <pc:sldChg chg="modSp add">
-        <pc:chgData name="Francis, Thomas" userId="2e7f689e-290c-4746-ba0f-274b885931e9" providerId="ADAL" clId="{E2F6CC62-A8FA-4CA3-B44E-705F9FC4EF55}" dt="2020-06-23T19:44:39.336" v="17"/>
+      <pc:sldChg chg="modSp add del">
+        <pc:chgData name="Francis, Thomas" userId="2e7f689e-290c-4746-ba0f-274b885931e9" providerId="ADAL" clId="{E2F6CC62-A8FA-4CA3-B44E-705F9FC4EF55}" dt="2020-06-24T16:15:46.176" v="3377" actId="2696"/>
         <pc:sldMkLst>
           <pc:docMk/>
           <pc:sldMk cId="3782560227" sldId="269"/>
         </pc:sldMkLst>
         <pc:spChg chg="mod">
-          <ac:chgData name="Francis, Thomas" userId="2e7f689e-290c-4746-ba0f-274b885931e9" providerId="ADAL" clId="{E2F6CC62-A8FA-4CA3-B44E-705F9FC4EF55}" dt="2020-06-23T19:44:39.336" v="17"/>
+          <ac:chgData name="Francis, Thomas" userId="2e7f689e-290c-4746-ba0f-274b885931e9" providerId="ADAL" clId="{E2F6CC62-A8FA-4CA3-B44E-705F9FC4EF55}" dt="2020-06-24T16:15:01.670" v="3349" actId="20577"/>
           <ac:spMkLst>
             <pc:docMk/>
             <pc:sldMk cId="3782560227" sldId="269"/>
             <ac:spMk id="2" creationId="{C8C62815-189A-4B56-BE46-22DD75FF65EF}"/>
+          </ac:spMkLst>
+        </pc:spChg>
+        <pc:spChg chg="mod">
+          <ac:chgData name="Francis, Thomas" userId="2e7f689e-290c-4746-ba0f-274b885931e9" providerId="ADAL" clId="{E2F6CC62-A8FA-4CA3-B44E-705F9FC4EF55}" dt="2020-06-24T16:15:39.750" v="3376" actId="5793"/>
+          <ac:spMkLst>
+            <pc:docMk/>
+            <pc:sldMk cId="3782560227" sldId="269"/>
+            <ac:spMk id="3" creationId="{BE5FF881-FCB7-4DA1-8287-9465D4AC7E47}"/>
           </ac:spMkLst>
         </pc:spChg>
       </pc:sldChg>
@@ -282,26 +515,206 @@
           <pc:sldMk cId="3084942385" sldId="270"/>
         </pc:sldMkLst>
       </pc:sldChg>
-      <pc:sldChg chg="add">
-        <pc:chgData name="Francis, Thomas" userId="2e7f689e-290c-4746-ba0f-274b885931e9" providerId="ADAL" clId="{E2F6CC62-A8FA-4CA3-B44E-705F9FC4EF55}" dt="2020-06-23T19:49:29.744" v="19"/>
+      <pc:sldChg chg="modSp add">
+        <pc:chgData name="Francis, Thomas" userId="2e7f689e-290c-4746-ba0f-274b885931e9" providerId="ADAL" clId="{E2F6CC62-A8FA-4CA3-B44E-705F9FC4EF55}" dt="2020-06-24T16:19:59.666" v="3629" actId="20577"/>
         <pc:sldMkLst>
           <pc:docMk/>
           <pc:sldMk cId="2554370827" sldId="271"/>
         </pc:sldMkLst>
+        <pc:spChg chg="mod">
+          <ac:chgData name="Francis, Thomas" userId="2e7f689e-290c-4746-ba0f-274b885931e9" providerId="ADAL" clId="{E2F6CC62-A8FA-4CA3-B44E-705F9FC4EF55}" dt="2020-06-24T16:19:59.666" v="3629" actId="20577"/>
+          <ac:spMkLst>
+            <pc:docMk/>
+            <pc:sldMk cId="2554370827" sldId="271"/>
+            <ac:spMk id="3" creationId="{092F2695-6742-4FC6-BCF3-A1BA616EF10F}"/>
+          </ac:spMkLst>
+        </pc:spChg>
       </pc:sldChg>
-      <pc:sldChg chg="add">
-        <pc:chgData name="Francis, Thomas" userId="2e7f689e-290c-4746-ba0f-274b885931e9" providerId="ADAL" clId="{E2F6CC62-A8FA-4CA3-B44E-705F9FC4EF55}" dt="2020-06-23T19:51:38.718" v="20"/>
+      <pc:sldChg chg="modSp add">
+        <pc:chgData name="Francis, Thomas" userId="2e7f689e-290c-4746-ba0f-274b885931e9" providerId="ADAL" clId="{E2F6CC62-A8FA-4CA3-B44E-705F9FC4EF55}" dt="2020-06-24T15:43:43.970" v="2034" actId="20577"/>
         <pc:sldMkLst>
           <pc:docMk/>
           <pc:sldMk cId="3345576059" sldId="272"/>
         </pc:sldMkLst>
+        <pc:spChg chg="mod">
+          <ac:chgData name="Francis, Thomas" userId="2e7f689e-290c-4746-ba0f-274b885931e9" providerId="ADAL" clId="{E2F6CC62-A8FA-4CA3-B44E-705F9FC4EF55}" dt="2020-06-24T15:43:43.970" v="2034" actId="20577"/>
+          <ac:spMkLst>
+            <pc:docMk/>
+            <pc:sldMk cId="3345576059" sldId="272"/>
+            <ac:spMk id="3" creationId="{71DB8266-80FE-4AE4-8A09-30C2E2B143AA}"/>
+          </ac:spMkLst>
+        </pc:spChg>
       </pc:sldChg>
-      <pc:sldChg chg="add">
-        <pc:chgData name="Francis, Thomas" userId="2e7f689e-290c-4746-ba0f-274b885931e9" providerId="ADAL" clId="{E2F6CC62-A8FA-4CA3-B44E-705F9FC4EF55}" dt="2020-06-23T20:03:29.649" v="21"/>
+      <pc:sldChg chg="modSp add">
+        <pc:chgData name="Francis, Thomas" userId="2e7f689e-290c-4746-ba0f-274b885931e9" providerId="ADAL" clId="{E2F6CC62-A8FA-4CA3-B44E-705F9FC4EF55}" dt="2020-06-24T16:03:21.094" v="3201" actId="20577"/>
         <pc:sldMkLst>
           <pc:docMk/>
           <pc:sldMk cId="3166939221" sldId="273"/>
         </pc:sldMkLst>
+        <pc:spChg chg="mod">
+          <ac:chgData name="Francis, Thomas" userId="2e7f689e-290c-4746-ba0f-274b885931e9" providerId="ADAL" clId="{E2F6CC62-A8FA-4CA3-B44E-705F9FC4EF55}" dt="2020-06-24T16:03:11.206" v="3193" actId="20577"/>
+          <ac:spMkLst>
+            <pc:docMk/>
+            <pc:sldMk cId="3166939221" sldId="273"/>
+            <ac:spMk id="2" creationId="{0B49C125-978B-4A83-AF64-24CCB912E43E}"/>
+          </ac:spMkLst>
+        </pc:spChg>
+        <pc:spChg chg="mod">
+          <ac:chgData name="Francis, Thomas" userId="2e7f689e-290c-4746-ba0f-274b885931e9" providerId="ADAL" clId="{E2F6CC62-A8FA-4CA3-B44E-705F9FC4EF55}" dt="2020-06-24T16:03:21.094" v="3201" actId="20577"/>
+          <ac:spMkLst>
+            <pc:docMk/>
+            <pc:sldMk cId="3166939221" sldId="273"/>
+            <ac:spMk id="3" creationId="{4EDA088C-672F-4FD5-BCB0-9D0AA8F203F3}"/>
+          </ac:spMkLst>
+        </pc:spChg>
+      </pc:sldChg>
+      <pc:sldChg chg="modSp add">
+        <pc:chgData name="Francis, Thomas" userId="2e7f689e-290c-4746-ba0f-274b885931e9" providerId="ADAL" clId="{E2F6CC62-A8FA-4CA3-B44E-705F9FC4EF55}" dt="2020-06-24T19:51:51.960" v="5696" actId="20577"/>
+        <pc:sldMkLst>
+          <pc:docMk/>
+          <pc:sldMk cId="802107649" sldId="274"/>
+        </pc:sldMkLst>
+        <pc:spChg chg="mod">
+          <ac:chgData name="Francis, Thomas" userId="2e7f689e-290c-4746-ba0f-274b885931e9" providerId="ADAL" clId="{E2F6CC62-A8FA-4CA3-B44E-705F9FC4EF55}" dt="2020-06-24T15:29:40.411" v="1186" actId="20577"/>
+          <ac:spMkLst>
+            <pc:docMk/>
+            <pc:sldMk cId="802107649" sldId="274"/>
+            <ac:spMk id="2" creationId="{C655FAB0-2617-44E7-B26F-B2A0B76DA4C5}"/>
+          </ac:spMkLst>
+        </pc:spChg>
+        <pc:spChg chg="mod">
+          <ac:chgData name="Francis, Thomas" userId="2e7f689e-290c-4746-ba0f-274b885931e9" providerId="ADAL" clId="{E2F6CC62-A8FA-4CA3-B44E-705F9FC4EF55}" dt="2020-06-24T19:51:51.960" v="5696" actId="20577"/>
+          <ac:spMkLst>
+            <pc:docMk/>
+            <pc:sldMk cId="802107649" sldId="274"/>
+            <ac:spMk id="3" creationId="{0048A07B-DA18-4859-91F7-B969763D3929}"/>
+          </ac:spMkLst>
+        </pc:spChg>
+      </pc:sldChg>
+      <pc:sldChg chg="delSp modSp add">
+        <pc:chgData name="Francis, Thomas" userId="2e7f689e-290c-4746-ba0f-274b885931e9" providerId="ADAL" clId="{E2F6CC62-A8FA-4CA3-B44E-705F9FC4EF55}" dt="2020-06-24T16:20:30.912" v="3630" actId="1076"/>
+        <pc:sldMkLst>
+          <pc:docMk/>
+          <pc:sldMk cId="1995032269" sldId="275"/>
+        </pc:sldMkLst>
+        <pc:spChg chg="mod">
+          <ac:chgData name="Francis, Thomas" userId="2e7f689e-290c-4746-ba0f-274b885931e9" providerId="ADAL" clId="{E2F6CC62-A8FA-4CA3-B44E-705F9FC4EF55}" dt="2020-06-24T16:20:30.912" v="3630" actId="1076"/>
+          <ac:spMkLst>
+            <pc:docMk/>
+            <pc:sldMk cId="1995032269" sldId="275"/>
+            <ac:spMk id="2" creationId="{C1E7933A-B72C-42D5-9B4F-0A2E152CD722}"/>
+          </ac:spMkLst>
+        </pc:spChg>
+        <pc:spChg chg="del">
+          <ac:chgData name="Francis, Thomas" userId="2e7f689e-290c-4746-ba0f-274b885931e9" providerId="ADAL" clId="{E2F6CC62-A8FA-4CA3-B44E-705F9FC4EF55}" dt="2020-06-24T15:51:40.621" v="2304" actId="478"/>
+          <ac:spMkLst>
+            <pc:docMk/>
+            <pc:sldMk cId="1995032269" sldId="275"/>
+            <ac:spMk id="3" creationId="{039B51DA-8894-418D-88F9-DF51B36D5A37}"/>
+          </ac:spMkLst>
+        </pc:spChg>
+      </pc:sldChg>
+      <pc:sldChg chg="addSp delSp modSp add mod setBg setClrOvrMap">
+        <pc:chgData name="Francis, Thomas" userId="2e7f689e-290c-4746-ba0f-274b885931e9" providerId="ADAL" clId="{E2F6CC62-A8FA-4CA3-B44E-705F9FC4EF55}" dt="2020-06-24T18:26:38.504" v="3842" actId="5793"/>
+        <pc:sldMkLst>
+          <pc:docMk/>
+          <pc:sldMk cId="3591367428" sldId="276"/>
+        </pc:sldMkLst>
+        <pc:spChg chg="mod">
+          <ac:chgData name="Francis, Thomas" userId="2e7f689e-290c-4746-ba0f-274b885931e9" providerId="ADAL" clId="{E2F6CC62-A8FA-4CA3-B44E-705F9FC4EF55}" dt="2020-06-24T18:26:19.105" v="3833" actId="26606"/>
+          <ac:spMkLst>
+            <pc:docMk/>
+            <pc:sldMk cId="3591367428" sldId="276"/>
+            <ac:spMk id="2" creationId="{B49FC23C-C953-47D4-B496-196234EDA877}"/>
+          </ac:spMkLst>
+        </pc:spChg>
+        <pc:spChg chg="mod">
+          <ac:chgData name="Francis, Thomas" userId="2e7f689e-290c-4746-ba0f-274b885931e9" providerId="ADAL" clId="{E2F6CC62-A8FA-4CA3-B44E-705F9FC4EF55}" dt="2020-06-24T18:26:38.504" v="3842" actId="5793"/>
+          <ac:spMkLst>
+            <pc:docMk/>
+            <pc:sldMk cId="3591367428" sldId="276"/>
+            <ac:spMk id="3" creationId="{93EE5CF0-0E11-4D8E-8D3C-67BC9D895DAB}"/>
+          </ac:spMkLst>
+        </pc:spChg>
+        <pc:spChg chg="add del">
+          <ac:chgData name="Francis, Thomas" userId="2e7f689e-290c-4746-ba0f-274b885931e9" providerId="ADAL" clId="{E2F6CC62-A8FA-4CA3-B44E-705F9FC4EF55}" dt="2020-06-24T18:25:40.330" v="3827"/>
+          <ac:spMkLst>
+            <pc:docMk/>
+            <pc:sldMk cId="3591367428" sldId="276"/>
+            <ac:spMk id="4" creationId="{FD4EFDD8-A5BB-4C10-8550-7F41842CEDB1}"/>
+          </ac:spMkLst>
+        </pc:spChg>
+        <pc:spChg chg="add del">
+          <ac:chgData name="Francis, Thomas" userId="2e7f689e-290c-4746-ba0f-274b885931e9" providerId="ADAL" clId="{E2F6CC62-A8FA-4CA3-B44E-705F9FC4EF55}" dt="2020-06-24T18:25:52.610" v="3829"/>
+          <ac:spMkLst>
+            <pc:docMk/>
+            <pc:sldMk cId="3591367428" sldId="276"/>
+            <ac:spMk id="5" creationId="{C5FA85AE-B68D-41F5-B7C3-6808C08B0806}"/>
+          </ac:spMkLst>
+        </pc:spChg>
+        <pc:spChg chg="add del">
+          <ac:chgData name="Francis, Thomas" userId="2e7f689e-290c-4746-ba0f-274b885931e9" providerId="ADAL" clId="{E2F6CC62-A8FA-4CA3-B44E-705F9FC4EF55}" dt="2020-06-24T18:26:19.050" v="3832" actId="26606"/>
+          <ac:spMkLst>
+            <pc:docMk/>
+            <pc:sldMk cId="3591367428" sldId="276"/>
+            <ac:spMk id="11" creationId="{FBFE3618-8387-4153-870E-99EA1B9784F5}"/>
+          </ac:spMkLst>
+        </pc:spChg>
+        <pc:spChg chg="add del">
+          <ac:chgData name="Francis, Thomas" userId="2e7f689e-290c-4746-ba0f-274b885931e9" providerId="ADAL" clId="{E2F6CC62-A8FA-4CA3-B44E-705F9FC4EF55}" dt="2020-06-24T18:26:19.050" v="3832" actId="26606"/>
+          <ac:spMkLst>
+            <pc:docMk/>
+            <pc:sldMk cId="3591367428" sldId="276"/>
+            <ac:spMk id="13" creationId="{BB99A42A-5548-4BB8-9115-A05821C360AB}"/>
+          </ac:spMkLst>
+        </pc:spChg>
+        <pc:spChg chg="add del">
+          <ac:chgData name="Francis, Thomas" userId="2e7f689e-290c-4746-ba0f-274b885931e9" providerId="ADAL" clId="{E2F6CC62-A8FA-4CA3-B44E-705F9FC4EF55}" dt="2020-06-24T18:26:19.050" v="3832" actId="26606"/>
+          <ac:spMkLst>
+            <pc:docMk/>
+            <pc:sldMk cId="3591367428" sldId="276"/>
+            <ac:spMk id="15" creationId="{D49441E5-946F-46B3-BDD2-BAD088532367}"/>
+          </ac:spMkLst>
+        </pc:spChg>
+        <pc:spChg chg="add">
+          <ac:chgData name="Francis, Thomas" userId="2e7f689e-290c-4746-ba0f-274b885931e9" providerId="ADAL" clId="{E2F6CC62-A8FA-4CA3-B44E-705F9FC4EF55}" dt="2020-06-24T18:26:19.105" v="3833" actId="26606"/>
+          <ac:spMkLst>
+            <pc:docMk/>
+            <pc:sldMk cId="3591367428" sldId="276"/>
+            <ac:spMk id="17" creationId="{35879851-1A1D-4246-AAA1-C484E858337D}"/>
+          </ac:spMkLst>
+        </pc:spChg>
+        <pc:picChg chg="add mod ord">
+          <ac:chgData name="Francis, Thomas" userId="2e7f689e-290c-4746-ba0f-274b885931e9" providerId="ADAL" clId="{E2F6CC62-A8FA-4CA3-B44E-705F9FC4EF55}" dt="2020-06-24T18:26:19.105" v="3833" actId="26606"/>
+          <ac:picMkLst>
+            <pc:docMk/>
+            <pc:sldMk cId="3591367428" sldId="276"/>
+            <ac:picMk id="6" creationId="{AFD84876-E4A6-48D0-80E6-18EF1D449423}"/>
+          </ac:picMkLst>
+        </pc:picChg>
+      </pc:sldChg>
+      <pc:sldChg chg="modSp add">
+        <pc:chgData name="Francis, Thomas" userId="2e7f689e-290c-4746-ba0f-274b885931e9" providerId="ADAL" clId="{E2F6CC62-A8FA-4CA3-B44E-705F9FC4EF55}" dt="2020-06-24T18:35:52.693" v="4045" actId="20577"/>
+        <pc:sldMkLst>
+          <pc:docMk/>
+          <pc:sldMk cId="923092625" sldId="277"/>
+        </pc:sldMkLst>
+        <pc:spChg chg="mod">
+          <ac:chgData name="Francis, Thomas" userId="2e7f689e-290c-4746-ba0f-274b885931e9" providerId="ADAL" clId="{E2F6CC62-A8FA-4CA3-B44E-705F9FC4EF55}" dt="2020-06-24T18:28:56.069" v="3947" actId="20577"/>
+          <ac:spMkLst>
+            <pc:docMk/>
+            <pc:sldMk cId="923092625" sldId="277"/>
+            <ac:spMk id="2" creationId="{6F8F0856-2413-47D7-82FE-2AAEC63C3D84}"/>
+          </ac:spMkLst>
+        </pc:spChg>
+        <pc:spChg chg="mod">
+          <ac:chgData name="Francis, Thomas" userId="2e7f689e-290c-4746-ba0f-274b885931e9" providerId="ADAL" clId="{E2F6CC62-A8FA-4CA3-B44E-705F9FC4EF55}" dt="2020-06-24T18:35:52.693" v="4045" actId="20577"/>
+          <ac:spMkLst>
+            <pc:docMk/>
+            <pc:sldMk cId="923092625" sldId="277"/>
+            <ac:spMk id="3" creationId="{DCA3937A-F73E-428B-8B06-8371DEBC8BB9}"/>
+          </ac:spMkLst>
+        </pc:spChg>
       </pc:sldChg>
     </pc:docChg>
   </pc:docChgLst>
@@ -497,7 +910,7 @@
             <a:fld id="{B61BEF0D-F0BB-DE4B-95CE-6DB70DBA9567}" type="datetimeFigureOut">
               <a:rPr lang="en-US" dirty="0"/>
               <a:pPr/>
-              <a:t>6/23/2020</a:t>
+              <a:t>6/24/2020</a:t>
             </a:fld>
             <a:endParaRPr lang="en-US" dirty="0"/>
           </a:p>
@@ -832,7 +1245,7 @@
             <a:fld id="{B61BEF0D-F0BB-DE4B-95CE-6DB70DBA9567}" type="datetimeFigureOut">
               <a:rPr lang="en-US" dirty="0"/>
               <a:pPr/>
-              <a:t>6/23/2020</a:t>
+              <a:t>6/24/2020</a:t>
             </a:fld>
             <a:endParaRPr lang="en-US" dirty="0"/>
           </a:p>
@@ -1230,7 +1643,7 @@
             <a:fld id="{B61BEF0D-F0BB-DE4B-95CE-6DB70DBA9567}" type="datetimeFigureOut">
               <a:rPr lang="en-US" dirty="0"/>
               <a:pPr/>
-              <a:t>6/23/2020</a:t>
+              <a:t>6/24/2020</a:t>
             </a:fld>
             <a:endParaRPr lang="en-US" dirty="0"/>
           </a:p>
@@ -1562,7 +1975,7 @@
             <a:fld id="{B61BEF0D-F0BB-DE4B-95CE-6DB70DBA9567}" type="datetimeFigureOut">
               <a:rPr lang="en-US" dirty="0"/>
               <a:pPr/>
-              <a:t>6/23/2020</a:t>
+              <a:t>6/24/2020</a:t>
             </a:fld>
             <a:endParaRPr lang="en-US" dirty="0"/>
           </a:p>
@@ -1879,7 +2292,7 @@
             <a:fld id="{B61BEF0D-F0BB-DE4B-95CE-6DB70DBA9567}" type="datetimeFigureOut">
               <a:rPr lang="en-US" dirty="0"/>
               <a:pPr/>
-              <a:t>6/23/2020</a:t>
+              <a:t>6/24/2020</a:t>
             </a:fld>
             <a:endParaRPr lang="en-US" dirty="0"/>
           </a:p>
@@ -2272,7 +2685,7 @@
             <a:fld id="{B61BEF0D-F0BB-DE4B-95CE-6DB70DBA9567}" type="datetimeFigureOut">
               <a:rPr lang="en-US" dirty="0"/>
               <a:pPr/>
-              <a:t>6/23/2020</a:t>
+              <a:t>6/24/2020</a:t>
             </a:fld>
             <a:endParaRPr lang="en-US" dirty="0"/>
           </a:p>
@@ -2526,7 +2939,7 @@
             <a:fld id="{B61BEF0D-F0BB-DE4B-95CE-6DB70DBA9567}" type="datetimeFigureOut">
               <a:rPr lang="en-US" dirty="0"/>
               <a:pPr/>
-              <a:t>6/23/2020</a:t>
+              <a:t>6/24/2020</a:t>
             </a:fld>
             <a:endParaRPr lang="en-US" dirty="0"/>
           </a:p>
@@ -2785,7 +3198,7 @@
             <a:fld id="{B61BEF0D-F0BB-DE4B-95CE-6DB70DBA9567}" type="datetimeFigureOut">
               <a:rPr lang="en-US" dirty="0"/>
               <a:pPr/>
-              <a:t>6/23/2020</a:t>
+              <a:t>6/24/2020</a:t>
             </a:fld>
             <a:endParaRPr lang="en-US" dirty="0"/>
           </a:p>
@@ -3044,7 +3457,7 @@
             <a:fld id="{B61BEF0D-F0BB-DE4B-95CE-6DB70DBA9567}" type="datetimeFigureOut">
               <a:rPr lang="en-US" dirty="0"/>
               <a:pPr/>
-              <a:t>6/23/2020</a:t>
+              <a:t>6/24/2020</a:t>
             </a:fld>
             <a:endParaRPr lang="en-US" dirty="0"/>
           </a:p>
@@ -3370,7 +3783,7 @@
             <a:fld id="{B61BEF0D-F0BB-DE4B-95CE-6DB70DBA9567}" type="datetimeFigureOut">
               <a:rPr lang="en-US" dirty="0"/>
               <a:pPr/>
-              <a:t>6/23/2020</a:t>
+              <a:t>6/24/2020</a:t>
             </a:fld>
             <a:endParaRPr lang="en-US" dirty="0"/>
           </a:p>
@@ -3690,7 +4103,7 @@
             <a:fld id="{B61BEF0D-F0BB-DE4B-95CE-6DB70DBA9567}" type="datetimeFigureOut">
               <a:rPr lang="en-US" dirty="0"/>
               <a:pPr/>
-              <a:t>6/23/2020</a:t>
+              <a:t>6/24/2020</a:t>
             </a:fld>
             <a:endParaRPr lang="en-US" dirty="0"/>
           </a:p>
@@ -4144,7 +4557,7 @@
             <a:fld id="{B61BEF0D-F0BB-DE4B-95CE-6DB70DBA9567}" type="datetimeFigureOut">
               <a:rPr lang="en-US" dirty="0"/>
               <a:pPr/>
-              <a:t>6/23/2020</a:t>
+              <a:t>6/24/2020</a:t>
             </a:fld>
             <a:endParaRPr lang="en-US" dirty="0"/>
           </a:p>
@@ -4346,7 +4759,7 @@
             <a:fld id="{B61BEF0D-F0BB-DE4B-95CE-6DB70DBA9567}" type="datetimeFigureOut">
               <a:rPr lang="en-US" dirty="0"/>
               <a:pPr/>
-              <a:t>6/23/2020</a:t>
+              <a:t>6/24/2020</a:t>
             </a:fld>
             <a:endParaRPr lang="en-US" dirty="0"/>
           </a:p>
@@ -4520,7 +4933,7 @@
             <a:fld id="{B61BEF0D-F0BB-DE4B-95CE-6DB70DBA9567}" type="datetimeFigureOut">
               <a:rPr lang="en-US" dirty="0"/>
               <a:pPr/>
-              <a:t>6/23/2020</a:t>
+              <a:t>6/24/2020</a:t>
             </a:fld>
             <a:endParaRPr lang="en-US" dirty="0"/>
           </a:p>
@@ -4850,7 +5263,7 @@
             <a:fld id="{B61BEF0D-F0BB-DE4B-95CE-6DB70DBA9567}" type="datetimeFigureOut">
               <a:rPr lang="en-US" dirty="0"/>
               <a:pPr/>
-              <a:t>6/23/2020</a:t>
+              <a:t>6/24/2020</a:t>
             </a:fld>
             <a:endParaRPr lang="en-US" dirty="0"/>
           </a:p>
@@ -5192,7 +5605,7 @@
             <a:fld id="{B61BEF0D-F0BB-DE4B-95CE-6DB70DBA9567}" type="datetimeFigureOut">
               <a:rPr lang="en-US" dirty="0"/>
               <a:pPr/>
-              <a:t>6/23/2020</a:t>
+              <a:t>6/24/2020</a:t>
             </a:fld>
             <a:endParaRPr lang="en-US" dirty="0"/>
           </a:p>
@@ -7306,7 +7719,7 @@
             <a:fld id="{B61BEF0D-F0BB-DE4B-95CE-6DB70DBA9567}" type="datetimeFigureOut">
               <a:rPr lang="en-US" dirty="0"/>
               <a:pPr/>
-              <a:t>6/23/2020</a:t>
+              <a:t>6/24/2020</a:t>
             </a:fld>
             <a:endParaRPr lang="en-US" dirty="0"/>
           </a:p>
@@ -7870,8 +8283,12 @@
           <a:lstStyle/>
           <a:p>
             <a:r>
+              <a:rPr lang="en-US" i="1" dirty="0"/>
+              <a:t>The</a:t>
+            </a:r>
+            <a:r>
               <a:rPr lang="en-US" dirty="0"/>
-              <a:t>An Adult Social Hub</a:t>
+              <a:t> Adult Social Hub</a:t>
             </a:r>
           </a:p>
         </p:txBody>
@@ -7911,7 +8328,7 @@
           <p:cNvPr id="2" name="Title 1">
             <a:extLst>
               <a:ext uri="{FF2B5EF4-FFF2-40B4-BE49-F238E27FC236}">
-                <a16:creationId xmlns:a16="http://schemas.microsoft.com/office/drawing/2014/main" id="{4662463E-1C73-4495-9B05-DD94995DA51C}"/>
+                <a16:creationId xmlns:a16="http://schemas.microsoft.com/office/drawing/2014/main" id="{04CED4E4-98F4-4D9F-B822-03E91F005E9C}"/>
               </a:ext>
             </a:extLst>
           </p:cNvPr>
@@ -7929,7 +8346,7 @@
           <a:p>
             <a:r>
               <a:rPr lang="en-US" dirty="0"/>
-              <a:t>Getting people through the door: innovators and early adopters.</a:t>
+              <a:t>Appealing to Human Nature</a:t>
             </a:r>
           </a:p>
         </p:txBody>
@@ -7939,7 +8356,7 @@
           <p:cNvPr id="3" name="Content Placeholder 2">
             <a:extLst>
               <a:ext uri="{FF2B5EF4-FFF2-40B4-BE49-F238E27FC236}">
-                <a16:creationId xmlns:a16="http://schemas.microsoft.com/office/drawing/2014/main" id="{C83C7887-2280-44A9-A116-CC573F03482B}"/>
+                <a16:creationId xmlns:a16="http://schemas.microsoft.com/office/drawing/2014/main" id="{38614445-E97F-4EB7-A9CF-27D818C15CC8}"/>
               </a:ext>
             </a:extLst>
           </p:cNvPr>
@@ -7955,14 +8372,72 @@
           <a:bodyPr/>
           <a:lstStyle/>
           <a:p>
-            <a:endParaRPr lang="en-US" dirty="0"/>
+            <a:r>
+              <a:rPr lang="en-US" dirty="0"/>
+              <a:t>Universal Languages</a:t>
+            </a:r>
+          </a:p>
+          <a:p>
+            <a:pPr lvl="1"/>
+            <a:r>
+              <a:rPr lang="en-US" dirty="0"/>
+              <a:t>Dancing</a:t>
+            </a:r>
+          </a:p>
+          <a:p>
+            <a:pPr lvl="1"/>
+            <a:r>
+              <a:rPr lang="en-US" dirty="0"/>
+              <a:t>Cooking</a:t>
+            </a:r>
+          </a:p>
+          <a:p>
+            <a:pPr lvl="1"/>
+            <a:r>
+              <a:rPr lang="en-US" dirty="0"/>
+              <a:t>PCs and gaming</a:t>
+            </a:r>
+          </a:p>
+          <a:p>
+            <a:r>
+              <a:rPr lang="en-US" dirty="0"/>
+              <a:t>Amenities of a theoretical brick-and-mortar location:</a:t>
+            </a:r>
+          </a:p>
+          <a:p>
+            <a:pPr lvl="1"/>
+            <a:r>
+              <a:rPr lang="en-US" dirty="0"/>
+              <a:t>Dance Area</a:t>
+            </a:r>
+          </a:p>
+          <a:p>
+            <a:pPr lvl="1"/>
+            <a:r>
+              <a:rPr lang="en-US" dirty="0"/>
+              <a:t>Cooking Area</a:t>
+            </a:r>
+          </a:p>
+          <a:p>
+            <a:pPr lvl="1"/>
+            <a:r>
+              <a:rPr lang="en-US" dirty="0"/>
+              <a:t>Eating Area</a:t>
+            </a:r>
+          </a:p>
+          <a:p>
+            <a:pPr lvl="1"/>
+            <a:r>
+              <a:rPr lang="en-US" dirty="0"/>
+              <a:t>PC and gaming Area</a:t>
+            </a:r>
           </a:p>
         </p:txBody>
       </p:sp>
     </p:spTree>
     <p:extLst>
       <p:ext uri="{BB962C8B-B14F-4D97-AF65-F5344CB8AC3E}">
-        <p14:creationId xmlns:p14="http://schemas.microsoft.com/office/powerpoint/2010/main" val="769491226"/>
+        <p14:creationId xmlns:p14="http://schemas.microsoft.com/office/powerpoint/2010/main" val="3588991441"/>
       </p:ext>
     </p:extLst>
   </p:cSld>
@@ -7994,7 +8469,7 @@
           <p:cNvPr id="2" name="Title 1">
             <a:extLst>
               <a:ext uri="{FF2B5EF4-FFF2-40B4-BE49-F238E27FC236}">
-                <a16:creationId xmlns:a16="http://schemas.microsoft.com/office/drawing/2014/main" id="{B3037C3D-BFC2-4468-9E2B-915398E1B4AA}"/>
+                <a16:creationId xmlns:a16="http://schemas.microsoft.com/office/drawing/2014/main" id="{C655FAB0-2617-44E7-B26F-B2A0B76DA4C5}"/>
               </a:ext>
             </a:extLst>
           </p:cNvPr>
@@ -8012,7 +8487,7 @@
           <a:p>
             <a:r>
               <a:rPr lang="en-US" dirty="0"/>
-              <a:t>Getting people through the door: mainstream and late adopters.</a:t>
+              <a:t>Becoming a platform: Appealing to Local Professionals and Businesses</a:t>
             </a:r>
           </a:p>
         </p:txBody>
@@ -8022,7 +8497,7 @@
           <p:cNvPr id="3" name="Content Placeholder 2">
             <a:extLst>
               <a:ext uri="{FF2B5EF4-FFF2-40B4-BE49-F238E27FC236}">
-                <a16:creationId xmlns:a16="http://schemas.microsoft.com/office/drawing/2014/main" id="{82D175DE-DD27-4B6D-A263-AF7633BD39F3}"/>
+                <a16:creationId xmlns:a16="http://schemas.microsoft.com/office/drawing/2014/main" id="{0048A07B-DA18-4859-91F7-B969763D3929}"/>
               </a:ext>
             </a:extLst>
           </p:cNvPr>
@@ -8038,14 +8513,80 @@
           <a:bodyPr/>
           <a:lstStyle/>
           <a:p>
-            <a:endParaRPr lang="en-US"/>
+            <a:r>
+              <a:rPr lang="en-US" dirty="0"/>
+              <a:t>Weekdays:</a:t>
+            </a:r>
+          </a:p>
+          <a:p>
+            <a:pPr lvl="1"/>
+            <a:r>
+              <a:rPr lang="en-US" dirty="0"/>
+              <a:t>Invite local dance groups, chefs, and tech developers or entrepreneurs to teach dancing, cooking, and </a:t>
+            </a:r>
+            <a:r>
+              <a:rPr lang="en-US"/>
+              <a:t>coding or entrepreneurship</a:t>
+            </a:r>
+            <a:r>
+              <a:rPr lang="en-US" dirty="0"/>
+              <a:t>.</a:t>
+            </a:r>
+          </a:p>
+          <a:p>
+            <a:pPr lvl="2"/>
+            <a:r>
+              <a:rPr lang="en-US" dirty="0"/>
+              <a:t>We profit from entry fees and membership fees.</a:t>
+            </a:r>
+          </a:p>
+          <a:p>
+            <a:pPr lvl="2"/>
+            <a:r>
+              <a:rPr lang="en-US" dirty="0"/>
+              <a:t>Professionals earn 100% of their teaching fees from students who sign up</a:t>
+            </a:r>
+          </a:p>
+          <a:p>
+            <a:r>
+              <a:rPr lang="en-US" dirty="0"/>
+              <a:t>Weekends:</a:t>
+            </a:r>
+          </a:p>
+          <a:p>
+            <a:pPr lvl="1"/>
+            <a:r>
+              <a:rPr lang="en-US" dirty="0"/>
+              <a:t>The dance studio is converted to a night club space</a:t>
+            </a:r>
+          </a:p>
+          <a:p>
+            <a:pPr lvl="1"/>
+            <a:r>
+              <a:rPr lang="en-US" dirty="0"/>
+              <a:t>The PC room is converted to a PC gaming space for friendly competition</a:t>
+            </a:r>
+          </a:p>
+          <a:p>
+            <a:pPr lvl="1"/>
+            <a:r>
+              <a:rPr lang="en-US" dirty="0"/>
+              <a:t>Either high-end chefs hold classes or classes are targeted towards young people</a:t>
+            </a:r>
+          </a:p>
+          <a:p>
+            <a:pPr lvl="2"/>
+            <a:r>
+              <a:rPr lang="en-US" dirty="0"/>
+              <a:t>Single’s nights, couples nights</a:t>
+            </a:r>
           </a:p>
         </p:txBody>
       </p:sp>
     </p:spTree>
     <p:extLst>
       <p:ext uri="{BB962C8B-B14F-4D97-AF65-F5344CB8AC3E}">
-        <p14:creationId xmlns:p14="http://schemas.microsoft.com/office/powerpoint/2010/main" val="2268850528"/>
+        <p14:creationId xmlns:p14="http://schemas.microsoft.com/office/powerpoint/2010/main" val="802107649"/>
       </p:ext>
     </p:extLst>
   </p:cSld>
@@ -8077,7 +8618,7 @@
           <p:cNvPr id="2" name="Title 1">
             <a:extLst>
               <a:ext uri="{FF2B5EF4-FFF2-40B4-BE49-F238E27FC236}">
-                <a16:creationId xmlns:a16="http://schemas.microsoft.com/office/drawing/2014/main" id="{BA951A29-BC9A-4D1A-A73C-FDD2862C3BAA}"/>
+                <a16:creationId xmlns:a16="http://schemas.microsoft.com/office/drawing/2014/main" id="{C1E7933A-B72C-42D5-9B4F-0A2E152CD722}"/>
               </a:ext>
             </a:extLst>
           </p:cNvPr>
@@ -8085,68 +8626,30 @@
             <a:spLocks noGrp="1"/>
           </p:cNvSpPr>
           <p:nvPr>
-            <p:ph type="title"/>
-          </p:nvPr>
-        </p:nvSpPr>
-        <p:spPr/>
+            <p:ph type="ctrTitle"/>
+          </p:nvPr>
+        </p:nvSpPr>
+        <p:spPr>
+          <a:xfrm>
+            <a:off x="2520432" y="4224807"/>
+            <a:ext cx="7151135" cy="920997"/>
+          </a:xfrm>
+        </p:spPr>
         <p:txBody>
           <a:bodyPr/>
           <a:lstStyle/>
           <a:p>
             <a:r>
               <a:rPr lang="en-US" dirty="0"/>
-              <a:t>Maintaining Long-term relevancy: flexibility and foresight.</a:t>
-            </a:r>
-          </a:p>
-        </p:txBody>
-      </p:sp>
-      <p:sp>
-        <p:nvSpPr>
-          <p:cNvPr id="3" name="Content Placeholder 2">
-            <a:extLst>
-              <a:ext uri="{FF2B5EF4-FFF2-40B4-BE49-F238E27FC236}">
-                <a16:creationId xmlns:a16="http://schemas.microsoft.com/office/drawing/2014/main" id="{D42A00CE-02EC-46F2-9902-98278BC8FA74}"/>
-              </a:ext>
-            </a:extLst>
-          </p:cNvPr>
-          <p:cNvSpPr>
-            <a:spLocks noGrp="1"/>
-          </p:cNvSpPr>
-          <p:nvPr>
-            <p:ph idx="1"/>
-          </p:nvPr>
-        </p:nvSpPr>
-        <p:spPr/>
-        <p:txBody>
-          <a:bodyPr/>
-          <a:lstStyle/>
-          <a:p>
-            <a:r>
-              <a:rPr lang="en-US" dirty="0"/>
-              <a:t>Flexibility in space usage</a:t>
-            </a:r>
-          </a:p>
-          <a:p>
-            <a:r>
-              <a:rPr lang="en-US" dirty="0"/>
-              <a:t>Incorporation of tech at the very beginning to future-proof the space</a:t>
-            </a:r>
-          </a:p>
-          <a:p>
-            <a:pPr marL="0" indent="0">
-              <a:buNone/>
-            </a:pPr>
-            <a:endParaRPr lang="en-US" dirty="0"/>
-          </a:p>
-          <a:p>
-            <a:endParaRPr lang="en-US" dirty="0"/>
+              <a:t>Practical Challenges</a:t>
+            </a:r>
           </a:p>
         </p:txBody>
       </p:sp>
     </p:spTree>
     <p:extLst>
       <p:ext uri="{BB962C8B-B14F-4D97-AF65-F5344CB8AC3E}">
-        <p14:creationId xmlns:p14="http://schemas.microsoft.com/office/powerpoint/2010/main" val="1372409126"/>
+        <p14:creationId xmlns:p14="http://schemas.microsoft.com/office/powerpoint/2010/main" val="1995032269"/>
       </p:ext>
     </p:extLst>
   </p:cSld>
@@ -8178,7 +8681,7 @@
           <p:cNvPr id="2" name="Title 1">
             <a:extLst>
               <a:ext uri="{FF2B5EF4-FFF2-40B4-BE49-F238E27FC236}">
-                <a16:creationId xmlns:a16="http://schemas.microsoft.com/office/drawing/2014/main" id="{C8C62815-189A-4B56-BE46-22DD75FF65EF}"/>
+                <a16:creationId xmlns:a16="http://schemas.microsoft.com/office/drawing/2014/main" id="{4662463E-1C73-4495-9B05-DD94995DA51C}"/>
               </a:ext>
             </a:extLst>
           </p:cNvPr>
@@ -8196,7 +8699,7 @@
           <a:p>
             <a:r>
               <a:rPr lang="en-US" dirty="0"/>
-              <a:t>Maintaining Long-Term Relevancy: analyzing our consumer cycle</a:t>
+              <a:t>Getting people through the door</a:t>
             </a:r>
           </a:p>
         </p:txBody>
@@ -8206,7 +8709,7 @@
           <p:cNvPr id="3" name="Content Placeholder 2">
             <a:extLst>
               <a:ext uri="{FF2B5EF4-FFF2-40B4-BE49-F238E27FC236}">
-                <a16:creationId xmlns:a16="http://schemas.microsoft.com/office/drawing/2014/main" id="{BE5FF881-FCB7-4DA1-8287-9465D4AC7E47}"/>
+                <a16:creationId xmlns:a16="http://schemas.microsoft.com/office/drawing/2014/main" id="{C83C7887-2280-44A9-A116-CC573F03482B}"/>
               </a:ext>
             </a:extLst>
           </p:cNvPr>
@@ -8222,6 +8725,35 @@
           <a:bodyPr/>
           <a:lstStyle/>
           <a:p>
+            <a:r>
+              <a:rPr lang="en-US" dirty="0"/>
+              <a:t>Professionals or experienced individuals can reserve time.</a:t>
+            </a:r>
+          </a:p>
+          <a:p>
+            <a:r>
+              <a:rPr lang="en-US" dirty="0"/>
+              <a:t>Win-win situation:</a:t>
+            </a:r>
+          </a:p>
+          <a:p>
+            <a:pPr lvl="1"/>
+            <a:r>
+              <a:rPr lang="en-US" dirty="0"/>
+              <a:t>The business/professional receives our marketing channels, profit from teaching fees, and networking opportunities</a:t>
+            </a:r>
+          </a:p>
+          <a:p>
+            <a:pPr lvl="1"/>
+            <a:r>
+              <a:rPr lang="en-US" dirty="0"/>
+              <a:t>We receive endorsement from businesses/professionals, profit from entry fees, and networking opportunities</a:t>
+            </a:r>
+          </a:p>
+          <a:p>
+            <a:pPr marL="457200" lvl="1" indent="0">
+              <a:buNone/>
+            </a:pPr>
             <a:endParaRPr lang="en-US" dirty="0"/>
           </a:p>
         </p:txBody>
@@ -8229,7 +8761,7 @@
     </p:spTree>
     <p:extLst>
       <p:ext uri="{BB962C8B-B14F-4D97-AF65-F5344CB8AC3E}">
-        <p14:creationId xmlns:p14="http://schemas.microsoft.com/office/powerpoint/2010/main" val="3782560227"/>
+        <p14:creationId xmlns:p14="http://schemas.microsoft.com/office/powerpoint/2010/main" val="769491226"/>
       </p:ext>
     </p:extLst>
   </p:cSld>
@@ -8261,7 +8793,7 @@
           <p:cNvPr id="2" name="Title 1">
             <a:extLst>
               <a:ext uri="{FF2B5EF4-FFF2-40B4-BE49-F238E27FC236}">
-                <a16:creationId xmlns:a16="http://schemas.microsoft.com/office/drawing/2014/main" id="{912499FA-0186-4237-9979-3B7E114399E2}"/>
+                <a16:creationId xmlns:a16="http://schemas.microsoft.com/office/drawing/2014/main" id="{B3037C3D-BFC2-4468-9E2B-915398E1B4AA}"/>
               </a:ext>
             </a:extLst>
           </p:cNvPr>
@@ -8279,7 +8811,7 @@
           <a:p>
             <a:r>
               <a:rPr lang="en-US" dirty="0"/>
-              <a:t>Avoiding Liability in the Kitchen</a:t>
+              <a:t>Screening Unknown Professionals and Experienced Individuals</a:t>
             </a:r>
           </a:p>
         </p:txBody>
@@ -8289,7 +8821,7 @@
           <p:cNvPr id="3" name="Content Placeholder 2">
             <a:extLst>
               <a:ext uri="{FF2B5EF4-FFF2-40B4-BE49-F238E27FC236}">
-                <a16:creationId xmlns:a16="http://schemas.microsoft.com/office/drawing/2014/main" id="{856D4DB8-51FC-457D-B0A1-049B0EF6BFA7}"/>
+                <a16:creationId xmlns:a16="http://schemas.microsoft.com/office/drawing/2014/main" id="{82D175DE-DD27-4B6D-A263-AF7633BD39F3}"/>
               </a:ext>
             </a:extLst>
           </p:cNvPr>
@@ -8307,19 +8839,53 @@
           <a:p>
             <a:r>
               <a:rPr lang="en-US" dirty="0"/>
-              <a:t>Supervisors</a:t>
+              <a:t>Open every day</a:t>
             </a:r>
           </a:p>
           <a:p>
             <a:r>
               <a:rPr lang="en-US" dirty="0"/>
-              <a:t>Liability waivers and allergy forms.</a:t>
+              <a:t>Our Sunday and weekday business hours will be 2pm to 10pm</a:t>
             </a:r>
           </a:p>
           <a:p>
             <a:r>
               <a:rPr lang="en-US" dirty="0"/>
-              <a:t>Separating food into food-specific fridges and shelves to prevent cross-contamination</a:t>
+              <a:t>Weekend (Friday and Saturday) business hours will be 6pm to 2am</a:t>
+            </a:r>
+          </a:p>
+          <a:p>
+            <a:r>
+              <a:rPr lang="en-US" dirty="0"/>
+              <a:t>Screening hours are flexible but must end before 2 hours prior to opening</a:t>
+            </a:r>
+          </a:p>
+          <a:p>
+            <a:pPr lvl="1"/>
+            <a:r>
+              <a:rPr lang="en-US" dirty="0"/>
+              <a:t>Resume</a:t>
+            </a:r>
+          </a:p>
+          <a:p>
+            <a:pPr lvl="1"/>
+            <a:r>
+              <a:rPr lang="en-US" dirty="0"/>
+              <a:t>In-person personality assessment</a:t>
+            </a:r>
+          </a:p>
+          <a:p>
+            <a:pPr lvl="1"/>
+            <a:r>
+              <a:rPr lang="en-US" dirty="0"/>
+              <a:t>Mock Performance and Review: cooking, dancing, or coding/entrepreneurship</a:t>
+            </a:r>
+          </a:p>
+          <a:p>
+            <a:pPr lvl="2"/>
+            <a:r>
+              <a:rPr lang="en-US" dirty="0"/>
+              <a:t>Chefs must bring in their own food for their performance</a:t>
             </a:r>
           </a:p>
         </p:txBody>
@@ -8327,7 +8893,7 @@
     </p:spTree>
     <p:extLst>
       <p:ext uri="{BB962C8B-B14F-4D97-AF65-F5344CB8AC3E}">
-        <p14:creationId xmlns:p14="http://schemas.microsoft.com/office/powerpoint/2010/main" val="3084942385"/>
+        <p14:creationId xmlns:p14="http://schemas.microsoft.com/office/powerpoint/2010/main" val="2268850528"/>
       </p:ext>
     </p:extLst>
   </p:cSld>
@@ -8359,7 +8925,7 @@
           <p:cNvPr id="2" name="Title 1">
             <a:extLst>
               <a:ext uri="{FF2B5EF4-FFF2-40B4-BE49-F238E27FC236}">
-                <a16:creationId xmlns:a16="http://schemas.microsoft.com/office/drawing/2014/main" id="{233DB1E5-3D5A-499C-92D8-9926CB2F0CA1}"/>
+                <a16:creationId xmlns:a16="http://schemas.microsoft.com/office/drawing/2014/main" id="{BA951A29-BC9A-4D1A-A73C-FDD2862C3BAA}"/>
               </a:ext>
             </a:extLst>
           </p:cNvPr>
@@ -8377,7 +8943,7 @@
           <a:p>
             <a:r>
               <a:rPr lang="en-US" dirty="0"/>
-              <a:t>Type of Business</a:t>
+              <a:t>Maintaining Long-term relevancy: flexibility and foresight.</a:t>
             </a:r>
           </a:p>
         </p:txBody>
@@ -8387,7 +8953,7 @@
           <p:cNvPr id="3" name="Content Placeholder 2">
             <a:extLst>
               <a:ext uri="{FF2B5EF4-FFF2-40B4-BE49-F238E27FC236}">
-                <a16:creationId xmlns:a16="http://schemas.microsoft.com/office/drawing/2014/main" id="{092F2695-6742-4FC6-BCF3-A1BA616EF10F}"/>
+                <a16:creationId xmlns:a16="http://schemas.microsoft.com/office/drawing/2014/main" id="{D42A00CE-02EC-46F2-9902-98278BC8FA74}"/>
               </a:ext>
             </a:extLst>
           </p:cNvPr>
@@ -8405,13 +8971,27 @@
           <a:p>
             <a:r>
               <a:rPr lang="en-US" dirty="0"/>
-              <a:t>Operate as a for-profit LLC, Co-Op</a:t>
-            </a:r>
-          </a:p>
-          <a:p>
+              <a:t>Flexibility in space usage and brand</a:t>
+            </a:r>
+          </a:p>
+          <a:p>
+            <a:pPr lvl="1"/>
             <a:r>
               <a:rPr lang="en-US" dirty="0"/>
-              <a:t>Operate as a non-profit, attempting to solve a public health issue</a:t>
+              <a:t>Three routes: professional development route, community education route, entertainment route.</a:t>
+            </a:r>
+          </a:p>
+          <a:p>
+            <a:pPr lvl="1"/>
+            <a:r>
+              <a:rPr lang="en-US" dirty="0"/>
+              <a:t>If one activity becomes overwhelming profitable, we may transform a space to another kind of space.</a:t>
+            </a:r>
+          </a:p>
+          <a:p>
+            <a:r>
+              <a:rPr lang="en-US" dirty="0"/>
+              <a:t>Incorporation of tech at the very beginning to future-proof the space</a:t>
             </a:r>
           </a:p>
         </p:txBody>
@@ -8419,7 +8999,7 @@
     </p:spTree>
     <p:extLst>
       <p:ext uri="{BB962C8B-B14F-4D97-AF65-F5344CB8AC3E}">
-        <p14:creationId xmlns:p14="http://schemas.microsoft.com/office/powerpoint/2010/main" val="2554370827"/>
+        <p14:creationId xmlns:p14="http://schemas.microsoft.com/office/powerpoint/2010/main" val="1372409126"/>
       </p:ext>
     </p:extLst>
   </p:cSld>
@@ -8451,7 +9031,7 @@
           <p:cNvPr id="2" name="Title 1">
             <a:extLst>
               <a:ext uri="{FF2B5EF4-FFF2-40B4-BE49-F238E27FC236}">
-                <a16:creationId xmlns:a16="http://schemas.microsoft.com/office/drawing/2014/main" id="{EF0FDFBD-C4F8-4F2B-B418-027C2D9234B8}"/>
+                <a16:creationId xmlns:a16="http://schemas.microsoft.com/office/drawing/2014/main" id="{912499FA-0186-4237-9979-3B7E114399E2}"/>
               </a:ext>
             </a:extLst>
           </p:cNvPr>
@@ -8469,7 +9049,7 @@
           <a:p>
             <a:r>
               <a:rPr lang="en-US" dirty="0"/>
-              <a:t>Finances</a:t>
+              <a:t>Avoiding Liability in the Kitchen</a:t>
             </a:r>
           </a:p>
         </p:txBody>
@@ -8479,7 +9059,7 @@
           <p:cNvPr id="3" name="Content Placeholder 2">
             <a:extLst>
               <a:ext uri="{FF2B5EF4-FFF2-40B4-BE49-F238E27FC236}">
-                <a16:creationId xmlns:a16="http://schemas.microsoft.com/office/drawing/2014/main" id="{71DB8266-80FE-4AE4-8A09-30C2E2B143AA}"/>
+                <a16:creationId xmlns:a16="http://schemas.microsoft.com/office/drawing/2014/main" id="{856D4DB8-51FC-457D-B0A1-049B0EF6BFA7}"/>
               </a:ext>
             </a:extLst>
           </p:cNvPr>
@@ -8497,31 +9077,19 @@
           <a:p>
             <a:r>
               <a:rPr lang="en-US" dirty="0"/>
-              <a:t>Operating Costs: ~$144,000 for the first five months of operation</a:t>
+              <a:t>Supervisors</a:t>
             </a:r>
           </a:p>
           <a:p>
             <a:r>
               <a:rPr lang="en-US" dirty="0"/>
-              <a:t>Overhead: $39,000</a:t>
+              <a:t>Liability waivers and allergy forms.</a:t>
             </a:r>
           </a:p>
           <a:p>
             <a:r>
               <a:rPr lang="en-US" dirty="0"/>
-              <a:t>Funding estimate total: $185,000</a:t>
-            </a:r>
-          </a:p>
-          <a:p>
-            <a:r>
-              <a:rPr lang="en-US" dirty="0"/>
-              <a:t>Break-even point: an engaged community of 250 people</a:t>
-            </a:r>
-          </a:p>
-          <a:p>
-            <a:r>
-              <a:rPr lang="en-US" dirty="0"/>
-              <a:t>Max community engagement capacity: 500 people</a:t>
+              <a:t>Separating food into food-specific fridges and shelves to prevent cross-contamination</a:t>
             </a:r>
           </a:p>
         </p:txBody>
@@ -8529,7 +9097,7 @@
     </p:spTree>
     <p:extLst>
       <p:ext uri="{BB962C8B-B14F-4D97-AF65-F5344CB8AC3E}">
-        <p14:creationId xmlns:p14="http://schemas.microsoft.com/office/powerpoint/2010/main" val="3345576059"/>
+        <p14:creationId xmlns:p14="http://schemas.microsoft.com/office/powerpoint/2010/main" val="3084942385"/>
       </p:ext>
     </p:extLst>
   </p:cSld>
@@ -8561,6 +9129,208 @@
           <p:cNvPr id="2" name="Title 1">
             <a:extLst>
               <a:ext uri="{FF2B5EF4-FFF2-40B4-BE49-F238E27FC236}">
+                <a16:creationId xmlns:a16="http://schemas.microsoft.com/office/drawing/2014/main" id="{233DB1E5-3D5A-499C-92D8-9926CB2F0CA1}"/>
+              </a:ext>
+            </a:extLst>
+          </p:cNvPr>
+          <p:cNvSpPr>
+            <a:spLocks noGrp="1"/>
+          </p:cNvSpPr>
+          <p:nvPr>
+            <p:ph type="title"/>
+          </p:nvPr>
+        </p:nvSpPr>
+        <p:spPr/>
+        <p:txBody>
+          <a:bodyPr/>
+          <a:lstStyle/>
+          <a:p>
+            <a:r>
+              <a:rPr lang="en-US" dirty="0"/>
+              <a:t>Type of Business</a:t>
+            </a:r>
+          </a:p>
+        </p:txBody>
+      </p:sp>
+      <p:sp>
+        <p:nvSpPr>
+          <p:cNvPr id="3" name="Content Placeholder 2">
+            <a:extLst>
+              <a:ext uri="{FF2B5EF4-FFF2-40B4-BE49-F238E27FC236}">
+                <a16:creationId xmlns:a16="http://schemas.microsoft.com/office/drawing/2014/main" id="{092F2695-6742-4FC6-BCF3-A1BA616EF10F}"/>
+              </a:ext>
+            </a:extLst>
+          </p:cNvPr>
+          <p:cNvSpPr>
+            <a:spLocks noGrp="1"/>
+          </p:cNvSpPr>
+          <p:nvPr>
+            <p:ph idx="1"/>
+          </p:nvPr>
+        </p:nvSpPr>
+        <p:spPr/>
+        <p:txBody>
+          <a:bodyPr/>
+          <a:lstStyle/>
+          <a:p>
+            <a:r>
+              <a:rPr lang="en-US" dirty="0"/>
+              <a:t>Will likely operate as a for-profit LLC</a:t>
+            </a:r>
+          </a:p>
+          <a:p>
+            <a:r>
+              <a:rPr lang="en-US" dirty="0"/>
+              <a:t>Unlikely, but it’s also possible to operate as a non-profit because we are technically solving a public health issue</a:t>
+            </a:r>
+          </a:p>
+        </p:txBody>
+      </p:sp>
+    </p:spTree>
+    <p:extLst>
+      <p:ext uri="{BB962C8B-B14F-4D97-AF65-F5344CB8AC3E}">
+        <p14:creationId xmlns:p14="http://schemas.microsoft.com/office/powerpoint/2010/main" val="2554370827"/>
+      </p:ext>
+    </p:extLst>
+  </p:cSld>
+  <p:clrMapOvr>
+    <a:masterClrMapping/>
+  </p:clrMapOvr>
+</p:sld>
+</file>
+
+<file path=ppt/slides/slide18.xml><?xml version="1.0" encoding="utf-8"?>
+<p:sld xmlns:a="http://schemas.openxmlformats.org/drawingml/2006/main" xmlns:r="http://schemas.openxmlformats.org/officeDocument/2006/relationships" xmlns:p="http://schemas.openxmlformats.org/presentationml/2006/main">
+  <p:cSld>
+    <p:spTree>
+      <p:nvGrpSpPr>
+        <p:cNvPr id="1" name=""/>
+        <p:cNvGrpSpPr/>
+        <p:nvPr/>
+      </p:nvGrpSpPr>
+      <p:grpSpPr>
+        <a:xfrm>
+          <a:off x="0" y="0"/>
+          <a:ext cx="0" cy="0"/>
+          <a:chOff x="0" y="0"/>
+          <a:chExt cx="0" cy="0"/>
+        </a:xfrm>
+      </p:grpSpPr>
+      <p:sp>
+        <p:nvSpPr>
+          <p:cNvPr id="2" name="Title 1">
+            <a:extLst>
+              <a:ext uri="{FF2B5EF4-FFF2-40B4-BE49-F238E27FC236}">
+                <a16:creationId xmlns:a16="http://schemas.microsoft.com/office/drawing/2014/main" id="{EF0FDFBD-C4F8-4F2B-B418-027C2D9234B8}"/>
+              </a:ext>
+            </a:extLst>
+          </p:cNvPr>
+          <p:cNvSpPr>
+            <a:spLocks noGrp="1"/>
+          </p:cNvSpPr>
+          <p:nvPr>
+            <p:ph type="title"/>
+          </p:nvPr>
+        </p:nvSpPr>
+        <p:spPr/>
+        <p:txBody>
+          <a:bodyPr/>
+          <a:lstStyle/>
+          <a:p>
+            <a:r>
+              <a:rPr lang="en-US" dirty="0"/>
+              <a:t>Finances</a:t>
+            </a:r>
+          </a:p>
+        </p:txBody>
+      </p:sp>
+      <p:sp>
+        <p:nvSpPr>
+          <p:cNvPr id="3" name="Content Placeholder 2">
+            <a:extLst>
+              <a:ext uri="{FF2B5EF4-FFF2-40B4-BE49-F238E27FC236}">
+                <a16:creationId xmlns:a16="http://schemas.microsoft.com/office/drawing/2014/main" id="{71DB8266-80FE-4AE4-8A09-30C2E2B143AA}"/>
+              </a:ext>
+            </a:extLst>
+          </p:cNvPr>
+          <p:cNvSpPr>
+            <a:spLocks noGrp="1"/>
+          </p:cNvSpPr>
+          <p:nvPr>
+            <p:ph idx="1"/>
+          </p:nvPr>
+        </p:nvSpPr>
+        <p:spPr/>
+        <p:txBody>
+          <a:bodyPr/>
+          <a:lstStyle/>
+          <a:p>
+            <a:r>
+              <a:rPr lang="en-US" dirty="0"/>
+              <a:t>Operating Costs: _________ for the first six months of operation</a:t>
+            </a:r>
+          </a:p>
+          <a:p>
+            <a:r>
+              <a:rPr lang="en-US" dirty="0"/>
+              <a:t>Overhead: ______</a:t>
+            </a:r>
+          </a:p>
+          <a:p>
+            <a:r>
+              <a:rPr lang="en-US" dirty="0"/>
+              <a:t>Funding estimate total: _________</a:t>
+            </a:r>
+          </a:p>
+          <a:p>
+            <a:r>
+              <a:rPr lang="en-US" dirty="0"/>
+              <a:t>Break-even point: an engaged community of ___ people</a:t>
+            </a:r>
+          </a:p>
+          <a:p>
+            <a:r>
+              <a:rPr lang="en-US" dirty="0"/>
+              <a:t>Max community engagement capacity: ___ people</a:t>
+            </a:r>
+          </a:p>
+        </p:txBody>
+      </p:sp>
+    </p:spTree>
+    <p:extLst>
+      <p:ext uri="{BB962C8B-B14F-4D97-AF65-F5344CB8AC3E}">
+        <p14:creationId xmlns:p14="http://schemas.microsoft.com/office/powerpoint/2010/main" val="3345576059"/>
+      </p:ext>
+    </p:extLst>
+  </p:cSld>
+  <p:clrMapOvr>
+    <a:masterClrMapping/>
+  </p:clrMapOvr>
+</p:sld>
+</file>
+
+<file path=ppt/slides/slide19.xml><?xml version="1.0" encoding="utf-8"?>
+<p:sld xmlns:a="http://schemas.openxmlformats.org/drawingml/2006/main" xmlns:r="http://schemas.openxmlformats.org/officeDocument/2006/relationships" xmlns:p="http://schemas.openxmlformats.org/presentationml/2006/main">
+  <p:cSld>
+    <p:spTree>
+      <p:nvGrpSpPr>
+        <p:cNvPr id="1" name=""/>
+        <p:cNvGrpSpPr/>
+        <p:nvPr/>
+      </p:nvGrpSpPr>
+      <p:grpSpPr>
+        <a:xfrm>
+          <a:off x="0" y="0"/>
+          <a:ext cx="0" cy="0"/>
+          <a:chOff x="0" y="0"/>
+          <a:chExt cx="0" cy="0"/>
+        </a:xfrm>
+      </p:grpSpPr>
+      <p:sp>
+        <p:nvSpPr>
+          <p:cNvPr id="2" name="Title 1">
+            <a:extLst>
+              <a:ext uri="{FF2B5EF4-FFF2-40B4-BE49-F238E27FC236}">
                 <a16:creationId xmlns:a16="http://schemas.microsoft.com/office/drawing/2014/main" id="{0B49C125-978B-4A83-AF64-24CCB912E43E}"/>
               </a:ext>
             </a:extLst>
@@ -8579,7 +9349,7 @@
           <a:p>
             <a:r>
               <a:rPr lang="en-US" dirty="0"/>
-              <a:t>Target Demographic: 18-34 year-olds in the New Haven County Area, CT</a:t>
+              <a:t>Target Demographic: 18-80 year-olds in the New Haven County Area, CT</a:t>
             </a:r>
           </a:p>
         </p:txBody>
@@ -8607,13 +9377,13 @@
           <a:p>
             <a:r>
               <a:rPr lang="en-US" dirty="0"/>
-              <a:t>Target Demographic size in New Haven County: ~200,000 people</a:t>
+              <a:t>Target Demographic size in New Haven County: ~people</a:t>
             </a:r>
           </a:p>
           <a:p>
             <a:r>
               <a:rPr lang="en-US" dirty="0"/>
-              <a:t>Percent of people needed to break even: 0.122%</a:t>
+              <a:t>Percent of people needed to break even: ______%</a:t>
             </a:r>
           </a:p>
           <a:p>
@@ -8698,21 +9468,109 @@
             <p:ph idx="1"/>
           </p:nvPr>
         </p:nvSpPr>
-        <p:spPr/>
+        <p:spPr>
+          <a:xfrm>
+            <a:off x="2589212" y="1534602"/>
+            <a:ext cx="8915400" cy="4376620"/>
+          </a:xfrm>
+        </p:spPr>
         <p:txBody>
-          <a:bodyPr/>
+          <a:bodyPr>
+            <a:normAutofit fontScale="70000" lnSpcReduction="20000"/>
+          </a:bodyPr>
           <a:lstStyle/>
           <a:p>
             <a:r>
+              <a:rPr lang="en-US" b="1" dirty="0"/>
+              <a:t>Nearly half</a:t>
+            </a:r>
+            <a:r>
               <a:rPr lang="en-US" dirty="0"/>
-              <a:t>Cite reasons why it exists</a:t>
-            </a:r>
-          </a:p>
-          <a:p>
+              <a:t> of Americans report sometimes or always feeling alone (46 percent) or left out (47 percent).</a:t>
+            </a:r>
+          </a:p>
+          <a:p>
+            <a:r>
+              <a:rPr lang="en-US" b="1" dirty="0"/>
+              <a:t>One in four</a:t>
+            </a:r>
             <a:r>
               <a:rPr lang="en-US" dirty="0"/>
-              <a:t>Cite that loneliness is public health problem</a:t>
-            </a:r>
+              <a:t> Americans (27 percent) rarely or never feel as though there are people who really understand them.</a:t>
+            </a:r>
+          </a:p>
+          <a:p>
+            <a:r>
+              <a:rPr lang="en-US" b="1" dirty="0"/>
+              <a:t>Two in five</a:t>
+            </a:r>
+            <a:r>
+              <a:rPr lang="en-US" dirty="0"/>
+              <a:t> Americans sometimes or always feel that their relationships are not meaningful (43 percent) and that they are isolated from others (43 percent).</a:t>
+            </a:r>
+          </a:p>
+          <a:p>
+            <a:r>
+              <a:rPr lang="en-US" b="1" dirty="0"/>
+              <a:t>One in five</a:t>
+            </a:r>
+            <a:r>
+              <a:rPr lang="en-US" dirty="0"/>
+              <a:t> people report they rarely or never feel close to people (20 percent) or feel like there are people they can talk to (18 percent).</a:t>
+            </a:r>
+          </a:p>
+          <a:p>
+            <a:r>
+              <a:rPr lang="en-US" dirty="0"/>
+              <a:t>Americans who live with others are less likely to be lonely (average loneliness score of 43.5) compared to those who live alone (46.4). However, this does not apply to single parents/guardians (average loneliness score of 48.2) – </a:t>
+            </a:r>
+            <a:r>
+              <a:rPr lang="en-US" b="1" dirty="0"/>
+              <a:t>even though they live with children, they are more likely to be lonely</a:t>
+            </a:r>
+            <a:r>
+              <a:rPr lang="en-US" dirty="0"/>
+              <a:t>.</a:t>
+            </a:r>
+          </a:p>
+          <a:p>
+            <a:r>
+              <a:rPr lang="en-US" b="1" dirty="0"/>
+              <a:t>Only around half of Americans</a:t>
+            </a:r>
+            <a:r>
+              <a:rPr lang="en-US" dirty="0"/>
+              <a:t> (53 percent) have meaningful in-person social interactions, such as having an extended conversation with a friend or spending quality time with family, on a daily basis.</a:t>
+            </a:r>
+          </a:p>
+          <a:p>
+            <a:r>
+              <a:rPr lang="en-US" b="1" dirty="0"/>
+              <a:t>Generation Z (adults ages 18-22) is the loneliest generation</a:t>
+            </a:r>
+            <a:r>
+              <a:rPr lang="en-US" dirty="0"/>
+              <a:t> and claims to be in worse health than older generations.</a:t>
+            </a:r>
+          </a:p>
+          <a:p>
+            <a:r>
+              <a:rPr lang="en-US" b="1" dirty="0"/>
+              <a:t>Social media use alone is not a predictor of loneliness</a:t>
+            </a:r>
+            <a:r>
+              <a:rPr lang="en-US" dirty="0"/>
+              <a:t>; respondents defined as very heavy users of social media have a loneliness score (43.5) that is not markedly different from the score of those who never use social media (41.7).</a:t>
+            </a:r>
+          </a:p>
+          <a:p>
+            <a:r>
+              <a:rPr lang="en-US" dirty="0">
+                <a:hlinkClick r:id="rId2"/>
+              </a:rPr>
+              <a:t>https://www.cigna.com/newsroom/news-releases/2018/new-cigna-study-reveals-loneliness-at-epidemic-levels-in-america</a:t>
+            </a:r>
+            <a:endParaRPr lang="en-US" dirty="0"/>
           </a:p>
         </p:txBody>
       </p:sp>
@@ -8732,6 +9590,14 @@
 <file path=ppt/slides/slide3.xml><?xml version="1.0" encoding="utf-8"?>
 <p:sld xmlns:a="http://schemas.openxmlformats.org/drawingml/2006/main" xmlns:r="http://schemas.openxmlformats.org/officeDocument/2006/relationships" xmlns:p="http://schemas.openxmlformats.org/presentationml/2006/main">
   <p:cSld>
+    <p:bg>
+      <p:bgPr>
+        <a:solidFill>
+          <a:schemeClr val="bg1"/>
+        </a:solidFill>
+        <a:effectLst/>
+      </p:bgPr>
+    </p:bg>
     <p:spTree>
       <p:nvGrpSpPr>
         <p:cNvPr id="1" name=""/>
@@ -8746,12 +9612,103 @@
           <a:chExt cx="0" cy="0"/>
         </a:xfrm>
       </p:grpSpPr>
+      <p:sp useBgFill="1">
+        <p:nvSpPr>
+          <p:cNvPr id="17" name="Rectangle 10">
+            <a:extLst>
+              <a:ext uri="{FF2B5EF4-FFF2-40B4-BE49-F238E27FC236}">
+                <a16:creationId xmlns:a16="http://schemas.microsoft.com/office/drawing/2014/main" id="{35879851-1A1D-4246-AAA1-C484E858337D}"/>
+              </a:ext>
+              <a:ext uri="{C183D7F6-B498-43B3-948B-1728B52AA6E4}">
+                <adec:decorative xmlns:adec="http://schemas.microsoft.com/office/drawing/2017/decorative" val="1"/>
+              </a:ext>
+            </a:extLst>
+          </p:cNvPr>
+          <p:cNvSpPr>
+            <a:spLocks noGrp="1" noRot="1" noChangeAspect="1" noMove="1" noResize="1" noEditPoints="1" noAdjustHandles="1" noChangeArrowheads="1" noChangeShapeType="1" noTextEdit="1"/>
+          </p:cNvSpPr>
+          <p:nvPr>
+            <p:extLst>
+              <p:ext uri="{386F3935-93C4-4BCD-93E2-E3B085C9AB24}">
+                <p16:designElem xmlns:p16="http://schemas.microsoft.com/office/powerpoint/2015/main" val="1"/>
+              </p:ext>
+            </p:extLst>
+          </p:nvPr>
+        </p:nvSpPr>
+        <p:spPr>
+          <a:xfrm>
+            <a:off x="-4189" y="0"/>
+            <a:ext cx="12188952" cy="6858000"/>
+          </a:xfrm>
+          <a:prstGeom prst="rect">
+            <a:avLst/>
+          </a:prstGeom>
+          <a:ln>
+            <a:noFill/>
+          </a:ln>
+        </p:spPr>
+        <p:style>
+          <a:lnRef idx="2">
+            <a:schemeClr val="accent1">
+              <a:shade val="50000"/>
+            </a:schemeClr>
+          </a:lnRef>
+          <a:fillRef idx="1">
+            <a:schemeClr val="accent1"/>
+          </a:fillRef>
+          <a:effectRef idx="0">
+            <a:schemeClr val="accent1"/>
+          </a:effectRef>
+          <a:fontRef idx="minor">
+            <a:schemeClr val="lt1"/>
+          </a:fontRef>
+        </p:style>
+        <p:txBody>
+          <a:bodyPr rtlCol="0" anchor="ctr"/>
+          <a:lstStyle/>
+          <a:p>
+            <a:pPr algn="ctr"/>
+            <a:endParaRPr lang="en-US"/>
+          </a:p>
+        </p:txBody>
+      </p:sp>
+      <p:pic>
+        <p:nvPicPr>
+          <p:cNvPr id="6" name="Picture 5">
+            <a:extLst>
+              <a:ext uri="{FF2B5EF4-FFF2-40B4-BE49-F238E27FC236}">
+                <a16:creationId xmlns:a16="http://schemas.microsoft.com/office/drawing/2014/main" id="{AFD84876-E4A6-48D0-80E6-18EF1D449423}"/>
+              </a:ext>
+            </a:extLst>
+          </p:cNvPr>
+          <p:cNvPicPr>
+            <a:picLocks noChangeAspect="1"/>
+          </p:cNvPicPr>
+          <p:nvPr/>
+        </p:nvPicPr>
+        <p:blipFill rotWithShape="1">
+          <a:blip r:embed="rId2">
+            <a:alphaModFix amt="35000"/>
+          </a:blip>
+          <a:srcRect b="15730"/>
+          <a:stretch/>
+        </p:blipFill>
+        <p:spPr>
+          <a:xfrm>
+            <a:off x="-8825" y="10"/>
+            <a:ext cx="12192000" cy="6857990"/>
+          </a:xfrm>
+          <a:prstGeom prst="rect">
+            <a:avLst/>
+          </a:prstGeom>
+        </p:spPr>
+      </p:pic>
       <p:sp>
         <p:nvSpPr>
           <p:cNvPr id="2" name="Title 1">
             <a:extLst>
               <a:ext uri="{FF2B5EF4-FFF2-40B4-BE49-F238E27FC236}">
-                <a16:creationId xmlns:a16="http://schemas.microsoft.com/office/drawing/2014/main" id="{BCB2D7CD-753D-4A6A-8CFD-C62EE5AACC66}"/>
+                <a16:creationId xmlns:a16="http://schemas.microsoft.com/office/drawing/2014/main" id="{B49FC23C-C953-47D4-B496-196234EDA877}"/>
               </a:ext>
             </a:extLst>
           </p:cNvPr>
@@ -8762,14 +9719,21 @@
             <p:ph type="title"/>
           </p:nvPr>
         </p:nvSpPr>
-        <p:spPr/>
+        <p:spPr>
+          <a:xfrm>
+            <a:off x="2592925" y="624110"/>
+            <a:ext cx="8911687" cy="1280890"/>
+          </a:xfrm>
+        </p:spPr>
         <p:txBody>
-          <a:bodyPr/>
+          <a:bodyPr>
+            <a:normAutofit/>
+          </a:bodyPr>
           <a:lstStyle/>
           <a:p>
             <a:r>
               <a:rPr lang="en-US" dirty="0"/>
-              <a:t>Mission</a:t>
+              <a:t>The Loneliness Epidemic in the U.S. (continued)</a:t>
             </a:r>
           </a:p>
         </p:txBody>
@@ -8779,7 +9743,7 @@
           <p:cNvPr id="3" name="Content Placeholder 2">
             <a:extLst>
               <a:ext uri="{FF2B5EF4-FFF2-40B4-BE49-F238E27FC236}">
-                <a16:creationId xmlns:a16="http://schemas.microsoft.com/office/drawing/2014/main" id="{DA475984-AACC-404F-9DED-331D7A7B3FEF}"/>
+                <a16:creationId xmlns:a16="http://schemas.microsoft.com/office/drawing/2014/main" id="{93EE5CF0-0E11-4D8E-8D3C-67BC9D895DAB}"/>
               </a:ext>
             </a:extLst>
           </p:cNvPr>
@@ -8790,33 +9754,109 @@
             <p:ph idx="1"/>
           </p:nvPr>
         </p:nvSpPr>
-        <p:spPr/>
+        <p:spPr>
+          <a:xfrm>
+            <a:off x="2589212" y="2133600"/>
+            <a:ext cx="8915400" cy="3777622"/>
+          </a:xfrm>
+        </p:spPr>
         <p:txBody>
-          <a:bodyPr/>
+          <a:bodyPr>
+            <a:normAutofit lnSpcReduction="10000"/>
+          </a:bodyPr>
           <a:lstStyle/>
           <a:p>
+            <a:pPr>
+              <a:buClr>
+                <a:srgbClr val="915242"/>
+              </a:buClr>
+            </a:pPr>
+            <a:endParaRPr lang="en-US" dirty="0"/>
+          </a:p>
+          <a:p>
+            <a:pPr>
+              <a:buClr>
+                <a:srgbClr val="915242"/>
+              </a:buClr>
+            </a:pPr>
+            <a:endParaRPr lang="en-US" dirty="0"/>
+          </a:p>
+          <a:p>
+            <a:pPr>
+              <a:buClr>
+                <a:srgbClr val="915242"/>
+              </a:buClr>
+            </a:pPr>
+            <a:endParaRPr lang="en-US" dirty="0"/>
+          </a:p>
+          <a:p>
+            <a:pPr>
+              <a:buClr>
+                <a:srgbClr val="915242"/>
+              </a:buClr>
+            </a:pPr>
+            <a:endParaRPr lang="en-US" dirty="0"/>
+          </a:p>
+          <a:p>
+            <a:pPr>
+              <a:buClr>
+                <a:srgbClr val="915242"/>
+              </a:buClr>
+            </a:pPr>
+            <a:endParaRPr lang="en-US" dirty="0"/>
+          </a:p>
+          <a:p>
+            <a:pPr>
+              <a:buClr>
+                <a:srgbClr val="915242"/>
+              </a:buClr>
+            </a:pPr>
+            <a:endParaRPr lang="en-US" dirty="0"/>
+          </a:p>
+          <a:p>
+            <a:pPr>
+              <a:buClr>
+                <a:srgbClr val="915242"/>
+              </a:buClr>
+            </a:pPr>
             <a:r>
               <a:rPr lang="en-US" dirty="0"/>
-              <a:t>Mitigate or reduce the loneliness epidemic in the U.S.</a:t>
-            </a:r>
-          </a:p>
-          <a:p>
-            <a:r>
-              <a:rPr lang="en-US" dirty="0"/>
-              <a:t>(include graphic of the loneliness epidemic)</a:t>
-            </a:r>
+              <a:t>Former U.S. surgeon general, Vivek H. Murthy, emphasizes the unseen, but catastrophic effects of the loneliness epidemic.</a:t>
+            </a:r>
+          </a:p>
+          <a:p>
+            <a:pPr>
+              <a:buClr>
+                <a:srgbClr val="915242"/>
+              </a:buClr>
+            </a:pPr>
+            <a:r>
+              <a:rPr lang="en-US" dirty="0">
+                <a:hlinkClick r:id="rId3"/>
+              </a:rPr>
+              <a:t>https://www.washingtonpost.com/news/on-leadership/wp/2017/10/04/this-former-surgeon-general-says-theres-a-loneliness-epidemic-and-work-is-partly-to-blame/</a:t>
+            </a:r>
+            <a:endParaRPr lang="en-US" dirty="0"/>
+          </a:p>
+          <a:p>
+            <a:pPr>
+              <a:buClr>
+                <a:srgbClr val="915242"/>
+              </a:buClr>
+            </a:pPr>
+            <a:endParaRPr lang="en-US" dirty="0"/>
           </a:p>
         </p:txBody>
       </p:sp>
     </p:spTree>
     <p:extLst>
       <p:ext uri="{BB962C8B-B14F-4D97-AF65-F5344CB8AC3E}">
-        <p14:creationId xmlns:p14="http://schemas.microsoft.com/office/powerpoint/2010/main" val="3120845105"/>
+        <p14:creationId xmlns:p14="http://schemas.microsoft.com/office/powerpoint/2010/main" val="3591367428"/>
       </p:ext>
     </p:extLst>
   </p:cSld>
   <p:clrMapOvr>
-    <a:masterClrMapping/>
+    <a:overrideClrMapping bg1="dk1" tx1="lt1" bg2="dk2" tx2="lt2" accent1="accent1" accent2="accent2" accent3="accent3" accent4="accent4" accent5="accent5" accent6="accent6" hlink="hlink" folHlink="folHlink"/>
   </p:clrMapOvr>
 </p:sld>
 </file>
@@ -8843,7 +9883,7 @@
           <p:cNvPr id="2" name="Title 1">
             <a:extLst>
               <a:ext uri="{FF2B5EF4-FFF2-40B4-BE49-F238E27FC236}">
-                <a16:creationId xmlns:a16="http://schemas.microsoft.com/office/drawing/2014/main" id="{0E9E9493-B9AD-4917-A903-3B6FE53A9442}"/>
+                <a16:creationId xmlns:a16="http://schemas.microsoft.com/office/drawing/2014/main" id="{6F8F0856-2413-47D7-82FE-2AAEC63C3D84}"/>
               </a:ext>
             </a:extLst>
           </p:cNvPr>
@@ -8856,19 +9896,14 @@
         </p:nvSpPr>
         <p:spPr/>
         <p:txBody>
-          <a:bodyPr/>
+          <a:bodyPr>
+            <a:normAutofit/>
+          </a:bodyPr>
           <a:lstStyle/>
           <a:p>
             <a:r>
               <a:rPr lang="en-US" dirty="0"/>
-              <a:t>App Saturation in the Digital Age:</a:t>
-            </a:r>
-            <a:br>
-              <a:rPr lang="en-US" dirty="0"/>
-            </a:br>
-            <a:r>
-              <a:rPr lang="en-US" dirty="0"/>
-              <a:t>What has fallen?</a:t>
+              <a:t>Health Effects of the Loneliness</a:t>
             </a:r>
           </a:p>
         </p:txBody>
@@ -8878,7 +9913,7 @@
           <p:cNvPr id="3" name="Content Placeholder 2">
             <a:extLst>
               <a:ext uri="{FF2B5EF4-FFF2-40B4-BE49-F238E27FC236}">
-                <a16:creationId xmlns:a16="http://schemas.microsoft.com/office/drawing/2014/main" id="{CFCB06AD-75C0-48A3-9D8C-FF5CEE3919A4}"/>
+                <a16:creationId xmlns:a16="http://schemas.microsoft.com/office/drawing/2014/main" id="{DCA3937A-F73E-428B-8B06-8371DEBC8BB9}"/>
               </a:ext>
             </a:extLst>
           </p:cNvPr>
@@ -8891,9 +9926,29 @@
         </p:nvSpPr>
         <p:spPr/>
         <p:txBody>
-          <a:bodyPr/>
+          <a:bodyPr>
+            <a:normAutofit/>
+          </a:bodyPr>
           <a:lstStyle/>
           <a:p>
+            <a:r>
+              <a:rPr lang="en-US" dirty="0"/>
+              <a:t>“Current evidence indicates that heightened risk for mortality from a lack of social relationships is greater than that from obesity…”</a:t>
+            </a:r>
+          </a:p>
+          <a:p>
+            <a:r>
+              <a:rPr lang="en-US" dirty="0"/>
+              <a:t>“Researchers have predicted that loneliness will reach epidemic proportions by 2030 unless action is taken (Linehan et al., 2014).”</a:t>
+            </a:r>
+          </a:p>
+          <a:p>
+            <a:r>
+              <a:rPr lang="en-US" dirty="0">
+                <a:hlinkClick r:id="rId2"/>
+              </a:rPr>
+              <a:t>https://pubmed.ncbi.nlm.nih.gov/25910392/</a:t>
+            </a:r>
             <a:endParaRPr lang="en-US" dirty="0"/>
           </a:p>
         </p:txBody>
@@ -8901,7 +9956,7 @@
     </p:spTree>
     <p:extLst>
       <p:ext uri="{BB962C8B-B14F-4D97-AF65-F5344CB8AC3E}">
-        <p14:creationId xmlns:p14="http://schemas.microsoft.com/office/powerpoint/2010/main" val="1218510847"/>
+        <p14:creationId xmlns:p14="http://schemas.microsoft.com/office/powerpoint/2010/main" val="923092625"/>
       </p:ext>
     </p:extLst>
   </p:cSld>
@@ -8933,7 +9988,7 @@
           <p:cNvPr id="2" name="Title 1">
             <a:extLst>
               <a:ext uri="{FF2B5EF4-FFF2-40B4-BE49-F238E27FC236}">
-                <a16:creationId xmlns:a16="http://schemas.microsoft.com/office/drawing/2014/main" id="{03A83AAA-7579-4CCF-B549-55E15067F0C9}"/>
+                <a16:creationId xmlns:a16="http://schemas.microsoft.com/office/drawing/2014/main" id="{BCB2D7CD-753D-4A6A-8CFD-C62EE5AACC66}"/>
               </a:ext>
             </a:extLst>
           </p:cNvPr>
@@ -8951,14 +10006,7 @@
           <a:p>
             <a:r>
               <a:rPr lang="en-US" dirty="0"/>
-              <a:t>App Saturation in the Digital Age:</a:t>
-            </a:r>
-            <a:br>
-              <a:rPr lang="en-US" dirty="0"/>
-            </a:br>
-            <a:r>
-              <a:rPr lang="en-US" dirty="0"/>
-              <a:t>What has risen?</a:t>
+              <a:t>Mission</a:t>
             </a:r>
           </a:p>
         </p:txBody>
@@ -8968,7 +10016,7 @@
           <p:cNvPr id="3" name="Content Placeholder 2">
             <a:extLst>
               <a:ext uri="{FF2B5EF4-FFF2-40B4-BE49-F238E27FC236}">
-                <a16:creationId xmlns:a16="http://schemas.microsoft.com/office/drawing/2014/main" id="{A5953C17-5FCD-4DAC-B513-0B581147CD2E}"/>
+                <a16:creationId xmlns:a16="http://schemas.microsoft.com/office/drawing/2014/main" id="{DA475984-AACC-404F-9DED-331D7A7B3FEF}"/>
               </a:ext>
             </a:extLst>
           </p:cNvPr>
@@ -8984,14 +10032,17 @@
           <a:bodyPr/>
           <a:lstStyle/>
           <a:p>
-            <a:endParaRPr lang="en-US" dirty="0"/>
+            <a:r>
+              <a:rPr lang="en-US" dirty="0"/>
+              <a:t>To mitigate the loneliness epidemic in the U.S. by creating a platform that allows people to form deep and meaningful connections within their local community.</a:t>
+            </a:r>
           </a:p>
         </p:txBody>
       </p:sp>
     </p:spTree>
     <p:extLst>
       <p:ext uri="{BB962C8B-B14F-4D97-AF65-F5344CB8AC3E}">
-        <p14:creationId xmlns:p14="http://schemas.microsoft.com/office/powerpoint/2010/main" val="2857083325"/>
+        <p14:creationId xmlns:p14="http://schemas.microsoft.com/office/powerpoint/2010/main" val="3120845105"/>
       </p:ext>
     </p:extLst>
   </p:cSld>
@@ -9004,6 +10055,14 @@
 <file path=ppt/slides/slide6.xml><?xml version="1.0" encoding="utf-8"?>
 <p:sld xmlns:a="http://schemas.openxmlformats.org/drawingml/2006/main" xmlns:r="http://schemas.openxmlformats.org/officeDocument/2006/relationships" xmlns:p="http://schemas.openxmlformats.org/presentationml/2006/main">
   <p:cSld>
+    <p:bg>
+      <p:bgPr>
+        <a:solidFill>
+          <a:schemeClr val="bg2"/>
+        </a:solidFill>
+        <a:effectLst/>
+      </p:bgPr>
+    </p:bg>
     <p:spTree>
       <p:nvGrpSpPr>
         <p:cNvPr id="1" name=""/>
@@ -9018,12 +10077,72 @@
           <a:chExt cx="0" cy="0"/>
         </a:xfrm>
       </p:grpSpPr>
+      <p:sp useBgFill="1">
+        <p:nvSpPr>
+          <p:cNvPr id="27" name="Rectangle 7">
+            <a:extLst>
+              <a:ext uri="{FF2B5EF4-FFF2-40B4-BE49-F238E27FC236}">
+                <a16:creationId xmlns:a16="http://schemas.microsoft.com/office/drawing/2014/main" id="{CD306B45-25EE-434D-ABA9-A27B79320CFF}"/>
+              </a:ext>
+              <a:ext uri="{C183D7F6-B498-43B3-948B-1728B52AA6E4}">
+                <adec:decorative xmlns:adec="http://schemas.microsoft.com/office/drawing/2017/decorative" val="1"/>
+              </a:ext>
+            </a:extLst>
+          </p:cNvPr>
+          <p:cNvSpPr>
+            <a:spLocks noGrp="1" noRot="1" noChangeAspect="1" noMove="1" noResize="1" noEditPoints="1" noAdjustHandles="1" noChangeArrowheads="1" noChangeShapeType="1" noTextEdit="1"/>
+          </p:cNvSpPr>
+          <p:nvPr>
+            <p:extLst>
+              <p:ext uri="{386F3935-93C4-4BCD-93E2-E3B085C9AB24}">
+                <p16:designElem xmlns:p16="http://schemas.microsoft.com/office/powerpoint/2015/main" val="1"/>
+              </p:ext>
+            </p:extLst>
+          </p:nvPr>
+        </p:nvSpPr>
+        <p:spPr>
+          <a:xfrm>
+            <a:off x="2" y="0"/>
+            <a:ext cx="12191998" cy="6858000"/>
+          </a:xfrm>
+          <a:prstGeom prst="rect">
+            <a:avLst/>
+          </a:prstGeom>
+          <a:ln>
+            <a:noFill/>
+          </a:ln>
+        </p:spPr>
+        <p:style>
+          <a:lnRef idx="2">
+            <a:schemeClr val="accent1">
+              <a:shade val="50000"/>
+            </a:schemeClr>
+          </a:lnRef>
+          <a:fillRef idx="1">
+            <a:schemeClr val="accent1"/>
+          </a:fillRef>
+          <a:effectRef idx="0">
+            <a:schemeClr val="accent1"/>
+          </a:effectRef>
+          <a:fontRef idx="minor">
+            <a:schemeClr val="lt1"/>
+          </a:fontRef>
+        </p:style>
+        <p:txBody>
+          <a:bodyPr rtlCol="0" anchor="ctr"/>
+          <a:lstStyle/>
+          <a:p>
+            <a:pPr algn="ctr"/>
+            <a:endParaRPr lang="en-US"/>
+          </a:p>
+        </p:txBody>
+      </p:sp>
       <p:sp>
         <p:nvSpPr>
           <p:cNvPr id="2" name="Title 1">
             <a:extLst>
               <a:ext uri="{FF2B5EF4-FFF2-40B4-BE49-F238E27FC236}">
-                <a16:creationId xmlns:a16="http://schemas.microsoft.com/office/drawing/2014/main" id="{EB55CCCA-E5E2-4C6E-A942-18132981FBAF}"/>
+                <a16:creationId xmlns:a16="http://schemas.microsoft.com/office/drawing/2014/main" id="{0E9E9493-B9AD-4917-A903-3B6FE53A9442}"/>
               </a:ext>
             </a:extLst>
           </p:cNvPr>
@@ -9034,24 +10153,1188 @@
             <p:ph type="title"/>
           </p:nvPr>
         </p:nvSpPr>
-        <p:spPr/>
+        <p:spPr>
+          <a:xfrm>
+            <a:off x="1046019" y="942108"/>
+            <a:ext cx="3256550" cy="4969113"/>
+          </a:xfrm>
+        </p:spPr>
         <p:txBody>
-          <a:bodyPr/>
+          <a:bodyPr anchor="ctr">
+            <a:normAutofit/>
+          </a:bodyPr>
           <a:lstStyle/>
           <a:p>
             <a:r>
-              <a:rPr lang="en-US" dirty="0"/>
-              <a:t>The Current Method of Meeting People</a:t>
+              <a:rPr lang="en-US" dirty="0">
+                <a:solidFill>
+                  <a:schemeClr val="tx2">
+                    <a:lumMod val="75000"/>
+                  </a:schemeClr>
+                </a:solidFill>
+              </a:rPr>
+              <a:t>App Saturation in the Digital Age:</a:t>
+            </a:r>
+            <a:br>
+              <a:rPr lang="en-US" dirty="0">
+                <a:solidFill>
+                  <a:schemeClr val="tx2">
+                    <a:lumMod val="75000"/>
+                  </a:schemeClr>
+                </a:solidFill>
+              </a:rPr>
+            </a:br>
+            <a:r>
+              <a:rPr lang="en-US" dirty="0">
+                <a:solidFill>
+                  <a:schemeClr val="tx2">
+                    <a:lumMod val="75000"/>
+                  </a:schemeClr>
+                </a:solidFill>
+              </a:rPr>
+              <a:t>What has fallen?</a:t>
             </a:r>
           </a:p>
         </p:txBody>
       </p:sp>
+      <p:sp>
+        <p:nvSpPr>
+          <p:cNvPr id="28" name="Rectangle 9">
+            <a:extLst>
+              <a:ext uri="{FF2B5EF4-FFF2-40B4-BE49-F238E27FC236}">
+                <a16:creationId xmlns:a16="http://schemas.microsoft.com/office/drawing/2014/main" id="{0A42F85E-4939-431E-8B4A-EC07C8E0AB65}"/>
+              </a:ext>
+              <a:ext uri="{C183D7F6-B498-43B3-948B-1728B52AA6E4}">
+                <adec:decorative xmlns:adec="http://schemas.microsoft.com/office/drawing/2017/decorative" val="1"/>
+              </a:ext>
+            </a:extLst>
+          </p:cNvPr>
+          <p:cNvSpPr>
+            <a:spLocks noGrp="1" noRot="1" noChangeAspect="1" noMove="1" noResize="1" noEditPoints="1" noAdjustHandles="1" noChangeArrowheads="1" noChangeShapeType="1" noTextEdit="1"/>
+          </p:cNvSpPr>
+          <p:nvPr>
+            <p:extLst>
+              <p:ext uri="{386F3935-93C4-4BCD-93E2-E3B085C9AB24}">
+                <p16:designElem xmlns:p16="http://schemas.microsoft.com/office/powerpoint/2015/main" val="1"/>
+              </p:ext>
+            </p:extLst>
+          </p:nvPr>
+        </p:nvSpPr>
+        <p:spPr>
+          <a:xfrm>
+            <a:off x="0" y="0"/>
+            <a:ext cx="182880" cy="6858000"/>
+          </a:xfrm>
+          <a:prstGeom prst="rect">
+            <a:avLst/>
+          </a:prstGeom>
+          <a:solidFill>
+            <a:schemeClr val="tx2"/>
+          </a:solidFill>
+          <a:ln>
+            <a:noFill/>
+          </a:ln>
+          <a:effectLst/>
+        </p:spPr>
+        <p:style>
+          <a:lnRef idx="1">
+            <a:schemeClr val="accent1"/>
+          </a:lnRef>
+          <a:fillRef idx="3">
+            <a:schemeClr val="accent1"/>
+          </a:fillRef>
+          <a:effectRef idx="2">
+            <a:schemeClr val="accent1"/>
+          </a:effectRef>
+          <a:fontRef idx="minor">
+            <a:schemeClr val="lt1"/>
+          </a:fontRef>
+        </p:style>
+      </p:sp>
+      <p:cxnSp>
+        <p:nvCxnSpPr>
+          <p:cNvPr id="29" name="Straight Connector 11">
+            <a:extLst>
+              <a:ext uri="{FF2B5EF4-FFF2-40B4-BE49-F238E27FC236}">
+                <a16:creationId xmlns:a16="http://schemas.microsoft.com/office/drawing/2014/main" id="{27EBB3F9-D6F7-4F6A-8843-9FEBA15E4969}"/>
+              </a:ext>
+              <a:ext uri="{C183D7F6-B498-43B3-948B-1728B52AA6E4}">
+                <adec:decorative xmlns:adec="http://schemas.microsoft.com/office/drawing/2017/decorative" val="1"/>
+              </a:ext>
+            </a:extLst>
+          </p:cNvPr>
+          <p:cNvCxnSpPr>
+            <a:cxnSpLocks noGrp="1" noRot="1" noChangeAspect="1" noMove="1" noResize="1" noEditPoints="1" noAdjustHandles="1" noChangeArrowheads="1" noChangeShapeType="1"/>
+          </p:cNvCxnSpPr>
+          <p:nvPr>
+            <p:extLst>
+              <p:ext uri="{386F3935-93C4-4BCD-93E2-E3B085C9AB24}">
+                <p16:designElem xmlns:p16="http://schemas.microsoft.com/office/powerpoint/2015/main" val="1"/>
+              </p:ext>
+            </p:extLst>
+          </p:nvPr>
+        </p:nvCxnSpPr>
+        <p:spPr>
+          <a:xfrm>
+            <a:off x="4654296" y="1871831"/>
+            <a:ext cx="0" cy="3200400"/>
+          </a:xfrm>
+          <a:prstGeom prst="line">
+            <a:avLst/>
+          </a:prstGeom>
+          <a:ln w="15875">
+            <a:solidFill>
+              <a:schemeClr val="accent4"/>
+            </a:solidFill>
+          </a:ln>
+        </p:spPr>
+        <p:style>
+          <a:lnRef idx="1">
+            <a:schemeClr val="accent1"/>
+          </a:lnRef>
+          <a:fillRef idx="0">
+            <a:schemeClr val="accent1"/>
+          </a:fillRef>
+          <a:effectRef idx="0">
+            <a:schemeClr val="accent1"/>
+          </a:effectRef>
+          <a:fontRef idx="minor">
+            <a:schemeClr val="tx1"/>
+          </a:fontRef>
+        </p:style>
+      </p:cxnSp>
+      <p:grpSp>
+        <p:nvGrpSpPr>
+          <p:cNvPr id="14" name="Group 13">
+            <a:extLst>
+              <a:ext uri="{FF2B5EF4-FFF2-40B4-BE49-F238E27FC236}">
+                <a16:creationId xmlns:a16="http://schemas.microsoft.com/office/drawing/2014/main" id="{5D2B17EF-74EB-4C33-B2E2-8E727B2E7D68}"/>
+              </a:ext>
+              <a:ext uri="{C183D7F6-B498-43B3-948B-1728B52AA6E4}">
+                <adec:decorative xmlns:adec="http://schemas.microsoft.com/office/drawing/2017/decorative" val="1"/>
+              </a:ext>
+            </a:extLst>
+          </p:cNvPr>
+          <p:cNvGrpSpPr>
+            <a:grpSpLocks noGrp="1" noUngrp="1" noRot="1" noChangeAspect="1" noMove="1" noResize="1"/>
+          </p:cNvGrpSpPr>
+          <p:nvPr>
+            <p:extLst>
+              <p:ext uri="{386F3935-93C4-4BCD-93E2-E3B085C9AB24}">
+                <p16:designElem xmlns:p16="http://schemas.microsoft.com/office/powerpoint/2015/main" val="1"/>
+              </p:ext>
+            </p:extLst>
+          </p:nvPr>
+        </p:nvGrpSpPr>
+        <p:grpSpPr>
+          <a:xfrm flipH="1">
+            <a:off x="6009967" y="0"/>
+            <a:ext cx="6176982" cy="6853245"/>
+            <a:chOff x="2487613" y="285750"/>
+            <a:chExt cx="2428876" cy="5654676"/>
+          </a:xfrm>
+          <a:solidFill>
+            <a:schemeClr val="bg1">
+              <a:alpha val="30000"/>
+            </a:schemeClr>
+          </a:solidFill>
+        </p:grpSpPr>
+        <p:sp>
+          <p:nvSpPr>
+            <p:cNvPr id="15" name="Freeform 11">
+              <a:extLst>
+                <a:ext uri="{FF2B5EF4-FFF2-40B4-BE49-F238E27FC236}">
+                  <a16:creationId xmlns:a16="http://schemas.microsoft.com/office/drawing/2014/main" id="{0A5F1F8A-3206-4B86-883F-65E98BB6E475}"/>
+                </a:ext>
+                <a:ext uri="{C183D7F6-B498-43B3-948B-1728B52AA6E4}">
+                  <adec:decorative xmlns:adec="http://schemas.microsoft.com/office/drawing/2017/decorative" val="1"/>
+                </a:ext>
+              </a:extLst>
+            </p:cNvPr>
+            <p:cNvSpPr/>
+            <p:nvPr>
+              <p:extLst>
+                <p:ext uri="{386F3935-93C4-4BCD-93E2-E3B085C9AB24}">
+                  <p16:designElem xmlns:p16="http://schemas.microsoft.com/office/powerpoint/2015/main" val="1"/>
+                </p:ext>
+              </p:extLst>
+            </p:nvPr>
+          </p:nvSpPr>
+          <p:spPr bwMode="auto">
+            <a:xfrm>
+              <a:off x="2487613" y="2284413"/>
+              <a:ext cx="85725" cy="533400"/>
+            </a:xfrm>
+            <a:custGeom>
+              <a:avLst/>
+              <a:gdLst/>
+              <a:ahLst/>
+              <a:cxnLst/>
+              <a:rect l="0" t="0" r="r" b="b"/>
+              <a:pathLst>
+                <a:path w="22" h="136">
+                  <a:moveTo>
+                    <a:pt x="22" y="136"/>
+                  </a:moveTo>
+                  <a:cubicBezTo>
+                    <a:pt x="20" y="117"/>
+                    <a:pt x="19" y="99"/>
+                    <a:pt x="17" y="80"/>
+                  </a:cubicBezTo>
+                  <a:cubicBezTo>
+                    <a:pt x="11" y="54"/>
+                    <a:pt x="6" y="27"/>
+                    <a:pt x="0" y="0"/>
+                  </a:cubicBezTo>
+                  <a:cubicBezTo>
+                    <a:pt x="0" y="35"/>
+                    <a:pt x="0" y="35"/>
+                    <a:pt x="0" y="35"/>
+                  </a:cubicBezTo>
+                  <a:cubicBezTo>
+                    <a:pt x="6" y="64"/>
+                    <a:pt x="13" y="94"/>
+                    <a:pt x="20" y="124"/>
+                  </a:cubicBezTo>
+                  <a:cubicBezTo>
+                    <a:pt x="20" y="128"/>
+                    <a:pt x="21" y="132"/>
+                    <a:pt x="22" y="136"/>
+                  </a:cubicBezTo>
+                  <a:close/>
+                </a:path>
+              </a:pathLst>
+            </a:custGeom>
+            <a:grpFill/>
+            <a:ln>
+              <a:noFill/>
+            </a:ln>
+          </p:spPr>
+        </p:sp>
+        <p:sp>
+          <p:nvSpPr>
+            <p:cNvPr id="16" name="Freeform 12">
+              <a:extLst>
+                <a:ext uri="{FF2B5EF4-FFF2-40B4-BE49-F238E27FC236}">
+                  <a16:creationId xmlns:a16="http://schemas.microsoft.com/office/drawing/2014/main" id="{6935F8C7-CC88-4243-9786-F3CDBF04A09F}"/>
+                </a:ext>
+                <a:ext uri="{C183D7F6-B498-43B3-948B-1728B52AA6E4}">
+                  <adec:decorative xmlns:adec="http://schemas.microsoft.com/office/drawing/2017/decorative" val="1"/>
+                </a:ext>
+              </a:extLst>
+            </p:cNvPr>
+            <p:cNvSpPr/>
+            <p:nvPr>
+              <p:extLst>
+                <p:ext uri="{386F3935-93C4-4BCD-93E2-E3B085C9AB24}">
+                  <p16:designElem xmlns:p16="http://schemas.microsoft.com/office/powerpoint/2015/main" val="1"/>
+                </p:ext>
+              </p:extLst>
+            </p:nvPr>
+          </p:nvSpPr>
+          <p:spPr bwMode="auto">
+            <a:xfrm>
+              <a:off x="2597151" y="2779713"/>
+              <a:ext cx="550863" cy="1978025"/>
+            </a:xfrm>
+            <a:custGeom>
+              <a:avLst/>
+              <a:gdLst/>
+              <a:ahLst/>
+              <a:cxnLst/>
+              <a:rect l="0" t="0" r="r" b="b"/>
+              <a:pathLst>
+                <a:path w="140" h="504">
+                  <a:moveTo>
+                    <a:pt x="86" y="350"/>
+                  </a:moveTo>
+                  <a:cubicBezTo>
+                    <a:pt x="103" y="402"/>
+                    <a:pt x="120" y="453"/>
+                    <a:pt x="139" y="504"/>
+                  </a:cubicBezTo>
+                  <a:cubicBezTo>
+                    <a:pt x="139" y="495"/>
+                    <a:pt x="139" y="487"/>
+                    <a:pt x="140" y="478"/>
+                  </a:cubicBezTo>
+                  <a:cubicBezTo>
+                    <a:pt x="124" y="435"/>
+                    <a:pt x="109" y="391"/>
+                    <a:pt x="95" y="347"/>
+                  </a:cubicBezTo>
+                  <a:cubicBezTo>
+                    <a:pt x="58" y="233"/>
+                    <a:pt x="27" y="117"/>
+                    <a:pt x="0" y="0"/>
+                  </a:cubicBezTo>
+                  <a:cubicBezTo>
+                    <a:pt x="2" y="20"/>
+                    <a:pt x="4" y="41"/>
+                    <a:pt x="6" y="61"/>
+                  </a:cubicBezTo>
+                  <a:cubicBezTo>
+                    <a:pt x="30" y="158"/>
+                    <a:pt x="56" y="255"/>
+                    <a:pt x="86" y="350"/>
+                  </a:cubicBezTo>
+                  <a:close/>
+                </a:path>
+              </a:pathLst>
+            </a:custGeom>
+            <a:grpFill/>
+            <a:ln>
+              <a:noFill/>
+            </a:ln>
+          </p:spPr>
+        </p:sp>
+        <p:sp>
+          <p:nvSpPr>
+            <p:cNvPr id="17" name="Freeform 13">
+              <a:extLst>
+                <a:ext uri="{FF2B5EF4-FFF2-40B4-BE49-F238E27FC236}">
+                  <a16:creationId xmlns:a16="http://schemas.microsoft.com/office/drawing/2014/main" id="{9AF7BAD9-71B3-40D8-A089-EFF7FE67BD66}"/>
+                </a:ext>
+                <a:ext uri="{C183D7F6-B498-43B3-948B-1728B52AA6E4}">
+                  <adec:decorative xmlns:adec="http://schemas.microsoft.com/office/drawing/2017/decorative" val="1"/>
+                </a:ext>
+              </a:extLst>
+            </p:cNvPr>
+            <p:cNvSpPr/>
+            <p:nvPr>
+              <p:extLst>
+                <p:ext uri="{386F3935-93C4-4BCD-93E2-E3B085C9AB24}">
+                  <p16:designElem xmlns:p16="http://schemas.microsoft.com/office/powerpoint/2015/main" val="1"/>
+                </p:ext>
+              </p:extLst>
+            </p:nvPr>
+          </p:nvSpPr>
+          <p:spPr bwMode="auto">
+            <a:xfrm>
+              <a:off x="3175001" y="4730750"/>
+              <a:ext cx="519113" cy="1209675"/>
+            </a:xfrm>
+            <a:custGeom>
+              <a:avLst/>
+              <a:gdLst/>
+              <a:ahLst/>
+              <a:cxnLst/>
+              <a:rect l="0" t="0" r="r" b="b"/>
+              <a:pathLst>
+                <a:path w="132" h="308">
+                  <a:moveTo>
+                    <a:pt x="8" y="22"/>
+                  </a:moveTo>
+                  <a:cubicBezTo>
+                    <a:pt x="5" y="15"/>
+                    <a:pt x="2" y="8"/>
+                    <a:pt x="0" y="0"/>
+                  </a:cubicBezTo>
+                  <a:cubicBezTo>
+                    <a:pt x="0" y="10"/>
+                    <a:pt x="0" y="19"/>
+                    <a:pt x="0" y="29"/>
+                  </a:cubicBezTo>
+                  <a:cubicBezTo>
+                    <a:pt x="21" y="85"/>
+                    <a:pt x="44" y="140"/>
+                    <a:pt x="68" y="194"/>
+                  </a:cubicBezTo>
+                  <a:cubicBezTo>
+                    <a:pt x="85" y="232"/>
+                    <a:pt x="104" y="270"/>
+                    <a:pt x="123" y="308"/>
+                  </a:cubicBezTo>
+                  <a:cubicBezTo>
+                    <a:pt x="132" y="308"/>
+                    <a:pt x="132" y="308"/>
+                    <a:pt x="132" y="308"/>
+                  </a:cubicBezTo>
+                  <a:cubicBezTo>
+                    <a:pt x="113" y="269"/>
+                    <a:pt x="94" y="230"/>
+                    <a:pt x="77" y="190"/>
+                  </a:cubicBezTo>
+                  <a:cubicBezTo>
+                    <a:pt x="52" y="135"/>
+                    <a:pt x="29" y="79"/>
+                    <a:pt x="8" y="22"/>
+                  </a:cubicBezTo>
+                  <a:close/>
+                </a:path>
+              </a:pathLst>
+            </a:custGeom>
+            <a:grpFill/>
+            <a:ln>
+              <a:noFill/>
+            </a:ln>
+          </p:spPr>
+        </p:sp>
+        <p:sp>
+          <p:nvSpPr>
+            <p:cNvPr id="18" name="Freeform 14">
+              <a:extLst>
+                <a:ext uri="{FF2B5EF4-FFF2-40B4-BE49-F238E27FC236}">
+                  <a16:creationId xmlns:a16="http://schemas.microsoft.com/office/drawing/2014/main" id="{6467094F-AEF0-4D3B-BB76-8B3C1F08B937}"/>
+                </a:ext>
+                <a:ext uri="{C183D7F6-B498-43B3-948B-1728B52AA6E4}">
+                  <adec:decorative xmlns:adec="http://schemas.microsoft.com/office/drawing/2017/decorative" val="1"/>
+                </a:ext>
+              </a:extLst>
+            </p:cNvPr>
+            <p:cNvSpPr/>
+            <p:nvPr>
+              <p:extLst>
+                <p:ext uri="{386F3935-93C4-4BCD-93E2-E3B085C9AB24}">
+                  <p16:designElem xmlns:p16="http://schemas.microsoft.com/office/powerpoint/2015/main" val="1"/>
+                </p:ext>
+              </p:extLst>
+            </p:nvPr>
+          </p:nvSpPr>
+          <p:spPr bwMode="auto">
+            <a:xfrm>
+              <a:off x="3305176" y="5630863"/>
+              <a:ext cx="146050" cy="309563"/>
+            </a:xfrm>
+            <a:custGeom>
+              <a:avLst/>
+              <a:gdLst/>
+              <a:ahLst/>
+              <a:cxnLst/>
+              <a:rect l="0" t="0" r="r" b="b"/>
+              <a:pathLst>
+                <a:path w="37" h="79">
+                  <a:moveTo>
+                    <a:pt x="28" y="79"/>
+                  </a:moveTo>
+                  <a:cubicBezTo>
+                    <a:pt x="37" y="79"/>
+                    <a:pt x="37" y="79"/>
+                    <a:pt x="37" y="79"/>
+                  </a:cubicBezTo>
+                  <a:cubicBezTo>
+                    <a:pt x="24" y="53"/>
+                    <a:pt x="12" y="27"/>
+                    <a:pt x="0" y="0"/>
+                  </a:cubicBezTo>
+                  <a:cubicBezTo>
+                    <a:pt x="8" y="27"/>
+                    <a:pt x="17" y="53"/>
+                    <a:pt x="28" y="79"/>
+                  </a:cubicBezTo>
+                  <a:close/>
+                </a:path>
+              </a:pathLst>
+            </a:custGeom>
+            <a:grpFill/>
+            <a:ln>
+              <a:noFill/>
+            </a:ln>
+          </p:spPr>
+        </p:sp>
+        <p:sp>
+          <p:nvSpPr>
+            <p:cNvPr id="19" name="Freeform 15">
+              <a:extLst>
+                <a:ext uri="{FF2B5EF4-FFF2-40B4-BE49-F238E27FC236}">
+                  <a16:creationId xmlns:a16="http://schemas.microsoft.com/office/drawing/2014/main" id="{36F56AF9-DEF1-44E7-BF42-6AAC1AA9D19D}"/>
+                </a:ext>
+                <a:ext uri="{C183D7F6-B498-43B3-948B-1728B52AA6E4}">
+                  <adec:decorative xmlns:adec="http://schemas.microsoft.com/office/drawing/2017/decorative" val="1"/>
+                </a:ext>
+              </a:extLst>
+            </p:cNvPr>
+            <p:cNvSpPr/>
+            <p:nvPr>
+              <p:extLst>
+                <p:ext uri="{386F3935-93C4-4BCD-93E2-E3B085C9AB24}">
+                  <p16:designElem xmlns:p16="http://schemas.microsoft.com/office/powerpoint/2015/main" val="1"/>
+                </p:ext>
+              </p:extLst>
+            </p:nvPr>
+          </p:nvSpPr>
+          <p:spPr bwMode="auto">
+            <a:xfrm>
+              <a:off x="2573338" y="2817813"/>
+              <a:ext cx="700088" cy="2835275"/>
+            </a:xfrm>
+            <a:custGeom>
+              <a:avLst/>
+              <a:gdLst/>
+              <a:ahLst/>
+              <a:cxnLst/>
+              <a:rect l="0" t="0" r="r" b="b"/>
+              <a:pathLst>
+                <a:path w="178" h="722">
+                  <a:moveTo>
+                    <a:pt x="162" y="660"/>
+                  </a:moveTo>
+                  <a:cubicBezTo>
+                    <a:pt x="145" y="618"/>
+                    <a:pt x="130" y="576"/>
+                    <a:pt x="116" y="534"/>
+                  </a:cubicBezTo>
+                  <a:cubicBezTo>
+                    <a:pt x="84" y="437"/>
+                    <a:pt x="59" y="337"/>
+                    <a:pt x="40" y="236"/>
+                  </a:cubicBezTo>
+                  <a:cubicBezTo>
+                    <a:pt x="29" y="175"/>
+                    <a:pt x="20" y="113"/>
+                    <a:pt x="12" y="51"/>
+                  </a:cubicBezTo>
+                  <a:cubicBezTo>
+                    <a:pt x="8" y="34"/>
+                    <a:pt x="4" y="17"/>
+                    <a:pt x="0" y="0"/>
+                  </a:cubicBezTo>
+                  <a:cubicBezTo>
+                    <a:pt x="8" y="79"/>
+                    <a:pt x="19" y="159"/>
+                    <a:pt x="33" y="237"/>
+                  </a:cubicBezTo>
+                  <a:cubicBezTo>
+                    <a:pt x="51" y="339"/>
+                    <a:pt x="76" y="439"/>
+                    <a:pt x="107" y="537"/>
+                  </a:cubicBezTo>
+                  <a:cubicBezTo>
+                    <a:pt x="123" y="586"/>
+                    <a:pt x="141" y="634"/>
+                    <a:pt x="160" y="681"/>
+                  </a:cubicBezTo>
+                  <a:cubicBezTo>
+                    <a:pt x="166" y="695"/>
+                    <a:pt x="172" y="708"/>
+                    <a:pt x="178" y="722"/>
+                  </a:cubicBezTo>
+                  <a:cubicBezTo>
+                    <a:pt x="176" y="717"/>
+                    <a:pt x="175" y="713"/>
+                    <a:pt x="174" y="708"/>
+                  </a:cubicBezTo>
+                  <a:cubicBezTo>
+                    <a:pt x="169" y="692"/>
+                    <a:pt x="165" y="676"/>
+                    <a:pt x="162" y="660"/>
+                  </a:cubicBezTo>
+                  <a:close/>
+                </a:path>
+              </a:pathLst>
+            </a:custGeom>
+            <a:grpFill/>
+            <a:ln>
+              <a:noFill/>
+            </a:ln>
+          </p:spPr>
+        </p:sp>
+        <p:sp>
+          <p:nvSpPr>
+            <p:cNvPr id="20" name="Freeform 16">
+              <a:extLst>
+                <a:ext uri="{FF2B5EF4-FFF2-40B4-BE49-F238E27FC236}">
+                  <a16:creationId xmlns:a16="http://schemas.microsoft.com/office/drawing/2014/main" id="{A43EBE71-20BA-4A40-A513-516678089D11}"/>
+                </a:ext>
+                <a:ext uri="{C183D7F6-B498-43B3-948B-1728B52AA6E4}">
+                  <adec:decorative xmlns:adec="http://schemas.microsoft.com/office/drawing/2017/decorative" val="1"/>
+                </a:ext>
+              </a:extLst>
+            </p:cNvPr>
+            <p:cNvSpPr/>
+            <p:nvPr>
+              <p:extLst>
+                <p:ext uri="{386F3935-93C4-4BCD-93E2-E3B085C9AB24}">
+                  <p16:designElem xmlns:p16="http://schemas.microsoft.com/office/powerpoint/2015/main" val="1"/>
+                </p:ext>
+              </p:extLst>
+            </p:nvPr>
+          </p:nvSpPr>
+          <p:spPr bwMode="auto">
+            <a:xfrm>
+              <a:off x="2506663" y="285750"/>
+              <a:ext cx="90488" cy="2493963"/>
+            </a:xfrm>
+            <a:custGeom>
+              <a:avLst/>
+              <a:gdLst/>
+              <a:ahLst/>
+              <a:cxnLst/>
+              <a:rect l="0" t="0" r="r" b="b"/>
+              <a:pathLst>
+                <a:path w="23" h="635">
+                  <a:moveTo>
+                    <a:pt x="11" y="577"/>
+                  </a:moveTo>
+                  <a:cubicBezTo>
+                    <a:pt x="12" y="581"/>
+                    <a:pt x="12" y="585"/>
+                    <a:pt x="12" y="589"/>
+                  </a:cubicBezTo>
+                  <a:cubicBezTo>
+                    <a:pt x="15" y="603"/>
+                    <a:pt x="19" y="617"/>
+                    <a:pt x="22" y="632"/>
+                  </a:cubicBezTo>
+                  <a:cubicBezTo>
+                    <a:pt x="22" y="633"/>
+                    <a:pt x="22" y="634"/>
+                    <a:pt x="23" y="635"/>
+                  </a:cubicBezTo>
+                  <a:cubicBezTo>
+                    <a:pt x="21" y="615"/>
+                    <a:pt x="19" y="596"/>
+                    <a:pt x="17" y="576"/>
+                  </a:cubicBezTo>
+                  <a:cubicBezTo>
+                    <a:pt x="9" y="474"/>
+                    <a:pt x="5" y="372"/>
+                    <a:pt x="5" y="269"/>
+                  </a:cubicBezTo>
+                  <a:cubicBezTo>
+                    <a:pt x="6" y="179"/>
+                    <a:pt x="9" y="90"/>
+                    <a:pt x="15" y="0"/>
+                  </a:cubicBezTo>
+                  <a:cubicBezTo>
+                    <a:pt x="12" y="0"/>
+                    <a:pt x="12" y="0"/>
+                    <a:pt x="12" y="0"/>
+                  </a:cubicBezTo>
+                  <a:cubicBezTo>
+                    <a:pt x="5" y="89"/>
+                    <a:pt x="2" y="179"/>
+                    <a:pt x="1" y="269"/>
+                  </a:cubicBezTo>
+                  <a:cubicBezTo>
+                    <a:pt x="0" y="372"/>
+                    <a:pt x="3" y="474"/>
+                    <a:pt x="11" y="577"/>
+                  </a:cubicBezTo>
+                  <a:close/>
+                </a:path>
+              </a:pathLst>
+            </a:custGeom>
+            <a:grpFill/>
+            <a:ln>
+              <a:noFill/>
+            </a:ln>
+          </p:spPr>
+        </p:sp>
+        <p:sp>
+          <p:nvSpPr>
+            <p:cNvPr id="21" name="Freeform 17">
+              <a:extLst>
+                <a:ext uri="{FF2B5EF4-FFF2-40B4-BE49-F238E27FC236}">
+                  <a16:creationId xmlns:a16="http://schemas.microsoft.com/office/drawing/2014/main" id="{1DB39648-7B38-4D0B-93C5-048EC4A45C99}"/>
+                </a:ext>
+                <a:ext uri="{C183D7F6-B498-43B3-948B-1728B52AA6E4}">
+                  <adec:decorative xmlns:adec="http://schemas.microsoft.com/office/drawing/2017/decorative" val="1"/>
+                </a:ext>
+              </a:extLst>
+            </p:cNvPr>
+            <p:cNvSpPr/>
+            <p:nvPr>
+              <p:extLst>
+                <p:ext uri="{386F3935-93C4-4BCD-93E2-E3B085C9AB24}">
+                  <p16:designElem xmlns:p16="http://schemas.microsoft.com/office/powerpoint/2015/main" val="1"/>
+                </p:ext>
+              </p:extLst>
+            </p:nvPr>
+          </p:nvSpPr>
+          <p:spPr bwMode="auto">
+            <a:xfrm>
+              <a:off x="2554288" y="2598738"/>
+              <a:ext cx="66675" cy="420688"/>
+            </a:xfrm>
+            <a:custGeom>
+              <a:avLst/>
+              <a:gdLst/>
+              <a:ahLst/>
+              <a:cxnLst/>
+              <a:rect l="0" t="0" r="r" b="b"/>
+              <a:pathLst>
+                <a:path w="17" h="107">
+                  <a:moveTo>
+                    <a:pt x="0" y="0"/>
+                  </a:moveTo>
+                  <a:cubicBezTo>
+                    <a:pt x="2" y="19"/>
+                    <a:pt x="3" y="37"/>
+                    <a:pt x="5" y="56"/>
+                  </a:cubicBezTo>
+                  <a:cubicBezTo>
+                    <a:pt x="9" y="73"/>
+                    <a:pt x="13" y="90"/>
+                    <a:pt x="17" y="107"/>
+                  </a:cubicBezTo>
+                  <a:cubicBezTo>
+                    <a:pt x="15" y="87"/>
+                    <a:pt x="13" y="66"/>
+                    <a:pt x="11" y="46"/>
+                  </a:cubicBezTo>
+                  <a:cubicBezTo>
+                    <a:pt x="10" y="45"/>
+                    <a:pt x="10" y="44"/>
+                    <a:pt x="10" y="43"/>
+                  </a:cubicBezTo>
+                  <a:cubicBezTo>
+                    <a:pt x="7" y="28"/>
+                    <a:pt x="3" y="14"/>
+                    <a:pt x="0" y="0"/>
+                  </a:cubicBezTo>
+                  <a:close/>
+                </a:path>
+              </a:pathLst>
+            </a:custGeom>
+            <a:grpFill/>
+            <a:ln>
+              <a:noFill/>
+            </a:ln>
+          </p:spPr>
+        </p:sp>
+        <p:sp>
+          <p:nvSpPr>
+            <p:cNvPr id="22" name="Freeform 18">
+              <a:extLst>
+                <a:ext uri="{FF2B5EF4-FFF2-40B4-BE49-F238E27FC236}">
+                  <a16:creationId xmlns:a16="http://schemas.microsoft.com/office/drawing/2014/main" id="{8DD2661F-DE5F-45EA-B30B-7C6589638836}"/>
+                </a:ext>
+                <a:ext uri="{C183D7F6-B498-43B3-948B-1728B52AA6E4}">
+                  <adec:decorative xmlns:adec="http://schemas.microsoft.com/office/drawing/2017/decorative" val="1"/>
+                </a:ext>
+              </a:extLst>
+            </p:cNvPr>
+            <p:cNvSpPr/>
+            <p:nvPr>
+              <p:extLst>
+                <p:ext uri="{386F3935-93C4-4BCD-93E2-E3B085C9AB24}">
+                  <p16:designElem xmlns:p16="http://schemas.microsoft.com/office/powerpoint/2015/main" val="1"/>
+                </p:ext>
+              </p:extLst>
+            </p:nvPr>
+          </p:nvSpPr>
+          <p:spPr bwMode="auto">
+            <a:xfrm>
+              <a:off x="3143251" y="4757738"/>
+              <a:ext cx="161925" cy="873125"/>
+            </a:xfrm>
+            <a:custGeom>
+              <a:avLst/>
+              <a:gdLst/>
+              <a:ahLst/>
+              <a:cxnLst/>
+              <a:rect l="0" t="0" r="r" b="b"/>
+              <a:pathLst>
+                <a:path w="41" h="222">
+                  <a:moveTo>
+                    <a:pt x="0" y="0"/>
+                  </a:moveTo>
+                  <a:cubicBezTo>
+                    <a:pt x="0" y="31"/>
+                    <a:pt x="2" y="62"/>
+                    <a:pt x="5" y="93"/>
+                  </a:cubicBezTo>
+                  <a:cubicBezTo>
+                    <a:pt x="8" y="117"/>
+                    <a:pt x="12" y="142"/>
+                    <a:pt x="17" y="166"/>
+                  </a:cubicBezTo>
+                  <a:cubicBezTo>
+                    <a:pt x="19" y="172"/>
+                    <a:pt x="22" y="178"/>
+                    <a:pt x="24" y="184"/>
+                  </a:cubicBezTo>
+                  <a:cubicBezTo>
+                    <a:pt x="30" y="197"/>
+                    <a:pt x="35" y="209"/>
+                    <a:pt x="41" y="222"/>
+                  </a:cubicBezTo>
+                  <a:cubicBezTo>
+                    <a:pt x="40" y="219"/>
+                    <a:pt x="39" y="215"/>
+                    <a:pt x="38" y="212"/>
+                  </a:cubicBezTo>
+                  <a:cubicBezTo>
+                    <a:pt x="26" y="172"/>
+                    <a:pt x="18" y="132"/>
+                    <a:pt x="13" y="92"/>
+                  </a:cubicBezTo>
+                  <a:cubicBezTo>
+                    <a:pt x="11" y="68"/>
+                    <a:pt x="9" y="45"/>
+                    <a:pt x="8" y="22"/>
+                  </a:cubicBezTo>
+                  <a:cubicBezTo>
+                    <a:pt x="8" y="21"/>
+                    <a:pt x="7" y="20"/>
+                    <a:pt x="7" y="18"/>
+                  </a:cubicBezTo>
+                  <a:cubicBezTo>
+                    <a:pt x="5" y="12"/>
+                    <a:pt x="2" y="6"/>
+                    <a:pt x="0" y="0"/>
+                  </a:cubicBezTo>
+                  <a:close/>
+                </a:path>
+              </a:pathLst>
+            </a:custGeom>
+            <a:grpFill/>
+            <a:ln>
+              <a:noFill/>
+            </a:ln>
+          </p:spPr>
+        </p:sp>
+        <p:sp>
+          <p:nvSpPr>
+            <p:cNvPr id="23" name="Freeform 19">
+              <a:extLst>
+                <a:ext uri="{FF2B5EF4-FFF2-40B4-BE49-F238E27FC236}">
+                  <a16:creationId xmlns:a16="http://schemas.microsoft.com/office/drawing/2014/main" id="{ABF0A0E5-E68E-4183-A913-228692FD85EC}"/>
+                </a:ext>
+                <a:ext uri="{C183D7F6-B498-43B3-948B-1728B52AA6E4}">
+                  <adec:decorative xmlns:adec="http://schemas.microsoft.com/office/drawing/2017/decorative" val="1"/>
+                </a:ext>
+              </a:extLst>
+            </p:cNvPr>
+            <p:cNvSpPr/>
+            <p:nvPr>
+              <p:extLst>
+                <p:ext uri="{386F3935-93C4-4BCD-93E2-E3B085C9AB24}">
+                  <p16:designElem xmlns:p16="http://schemas.microsoft.com/office/powerpoint/2015/main" val="1"/>
+                </p:ext>
+              </p:extLst>
+            </p:nvPr>
+          </p:nvSpPr>
+          <p:spPr bwMode="auto">
+            <a:xfrm>
+              <a:off x="3148014" y="468286"/>
+              <a:ext cx="1768475" cy="4262464"/>
+            </a:xfrm>
+            <a:custGeom>
+              <a:avLst/>
+              <a:gdLst/>
+              <a:ahLst/>
+              <a:cxnLst/>
+              <a:rect l="0" t="0" r="r" b="b"/>
+              <a:pathLst>
+                <a:path w="450" h="878">
+                  <a:moveTo>
+                    <a:pt x="7" y="854"/>
+                  </a:moveTo>
+                  <a:cubicBezTo>
+                    <a:pt x="10" y="772"/>
+                    <a:pt x="26" y="691"/>
+                    <a:pt x="50" y="613"/>
+                  </a:cubicBezTo>
+                  <a:cubicBezTo>
+                    <a:pt x="75" y="535"/>
+                    <a:pt x="109" y="460"/>
+                    <a:pt x="149" y="388"/>
+                  </a:cubicBezTo>
+                  <a:cubicBezTo>
+                    <a:pt x="189" y="316"/>
+                    <a:pt x="235" y="248"/>
+                    <a:pt x="285" y="183"/>
+                  </a:cubicBezTo>
+                  <a:cubicBezTo>
+                    <a:pt x="310" y="151"/>
+                    <a:pt x="337" y="119"/>
+                    <a:pt x="364" y="89"/>
+                  </a:cubicBezTo>
+                  <a:cubicBezTo>
+                    <a:pt x="378" y="74"/>
+                    <a:pt x="392" y="58"/>
+                    <a:pt x="406" y="44"/>
+                  </a:cubicBezTo>
+                  <a:cubicBezTo>
+                    <a:pt x="421" y="29"/>
+                    <a:pt x="435" y="15"/>
+                    <a:pt x="450" y="1"/>
+                  </a:cubicBezTo>
+                  <a:cubicBezTo>
+                    <a:pt x="450" y="0"/>
+                    <a:pt x="450" y="0"/>
+                    <a:pt x="450" y="0"/>
+                  </a:cubicBezTo>
+                  <a:cubicBezTo>
+                    <a:pt x="434" y="14"/>
+                    <a:pt x="420" y="28"/>
+                    <a:pt x="405" y="43"/>
+                  </a:cubicBezTo>
+                  <a:cubicBezTo>
+                    <a:pt x="391" y="57"/>
+                    <a:pt x="377" y="72"/>
+                    <a:pt x="363" y="88"/>
+                  </a:cubicBezTo>
+                  <a:cubicBezTo>
+                    <a:pt x="335" y="118"/>
+                    <a:pt x="308" y="149"/>
+                    <a:pt x="283" y="181"/>
+                  </a:cubicBezTo>
+                  <a:cubicBezTo>
+                    <a:pt x="232" y="246"/>
+                    <a:pt x="185" y="314"/>
+                    <a:pt x="145" y="386"/>
+                  </a:cubicBezTo>
+                  <a:cubicBezTo>
+                    <a:pt x="104" y="457"/>
+                    <a:pt x="70" y="533"/>
+                    <a:pt x="45" y="611"/>
+                  </a:cubicBezTo>
+                  <a:cubicBezTo>
+                    <a:pt x="19" y="690"/>
+                    <a:pt x="3" y="771"/>
+                    <a:pt x="0" y="854"/>
+                  </a:cubicBezTo>
+                  <a:cubicBezTo>
+                    <a:pt x="0" y="856"/>
+                    <a:pt x="0" y="857"/>
+                    <a:pt x="0" y="859"/>
+                  </a:cubicBezTo>
+                  <a:cubicBezTo>
+                    <a:pt x="2" y="865"/>
+                    <a:pt x="4" y="872"/>
+                    <a:pt x="7" y="878"/>
+                  </a:cubicBezTo>
+                  <a:cubicBezTo>
+                    <a:pt x="7" y="870"/>
+                    <a:pt x="7" y="862"/>
+                    <a:pt x="7" y="854"/>
+                  </a:cubicBezTo>
+                  <a:close/>
+                </a:path>
+              </a:pathLst>
+            </a:custGeom>
+            <a:grpFill/>
+            <a:ln>
+              <a:noFill/>
+            </a:ln>
+          </p:spPr>
+        </p:sp>
+        <p:sp>
+          <p:nvSpPr>
+            <p:cNvPr id="24" name="Freeform 20">
+              <a:extLst>
+                <a:ext uri="{FF2B5EF4-FFF2-40B4-BE49-F238E27FC236}">
+                  <a16:creationId xmlns:a16="http://schemas.microsoft.com/office/drawing/2014/main" id="{615D8F55-8ACD-4EFE-A832-06E785479EA5}"/>
+                </a:ext>
+                <a:ext uri="{C183D7F6-B498-43B3-948B-1728B52AA6E4}">
+                  <adec:decorative xmlns:adec="http://schemas.microsoft.com/office/drawing/2017/decorative" val="1"/>
+                </a:ext>
+              </a:extLst>
+            </p:cNvPr>
+            <p:cNvSpPr/>
+            <p:nvPr>
+              <p:extLst>
+                <p:ext uri="{386F3935-93C4-4BCD-93E2-E3B085C9AB24}">
+                  <p16:designElem xmlns:p16="http://schemas.microsoft.com/office/powerpoint/2015/main" val="1"/>
+                </p:ext>
+              </p:extLst>
+            </p:nvPr>
+          </p:nvSpPr>
+          <p:spPr bwMode="auto">
+            <a:xfrm>
+              <a:off x="3273426" y="5653088"/>
+              <a:ext cx="138113" cy="287338"/>
+            </a:xfrm>
+            <a:custGeom>
+              <a:avLst/>
+              <a:gdLst/>
+              <a:ahLst/>
+              <a:cxnLst/>
+              <a:rect l="0" t="0" r="r" b="b"/>
+              <a:pathLst>
+                <a:path w="35" h="73">
+                  <a:moveTo>
+                    <a:pt x="0" y="0"/>
+                  </a:moveTo>
+                  <a:cubicBezTo>
+                    <a:pt x="7" y="24"/>
+                    <a:pt x="16" y="49"/>
+                    <a:pt x="26" y="73"/>
+                  </a:cubicBezTo>
+                  <a:cubicBezTo>
+                    <a:pt x="35" y="73"/>
+                    <a:pt x="35" y="73"/>
+                    <a:pt x="35" y="73"/>
+                  </a:cubicBezTo>
+                  <a:cubicBezTo>
+                    <a:pt x="23" y="49"/>
+                    <a:pt x="11" y="24"/>
+                    <a:pt x="0" y="0"/>
+                  </a:cubicBezTo>
+                  <a:close/>
+                </a:path>
+              </a:pathLst>
+            </a:custGeom>
+            <a:grpFill/>
+            <a:ln>
+              <a:noFill/>
+            </a:ln>
+          </p:spPr>
+        </p:sp>
+        <p:sp>
+          <p:nvSpPr>
+            <p:cNvPr id="25" name="Freeform 21">
+              <a:extLst>
+                <a:ext uri="{FF2B5EF4-FFF2-40B4-BE49-F238E27FC236}">
+                  <a16:creationId xmlns:a16="http://schemas.microsoft.com/office/drawing/2014/main" id="{0FDF4201-8CEC-474B-A6B1-88039B70416F}"/>
+                </a:ext>
+                <a:ext uri="{C183D7F6-B498-43B3-948B-1728B52AA6E4}">
+                  <adec:decorative xmlns:adec="http://schemas.microsoft.com/office/drawing/2017/decorative" val="1"/>
+                </a:ext>
+              </a:extLst>
+            </p:cNvPr>
+            <p:cNvSpPr/>
+            <p:nvPr>
+              <p:extLst>
+                <p:ext uri="{386F3935-93C4-4BCD-93E2-E3B085C9AB24}">
+                  <p16:designElem xmlns:p16="http://schemas.microsoft.com/office/powerpoint/2015/main" val="1"/>
+                </p:ext>
+              </p:extLst>
+            </p:nvPr>
+          </p:nvSpPr>
+          <p:spPr bwMode="auto">
+            <a:xfrm>
+              <a:off x="3143251" y="4656138"/>
+              <a:ext cx="31750" cy="188913"/>
+            </a:xfrm>
+            <a:custGeom>
+              <a:avLst/>
+              <a:gdLst/>
+              <a:ahLst/>
+              <a:cxnLst/>
+              <a:rect l="0" t="0" r="r" b="b"/>
+              <a:pathLst>
+                <a:path w="8" h="48">
+                  <a:moveTo>
+                    <a:pt x="7" y="44"/>
+                  </a:moveTo>
+                  <a:cubicBezTo>
+                    <a:pt x="7" y="46"/>
+                    <a:pt x="8" y="47"/>
+                    <a:pt x="8" y="48"/>
+                  </a:cubicBezTo>
+                  <a:cubicBezTo>
+                    <a:pt x="8" y="38"/>
+                    <a:pt x="8" y="29"/>
+                    <a:pt x="8" y="19"/>
+                  </a:cubicBezTo>
+                  <a:cubicBezTo>
+                    <a:pt x="5" y="13"/>
+                    <a:pt x="3" y="6"/>
+                    <a:pt x="1" y="0"/>
+                  </a:cubicBezTo>
+                  <a:cubicBezTo>
+                    <a:pt x="0" y="9"/>
+                    <a:pt x="0" y="17"/>
+                    <a:pt x="0" y="26"/>
+                  </a:cubicBezTo>
+                  <a:cubicBezTo>
+                    <a:pt x="2" y="32"/>
+                    <a:pt x="5" y="38"/>
+                    <a:pt x="7" y="44"/>
+                  </a:cubicBezTo>
+                  <a:close/>
+                </a:path>
+              </a:pathLst>
+            </a:custGeom>
+            <a:grpFill/>
+            <a:ln>
+              <a:noFill/>
+            </a:ln>
+          </p:spPr>
+        </p:sp>
+        <p:sp>
+          <p:nvSpPr>
+            <p:cNvPr id="26" name="Freeform 22">
+              <a:extLst>
+                <a:ext uri="{FF2B5EF4-FFF2-40B4-BE49-F238E27FC236}">
+                  <a16:creationId xmlns:a16="http://schemas.microsoft.com/office/drawing/2014/main" id="{0F60AEA4-B25F-417E-93FC-59686DFBE56E}"/>
+                </a:ext>
+                <a:ext uri="{C183D7F6-B498-43B3-948B-1728B52AA6E4}">
+                  <adec:decorative xmlns:adec="http://schemas.microsoft.com/office/drawing/2017/decorative" val="1"/>
+                </a:ext>
+              </a:extLst>
+            </p:cNvPr>
+            <p:cNvSpPr/>
+            <p:nvPr>
+              <p:extLst>
+                <p:ext uri="{386F3935-93C4-4BCD-93E2-E3B085C9AB24}">
+                  <p16:designElem xmlns:p16="http://schemas.microsoft.com/office/powerpoint/2015/main" val="1"/>
+                </p:ext>
+              </p:extLst>
+            </p:nvPr>
+          </p:nvSpPr>
+          <p:spPr bwMode="auto">
+            <a:xfrm>
+              <a:off x="3211513" y="5410200"/>
+              <a:ext cx="203200" cy="530225"/>
+            </a:xfrm>
+            <a:custGeom>
+              <a:avLst/>
+              <a:gdLst/>
+              <a:ahLst/>
+              <a:cxnLst/>
+              <a:rect l="0" t="0" r="r" b="b"/>
+              <a:pathLst>
+                <a:path w="52" h="135">
+                  <a:moveTo>
+                    <a:pt x="7" y="18"/>
+                  </a:moveTo>
+                  <a:cubicBezTo>
+                    <a:pt x="5" y="12"/>
+                    <a:pt x="2" y="6"/>
+                    <a:pt x="0" y="0"/>
+                  </a:cubicBezTo>
+                  <a:cubicBezTo>
+                    <a:pt x="3" y="16"/>
+                    <a:pt x="7" y="32"/>
+                    <a:pt x="12" y="48"/>
+                  </a:cubicBezTo>
+                  <a:cubicBezTo>
+                    <a:pt x="13" y="53"/>
+                    <a:pt x="14" y="57"/>
+                    <a:pt x="16" y="62"/>
+                  </a:cubicBezTo>
+                  <a:cubicBezTo>
+                    <a:pt x="27" y="86"/>
+                    <a:pt x="39" y="111"/>
+                    <a:pt x="51" y="135"/>
+                  </a:cubicBezTo>
+                  <a:cubicBezTo>
+                    <a:pt x="52" y="135"/>
+                    <a:pt x="52" y="135"/>
+                    <a:pt x="52" y="135"/>
+                  </a:cubicBezTo>
+                  <a:cubicBezTo>
+                    <a:pt x="41" y="109"/>
+                    <a:pt x="32" y="83"/>
+                    <a:pt x="24" y="56"/>
+                  </a:cubicBezTo>
+                  <a:cubicBezTo>
+                    <a:pt x="18" y="43"/>
+                    <a:pt x="13" y="31"/>
+                    <a:pt x="7" y="18"/>
+                  </a:cubicBezTo>
+                  <a:close/>
+                </a:path>
+              </a:pathLst>
+            </a:custGeom>
+            <a:grpFill/>
+            <a:ln>
+              <a:noFill/>
+            </a:ln>
+          </p:spPr>
+        </p:sp>
+      </p:grpSp>
       <p:sp>
         <p:nvSpPr>
           <p:cNvPr id="3" name="Content Placeholder 2">
             <a:extLst>
               <a:ext uri="{FF2B5EF4-FFF2-40B4-BE49-F238E27FC236}">
-                <a16:creationId xmlns:a16="http://schemas.microsoft.com/office/drawing/2014/main" id="{9D92BAF7-0615-4FB6-B39B-9CDCF6D1CA74}"/>
+                <a16:creationId xmlns:a16="http://schemas.microsoft.com/office/drawing/2014/main" id="{CFCB06AD-75C0-48A3-9D8C-FF5CEE3919A4}"/>
               </a:ext>
             </a:extLst>
           </p:cNvPr>
@@ -9062,19 +11345,112 @@
             <p:ph idx="1"/>
           </p:nvPr>
         </p:nvSpPr>
-        <p:spPr/>
+        <p:spPr>
+          <a:xfrm>
+            <a:off x="5049062" y="942108"/>
+            <a:ext cx="6455549" cy="4969114"/>
+          </a:xfrm>
+        </p:spPr>
         <p:txBody>
-          <a:bodyPr/>
+          <a:bodyPr anchor="ctr">
+            <a:normAutofit/>
+          </a:bodyPr>
           <a:lstStyle/>
           <a:p>
-            <a:endParaRPr lang="en-US"/>
+            <a:r>
+              <a:rPr lang="en-US" dirty="0">
+                <a:solidFill>
+                  <a:schemeClr val="tx2">
+                    <a:lumMod val="75000"/>
+                  </a:schemeClr>
+                </a:solidFill>
+              </a:rPr>
+              <a:t>Binge drinking has decreased among teens: </a:t>
+            </a:r>
+            <a:r>
+              <a:rPr lang="en-US" dirty="0">
+                <a:solidFill>
+                  <a:schemeClr val="tx2">
+                    <a:lumMod val="75000"/>
+                  </a:schemeClr>
+                </a:solidFill>
+                <a:hlinkClick r:id="rId2"/>
+              </a:rPr>
+              <a:t>https://www.nytimes.com/2017/07/31/well/family/binge-drinking-drops-among-teenagers.html</a:t>
+            </a:r>
+            <a:endParaRPr lang="en-US" dirty="0">
+              <a:solidFill>
+                <a:schemeClr val="tx2">
+                  <a:lumMod val="75000"/>
+                </a:schemeClr>
+              </a:solidFill>
+            </a:endParaRPr>
+          </a:p>
+          <a:p>
+            <a:r>
+              <a:rPr lang="en-US" dirty="0">
+                <a:solidFill>
+                  <a:schemeClr val="tx2">
+                    <a:lumMod val="75000"/>
+                  </a:schemeClr>
+                </a:solidFill>
+                <a:hlinkClick r:id="rId3"/>
+              </a:rPr>
+              <a:t>http://www.monitoringthefuture.org/pubs/monographs/mtf-overview2016.pdf</a:t>
+            </a:r>
+            <a:endParaRPr lang="en-US" dirty="0">
+              <a:solidFill>
+                <a:schemeClr val="tx2">
+                  <a:lumMod val="75000"/>
+                </a:schemeClr>
+              </a:solidFill>
+            </a:endParaRPr>
+          </a:p>
+          <a:p>
+            <a:r>
+              <a:rPr lang="en-US" dirty="0">
+                <a:solidFill>
+                  <a:schemeClr val="tx2">
+                    <a:lumMod val="75000"/>
+                  </a:schemeClr>
+                </a:solidFill>
+              </a:rPr>
+              <a:t>Heterosexual sex among young men: </a:t>
+            </a:r>
+            <a:r>
+              <a:rPr lang="en-US" dirty="0">
+                <a:solidFill>
+                  <a:schemeClr val="tx2">
+                    <a:lumMod val="75000"/>
+                  </a:schemeClr>
+                </a:solidFill>
+                <a:hlinkClick r:id="rId4"/>
+              </a:rPr>
+              <a:t>https://www.reuters.com/article/us-usa-health-sex/young-u-s-men-having-a-lot-less-sex-in-the-21st-century-study-shows-idUSKBN23J2LI</a:t>
+            </a:r>
+            <a:endParaRPr lang="en-US" dirty="0">
+              <a:solidFill>
+                <a:schemeClr val="tx2">
+                  <a:lumMod val="75000"/>
+                </a:schemeClr>
+              </a:solidFill>
+            </a:endParaRPr>
+          </a:p>
+          <a:p>
+            <a:endParaRPr lang="en-US" dirty="0">
+              <a:solidFill>
+                <a:schemeClr val="tx2">
+                  <a:lumMod val="75000"/>
+                </a:schemeClr>
+              </a:solidFill>
+            </a:endParaRPr>
           </a:p>
         </p:txBody>
       </p:sp>
     </p:spTree>
     <p:extLst>
       <p:ext uri="{BB962C8B-B14F-4D97-AF65-F5344CB8AC3E}">
-        <p14:creationId xmlns:p14="http://schemas.microsoft.com/office/powerpoint/2010/main" val="1869608470"/>
+        <p14:creationId xmlns:p14="http://schemas.microsoft.com/office/powerpoint/2010/main" val="1218510847"/>
       </p:ext>
     </p:extLst>
   </p:cSld>
@@ -9087,6 +11463,14 @@
 <file path=ppt/slides/slide7.xml><?xml version="1.0" encoding="utf-8"?>
 <p:sld xmlns:a="http://schemas.openxmlformats.org/drawingml/2006/main" xmlns:r="http://schemas.openxmlformats.org/officeDocument/2006/relationships" xmlns:p="http://schemas.openxmlformats.org/presentationml/2006/main">
   <p:cSld>
+    <p:bg>
+      <p:bgPr>
+        <a:solidFill>
+          <a:schemeClr val="bg2"/>
+        </a:solidFill>
+        <a:effectLst/>
+      </p:bgPr>
+    </p:bg>
     <p:spTree>
       <p:nvGrpSpPr>
         <p:cNvPr id="1" name=""/>
@@ -9101,12 +11485,72 @@
           <a:chExt cx="0" cy="0"/>
         </a:xfrm>
       </p:grpSpPr>
+      <p:sp useBgFill="1">
+        <p:nvSpPr>
+          <p:cNvPr id="8" name="Rectangle 7">
+            <a:extLst>
+              <a:ext uri="{FF2B5EF4-FFF2-40B4-BE49-F238E27FC236}">
+                <a16:creationId xmlns:a16="http://schemas.microsoft.com/office/drawing/2014/main" id="{CD306B45-25EE-434D-ABA9-A27B79320CFF}"/>
+              </a:ext>
+              <a:ext uri="{C183D7F6-B498-43B3-948B-1728B52AA6E4}">
+                <adec:decorative xmlns:adec="http://schemas.microsoft.com/office/drawing/2017/decorative" val="1"/>
+              </a:ext>
+            </a:extLst>
+          </p:cNvPr>
+          <p:cNvSpPr>
+            <a:spLocks noGrp="1" noRot="1" noChangeAspect="1" noMove="1" noResize="1" noEditPoints="1" noAdjustHandles="1" noChangeArrowheads="1" noChangeShapeType="1" noTextEdit="1"/>
+          </p:cNvSpPr>
+          <p:nvPr>
+            <p:extLst>
+              <p:ext uri="{386F3935-93C4-4BCD-93E2-E3B085C9AB24}">
+                <p16:designElem xmlns:p16="http://schemas.microsoft.com/office/powerpoint/2015/main" val="1"/>
+              </p:ext>
+            </p:extLst>
+          </p:nvPr>
+        </p:nvSpPr>
+        <p:spPr>
+          <a:xfrm>
+            <a:off x="2" y="0"/>
+            <a:ext cx="12191998" cy="6858000"/>
+          </a:xfrm>
+          <a:prstGeom prst="rect">
+            <a:avLst/>
+          </a:prstGeom>
+          <a:ln>
+            <a:noFill/>
+          </a:ln>
+        </p:spPr>
+        <p:style>
+          <a:lnRef idx="2">
+            <a:schemeClr val="accent1">
+              <a:shade val="50000"/>
+            </a:schemeClr>
+          </a:lnRef>
+          <a:fillRef idx="1">
+            <a:schemeClr val="accent1"/>
+          </a:fillRef>
+          <a:effectRef idx="0">
+            <a:schemeClr val="accent1"/>
+          </a:effectRef>
+          <a:fontRef idx="minor">
+            <a:schemeClr val="lt1"/>
+          </a:fontRef>
+        </p:style>
+        <p:txBody>
+          <a:bodyPr rtlCol="0" anchor="ctr"/>
+          <a:lstStyle/>
+          <a:p>
+            <a:pPr algn="ctr"/>
+            <a:endParaRPr lang="en-US"/>
+          </a:p>
+        </p:txBody>
+      </p:sp>
       <p:sp>
         <p:nvSpPr>
           <p:cNvPr id="2" name="Title 1">
             <a:extLst>
               <a:ext uri="{FF2B5EF4-FFF2-40B4-BE49-F238E27FC236}">
-                <a16:creationId xmlns:a16="http://schemas.microsoft.com/office/drawing/2014/main" id="{B8AD46B9-84F6-4361-8E76-6BAFE815FFC1}"/>
+                <a16:creationId xmlns:a16="http://schemas.microsoft.com/office/drawing/2014/main" id="{03A83AAA-7579-4CCF-B549-55E15067F0C9}"/>
               </a:ext>
             </a:extLst>
           </p:cNvPr>
@@ -9117,24 +11561,1188 @@
             <p:ph type="title"/>
           </p:nvPr>
         </p:nvSpPr>
-        <p:spPr/>
+        <p:spPr>
+          <a:xfrm>
+            <a:off x="1046019" y="942108"/>
+            <a:ext cx="3256550" cy="4969113"/>
+          </a:xfrm>
+        </p:spPr>
         <p:txBody>
-          <a:bodyPr/>
+          <a:bodyPr anchor="ctr">
+            <a:normAutofit/>
+          </a:bodyPr>
           <a:lstStyle/>
           <a:p>
             <a:r>
-              <a:rPr lang="en-US" dirty="0"/>
-              <a:t>The Old Method of Meeting People</a:t>
+              <a:rPr lang="en-US">
+                <a:solidFill>
+                  <a:schemeClr val="tx2">
+                    <a:lumMod val="75000"/>
+                  </a:schemeClr>
+                </a:solidFill>
+              </a:rPr>
+              <a:t>App Saturation in the Digital Age:</a:t>
+            </a:r>
+            <a:br>
+              <a:rPr lang="en-US">
+                <a:solidFill>
+                  <a:schemeClr val="tx2">
+                    <a:lumMod val="75000"/>
+                  </a:schemeClr>
+                </a:solidFill>
+              </a:rPr>
+            </a:br>
+            <a:r>
+              <a:rPr lang="en-US">
+                <a:solidFill>
+                  <a:schemeClr val="tx2">
+                    <a:lumMod val="75000"/>
+                  </a:schemeClr>
+                </a:solidFill>
+              </a:rPr>
+              <a:t>What has risen?</a:t>
             </a:r>
           </a:p>
         </p:txBody>
       </p:sp>
+      <p:sp>
+        <p:nvSpPr>
+          <p:cNvPr id="10" name="Rectangle 9">
+            <a:extLst>
+              <a:ext uri="{FF2B5EF4-FFF2-40B4-BE49-F238E27FC236}">
+                <a16:creationId xmlns:a16="http://schemas.microsoft.com/office/drawing/2014/main" id="{0A42F85E-4939-431E-8B4A-EC07C8E0AB65}"/>
+              </a:ext>
+              <a:ext uri="{C183D7F6-B498-43B3-948B-1728B52AA6E4}">
+                <adec:decorative xmlns:adec="http://schemas.microsoft.com/office/drawing/2017/decorative" val="1"/>
+              </a:ext>
+            </a:extLst>
+          </p:cNvPr>
+          <p:cNvSpPr>
+            <a:spLocks noGrp="1" noRot="1" noChangeAspect="1" noMove="1" noResize="1" noEditPoints="1" noAdjustHandles="1" noChangeArrowheads="1" noChangeShapeType="1" noTextEdit="1"/>
+          </p:cNvSpPr>
+          <p:nvPr>
+            <p:extLst>
+              <p:ext uri="{386F3935-93C4-4BCD-93E2-E3B085C9AB24}">
+                <p16:designElem xmlns:p16="http://schemas.microsoft.com/office/powerpoint/2015/main" val="1"/>
+              </p:ext>
+            </p:extLst>
+          </p:nvPr>
+        </p:nvSpPr>
+        <p:spPr>
+          <a:xfrm>
+            <a:off x="0" y="0"/>
+            <a:ext cx="182880" cy="6858000"/>
+          </a:xfrm>
+          <a:prstGeom prst="rect">
+            <a:avLst/>
+          </a:prstGeom>
+          <a:solidFill>
+            <a:schemeClr val="tx2"/>
+          </a:solidFill>
+          <a:ln>
+            <a:noFill/>
+          </a:ln>
+          <a:effectLst/>
+        </p:spPr>
+        <p:style>
+          <a:lnRef idx="1">
+            <a:schemeClr val="accent1"/>
+          </a:lnRef>
+          <a:fillRef idx="3">
+            <a:schemeClr val="accent1"/>
+          </a:fillRef>
+          <a:effectRef idx="2">
+            <a:schemeClr val="accent1"/>
+          </a:effectRef>
+          <a:fontRef idx="minor">
+            <a:schemeClr val="lt1"/>
+          </a:fontRef>
+        </p:style>
+      </p:sp>
+      <p:cxnSp>
+        <p:nvCxnSpPr>
+          <p:cNvPr id="12" name="Straight Connector 11">
+            <a:extLst>
+              <a:ext uri="{FF2B5EF4-FFF2-40B4-BE49-F238E27FC236}">
+                <a16:creationId xmlns:a16="http://schemas.microsoft.com/office/drawing/2014/main" id="{27EBB3F9-D6F7-4F6A-8843-9FEBA15E4969}"/>
+              </a:ext>
+              <a:ext uri="{C183D7F6-B498-43B3-948B-1728B52AA6E4}">
+                <adec:decorative xmlns:adec="http://schemas.microsoft.com/office/drawing/2017/decorative" val="1"/>
+              </a:ext>
+            </a:extLst>
+          </p:cNvPr>
+          <p:cNvCxnSpPr>
+            <a:cxnSpLocks noGrp="1" noRot="1" noChangeAspect="1" noMove="1" noResize="1" noEditPoints="1" noAdjustHandles="1" noChangeArrowheads="1" noChangeShapeType="1"/>
+          </p:cNvCxnSpPr>
+          <p:nvPr>
+            <p:extLst>
+              <p:ext uri="{386F3935-93C4-4BCD-93E2-E3B085C9AB24}">
+                <p16:designElem xmlns:p16="http://schemas.microsoft.com/office/powerpoint/2015/main" val="1"/>
+              </p:ext>
+            </p:extLst>
+          </p:nvPr>
+        </p:nvCxnSpPr>
+        <p:spPr>
+          <a:xfrm>
+            <a:off x="4654296" y="1871831"/>
+            <a:ext cx="0" cy="3200400"/>
+          </a:xfrm>
+          <a:prstGeom prst="line">
+            <a:avLst/>
+          </a:prstGeom>
+          <a:ln w="15875">
+            <a:solidFill>
+              <a:schemeClr val="accent4"/>
+            </a:solidFill>
+          </a:ln>
+        </p:spPr>
+        <p:style>
+          <a:lnRef idx="1">
+            <a:schemeClr val="accent1"/>
+          </a:lnRef>
+          <a:fillRef idx="0">
+            <a:schemeClr val="accent1"/>
+          </a:fillRef>
+          <a:effectRef idx="0">
+            <a:schemeClr val="accent1"/>
+          </a:effectRef>
+          <a:fontRef idx="minor">
+            <a:schemeClr val="tx1"/>
+          </a:fontRef>
+        </p:style>
+      </p:cxnSp>
+      <p:grpSp>
+        <p:nvGrpSpPr>
+          <p:cNvPr id="14" name="Group 13">
+            <a:extLst>
+              <a:ext uri="{FF2B5EF4-FFF2-40B4-BE49-F238E27FC236}">
+                <a16:creationId xmlns:a16="http://schemas.microsoft.com/office/drawing/2014/main" id="{5D2B17EF-74EB-4C33-B2E2-8E727B2E7D68}"/>
+              </a:ext>
+              <a:ext uri="{C183D7F6-B498-43B3-948B-1728B52AA6E4}">
+                <adec:decorative xmlns:adec="http://schemas.microsoft.com/office/drawing/2017/decorative" val="1"/>
+              </a:ext>
+            </a:extLst>
+          </p:cNvPr>
+          <p:cNvGrpSpPr>
+            <a:grpSpLocks noGrp="1" noUngrp="1" noRot="1" noChangeAspect="1" noMove="1" noResize="1"/>
+          </p:cNvGrpSpPr>
+          <p:nvPr>
+            <p:extLst>
+              <p:ext uri="{386F3935-93C4-4BCD-93E2-E3B085C9AB24}">
+                <p16:designElem xmlns:p16="http://schemas.microsoft.com/office/powerpoint/2015/main" val="1"/>
+              </p:ext>
+            </p:extLst>
+          </p:nvPr>
+        </p:nvGrpSpPr>
+        <p:grpSpPr>
+          <a:xfrm flipH="1">
+            <a:off x="6009967" y="0"/>
+            <a:ext cx="6176982" cy="6853245"/>
+            <a:chOff x="2487613" y="285750"/>
+            <a:chExt cx="2428876" cy="5654676"/>
+          </a:xfrm>
+          <a:solidFill>
+            <a:schemeClr val="bg1">
+              <a:alpha val="30000"/>
+            </a:schemeClr>
+          </a:solidFill>
+        </p:grpSpPr>
+        <p:sp>
+          <p:nvSpPr>
+            <p:cNvPr id="15" name="Freeform 11">
+              <a:extLst>
+                <a:ext uri="{FF2B5EF4-FFF2-40B4-BE49-F238E27FC236}">
+                  <a16:creationId xmlns:a16="http://schemas.microsoft.com/office/drawing/2014/main" id="{0A5F1F8A-3206-4B86-883F-65E98BB6E475}"/>
+                </a:ext>
+                <a:ext uri="{C183D7F6-B498-43B3-948B-1728B52AA6E4}">
+                  <adec:decorative xmlns:adec="http://schemas.microsoft.com/office/drawing/2017/decorative" val="1"/>
+                </a:ext>
+              </a:extLst>
+            </p:cNvPr>
+            <p:cNvSpPr/>
+            <p:nvPr>
+              <p:extLst>
+                <p:ext uri="{386F3935-93C4-4BCD-93E2-E3B085C9AB24}">
+                  <p16:designElem xmlns:p16="http://schemas.microsoft.com/office/powerpoint/2015/main" val="1"/>
+                </p:ext>
+              </p:extLst>
+            </p:nvPr>
+          </p:nvSpPr>
+          <p:spPr bwMode="auto">
+            <a:xfrm>
+              <a:off x="2487613" y="2284413"/>
+              <a:ext cx="85725" cy="533400"/>
+            </a:xfrm>
+            <a:custGeom>
+              <a:avLst/>
+              <a:gdLst/>
+              <a:ahLst/>
+              <a:cxnLst/>
+              <a:rect l="0" t="0" r="r" b="b"/>
+              <a:pathLst>
+                <a:path w="22" h="136">
+                  <a:moveTo>
+                    <a:pt x="22" y="136"/>
+                  </a:moveTo>
+                  <a:cubicBezTo>
+                    <a:pt x="20" y="117"/>
+                    <a:pt x="19" y="99"/>
+                    <a:pt x="17" y="80"/>
+                  </a:cubicBezTo>
+                  <a:cubicBezTo>
+                    <a:pt x="11" y="54"/>
+                    <a:pt x="6" y="27"/>
+                    <a:pt x="0" y="0"/>
+                  </a:cubicBezTo>
+                  <a:cubicBezTo>
+                    <a:pt x="0" y="35"/>
+                    <a:pt x="0" y="35"/>
+                    <a:pt x="0" y="35"/>
+                  </a:cubicBezTo>
+                  <a:cubicBezTo>
+                    <a:pt x="6" y="64"/>
+                    <a:pt x="13" y="94"/>
+                    <a:pt x="20" y="124"/>
+                  </a:cubicBezTo>
+                  <a:cubicBezTo>
+                    <a:pt x="20" y="128"/>
+                    <a:pt x="21" y="132"/>
+                    <a:pt x="22" y="136"/>
+                  </a:cubicBezTo>
+                  <a:close/>
+                </a:path>
+              </a:pathLst>
+            </a:custGeom>
+            <a:grpFill/>
+            <a:ln>
+              <a:noFill/>
+            </a:ln>
+          </p:spPr>
+        </p:sp>
+        <p:sp>
+          <p:nvSpPr>
+            <p:cNvPr id="16" name="Freeform 12">
+              <a:extLst>
+                <a:ext uri="{FF2B5EF4-FFF2-40B4-BE49-F238E27FC236}">
+                  <a16:creationId xmlns:a16="http://schemas.microsoft.com/office/drawing/2014/main" id="{6935F8C7-CC88-4243-9786-F3CDBF04A09F}"/>
+                </a:ext>
+                <a:ext uri="{C183D7F6-B498-43B3-948B-1728B52AA6E4}">
+                  <adec:decorative xmlns:adec="http://schemas.microsoft.com/office/drawing/2017/decorative" val="1"/>
+                </a:ext>
+              </a:extLst>
+            </p:cNvPr>
+            <p:cNvSpPr/>
+            <p:nvPr>
+              <p:extLst>
+                <p:ext uri="{386F3935-93C4-4BCD-93E2-E3B085C9AB24}">
+                  <p16:designElem xmlns:p16="http://schemas.microsoft.com/office/powerpoint/2015/main" val="1"/>
+                </p:ext>
+              </p:extLst>
+            </p:nvPr>
+          </p:nvSpPr>
+          <p:spPr bwMode="auto">
+            <a:xfrm>
+              <a:off x="2597151" y="2779713"/>
+              <a:ext cx="550863" cy="1978025"/>
+            </a:xfrm>
+            <a:custGeom>
+              <a:avLst/>
+              <a:gdLst/>
+              <a:ahLst/>
+              <a:cxnLst/>
+              <a:rect l="0" t="0" r="r" b="b"/>
+              <a:pathLst>
+                <a:path w="140" h="504">
+                  <a:moveTo>
+                    <a:pt x="86" y="350"/>
+                  </a:moveTo>
+                  <a:cubicBezTo>
+                    <a:pt x="103" y="402"/>
+                    <a:pt x="120" y="453"/>
+                    <a:pt x="139" y="504"/>
+                  </a:cubicBezTo>
+                  <a:cubicBezTo>
+                    <a:pt x="139" y="495"/>
+                    <a:pt x="139" y="487"/>
+                    <a:pt x="140" y="478"/>
+                  </a:cubicBezTo>
+                  <a:cubicBezTo>
+                    <a:pt x="124" y="435"/>
+                    <a:pt x="109" y="391"/>
+                    <a:pt x="95" y="347"/>
+                  </a:cubicBezTo>
+                  <a:cubicBezTo>
+                    <a:pt x="58" y="233"/>
+                    <a:pt x="27" y="117"/>
+                    <a:pt x="0" y="0"/>
+                  </a:cubicBezTo>
+                  <a:cubicBezTo>
+                    <a:pt x="2" y="20"/>
+                    <a:pt x="4" y="41"/>
+                    <a:pt x="6" y="61"/>
+                  </a:cubicBezTo>
+                  <a:cubicBezTo>
+                    <a:pt x="30" y="158"/>
+                    <a:pt x="56" y="255"/>
+                    <a:pt x="86" y="350"/>
+                  </a:cubicBezTo>
+                  <a:close/>
+                </a:path>
+              </a:pathLst>
+            </a:custGeom>
+            <a:grpFill/>
+            <a:ln>
+              <a:noFill/>
+            </a:ln>
+          </p:spPr>
+        </p:sp>
+        <p:sp>
+          <p:nvSpPr>
+            <p:cNvPr id="17" name="Freeform 13">
+              <a:extLst>
+                <a:ext uri="{FF2B5EF4-FFF2-40B4-BE49-F238E27FC236}">
+                  <a16:creationId xmlns:a16="http://schemas.microsoft.com/office/drawing/2014/main" id="{9AF7BAD9-71B3-40D8-A089-EFF7FE67BD66}"/>
+                </a:ext>
+                <a:ext uri="{C183D7F6-B498-43B3-948B-1728B52AA6E4}">
+                  <adec:decorative xmlns:adec="http://schemas.microsoft.com/office/drawing/2017/decorative" val="1"/>
+                </a:ext>
+              </a:extLst>
+            </p:cNvPr>
+            <p:cNvSpPr/>
+            <p:nvPr>
+              <p:extLst>
+                <p:ext uri="{386F3935-93C4-4BCD-93E2-E3B085C9AB24}">
+                  <p16:designElem xmlns:p16="http://schemas.microsoft.com/office/powerpoint/2015/main" val="1"/>
+                </p:ext>
+              </p:extLst>
+            </p:nvPr>
+          </p:nvSpPr>
+          <p:spPr bwMode="auto">
+            <a:xfrm>
+              <a:off x="3175001" y="4730750"/>
+              <a:ext cx="519113" cy="1209675"/>
+            </a:xfrm>
+            <a:custGeom>
+              <a:avLst/>
+              <a:gdLst/>
+              <a:ahLst/>
+              <a:cxnLst/>
+              <a:rect l="0" t="0" r="r" b="b"/>
+              <a:pathLst>
+                <a:path w="132" h="308">
+                  <a:moveTo>
+                    <a:pt x="8" y="22"/>
+                  </a:moveTo>
+                  <a:cubicBezTo>
+                    <a:pt x="5" y="15"/>
+                    <a:pt x="2" y="8"/>
+                    <a:pt x="0" y="0"/>
+                  </a:cubicBezTo>
+                  <a:cubicBezTo>
+                    <a:pt x="0" y="10"/>
+                    <a:pt x="0" y="19"/>
+                    <a:pt x="0" y="29"/>
+                  </a:cubicBezTo>
+                  <a:cubicBezTo>
+                    <a:pt x="21" y="85"/>
+                    <a:pt x="44" y="140"/>
+                    <a:pt x="68" y="194"/>
+                  </a:cubicBezTo>
+                  <a:cubicBezTo>
+                    <a:pt x="85" y="232"/>
+                    <a:pt x="104" y="270"/>
+                    <a:pt x="123" y="308"/>
+                  </a:cubicBezTo>
+                  <a:cubicBezTo>
+                    <a:pt x="132" y="308"/>
+                    <a:pt x="132" y="308"/>
+                    <a:pt x="132" y="308"/>
+                  </a:cubicBezTo>
+                  <a:cubicBezTo>
+                    <a:pt x="113" y="269"/>
+                    <a:pt x="94" y="230"/>
+                    <a:pt x="77" y="190"/>
+                  </a:cubicBezTo>
+                  <a:cubicBezTo>
+                    <a:pt x="52" y="135"/>
+                    <a:pt x="29" y="79"/>
+                    <a:pt x="8" y="22"/>
+                  </a:cubicBezTo>
+                  <a:close/>
+                </a:path>
+              </a:pathLst>
+            </a:custGeom>
+            <a:grpFill/>
+            <a:ln>
+              <a:noFill/>
+            </a:ln>
+          </p:spPr>
+        </p:sp>
+        <p:sp>
+          <p:nvSpPr>
+            <p:cNvPr id="18" name="Freeform 14">
+              <a:extLst>
+                <a:ext uri="{FF2B5EF4-FFF2-40B4-BE49-F238E27FC236}">
+                  <a16:creationId xmlns:a16="http://schemas.microsoft.com/office/drawing/2014/main" id="{6467094F-AEF0-4D3B-BB76-8B3C1F08B937}"/>
+                </a:ext>
+                <a:ext uri="{C183D7F6-B498-43B3-948B-1728B52AA6E4}">
+                  <adec:decorative xmlns:adec="http://schemas.microsoft.com/office/drawing/2017/decorative" val="1"/>
+                </a:ext>
+              </a:extLst>
+            </p:cNvPr>
+            <p:cNvSpPr/>
+            <p:nvPr>
+              <p:extLst>
+                <p:ext uri="{386F3935-93C4-4BCD-93E2-E3B085C9AB24}">
+                  <p16:designElem xmlns:p16="http://schemas.microsoft.com/office/powerpoint/2015/main" val="1"/>
+                </p:ext>
+              </p:extLst>
+            </p:nvPr>
+          </p:nvSpPr>
+          <p:spPr bwMode="auto">
+            <a:xfrm>
+              <a:off x="3305176" y="5630863"/>
+              <a:ext cx="146050" cy="309563"/>
+            </a:xfrm>
+            <a:custGeom>
+              <a:avLst/>
+              <a:gdLst/>
+              <a:ahLst/>
+              <a:cxnLst/>
+              <a:rect l="0" t="0" r="r" b="b"/>
+              <a:pathLst>
+                <a:path w="37" h="79">
+                  <a:moveTo>
+                    <a:pt x="28" y="79"/>
+                  </a:moveTo>
+                  <a:cubicBezTo>
+                    <a:pt x="37" y="79"/>
+                    <a:pt x="37" y="79"/>
+                    <a:pt x="37" y="79"/>
+                  </a:cubicBezTo>
+                  <a:cubicBezTo>
+                    <a:pt x="24" y="53"/>
+                    <a:pt x="12" y="27"/>
+                    <a:pt x="0" y="0"/>
+                  </a:cubicBezTo>
+                  <a:cubicBezTo>
+                    <a:pt x="8" y="27"/>
+                    <a:pt x="17" y="53"/>
+                    <a:pt x="28" y="79"/>
+                  </a:cubicBezTo>
+                  <a:close/>
+                </a:path>
+              </a:pathLst>
+            </a:custGeom>
+            <a:grpFill/>
+            <a:ln>
+              <a:noFill/>
+            </a:ln>
+          </p:spPr>
+        </p:sp>
+        <p:sp>
+          <p:nvSpPr>
+            <p:cNvPr id="19" name="Freeform 15">
+              <a:extLst>
+                <a:ext uri="{FF2B5EF4-FFF2-40B4-BE49-F238E27FC236}">
+                  <a16:creationId xmlns:a16="http://schemas.microsoft.com/office/drawing/2014/main" id="{36F56AF9-DEF1-44E7-BF42-6AAC1AA9D19D}"/>
+                </a:ext>
+                <a:ext uri="{C183D7F6-B498-43B3-948B-1728B52AA6E4}">
+                  <adec:decorative xmlns:adec="http://schemas.microsoft.com/office/drawing/2017/decorative" val="1"/>
+                </a:ext>
+              </a:extLst>
+            </p:cNvPr>
+            <p:cNvSpPr/>
+            <p:nvPr>
+              <p:extLst>
+                <p:ext uri="{386F3935-93C4-4BCD-93E2-E3B085C9AB24}">
+                  <p16:designElem xmlns:p16="http://schemas.microsoft.com/office/powerpoint/2015/main" val="1"/>
+                </p:ext>
+              </p:extLst>
+            </p:nvPr>
+          </p:nvSpPr>
+          <p:spPr bwMode="auto">
+            <a:xfrm>
+              <a:off x="2573338" y="2817813"/>
+              <a:ext cx="700088" cy="2835275"/>
+            </a:xfrm>
+            <a:custGeom>
+              <a:avLst/>
+              <a:gdLst/>
+              <a:ahLst/>
+              <a:cxnLst/>
+              <a:rect l="0" t="0" r="r" b="b"/>
+              <a:pathLst>
+                <a:path w="178" h="722">
+                  <a:moveTo>
+                    <a:pt x="162" y="660"/>
+                  </a:moveTo>
+                  <a:cubicBezTo>
+                    <a:pt x="145" y="618"/>
+                    <a:pt x="130" y="576"/>
+                    <a:pt x="116" y="534"/>
+                  </a:cubicBezTo>
+                  <a:cubicBezTo>
+                    <a:pt x="84" y="437"/>
+                    <a:pt x="59" y="337"/>
+                    <a:pt x="40" y="236"/>
+                  </a:cubicBezTo>
+                  <a:cubicBezTo>
+                    <a:pt x="29" y="175"/>
+                    <a:pt x="20" y="113"/>
+                    <a:pt x="12" y="51"/>
+                  </a:cubicBezTo>
+                  <a:cubicBezTo>
+                    <a:pt x="8" y="34"/>
+                    <a:pt x="4" y="17"/>
+                    <a:pt x="0" y="0"/>
+                  </a:cubicBezTo>
+                  <a:cubicBezTo>
+                    <a:pt x="8" y="79"/>
+                    <a:pt x="19" y="159"/>
+                    <a:pt x="33" y="237"/>
+                  </a:cubicBezTo>
+                  <a:cubicBezTo>
+                    <a:pt x="51" y="339"/>
+                    <a:pt x="76" y="439"/>
+                    <a:pt x="107" y="537"/>
+                  </a:cubicBezTo>
+                  <a:cubicBezTo>
+                    <a:pt x="123" y="586"/>
+                    <a:pt x="141" y="634"/>
+                    <a:pt x="160" y="681"/>
+                  </a:cubicBezTo>
+                  <a:cubicBezTo>
+                    <a:pt x="166" y="695"/>
+                    <a:pt x="172" y="708"/>
+                    <a:pt x="178" y="722"/>
+                  </a:cubicBezTo>
+                  <a:cubicBezTo>
+                    <a:pt x="176" y="717"/>
+                    <a:pt x="175" y="713"/>
+                    <a:pt x="174" y="708"/>
+                  </a:cubicBezTo>
+                  <a:cubicBezTo>
+                    <a:pt x="169" y="692"/>
+                    <a:pt x="165" y="676"/>
+                    <a:pt x="162" y="660"/>
+                  </a:cubicBezTo>
+                  <a:close/>
+                </a:path>
+              </a:pathLst>
+            </a:custGeom>
+            <a:grpFill/>
+            <a:ln>
+              <a:noFill/>
+            </a:ln>
+          </p:spPr>
+        </p:sp>
+        <p:sp>
+          <p:nvSpPr>
+            <p:cNvPr id="20" name="Freeform 16">
+              <a:extLst>
+                <a:ext uri="{FF2B5EF4-FFF2-40B4-BE49-F238E27FC236}">
+                  <a16:creationId xmlns:a16="http://schemas.microsoft.com/office/drawing/2014/main" id="{A43EBE71-20BA-4A40-A513-516678089D11}"/>
+                </a:ext>
+                <a:ext uri="{C183D7F6-B498-43B3-948B-1728B52AA6E4}">
+                  <adec:decorative xmlns:adec="http://schemas.microsoft.com/office/drawing/2017/decorative" val="1"/>
+                </a:ext>
+              </a:extLst>
+            </p:cNvPr>
+            <p:cNvSpPr/>
+            <p:nvPr>
+              <p:extLst>
+                <p:ext uri="{386F3935-93C4-4BCD-93E2-E3B085C9AB24}">
+                  <p16:designElem xmlns:p16="http://schemas.microsoft.com/office/powerpoint/2015/main" val="1"/>
+                </p:ext>
+              </p:extLst>
+            </p:nvPr>
+          </p:nvSpPr>
+          <p:spPr bwMode="auto">
+            <a:xfrm>
+              <a:off x="2506663" y="285750"/>
+              <a:ext cx="90488" cy="2493963"/>
+            </a:xfrm>
+            <a:custGeom>
+              <a:avLst/>
+              <a:gdLst/>
+              <a:ahLst/>
+              <a:cxnLst/>
+              <a:rect l="0" t="0" r="r" b="b"/>
+              <a:pathLst>
+                <a:path w="23" h="635">
+                  <a:moveTo>
+                    <a:pt x="11" y="577"/>
+                  </a:moveTo>
+                  <a:cubicBezTo>
+                    <a:pt x="12" y="581"/>
+                    <a:pt x="12" y="585"/>
+                    <a:pt x="12" y="589"/>
+                  </a:cubicBezTo>
+                  <a:cubicBezTo>
+                    <a:pt x="15" y="603"/>
+                    <a:pt x="19" y="617"/>
+                    <a:pt x="22" y="632"/>
+                  </a:cubicBezTo>
+                  <a:cubicBezTo>
+                    <a:pt x="22" y="633"/>
+                    <a:pt x="22" y="634"/>
+                    <a:pt x="23" y="635"/>
+                  </a:cubicBezTo>
+                  <a:cubicBezTo>
+                    <a:pt x="21" y="615"/>
+                    <a:pt x="19" y="596"/>
+                    <a:pt x="17" y="576"/>
+                  </a:cubicBezTo>
+                  <a:cubicBezTo>
+                    <a:pt x="9" y="474"/>
+                    <a:pt x="5" y="372"/>
+                    <a:pt x="5" y="269"/>
+                  </a:cubicBezTo>
+                  <a:cubicBezTo>
+                    <a:pt x="6" y="179"/>
+                    <a:pt x="9" y="90"/>
+                    <a:pt x="15" y="0"/>
+                  </a:cubicBezTo>
+                  <a:cubicBezTo>
+                    <a:pt x="12" y="0"/>
+                    <a:pt x="12" y="0"/>
+                    <a:pt x="12" y="0"/>
+                  </a:cubicBezTo>
+                  <a:cubicBezTo>
+                    <a:pt x="5" y="89"/>
+                    <a:pt x="2" y="179"/>
+                    <a:pt x="1" y="269"/>
+                  </a:cubicBezTo>
+                  <a:cubicBezTo>
+                    <a:pt x="0" y="372"/>
+                    <a:pt x="3" y="474"/>
+                    <a:pt x="11" y="577"/>
+                  </a:cubicBezTo>
+                  <a:close/>
+                </a:path>
+              </a:pathLst>
+            </a:custGeom>
+            <a:grpFill/>
+            <a:ln>
+              <a:noFill/>
+            </a:ln>
+          </p:spPr>
+        </p:sp>
+        <p:sp>
+          <p:nvSpPr>
+            <p:cNvPr id="21" name="Freeform 17">
+              <a:extLst>
+                <a:ext uri="{FF2B5EF4-FFF2-40B4-BE49-F238E27FC236}">
+                  <a16:creationId xmlns:a16="http://schemas.microsoft.com/office/drawing/2014/main" id="{1DB39648-7B38-4D0B-93C5-048EC4A45C99}"/>
+                </a:ext>
+                <a:ext uri="{C183D7F6-B498-43B3-948B-1728B52AA6E4}">
+                  <adec:decorative xmlns:adec="http://schemas.microsoft.com/office/drawing/2017/decorative" val="1"/>
+                </a:ext>
+              </a:extLst>
+            </p:cNvPr>
+            <p:cNvSpPr/>
+            <p:nvPr>
+              <p:extLst>
+                <p:ext uri="{386F3935-93C4-4BCD-93E2-E3B085C9AB24}">
+                  <p16:designElem xmlns:p16="http://schemas.microsoft.com/office/powerpoint/2015/main" val="1"/>
+                </p:ext>
+              </p:extLst>
+            </p:nvPr>
+          </p:nvSpPr>
+          <p:spPr bwMode="auto">
+            <a:xfrm>
+              <a:off x="2554288" y="2598738"/>
+              <a:ext cx="66675" cy="420688"/>
+            </a:xfrm>
+            <a:custGeom>
+              <a:avLst/>
+              <a:gdLst/>
+              <a:ahLst/>
+              <a:cxnLst/>
+              <a:rect l="0" t="0" r="r" b="b"/>
+              <a:pathLst>
+                <a:path w="17" h="107">
+                  <a:moveTo>
+                    <a:pt x="0" y="0"/>
+                  </a:moveTo>
+                  <a:cubicBezTo>
+                    <a:pt x="2" y="19"/>
+                    <a:pt x="3" y="37"/>
+                    <a:pt x="5" y="56"/>
+                  </a:cubicBezTo>
+                  <a:cubicBezTo>
+                    <a:pt x="9" y="73"/>
+                    <a:pt x="13" y="90"/>
+                    <a:pt x="17" y="107"/>
+                  </a:cubicBezTo>
+                  <a:cubicBezTo>
+                    <a:pt x="15" y="87"/>
+                    <a:pt x="13" y="66"/>
+                    <a:pt x="11" y="46"/>
+                  </a:cubicBezTo>
+                  <a:cubicBezTo>
+                    <a:pt x="10" y="45"/>
+                    <a:pt x="10" y="44"/>
+                    <a:pt x="10" y="43"/>
+                  </a:cubicBezTo>
+                  <a:cubicBezTo>
+                    <a:pt x="7" y="28"/>
+                    <a:pt x="3" y="14"/>
+                    <a:pt x="0" y="0"/>
+                  </a:cubicBezTo>
+                  <a:close/>
+                </a:path>
+              </a:pathLst>
+            </a:custGeom>
+            <a:grpFill/>
+            <a:ln>
+              <a:noFill/>
+            </a:ln>
+          </p:spPr>
+        </p:sp>
+        <p:sp>
+          <p:nvSpPr>
+            <p:cNvPr id="22" name="Freeform 18">
+              <a:extLst>
+                <a:ext uri="{FF2B5EF4-FFF2-40B4-BE49-F238E27FC236}">
+                  <a16:creationId xmlns:a16="http://schemas.microsoft.com/office/drawing/2014/main" id="{8DD2661F-DE5F-45EA-B30B-7C6589638836}"/>
+                </a:ext>
+                <a:ext uri="{C183D7F6-B498-43B3-948B-1728B52AA6E4}">
+                  <adec:decorative xmlns:adec="http://schemas.microsoft.com/office/drawing/2017/decorative" val="1"/>
+                </a:ext>
+              </a:extLst>
+            </p:cNvPr>
+            <p:cNvSpPr/>
+            <p:nvPr>
+              <p:extLst>
+                <p:ext uri="{386F3935-93C4-4BCD-93E2-E3B085C9AB24}">
+                  <p16:designElem xmlns:p16="http://schemas.microsoft.com/office/powerpoint/2015/main" val="1"/>
+                </p:ext>
+              </p:extLst>
+            </p:nvPr>
+          </p:nvSpPr>
+          <p:spPr bwMode="auto">
+            <a:xfrm>
+              <a:off x="3143251" y="4757738"/>
+              <a:ext cx="161925" cy="873125"/>
+            </a:xfrm>
+            <a:custGeom>
+              <a:avLst/>
+              <a:gdLst/>
+              <a:ahLst/>
+              <a:cxnLst/>
+              <a:rect l="0" t="0" r="r" b="b"/>
+              <a:pathLst>
+                <a:path w="41" h="222">
+                  <a:moveTo>
+                    <a:pt x="0" y="0"/>
+                  </a:moveTo>
+                  <a:cubicBezTo>
+                    <a:pt x="0" y="31"/>
+                    <a:pt x="2" y="62"/>
+                    <a:pt x="5" y="93"/>
+                  </a:cubicBezTo>
+                  <a:cubicBezTo>
+                    <a:pt x="8" y="117"/>
+                    <a:pt x="12" y="142"/>
+                    <a:pt x="17" y="166"/>
+                  </a:cubicBezTo>
+                  <a:cubicBezTo>
+                    <a:pt x="19" y="172"/>
+                    <a:pt x="22" y="178"/>
+                    <a:pt x="24" y="184"/>
+                  </a:cubicBezTo>
+                  <a:cubicBezTo>
+                    <a:pt x="30" y="197"/>
+                    <a:pt x="35" y="209"/>
+                    <a:pt x="41" y="222"/>
+                  </a:cubicBezTo>
+                  <a:cubicBezTo>
+                    <a:pt x="40" y="219"/>
+                    <a:pt x="39" y="215"/>
+                    <a:pt x="38" y="212"/>
+                  </a:cubicBezTo>
+                  <a:cubicBezTo>
+                    <a:pt x="26" y="172"/>
+                    <a:pt x="18" y="132"/>
+                    <a:pt x="13" y="92"/>
+                  </a:cubicBezTo>
+                  <a:cubicBezTo>
+                    <a:pt x="11" y="68"/>
+                    <a:pt x="9" y="45"/>
+                    <a:pt x="8" y="22"/>
+                  </a:cubicBezTo>
+                  <a:cubicBezTo>
+                    <a:pt x="8" y="21"/>
+                    <a:pt x="7" y="20"/>
+                    <a:pt x="7" y="18"/>
+                  </a:cubicBezTo>
+                  <a:cubicBezTo>
+                    <a:pt x="5" y="12"/>
+                    <a:pt x="2" y="6"/>
+                    <a:pt x="0" y="0"/>
+                  </a:cubicBezTo>
+                  <a:close/>
+                </a:path>
+              </a:pathLst>
+            </a:custGeom>
+            <a:grpFill/>
+            <a:ln>
+              <a:noFill/>
+            </a:ln>
+          </p:spPr>
+        </p:sp>
+        <p:sp>
+          <p:nvSpPr>
+            <p:cNvPr id="23" name="Freeform 19">
+              <a:extLst>
+                <a:ext uri="{FF2B5EF4-FFF2-40B4-BE49-F238E27FC236}">
+                  <a16:creationId xmlns:a16="http://schemas.microsoft.com/office/drawing/2014/main" id="{ABF0A0E5-E68E-4183-A913-228692FD85EC}"/>
+                </a:ext>
+                <a:ext uri="{C183D7F6-B498-43B3-948B-1728B52AA6E4}">
+                  <adec:decorative xmlns:adec="http://schemas.microsoft.com/office/drawing/2017/decorative" val="1"/>
+                </a:ext>
+              </a:extLst>
+            </p:cNvPr>
+            <p:cNvSpPr/>
+            <p:nvPr>
+              <p:extLst>
+                <p:ext uri="{386F3935-93C4-4BCD-93E2-E3B085C9AB24}">
+                  <p16:designElem xmlns:p16="http://schemas.microsoft.com/office/powerpoint/2015/main" val="1"/>
+                </p:ext>
+              </p:extLst>
+            </p:nvPr>
+          </p:nvSpPr>
+          <p:spPr bwMode="auto">
+            <a:xfrm>
+              <a:off x="3148014" y="468286"/>
+              <a:ext cx="1768475" cy="4262464"/>
+            </a:xfrm>
+            <a:custGeom>
+              <a:avLst/>
+              <a:gdLst/>
+              <a:ahLst/>
+              <a:cxnLst/>
+              <a:rect l="0" t="0" r="r" b="b"/>
+              <a:pathLst>
+                <a:path w="450" h="878">
+                  <a:moveTo>
+                    <a:pt x="7" y="854"/>
+                  </a:moveTo>
+                  <a:cubicBezTo>
+                    <a:pt x="10" y="772"/>
+                    <a:pt x="26" y="691"/>
+                    <a:pt x="50" y="613"/>
+                  </a:cubicBezTo>
+                  <a:cubicBezTo>
+                    <a:pt x="75" y="535"/>
+                    <a:pt x="109" y="460"/>
+                    <a:pt x="149" y="388"/>
+                  </a:cubicBezTo>
+                  <a:cubicBezTo>
+                    <a:pt x="189" y="316"/>
+                    <a:pt x="235" y="248"/>
+                    <a:pt x="285" y="183"/>
+                  </a:cubicBezTo>
+                  <a:cubicBezTo>
+                    <a:pt x="310" y="151"/>
+                    <a:pt x="337" y="119"/>
+                    <a:pt x="364" y="89"/>
+                  </a:cubicBezTo>
+                  <a:cubicBezTo>
+                    <a:pt x="378" y="74"/>
+                    <a:pt x="392" y="58"/>
+                    <a:pt x="406" y="44"/>
+                  </a:cubicBezTo>
+                  <a:cubicBezTo>
+                    <a:pt x="421" y="29"/>
+                    <a:pt x="435" y="15"/>
+                    <a:pt x="450" y="1"/>
+                  </a:cubicBezTo>
+                  <a:cubicBezTo>
+                    <a:pt x="450" y="0"/>
+                    <a:pt x="450" y="0"/>
+                    <a:pt x="450" y="0"/>
+                  </a:cubicBezTo>
+                  <a:cubicBezTo>
+                    <a:pt x="434" y="14"/>
+                    <a:pt x="420" y="28"/>
+                    <a:pt x="405" y="43"/>
+                  </a:cubicBezTo>
+                  <a:cubicBezTo>
+                    <a:pt x="391" y="57"/>
+                    <a:pt x="377" y="72"/>
+                    <a:pt x="363" y="88"/>
+                  </a:cubicBezTo>
+                  <a:cubicBezTo>
+                    <a:pt x="335" y="118"/>
+                    <a:pt x="308" y="149"/>
+                    <a:pt x="283" y="181"/>
+                  </a:cubicBezTo>
+                  <a:cubicBezTo>
+                    <a:pt x="232" y="246"/>
+                    <a:pt x="185" y="314"/>
+                    <a:pt x="145" y="386"/>
+                  </a:cubicBezTo>
+                  <a:cubicBezTo>
+                    <a:pt x="104" y="457"/>
+                    <a:pt x="70" y="533"/>
+                    <a:pt x="45" y="611"/>
+                  </a:cubicBezTo>
+                  <a:cubicBezTo>
+                    <a:pt x="19" y="690"/>
+                    <a:pt x="3" y="771"/>
+                    <a:pt x="0" y="854"/>
+                  </a:cubicBezTo>
+                  <a:cubicBezTo>
+                    <a:pt x="0" y="856"/>
+                    <a:pt x="0" y="857"/>
+                    <a:pt x="0" y="859"/>
+                  </a:cubicBezTo>
+                  <a:cubicBezTo>
+                    <a:pt x="2" y="865"/>
+                    <a:pt x="4" y="872"/>
+                    <a:pt x="7" y="878"/>
+                  </a:cubicBezTo>
+                  <a:cubicBezTo>
+                    <a:pt x="7" y="870"/>
+                    <a:pt x="7" y="862"/>
+                    <a:pt x="7" y="854"/>
+                  </a:cubicBezTo>
+                  <a:close/>
+                </a:path>
+              </a:pathLst>
+            </a:custGeom>
+            <a:grpFill/>
+            <a:ln>
+              <a:noFill/>
+            </a:ln>
+          </p:spPr>
+        </p:sp>
+        <p:sp>
+          <p:nvSpPr>
+            <p:cNvPr id="24" name="Freeform 20">
+              <a:extLst>
+                <a:ext uri="{FF2B5EF4-FFF2-40B4-BE49-F238E27FC236}">
+                  <a16:creationId xmlns:a16="http://schemas.microsoft.com/office/drawing/2014/main" id="{615D8F55-8ACD-4EFE-A832-06E785479EA5}"/>
+                </a:ext>
+                <a:ext uri="{C183D7F6-B498-43B3-948B-1728B52AA6E4}">
+                  <adec:decorative xmlns:adec="http://schemas.microsoft.com/office/drawing/2017/decorative" val="1"/>
+                </a:ext>
+              </a:extLst>
+            </p:cNvPr>
+            <p:cNvSpPr/>
+            <p:nvPr>
+              <p:extLst>
+                <p:ext uri="{386F3935-93C4-4BCD-93E2-E3B085C9AB24}">
+                  <p16:designElem xmlns:p16="http://schemas.microsoft.com/office/powerpoint/2015/main" val="1"/>
+                </p:ext>
+              </p:extLst>
+            </p:nvPr>
+          </p:nvSpPr>
+          <p:spPr bwMode="auto">
+            <a:xfrm>
+              <a:off x="3273426" y="5653088"/>
+              <a:ext cx="138113" cy="287338"/>
+            </a:xfrm>
+            <a:custGeom>
+              <a:avLst/>
+              <a:gdLst/>
+              <a:ahLst/>
+              <a:cxnLst/>
+              <a:rect l="0" t="0" r="r" b="b"/>
+              <a:pathLst>
+                <a:path w="35" h="73">
+                  <a:moveTo>
+                    <a:pt x="0" y="0"/>
+                  </a:moveTo>
+                  <a:cubicBezTo>
+                    <a:pt x="7" y="24"/>
+                    <a:pt x="16" y="49"/>
+                    <a:pt x="26" y="73"/>
+                  </a:cubicBezTo>
+                  <a:cubicBezTo>
+                    <a:pt x="35" y="73"/>
+                    <a:pt x="35" y="73"/>
+                    <a:pt x="35" y="73"/>
+                  </a:cubicBezTo>
+                  <a:cubicBezTo>
+                    <a:pt x="23" y="49"/>
+                    <a:pt x="11" y="24"/>
+                    <a:pt x="0" y="0"/>
+                  </a:cubicBezTo>
+                  <a:close/>
+                </a:path>
+              </a:pathLst>
+            </a:custGeom>
+            <a:grpFill/>
+            <a:ln>
+              <a:noFill/>
+            </a:ln>
+          </p:spPr>
+        </p:sp>
+        <p:sp>
+          <p:nvSpPr>
+            <p:cNvPr id="25" name="Freeform 21">
+              <a:extLst>
+                <a:ext uri="{FF2B5EF4-FFF2-40B4-BE49-F238E27FC236}">
+                  <a16:creationId xmlns:a16="http://schemas.microsoft.com/office/drawing/2014/main" id="{0FDF4201-8CEC-474B-A6B1-88039B70416F}"/>
+                </a:ext>
+                <a:ext uri="{C183D7F6-B498-43B3-948B-1728B52AA6E4}">
+                  <adec:decorative xmlns:adec="http://schemas.microsoft.com/office/drawing/2017/decorative" val="1"/>
+                </a:ext>
+              </a:extLst>
+            </p:cNvPr>
+            <p:cNvSpPr/>
+            <p:nvPr>
+              <p:extLst>
+                <p:ext uri="{386F3935-93C4-4BCD-93E2-E3B085C9AB24}">
+                  <p16:designElem xmlns:p16="http://schemas.microsoft.com/office/powerpoint/2015/main" val="1"/>
+                </p:ext>
+              </p:extLst>
+            </p:nvPr>
+          </p:nvSpPr>
+          <p:spPr bwMode="auto">
+            <a:xfrm>
+              <a:off x="3143251" y="4656138"/>
+              <a:ext cx="31750" cy="188913"/>
+            </a:xfrm>
+            <a:custGeom>
+              <a:avLst/>
+              <a:gdLst/>
+              <a:ahLst/>
+              <a:cxnLst/>
+              <a:rect l="0" t="0" r="r" b="b"/>
+              <a:pathLst>
+                <a:path w="8" h="48">
+                  <a:moveTo>
+                    <a:pt x="7" y="44"/>
+                  </a:moveTo>
+                  <a:cubicBezTo>
+                    <a:pt x="7" y="46"/>
+                    <a:pt x="8" y="47"/>
+                    <a:pt x="8" y="48"/>
+                  </a:cubicBezTo>
+                  <a:cubicBezTo>
+                    <a:pt x="8" y="38"/>
+                    <a:pt x="8" y="29"/>
+                    <a:pt x="8" y="19"/>
+                  </a:cubicBezTo>
+                  <a:cubicBezTo>
+                    <a:pt x="5" y="13"/>
+                    <a:pt x="3" y="6"/>
+                    <a:pt x="1" y="0"/>
+                  </a:cubicBezTo>
+                  <a:cubicBezTo>
+                    <a:pt x="0" y="9"/>
+                    <a:pt x="0" y="17"/>
+                    <a:pt x="0" y="26"/>
+                  </a:cubicBezTo>
+                  <a:cubicBezTo>
+                    <a:pt x="2" y="32"/>
+                    <a:pt x="5" y="38"/>
+                    <a:pt x="7" y="44"/>
+                  </a:cubicBezTo>
+                  <a:close/>
+                </a:path>
+              </a:pathLst>
+            </a:custGeom>
+            <a:grpFill/>
+            <a:ln>
+              <a:noFill/>
+            </a:ln>
+          </p:spPr>
+        </p:sp>
+        <p:sp>
+          <p:nvSpPr>
+            <p:cNvPr id="26" name="Freeform 22">
+              <a:extLst>
+                <a:ext uri="{FF2B5EF4-FFF2-40B4-BE49-F238E27FC236}">
+                  <a16:creationId xmlns:a16="http://schemas.microsoft.com/office/drawing/2014/main" id="{0F60AEA4-B25F-417E-93FC-59686DFBE56E}"/>
+                </a:ext>
+                <a:ext uri="{C183D7F6-B498-43B3-948B-1728B52AA6E4}">
+                  <adec:decorative xmlns:adec="http://schemas.microsoft.com/office/drawing/2017/decorative" val="1"/>
+                </a:ext>
+              </a:extLst>
+            </p:cNvPr>
+            <p:cNvSpPr/>
+            <p:nvPr>
+              <p:extLst>
+                <p:ext uri="{386F3935-93C4-4BCD-93E2-E3B085C9AB24}">
+                  <p16:designElem xmlns:p16="http://schemas.microsoft.com/office/powerpoint/2015/main" val="1"/>
+                </p:ext>
+              </p:extLst>
+            </p:nvPr>
+          </p:nvSpPr>
+          <p:spPr bwMode="auto">
+            <a:xfrm>
+              <a:off x="3211513" y="5410200"/>
+              <a:ext cx="203200" cy="530225"/>
+            </a:xfrm>
+            <a:custGeom>
+              <a:avLst/>
+              <a:gdLst/>
+              <a:ahLst/>
+              <a:cxnLst/>
+              <a:rect l="0" t="0" r="r" b="b"/>
+              <a:pathLst>
+                <a:path w="52" h="135">
+                  <a:moveTo>
+                    <a:pt x="7" y="18"/>
+                  </a:moveTo>
+                  <a:cubicBezTo>
+                    <a:pt x="5" y="12"/>
+                    <a:pt x="2" y="6"/>
+                    <a:pt x="0" y="0"/>
+                  </a:cubicBezTo>
+                  <a:cubicBezTo>
+                    <a:pt x="3" y="16"/>
+                    <a:pt x="7" y="32"/>
+                    <a:pt x="12" y="48"/>
+                  </a:cubicBezTo>
+                  <a:cubicBezTo>
+                    <a:pt x="13" y="53"/>
+                    <a:pt x="14" y="57"/>
+                    <a:pt x="16" y="62"/>
+                  </a:cubicBezTo>
+                  <a:cubicBezTo>
+                    <a:pt x="27" y="86"/>
+                    <a:pt x="39" y="111"/>
+                    <a:pt x="51" y="135"/>
+                  </a:cubicBezTo>
+                  <a:cubicBezTo>
+                    <a:pt x="52" y="135"/>
+                    <a:pt x="52" y="135"/>
+                    <a:pt x="52" y="135"/>
+                  </a:cubicBezTo>
+                  <a:cubicBezTo>
+                    <a:pt x="41" y="109"/>
+                    <a:pt x="32" y="83"/>
+                    <a:pt x="24" y="56"/>
+                  </a:cubicBezTo>
+                  <a:cubicBezTo>
+                    <a:pt x="18" y="43"/>
+                    <a:pt x="13" y="31"/>
+                    <a:pt x="7" y="18"/>
+                  </a:cubicBezTo>
+                  <a:close/>
+                </a:path>
+              </a:pathLst>
+            </a:custGeom>
+            <a:grpFill/>
+            <a:ln>
+              <a:noFill/>
+            </a:ln>
+          </p:spPr>
+        </p:sp>
+      </p:grpSp>
       <p:sp>
         <p:nvSpPr>
           <p:cNvPr id="3" name="Content Placeholder 2">
             <a:extLst>
               <a:ext uri="{FF2B5EF4-FFF2-40B4-BE49-F238E27FC236}">
-                <a16:creationId xmlns:a16="http://schemas.microsoft.com/office/drawing/2014/main" id="{69F4B873-5DDA-4F2C-8891-E4BC94C1F90B}"/>
+                <a16:creationId xmlns:a16="http://schemas.microsoft.com/office/drawing/2014/main" id="{A5953C17-5FCD-4DAC-B513-0B581147CD2E}"/>
               </a:ext>
             </a:extLst>
           </p:cNvPr>
@@ -9145,19 +12753,103 @@
             <p:ph idx="1"/>
           </p:nvPr>
         </p:nvSpPr>
-        <p:spPr/>
+        <p:spPr>
+          <a:xfrm>
+            <a:off x="5049062" y="942108"/>
+            <a:ext cx="6455549" cy="4969114"/>
+          </a:xfrm>
+        </p:spPr>
         <p:txBody>
-          <a:bodyPr/>
+          <a:bodyPr anchor="ctr">
+            <a:normAutofit/>
+          </a:bodyPr>
           <a:lstStyle/>
           <a:p>
-            <a:endParaRPr lang="en-US"/>
+            <a:r>
+              <a:rPr lang="en-US">
+                <a:solidFill>
+                  <a:schemeClr val="tx2">
+                    <a:lumMod val="75000"/>
+                  </a:schemeClr>
+                </a:solidFill>
+              </a:rPr>
+              <a:t>Gaming</a:t>
+            </a:r>
+          </a:p>
+          <a:p>
+            <a:r>
+              <a:rPr lang="en-US">
+                <a:solidFill>
+                  <a:schemeClr val="tx2">
+                    <a:lumMod val="75000"/>
+                  </a:schemeClr>
+                </a:solidFill>
+              </a:rPr>
+              <a:t>Dating Apps</a:t>
+            </a:r>
+          </a:p>
+          <a:p>
+            <a:r>
+              <a:rPr lang="en-US">
+                <a:solidFill>
+                  <a:schemeClr val="tx2">
+                    <a:lumMod val="75000"/>
+                  </a:schemeClr>
+                </a:solidFill>
+              </a:rPr>
+              <a:t>Take-out food</a:t>
+            </a:r>
+          </a:p>
+          <a:p>
+            <a:pPr lvl="1"/>
+            <a:r>
+              <a:rPr lang="en-US">
+                <a:solidFill>
+                  <a:schemeClr val="tx2">
+                    <a:lumMod val="75000"/>
+                  </a:schemeClr>
+                </a:solidFill>
+              </a:rPr>
+              <a:t>We have more debt than ever, yet we order food more than ever</a:t>
+            </a:r>
+          </a:p>
+          <a:p>
+            <a:pPr lvl="2"/>
+            <a:r>
+              <a:rPr lang="en-US">
+                <a:solidFill>
+                  <a:schemeClr val="tx2">
+                    <a:lumMod val="75000"/>
+                  </a:schemeClr>
+                </a:solidFill>
+              </a:rPr>
+              <a:t>We want to relax and/or we don’t know how to cook</a:t>
+            </a:r>
+          </a:p>
+          <a:p>
+            <a:endParaRPr lang="en-US">
+              <a:solidFill>
+                <a:schemeClr val="tx2">
+                  <a:lumMod val="75000"/>
+                </a:schemeClr>
+              </a:solidFill>
+            </a:endParaRPr>
+          </a:p>
+          <a:p>
+            <a:endParaRPr lang="en-US">
+              <a:solidFill>
+                <a:schemeClr val="tx2">
+                  <a:lumMod val="75000"/>
+                </a:schemeClr>
+              </a:solidFill>
+            </a:endParaRPr>
           </a:p>
         </p:txBody>
       </p:sp>
     </p:spTree>
     <p:extLst>
       <p:ext uri="{BB962C8B-B14F-4D97-AF65-F5344CB8AC3E}">
-        <p14:creationId xmlns:p14="http://schemas.microsoft.com/office/powerpoint/2010/main" val="3390689853"/>
+        <p14:creationId xmlns:p14="http://schemas.microsoft.com/office/powerpoint/2010/main" val="2857083325"/>
       </p:ext>
     </p:extLst>
   </p:cSld>
@@ -9170,6 +12862,32 @@
 <file path=ppt/slides/slide8.xml><?xml version="1.0" encoding="utf-8"?>
 <p:sld xmlns:a="http://schemas.openxmlformats.org/drawingml/2006/main" xmlns:r="http://schemas.openxmlformats.org/officeDocument/2006/relationships" xmlns:p="http://schemas.openxmlformats.org/presentationml/2006/main">
   <p:cSld>
+    <p:bg>
+      <p:bgPr>
+        <a:gradFill rotWithShape="1">
+          <a:gsLst>
+            <a:gs pos="0">
+              <a:schemeClr val="bg2">
+                <a:tint val="90000"/>
+                <a:satMod val="92000"/>
+                <a:lumMod val="120000"/>
+              </a:schemeClr>
+            </a:gs>
+            <a:gs pos="100000">
+              <a:schemeClr val="bg2">
+                <a:shade val="98000"/>
+                <a:satMod val="120000"/>
+                <a:lumMod val="98000"/>
+              </a:schemeClr>
+            </a:gs>
+          </a:gsLst>
+          <a:path path="circle">
+            <a:fillToRect l="50000" t="50000" r="100000" b="100000"/>
+          </a:path>
+        </a:gradFill>
+        <a:effectLst/>
+      </p:bgPr>
+    </p:bg>
     <p:spTree>
       <p:nvGrpSpPr>
         <p:cNvPr id="1" name=""/>
@@ -9186,10 +12904,73 @@
       </p:grpSpPr>
       <p:sp>
         <p:nvSpPr>
+          <p:cNvPr id="8" name="Rectangle 7">
+            <a:extLst>
+              <a:ext uri="{FF2B5EF4-FFF2-40B4-BE49-F238E27FC236}">
+                <a16:creationId xmlns:a16="http://schemas.microsoft.com/office/drawing/2014/main" id="{83030214-227F-42DB-9282-BBA6AF8D94A8}"/>
+              </a:ext>
+              <a:ext uri="{C183D7F6-B498-43B3-948B-1728B52AA6E4}">
+                <adec:decorative xmlns:adec="http://schemas.microsoft.com/office/drawing/2017/decorative" val="1"/>
+              </a:ext>
+            </a:extLst>
+          </p:cNvPr>
+          <p:cNvSpPr>
+            <a:spLocks noGrp="1" noRot="1" noChangeAspect="1" noMove="1" noResize="1" noEditPoints="1" noAdjustHandles="1" noChangeArrowheads="1" noChangeShapeType="1" noTextEdit="1"/>
+          </p:cNvSpPr>
+          <p:nvPr>
+            <p:extLst>
+              <p:ext uri="{386F3935-93C4-4BCD-93E2-E3B085C9AB24}">
+                <p16:designElem xmlns:p16="http://schemas.microsoft.com/office/powerpoint/2015/main" val="1"/>
+              </p:ext>
+            </p:extLst>
+          </p:nvPr>
+        </p:nvSpPr>
+        <p:spPr>
+          <a:xfrm>
+            <a:off x="1" y="0"/>
+            <a:ext cx="4654295" cy="6858000"/>
+          </a:xfrm>
+          <a:prstGeom prst="rect">
+            <a:avLst/>
+          </a:prstGeom>
+          <a:solidFill>
+            <a:schemeClr val="bg2"/>
+          </a:solidFill>
+          <a:ln>
+            <a:noFill/>
+          </a:ln>
+        </p:spPr>
+        <p:style>
+          <a:lnRef idx="2">
+            <a:schemeClr val="accent1">
+              <a:shade val="50000"/>
+            </a:schemeClr>
+          </a:lnRef>
+          <a:fillRef idx="1">
+            <a:schemeClr val="accent1"/>
+          </a:fillRef>
+          <a:effectRef idx="0">
+            <a:schemeClr val="accent1"/>
+          </a:effectRef>
+          <a:fontRef idx="minor">
+            <a:schemeClr val="lt1"/>
+          </a:fontRef>
+        </p:style>
+        <p:txBody>
+          <a:bodyPr rtlCol="0" anchor="ctr"/>
+          <a:lstStyle/>
+          <a:p>
+            <a:pPr algn="ctr"/>
+            <a:endParaRPr lang="en-US"/>
+          </a:p>
+        </p:txBody>
+      </p:sp>
+      <p:sp>
+        <p:nvSpPr>
           <p:cNvPr id="2" name="Title 1">
             <a:extLst>
               <a:ext uri="{FF2B5EF4-FFF2-40B4-BE49-F238E27FC236}">
-                <a16:creationId xmlns:a16="http://schemas.microsoft.com/office/drawing/2014/main" id="{04CED4E4-98F4-4D9F-B822-03E91F005E9C}"/>
+                <a16:creationId xmlns:a16="http://schemas.microsoft.com/office/drawing/2014/main" id="{EB55CCCA-E5E2-4C6E-A942-18132981FBAF}"/>
               </a:ext>
             </a:extLst>
           </p:cNvPr>
@@ -9200,24 +12981,223 @@
             <p:ph type="title"/>
           </p:nvPr>
         </p:nvSpPr>
-        <p:spPr/>
+        <p:spPr>
+          <a:xfrm>
+            <a:off x="1433889" y="1059872"/>
+            <a:ext cx="3012216" cy="4851349"/>
+          </a:xfrm>
+        </p:spPr>
         <p:txBody>
-          <a:bodyPr/>
+          <a:bodyPr>
+            <a:normAutofit/>
+          </a:bodyPr>
           <a:lstStyle/>
           <a:p>
             <a:r>
               <a:rPr lang="en-US" dirty="0"/>
-              <a:t>Appealing to Human Nature</a:t>
+              <a:t>The Current Method of Meeting People</a:t>
             </a:r>
           </a:p>
         </p:txBody>
+      </p:sp>
+      <p:sp>
+        <p:nvSpPr>
+          <p:cNvPr id="10" name="Freeform 11">
+            <a:extLst>
+              <a:ext uri="{FF2B5EF4-FFF2-40B4-BE49-F238E27FC236}">
+                <a16:creationId xmlns:a16="http://schemas.microsoft.com/office/drawing/2014/main" id="{0D7A9289-BAD1-4A78-979F-A655C886DBF5}"/>
+              </a:ext>
+              <a:ext uri="{C183D7F6-B498-43B3-948B-1728B52AA6E4}">
+                <adec:decorative xmlns:adec="http://schemas.microsoft.com/office/drawing/2017/decorative" val="1"/>
+              </a:ext>
+            </a:extLst>
+          </p:cNvPr>
+          <p:cNvSpPr>
+            <a:spLocks noGrp="1" noRot="1" noChangeAspect="1" noMove="1" noResize="1" noEditPoints="1" noAdjustHandles="1" noChangeArrowheads="1" noChangeShapeType="1" noTextEdit="1"/>
+          </p:cNvSpPr>
+          <p:nvPr>
+            <p:extLst>
+              <p:ext uri="{386F3935-93C4-4BCD-93E2-E3B085C9AB24}">
+                <p16:designElem xmlns:p16="http://schemas.microsoft.com/office/powerpoint/2015/main" val="1"/>
+              </p:ext>
+            </p:extLst>
+          </p:nvPr>
+        </p:nvSpPr>
+        <p:spPr bwMode="auto">
+          <a:xfrm flipV="1">
+            <a:off x="-159" y="1149203"/>
+            <a:ext cx="1098194" cy="514066"/>
+          </a:xfrm>
+          <a:custGeom>
+            <a:avLst/>
+            <a:gdLst>
+              <a:gd name="connsiteX0" fmla="*/ 10000 w 10044"/>
+              <a:gd name="connsiteY0" fmla="*/ 4701 h 9966"/>
+              <a:gd name="connsiteX1" fmla="*/ 8559 w 10044"/>
+              <a:gd name="connsiteY1" fmla="*/ 188 h 9966"/>
+              <a:gd name="connsiteX2" fmla="*/ 8527 w 10044"/>
+              <a:gd name="connsiteY2" fmla="*/ 94 h 9966"/>
+              <a:gd name="connsiteX3" fmla="*/ 8438 w 10044"/>
+              <a:gd name="connsiteY3" fmla="*/ 0 h 9966"/>
+              <a:gd name="connsiteX4" fmla="*/ 7867 w 10044"/>
+              <a:gd name="connsiteY4" fmla="*/ 0 h 9966"/>
+              <a:gd name="connsiteX5" fmla="*/ 0 w 10044"/>
+              <a:gd name="connsiteY5" fmla="*/ 70 h 9966"/>
+              <a:gd name="connsiteX6" fmla="*/ 3132 w 10044"/>
+              <a:gd name="connsiteY6" fmla="*/ 9763 h 9966"/>
+              <a:gd name="connsiteX7" fmla="*/ 7867 w 10044"/>
+              <a:gd name="connsiteY7" fmla="*/ 9966 h 9966"/>
+              <a:gd name="connsiteX8" fmla="*/ 8438 w 10044"/>
+              <a:gd name="connsiteY8" fmla="*/ 9966 h 9966"/>
+              <a:gd name="connsiteX9" fmla="*/ 8527 w 10044"/>
+              <a:gd name="connsiteY9" fmla="*/ 9872 h 9966"/>
+              <a:gd name="connsiteX10" fmla="*/ 8559 w 10044"/>
+              <a:gd name="connsiteY10" fmla="*/ 9778 h 9966"/>
+              <a:gd name="connsiteX11" fmla="*/ 10000 w 10044"/>
+              <a:gd name="connsiteY11" fmla="*/ 5265 h 9966"/>
+              <a:gd name="connsiteX12" fmla="*/ 10000 w 10044"/>
+              <a:gd name="connsiteY12" fmla="*/ 4701 h 9966"/>
+              <a:gd name="connsiteX0" fmla="*/ 6839 w 6883"/>
+              <a:gd name="connsiteY0" fmla="*/ 4885 h 10168"/>
+              <a:gd name="connsiteX1" fmla="*/ 5405 w 6883"/>
+              <a:gd name="connsiteY1" fmla="*/ 357 h 10168"/>
+              <a:gd name="connsiteX2" fmla="*/ 5373 w 6883"/>
+              <a:gd name="connsiteY2" fmla="*/ 262 h 10168"/>
+              <a:gd name="connsiteX3" fmla="*/ 5284 w 6883"/>
+              <a:gd name="connsiteY3" fmla="*/ 168 h 10168"/>
+              <a:gd name="connsiteX4" fmla="*/ 4716 w 6883"/>
+              <a:gd name="connsiteY4" fmla="*/ 168 h 10168"/>
+              <a:gd name="connsiteX5" fmla="*/ 50 w 6883"/>
+              <a:gd name="connsiteY5" fmla="*/ 0 h 10168"/>
+              <a:gd name="connsiteX6" fmla="*/ 1 w 6883"/>
+              <a:gd name="connsiteY6" fmla="*/ 9964 h 10168"/>
+              <a:gd name="connsiteX7" fmla="*/ 4716 w 6883"/>
+              <a:gd name="connsiteY7" fmla="*/ 10168 h 10168"/>
+              <a:gd name="connsiteX8" fmla="*/ 5284 w 6883"/>
+              <a:gd name="connsiteY8" fmla="*/ 10168 h 10168"/>
+              <a:gd name="connsiteX9" fmla="*/ 5373 w 6883"/>
+              <a:gd name="connsiteY9" fmla="*/ 10074 h 10168"/>
+              <a:gd name="connsiteX10" fmla="*/ 5405 w 6883"/>
+              <a:gd name="connsiteY10" fmla="*/ 9979 h 10168"/>
+              <a:gd name="connsiteX11" fmla="*/ 6839 w 6883"/>
+              <a:gd name="connsiteY11" fmla="*/ 5451 h 10168"/>
+              <a:gd name="connsiteX12" fmla="*/ 6839 w 6883"/>
+              <a:gd name="connsiteY12" fmla="*/ 4885 h 10168"/>
+            </a:gdLst>
+            <a:ahLst/>
+            <a:cxnLst>
+              <a:cxn ang="0">
+                <a:pos x="connsiteX0" y="connsiteY0"/>
+              </a:cxn>
+              <a:cxn ang="0">
+                <a:pos x="connsiteX1" y="connsiteY1"/>
+              </a:cxn>
+              <a:cxn ang="0">
+                <a:pos x="connsiteX2" y="connsiteY2"/>
+              </a:cxn>
+              <a:cxn ang="0">
+                <a:pos x="connsiteX3" y="connsiteY3"/>
+              </a:cxn>
+              <a:cxn ang="0">
+                <a:pos x="connsiteX4" y="connsiteY4"/>
+              </a:cxn>
+              <a:cxn ang="0">
+                <a:pos x="connsiteX5" y="connsiteY5"/>
+              </a:cxn>
+              <a:cxn ang="0">
+                <a:pos x="connsiteX6" y="connsiteY6"/>
+              </a:cxn>
+              <a:cxn ang="0">
+                <a:pos x="connsiteX7" y="connsiteY7"/>
+              </a:cxn>
+              <a:cxn ang="0">
+                <a:pos x="connsiteX8" y="connsiteY8"/>
+              </a:cxn>
+              <a:cxn ang="0">
+                <a:pos x="connsiteX9" y="connsiteY9"/>
+              </a:cxn>
+              <a:cxn ang="0">
+                <a:pos x="connsiteX10" y="connsiteY10"/>
+              </a:cxn>
+              <a:cxn ang="0">
+                <a:pos x="connsiteX11" y="connsiteY11"/>
+              </a:cxn>
+              <a:cxn ang="0">
+                <a:pos x="connsiteX12" y="connsiteY12"/>
+              </a:cxn>
+            </a:cxnLst>
+            <a:rect l="l" t="t" r="r" b="b"/>
+            <a:pathLst>
+              <a:path w="6883" h="10168">
+                <a:moveTo>
+                  <a:pt x="6839" y="4885"/>
+                </a:moveTo>
+                <a:lnTo>
+                  <a:pt x="5405" y="357"/>
+                </a:lnTo>
+                <a:cubicBezTo>
+                  <a:pt x="5395" y="325"/>
+                  <a:pt x="5383" y="294"/>
+                  <a:pt x="5373" y="262"/>
+                </a:cubicBezTo>
+                <a:cubicBezTo>
+                  <a:pt x="5344" y="168"/>
+                  <a:pt x="5314" y="168"/>
+                  <a:pt x="5284" y="168"/>
+                </a:cubicBezTo>
+                <a:lnTo>
+                  <a:pt x="4716" y="168"/>
+                </a:lnTo>
+                <a:lnTo>
+                  <a:pt x="50" y="0"/>
+                </a:lnTo>
+                <a:cubicBezTo>
+                  <a:pt x="59" y="3322"/>
+                  <a:pt x="-8" y="6643"/>
+                  <a:pt x="1" y="9964"/>
+                </a:cubicBezTo>
+                <a:lnTo>
+                  <a:pt x="4716" y="10168"/>
+                </a:lnTo>
+                <a:lnTo>
+                  <a:pt x="5284" y="10168"/>
+                </a:lnTo>
+                <a:cubicBezTo>
+                  <a:pt x="5314" y="10168"/>
+                  <a:pt x="5344" y="10074"/>
+                  <a:pt x="5373" y="10074"/>
+                </a:cubicBezTo>
+                <a:cubicBezTo>
+                  <a:pt x="5373" y="9979"/>
+                  <a:pt x="5405" y="9979"/>
+                  <a:pt x="5405" y="9979"/>
+                </a:cubicBezTo>
+                <a:lnTo>
+                  <a:pt x="6839" y="5451"/>
+                </a:lnTo>
+                <a:cubicBezTo>
+                  <a:pt x="6898" y="5262"/>
+                  <a:pt x="6898" y="5074"/>
+                  <a:pt x="6839" y="4885"/>
+                </a:cubicBezTo>
+                <a:close/>
+              </a:path>
+            </a:pathLst>
+          </a:custGeom>
+          <a:solidFill>
+            <a:schemeClr val="accent1"/>
+          </a:solidFill>
+          <a:ln>
+            <a:noFill/>
+          </a:ln>
+        </p:spPr>
       </p:sp>
       <p:sp>
         <p:nvSpPr>
           <p:cNvPr id="3" name="Content Placeholder 2">
             <a:extLst>
               <a:ext uri="{FF2B5EF4-FFF2-40B4-BE49-F238E27FC236}">
-                <a16:creationId xmlns:a16="http://schemas.microsoft.com/office/drawing/2014/main" id="{38614445-E97F-4EB7-A9CF-27D818C15CC8}"/>
+                <a16:creationId xmlns:a16="http://schemas.microsoft.com/office/drawing/2014/main" id="{9D92BAF7-0615-4FB6-B39B-9CDCF6D1CA74}"/>
               </a:ext>
             </a:extLst>
           </p:cNvPr>
@@ -9228,26 +13208,63 @@
             <p:ph idx="1"/>
           </p:nvPr>
         </p:nvSpPr>
-        <p:spPr/>
+        <p:spPr>
+          <a:xfrm>
+            <a:off x="5280368" y="1059872"/>
+            <a:ext cx="6224244" cy="4851350"/>
+          </a:xfrm>
+        </p:spPr>
         <p:txBody>
-          <a:bodyPr/>
+          <a:bodyPr>
+            <a:normAutofit/>
+          </a:bodyPr>
           <a:lstStyle/>
           <a:p>
             <a:r>
               <a:rPr lang="en-US" dirty="0"/>
-              <a:t>Universal Languages</a:t>
-            </a:r>
-          </a:p>
-          <a:p>
+              <a:t>Joining a special interest community (gardening, cycling, gaming)</a:t>
+            </a:r>
+          </a:p>
+          <a:p>
+            <a:pPr lvl="1"/>
             <a:r>
               <a:rPr lang="en-US" dirty="0"/>
-              <a:t>Shared Activities</a:t>
-            </a:r>
-          </a:p>
-          <a:p>
+              <a:t>What if no one is interesting to you in this community? (e.g. lack of gender diversity)</a:t>
+            </a:r>
+          </a:p>
+          <a:p>
+            <a:pPr lvl="1"/>
             <a:r>
               <a:rPr lang="en-US" dirty="0"/>
-              <a:t>Amenities of a theoretical brick-and-mortar location</a:t>
+              <a:t>The social stigma of loneliness:</a:t>
+            </a:r>
+          </a:p>
+          <a:p>
+            <a:pPr lvl="2"/>
+            <a:r>
+              <a:rPr lang="en-US" dirty="0"/>
+              <a:t>Not performing well in a special interest activity or looking like an outcast signals that your interest is not genuine or you’re not fit for the group.</a:t>
+            </a:r>
+          </a:p>
+          <a:p>
+            <a:pPr lvl="3"/>
+            <a:r>
+              <a:rPr lang="en-US" dirty="0"/>
+              <a:t>There is an assumption that you came to the activity just to meet people.</a:t>
+            </a:r>
+          </a:p>
+          <a:p>
+            <a:pPr lvl="4"/>
+            <a:r>
+              <a:rPr lang="en-US" dirty="0"/>
+              <a:t>It’s obvious that you’re lonely and vulnerable.</a:t>
+            </a:r>
+          </a:p>
+          <a:p>
+            <a:pPr lvl="5"/>
+            <a:r>
+              <a:rPr lang="en-US" dirty="0"/>
+              <a:t>There is an assumption that you must be lonely for a reason.</a:t>
             </a:r>
           </a:p>
         </p:txBody>
@@ -9255,7 +13272,7 @@
     </p:spTree>
     <p:extLst>
       <p:ext uri="{BB962C8B-B14F-4D97-AF65-F5344CB8AC3E}">
-        <p14:creationId xmlns:p14="http://schemas.microsoft.com/office/powerpoint/2010/main" val="3588991441"/>
+        <p14:creationId xmlns:p14="http://schemas.microsoft.com/office/powerpoint/2010/main" val="1869608470"/>
       </p:ext>
     </p:extLst>
   </p:cSld>
@@ -9287,7 +13304,7 @@
           <p:cNvPr id="2" name="Title 1">
             <a:extLst>
               <a:ext uri="{FF2B5EF4-FFF2-40B4-BE49-F238E27FC236}">
-                <a16:creationId xmlns:a16="http://schemas.microsoft.com/office/drawing/2014/main" id="{436E6B99-EA4B-4CFC-8B53-A278E290312B}"/>
+                <a16:creationId xmlns:a16="http://schemas.microsoft.com/office/drawing/2014/main" id="{B8AD46B9-84F6-4361-8E76-6BAFE815FFC1}"/>
               </a:ext>
             </a:extLst>
           </p:cNvPr>
@@ -9305,7 +13322,7 @@
           <a:p>
             <a:r>
               <a:rPr lang="en-US" dirty="0"/>
-              <a:t>Practical Challenges</a:t>
+              <a:t>The Old Method of Meeting People</a:t>
             </a:r>
           </a:p>
         </p:txBody>
@@ -9315,7 +13332,7 @@
           <p:cNvPr id="3" name="Content Placeholder 2">
             <a:extLst>
               <a:ext uri="{FF2B5EF4-FFF2-40B4-BE49-F238E27FC236}">
-                <a16:creationId xmlns:a16="http://schemas.microsoft.com/office/drawing/2014/main" id="{66B4A99F-C54A-4282-B4E7-C53053C15A07}"/>
+                <a16:creationId xmlns:a16="http://schemas.microsoft.com/office/drawing/2014/main" id="{69F4B873-5DDA-4F2C-8891-E4BC94C1F90B}"/>
               </a:ext>
             </a:extLst>
           </p:cNvPr>
@@ -9331,17 +13348,44 @@
           <a:bodyPr/>
           <a:lstStyle/>
           <a:p>
-            <a:pPr marL="0" indent="0">
-              <a:buNone/>
-            </a:pPr>
+            <a:r>
+              <a:rPr lang="en-US" dirty="0"/>
+              <a:t>Attending bars after work</a:t>
+            </a:r>
+          </a:p>
+          <a:p>
+            <a:r>
+              <a:rPr lang="en-US" dirty="0"/>
+              <a:t>Going to the park</a:t>
+            </a:r>
+          </a:p>
+          <a:p>
+            <a:r>
+              <a:rPr lang="en-US" dirty="0"/>
+              <a:t>Church and other religious organizations</a:t>
+            </a:r>
+          </a:p>
+          <a:p>
             <a:endParaRPr lang="en-US" dirty="0"/>
+          </a:p>
+          <a:p>
+            <a:r>
+              <a:rPr lang="en-US" dirty="0"/>
+              <a:t>Less social stigma because everyone is doing it</a:t>
+            </a:r>
+          </a:p>
+          <a:p>
+            <a:r>
+              <a:rPr lang="en-US" dirty="0"/>
+              <a:t>Religious organizations were once the epicenter of local life</a:t>
+            </a:r>
           </a:p>
         </p:txBody>
       </p:sp>
     </p:spTree>
     <p:extLst>
       <p:ext uri="{BB962C8B-B14F-4D97-AF65-F5344CB8AC3E}">
-        <p14:creationId xmlns:p14="http://schemas.microsoft.com/office/powerpoint/2010/main" val="3954596595"/>
+        <p14:creationId xmlns:p14="http://schemas.microsoft.com/office/powerpoint/2010/main" val="3390689853"/>
       </p:ext>
     </p:extLst>
   </p:cSld>

--- a/Presentation/SocialHub_FrancisT_06_23_2020.pptx
+++ b/Presentation/SocialHub_FrancisT_06_23_2020.pptx
@@ -22,8 +22,8 @@
     <p:sldId id="268" r:id="rId16"/>
     <p:sldId id="270" r:id="rId17"/>
     <p:sldId id="271" r:id="rId18"/>
-    <p:sldId id="272" r:id="rId19"/>
-    <p:sldId id="273" r:id="rId20"/>
+    <p:sldId id="273" r:id="rId19"/>
+    <p:sldId id="272" r:id="rId20"/>
   </p:sldIdLst>
   <p:sldSz cx="12192000" cy="6858000"/>
   <p:notesSz cx="6858000" cy="9144000"/>
@@ -133,6 +133,7 @@
 <file path=ppt/revisionInfo.xml><?xml version="1.0" encoding="utf-8"?>
 <p1510:revInfo xmlns:a="http://schemas.openxmlformats.org/drawingml/2006/main" xmlns:r="http://schemas.openxmlformats.org/officeDocument/2006/relationships" xmlns:p1510="http://schemas.microsoft.com/office/powerpoint/2015/10/main">
   <p1510:revLst>
+    <p1510:client id="{63F3CF76-1364-475A-823F-3E38657C5F84}" v="1" dt="2020-06-24T23:57:48.677"/>
     <p1510:client id="{E2F6CC62-A8FA-4CA3-B44E-705F9FC4EF55}" v="45" dt="2020-06-24T18:48:24.480"/>
   </p1510:revLst>
 </p1510:revInfo>
@@ -718,6 +719,97 @@
       </pc:sldChg>
     </pc:docChg>
   </pc:docChgLst>
+  <pc:docChgLst>
+    <pc:chgData name="Thomas Francis" userId="5c2c6e3652e668e7" providerId="LiveId" clId="{63F3CF76-1364-475A-823F-3E38657C5F84}"/>
+    <pc:docChg chg="custSel modSld sldOrd">
+      <pc:chgData name="Thomas Francis" userId="5c2c6e3652e668e7" providerId="LiveId" clId="{63F3CF76-1364-475A-823F-3E38657C5F84}" dt="2020-06-25T00:01:11.186" v="177" actId="20577"/>
+      <pc:docMkLst>
+        <pc:docMk/>
+      </pc:docMkLst>
+      <pc:sldChg chg="modSp mod">
+        <pc:chgData name="Thomas Francis" userId="5c2c6e3652e668e7" providerId="LiveId" clId="{63F3CF76-1364-475A-823F-3E38657C5F84}" dt="2020-06-24T23:58:01.864" v="145" actId="20577"/>
+        <pc:sldMkLst>
+          <pc:docMk/>
+          <pc:sldMk cId="1218510847" sldId="260"/>
+        </pc:sldMkLst>
+        <pc:spChg chg="mod">
+          <ac:chgData name="Thomas Francis" userId="5c2c6e3652e668e7" providerId="LiveId" clId="{63F3CF76-1364-475A-823F-3E38657C5F84}" dt="2020-06-24T23:58:01.864" v="145" actId="20577"/>
+          <ac:spMkLst>
+            <pc:docMk/>
+            <pc:sldMk cId="1218510847" sldId="260"/>
+            <ac:spMk id="3" creationId="{CFCB06AD-75C0-48A3-9D8C-FF5CEE3919A4}"/>
+          </ac:spMkLst>
+        </pc:spChg>
+      </pc:sldChg>
+      <pc:sldChg chg="modSp mod">
+        <pc:chgData name="Thomas Francis" userId="5c2c6e3652e668e7" providerId="LiveId" clId="{63F3CF76-1364-475A-823F-3E38657C5F84}" dt="2020-06-24T23:51:55.403" v="0" actId="33524"/>
+        <pc:sldMkLst>
+          <pc:docMk/>
+          <pc:sldMk cId="1869608470" sldId="261"/>
+        </pc:sldMkLst>
+        <pc:spChg chg="mod">
+          <ac:chgData name="Thomas Francis" userId="5c2c6e3652e668e7" providerId="LiveId" clId="{63F3CF76-1364-475A-823F-3E38657C5F84}" dt="2020-06-24T23:51:55.403" v="0" actId="33524"/>
+          <ac:spMkLst>
+            <pc:docMk/>
+            <pc:sldMk cId="1869608470" sldId="261"/>
+            <ac:spMk id="3" creationId="{9D92BAF7-0615-4FB6-B39B-9CDCF6D1CA74}"/>
+          </ac:spMkLst>
+        </pc:spChg>
+      </pc:sldChg>
+      <pc:sldChg chg="modSp mod">
+        <pc:chgData name="Thomas Francis" userId="5c2c6e3652e668e7" providerId="LiveId" clId="{63F3CF76-1364-475A-823F-3E38657C5F84}" dt="2020-06-24T23:54:07.901" v="7" actId="20577"/>
+        <pc:sldMkLst>
+          <pc:docMk/>
+          <pc:sldMk cId="2268850528" sldId="267"/>
+        </pc:sldMkLst>
+        <pc:spChg chg="mod">
+          <ac:chgData name="Thomas Francis" userId="5c2c6e3652e668e7" providerId="LiveId" clId="{63F3CF76-1364-475A-823F-3E38657C5F84}" dt="2020-06-24T23:54:07.901" v="7" actId="20577"/>
+          <ac:spMkLst>
+            <pc:docMk/>
+            <pc:sldMk cId="2268850528" sldId="267"/>
+            <ac:spMk id="3" creationId="{82D175DE-DD27-4B6D-A263-AF7633BD39F3}"/>
+          </ac:spMkLst>
+        </pc:spChg>
+      </pc:sldChg>
+      <pc:sldChg chg="modSp mod">
+        <pc:chgData name="Thomas Francis" userId="5c2c6e3652e668e7" providerId="LiveId" clId="{63F3CF76-1364-475A-823F-3E38657C5F84}" dt="2020-06-25T00:01:11.186" v="177" actId="20577"/>
+        <pc:sldMkLst>
+          <pc:docMk/>
+          <pc:sldMk cId="3084942385" sldId="270"/>
+        </pc:sldMkLst>
+        <pc:spChg chg="mod">
+          <ac:chgData name="Thomas Francis" userId="5c2c6e3652e668e7" providerId="LiveId" clId="{63F3CF76-1364-475A-823F-3E38657C5F84}" dt="2020-06-25T00:01:11.186" v="177" actId="20577"/>
+          <ac:spMkLst>
+            <pc:docMk/>
+            <pc:sldMk cId="3084942385" sldId="270"/>
+            <ac:spMk id="3" creationId="{856D4DB8-51FC-457D-B0A1-049B0EF6BFA7}"/>
+          </ac:spMkLst>
+        </pc:spChg>
+      </pc:sldChg>
+      <pc:sldChg chg="modSp mod">
+        <pc:chgData name="Thomas Francis" userId="5c2c6e3652e668e7" providerId="LiveId" clId="{63F3CF76-1364-475A-823F-3E38657C5F84}" dt="2020-06-24T23:55:48.658" v="103" actId="20577"/>
+        <pc:sldMkLst>
+          <pc:docMk/>
+          <pc:sldMk cId="2554370827" sldId="271"/>
+        </pc:sldMkLst>
+        <pc:spChg chg="mod">
+          <ac:chgData name="Thomas Francis" userId="5c2c6e3652e668e7" providerId="LiveId" clId="{63F3CF76-1364-475A-823F-3E38657C5F84}" dt="2020-06-24T23:55:48.658" v="103" actId="20577"/>
+          <ac:spMkLst>
+            <pc:docMk/>
+            <pc:sldMk cId="2554370827" sldId="271"/>
+            <ac:spMk id="3" creationId="{092F2695-6742-4FC6-BCF3-A1BA616EF10F}"/>
+          </ac:spMkLst>
+        </pc:spChg>
+      </pc:sldChg>
+      <pc:sldChg chg="ord">
+        <pc:chgData name="Thomas Francis" userId="5c2c6e3652e668e7" providerId="LiveId" clId="{63F3CF76-1364-475A-823F-3E38657C5F84}" dt="2020-06-24T23:55:59.441" v="105"/>
+        <pc:sldMkLst>
+          <pc:docMk/>
+          <pc:sldMk cId="3166939221" sldId="273"/>
+        </pc:sldMkLst>
+      </pc:sldChg>
+    </pc:docChg>
+  </pc:docChgLst>
 </pc:chgInfo>
 </file>
 
@@ -8857,7 +8949,7 @@
           <a:p>
             <a:r>
               <a:rPr lang="en-US" dirty="0"/>
-              <a:t>Screening hours are flexible but must end before 2 hours prior to opening</a:t>
+              <a:t>Screening hours are flexible but must end 2 hours prior to opening</a:t>
             </a:r>
           </a:p>
           <a:p>
@@ -9077,7 +9169,7 @@
           <a:p>
             <a:r>
               <a:rPr lang="en-US" dirty="0"/>
-              <a:t>Supervisors</a:t>
+              <a:t>Chefs will be encouraged to bring an assistant to supervise and dismiss people at will</a:t>
             </a:r>
           </a:p>
           <a:p>
@@ -9181,7 +9273,7 @@
           <a:p>
             <a:r>
               <a:rPr lang="en-US" dirty="0"/>
-              <a:t>Unlikely, but it’s also possible to operate as a non-profit because we are technically solving a public health issue</a:t>
+              <a:t>Unlikely, but it’s also possible to operate as a non-profit because we are technically working on a public health issue</a:t>
             </a:r>
           </a:p>
         </p:txBody>
@@ -9221,7 +9313,7 @@
           <p:cNvPr id="2" name="Title 1">
             <a:extLst>
               <a:ext uri="{FF2B5EF4-FFF2-40B4-BE49-F238E27FC236}">
-                <a16:creationId xmlns:a16="http://schemas.microsoft.com/office/drawing/2014/main" id="{EF0FDFBD-C4F8-4F2B-B418-027C2D9234B8}"/>
+                <a16:creationId xmlns:a16="http://schemas.microsoft.com/office/drawing/2014/main" id="{0B49C125-978B-4A83-AF64-24CCB912E43E}"/>
               </a:ext>
             </a:extLst>
           </p:cNvPr>
@@ -9239,7 +9331,7 @@
           <a:p>
             <a:r>
               <a:rPr lang="en-US" dirty="0"/>
-              <a:t>Finances</a:t>
+              <a:t>Target Demographic: 18-80 year-olds in the New Haven County Area, CT</a:t>
             </a:r>
           </a:p>
         </p:txBody>
@@ -9249,7 +9341,7 @@
           <p:cNvPr id="3" name="Content Placeholder 2">
             <a:extLst>
               <a:ext uri="{FF2B5EF4-FFF2-40B4-BE49-F238E27FC236}">
-                <a16:creationId xmlns:a16="http://schemas.microsoft.com/office/drawing/2014/main" id="{71DB8266-80FE-4AE4-8A09-30C2E2B143AA}"/>
+                <a16:creationId xmlns:a16="http://schemas.microsoft.com/office/drawing/2014/main" id="{4EDA088C-672F-4FD5-BCB0-9D0AA8F203F3}"/>
               </a:ext>
             </a:extLst>
           </p:cNvPr>
@@ -9267,31 +9359,19 @@
           <a:p>
             <a:r>
               <a:rPr lang="en-US" dirty="0"/>
-              <a:t>Operating Costs: _________ for the first six months of operation</a:t>
+              <a:t>Target Demographic size in New Haven County: ~people</a:t>
             </a:r>
           </a:p>
           <a:p>
             <a:r>
               <a:rPr lang="en-US" dirty="0"/>
-              <a:t>Overhead: ______</a:t>
+              <a:t>Percent of people needed to break even: ______%</a:t>
             </a:r>
           </a:p>
           <a:p>
             <a:r>
               <a:rPr lang="en-US" dirty="0"/>
-              <a:t>Funding estimate total: _________</a:t>
-            </a:r>
-          </a:p>
-          <a:p>
-            <a:r>
-              <a:rPr lang="en-US" dirty="0"/>
-              <a:t>Break-even point: an engaged community of ___ people</a:t>
-            </a:r>
-          </a:p>
-          <a:p>
-            <a:r>
-              <a:rPr lang="en-US" dirty="0"/>
-              <a:t>Max community engagement capacity: ___ people</a:t>
+              <a:t>Percent of people needed to reach max capacity: 0.2%</a:t>
             </a:r>
           </a:p>
         </p:txBody>
@@ -9299,7 +9379,7 @@
     </p:spTree>
     <p:extLst>
       <p:ext uri="{BB962C8B-B14F-4D97-AF65-F5344CB8AC3E}">
-        <p14:creationId xmlns:p14="http://schemas.microsoft.com/office/powerpoint/2010/main" val="3345576059"/>
+        <p14:creationId xmlns:p14="http://schemas.microsoft.com/office/powerpoint/2010/main" val="3166939221"/>
       </p:ext>
     </p:extLst>
   </p:cSld>
@@ -9331,7 +9411,7 @@
           <p:cNvPr id="2" name="Title 1">
             <a:extLst>
               <a:ext uri="{FF2B5EF4-FFF2-40B4-BE49-F238E27FC236}">
-                <a16:creationId xmlns:a16="http://schemas.microsoft.com/office/drawing/2014/main" id="{0B49C125-978B-4A83-AF64-24CCB912E43E}"/>
+                <a16:creationId xmlns:a16="http://schemas.microsoft.com/office/drawing/2014/main" id="{EF0FDFBD-C4F8-4F2B-B418-027C2D9234B8}"/>
               </a:ext>
             </a:extLst>
           </p:cNvPr>
@@ -9349,7 +9429,7 @@
           <a:p>
             <a:r>
               <a:rPr lang="en-US" dirty="0"/>
-              <a:t>Target Demographic: 18-80 year-olds in the New Haven County Area, CT</a:t>
+              <a:t>Finances</a:t>
             </a:r>
           </a:p>
         </p:txBody>
@@ -9359,7 +9439,7 @@
           <p:cNvPr id="3" name="Content Placeholder 2">
             <a:extLst>
               <a:ext uri="{FF2B5EF4-FFF2-40B4-BE49-F238E27FC236}">
-                <a16:creationId xmlns:a16="http://schemas.microsoft.com/office/drawing/2014/main" id="{4EDA088C-672F-4FD5-BCB0-9D0AA8F203F3}"/>
+                <a16:creationId xmlns:a16="http://schemas.microsoft.com/office/drawing/2014/main" id="{71DB8266-80FE-4AE4-8A09-30C2E2B143AA}"/>
               </a:ext>
             </a:extLst>
           </p:cNvPr>
@@ -9377,19 +9457,31 @@
           <a:p>
             <a:r>
               <a:rPr lang="en-US" dirty="0"/>
-              <a:t>Target Demographic size in New Haven County: ~people</a:t>
+              <a:t>Operating Costs: _________ for the first six months of operation</a:t>
             </a:r>
           </a:p>
           <a:p>
             <a:r>
               <a:rPr lang="en-US" dirty="0"/>
-              <a:t>Percent of people needed to break even: ______%</a:t>
+              <a:t>Overhead: ______</a:t>
             </a:r>
           </a:p>
           <a:p>
             <a:r>
               <a:rPr lang="en-US" dirty="0"/>
-              <a:t>Percent of people needed to reach max capacity: 0.2%</a:t>
+              <a:t>Funding estimate total: _________</a:t>
+            </a:r>
+          </a:p>
+          <a:p>
+            <a:r>
+              <a:rPr lang="en-US" dirty="0"/>
+              <a:t>Break-even point: an engaged community of ___ people</a:t>
+            </a:r>
+          </a:p>
+          <a:p>
+            <a:r>
+              <a:rPr lang="en-US" dirty="0"/>
+              <a:t>Max community engagement capacity: ___ people</a:t>
             </a:r>
           </a:p>
         </p:txBody>
@@ -9397,7 +9489,7 @@
     </p:spTree>
     <p:extLst>
       <p:ext uri="{BB962C8B-B14F-4D97-AF65-F5344CB8AC3E}">
-        <p14:creationId xmlns:p14="http://schemas.microsoft.com/office/powerpoint/2010/main" val="3166939221"/>
+        <p14:creationId xmlns:p14="http://schemas.microsoft.com/office/powerpoint/2010/main" val="3345576059"/>
       </p:ext>
     </p:extLst>
   </p:cSld>
@@ -11365,18 +11457,15 @@
                   </a:schemeClr>
                 </a:solidFill>
               </a:rPr>
-              <a:t>Binge drinking has decreased among teens: </a:t>
-            </a:r>
+              <a:t>Religious attendance has decreased:</a:t>
+            </a:r>
+          </a:p>
+          <a:p>
             <a:r>
               <a:rPr lang="en-US" dirty="0">
-                <a:solidFill>
-                  <a:schemeClr val="tx2">
-                    <a:lumMod val="75000"/>
-                  </a:schemeClr>
-                </a:solidFill>
                 <a:hlinkClick r:id="rId2"/>
               </a:rPr>
-              <a:t>https://www.nytimes.com/2017/07/31/well/family/binge-drinking-drops-among-teenagers.html</a:t>
+              <a:t>https://www.pewforum.org/2016/08/23/2-religious-attendance-fluid-for-many-americans/</a:t>
             </a:r>
             <a:endParaRPr lang="en-US" dirty="0">
               <a:solidFill>
@@ -11387,6 +11476,16 @@
             </a:endParaRPr>
           </a:p>
           <a:p>
+            <a:r>
+              <a:rPr lang="en-US" dirty="0">
+                <a:solidFill>
+                  <a:schemeClr val="tx2">
+                    <a:lumMod val="75000"/>
+                  </a:schemeClr>
+                </a:solidFill>
+              </a:rPr>
+              <a:t>Binge drinking has decreased among teens: </a:t>
+            </a:r>
             <a:r>
               <a:rPr lang="en-US" dirty="0">
                 <a:solidFill>
@@ -11396,6 +11495,26 @@
                 </a:solidFill>
                 <a:hlinkClick r:id="rId3"/>
               </a:rPr>
+              <a:t>https://www.nytimes.com/2017/07/31/well/family/binge-drinking-drops-among-teenagers.html</a:t>
+            </a:r>
+            <a:endParaRPr lang="en-US" dirty="0">
+              <a:solidFill>
+                <a:schemeClr val="tx2">
+                  <a:lumMod val="75000"/>
+                </a:schemeClr>
+              </a:solidFill>
+            </a:endParaRPr>
+          </a:p>
+          <a:p>
+            <a:r>
+              <a:rPr lang="en-US" dirty="0">
+                <a:solidFill>
+                  <a:schemeClr val="tx2">
+                    <a:lumMod val="75000"/>
+                  </a:schemeClr>
+                </a:solidFill>
+                <a:hlinkClick r:id="rId4"/>
+              </a:rPr>
               <a:t>http://www.monitoringthefuture.org/pubs/monographs/mtf-overview2016.pdf</a:t>
             </a:r>
             <a:endParaRPr lang="en-US" dirty="0">
@@ -11424,7 +11543,7 @@
                     <a:lumMod val="75000"/>
                   </a:schemeClr>
                 </a:solidFill>
-                <a:hlinkClick r:id="rId4"/>
+                <a:hlinkClick r:id="rId5"/>
               </a:rPr>
               <a:t>https://www.reuters.com/article/us-usa-health-sex/young-u-s-men-having-a-lot-less-sex-in-the-21st-century-study-shows-idUSKBN23J2LI</a:t>
             </a:r>
@@ -12766,7 +12885,7 @@
           <a:lstStyle/>
           <a:p>
             <a:r>
-              <a:rPr lang="en-US">
+              <a:rPr lang="en-US" dirty="0">
                 <a:solidFill>
                   <a:schemeClr val="tx2">
                     <a:lumMod val="75000"/>
@@ -12778,7 +12897,7 @@
           </a:p>
           <a:p>
             <a:r>
-              <a:rPr lang="en-US">
+              <a:rPr lang="en-US" dirty="0">
                 <a:solidFill>
                   <a:schemeClr val="tx2">
                     <a:lumMod val="75000"/>
@@ -12790,7 +12909,7 @@
           </a:p>
           <a:p>
             <a:r>
-              <a:rPr lang="en-US">
+              <a:rPr lang="en-US" dirty="0">
                 <a:solidFill>
                   <a:schemeClr val="tx2">
                     <a:lumMod val="75000"/>
@@ -12803,7 +12922,7 @@
           <a:p>
             <a:pPr lvl="1"/>
             <a:r>
-              <a:rPr lang="en-US">
+              <a:rPr lang="en-US" dirty="0">
                 <a:solidFill>
                   <a:schemeClr val="tx2">
                     <a:lumMod val="75000"/>
@@ -12816,7 +12935,7 @@
           <a:p>
             <a:pPr lvl="2"/>
             <a:r>
-              <a:rPr lang="en-US">
+              <a:rPr lang="en-US" dirty="0">
                 <a:solidFill>
                   <a:schemeClr val="tx2">
                     <a:lumMod val="75000"/>
@@ -12827,7 +12946,7 @@
             </a:r>
           </a:p>
           <a:p>
-            <a:endParaRPr lang="en-US">
+            <a:endParaRPr lang="en-US" dirty="0">
               <a:solidFill>
                 <a:schemeClr val="tx2">
                   <a:lumMod val="75000"/>
@@ -12836,7 +12955,7 @@
             </a:endParaRPr>
           </a:p>
           <a:p>
-            <a:endParaRPr lang="en-US">
+            <a:endParaRPr lang="en-US" dirty="0">
               <a:solidFill>
                 <a:schemeClr val="tx2">
                   <a:lumMod val="75000"/>
@@ -13243,7 +13362,7 @@
             <a:pPr lvl="2"/>
             <a:r>
               <a:rPr lang="en-US" dirty="0"/>
-              <a:t>Not performing well in a special interest activity or looking like an outcast signals that your interest is not genuine or you’re not fit for the group.</a:t>
+              <a:t>Not performing well in a special interest activity or looking like an outcast signals that your interest is not genuine, or you’re not fit for the group.</a:t>
             </a:r>
           </a:p>
           <a:p>

--- a/Presentation/SocialHub_FrancisT_06_23_2020.pptx
+++ b/Presentation/SocialHub_FrancisT_06_23_2020.pptx
@@ -136,7 +136,7 @@
 <p1510:revInfo xmlns:a="http://schemas.openxmlformats.org/drawingml/2006/main" xmlns:r="http://schemas.openxmlformats.org/officeDocument/2006/relationships" xmlns:p1510="http://schemas.microsoft.com/office/powerpoint/2015/10/main">
   <p1510:revLst>
     <p1510:client id="{63F3CF76-1364-475A-823F-3E38657C5F84}" v="1" dt="2020-06-24T23:57:48.677"/>
-    <p1510:client id="{E2F6CC62-A8FA-4CA3-B44E-705F9FC4EF55}" v="73" dt="2020-06-25T14:07:02.123"/>
+    <p1510:client id="{E2F6CC62-A8FA-4CA3-B44E-705F9FC4EF55}" v="75" dt="2020-06-25T15:03:05.464"/>
   </p1510:revLst>
 </p1510:revInfo>
 </file>
@@ -146,7 +146,7 @@
   <pc:docChgLst>
     <pc:chgData name="Francis, Thomas" userId="2e7f689e-290c-4746-ba0f-274b885931e9" providerId="ADAL" clId="{E2F6CC62-A8FA-4CA3-B44E-705F9FC4EF55}"/>
     <pc:docChg chg="undo custSel mod addSld delSld modSld">
-      <pc:chgData name="Francis, Thomas" userId="2e7f689e-290c-4746-ba0f-274b885931e9" providerId="ADAL" clId="{E2F6CC62-A8FA-4CA3-B44E-705F9FC4EF55}" dt="2020-06-25T14:26:30.736" v="6966" actId="20577"/>
+      <pc:chgData name="Francis, Thomas" userId="2e7f689e-290c-4746-ba0f-274b885931e9" providerId="ADAL" clId="{E2F6CC62-A8FA-4CA3-B44E-705F9FC4EF55}" dt="2020-06-25T15:04:28.984" v="7180" actId="1076"/>
       <pc:docMkLst>
         <pc:docMk/>
       </pc:docMkLst>
@@ -726,13 +726,13 @@
         </pc:cxnChg>
       </pc:sldChg>
       <pc:sldChg chg="modSp add">
-        <pc:chgData name="Francis, Thomas" userId="2e7f689e-290c-4746-ba0f-274b885931e9" providerId="ADAL" clId="{E2F6CC62-A8FA-4CA3-B44E-705F9FC4EF55}" dt="2020-06-25T14:17:26.460" v="6781" actId="115"/>
+        <pc:chgData name="Francis, Thomas" userId="2e7f689e-290c-4746-ba0f-274b885931e9" providerId="ADAL" clId="{E2F6CC62-A8FA-4CA3-B44E-705F9FC4EF55}" dt="2020-06-25T14:57:23.524" v="7006" actId="20577"/>
         <pc:sldMkLst>
           <pc:docMk/>
           <pc:sldMk cId="3345576059" sldId="272"/>
         </pc:sldMkLst>
         <pc:spChg chg="mod">
-          <ac:chgData name="Francis, Thomas" userId="2e7f689e-290c-4746-ba0f-274b885931e9" providerId="ADAL" clId="{E2F6CC62-A8FA-4CA3-B44E-705F9FC4EF55}" dt="2020-06-25T14:17:26.460" v="6781" actId="115"/>
+          <ac:chgData name="Francis, Thomas" userId="2e7f689e-290c-4746-ba0f-274b885931e9" providerId="ADAL" clId="{E2F6CC62-A8FA-4CA3-B44E-705F9FC4EF55}" dt="2020-06-25T14:57:23.524" v="7006" actId="20577"/>
           <ac:spMkLst>
             <pc:docMk/>
             <pc:sldMk cId="3345576059" sldId="272"/>
@@ -921,13 +921,13 @@
         </pc:picChg>
       </pc:sldChg>
       <pc:sldChg chg="modSp add">
-        <pc:chgData name="Francis, Thomas" userId="2e7f689e-290c-4746-ba0f-274b885931e9" providerId="ADAL" clId="{E2F6CC62-A8FA-4CA3-B44E-705F9FC4EF55}" dt="2020-06-24T18:35:52.693" v="4045" actId="20577"/>
+        <pc:chgData name="Francis, Thomas" userId="2e7f689e-290c-4746-ba0f-274b885931e9" providerId="ADAL" clId="{E2F6CC62-A8FA-4CA3-B44E-705F9FC4EF55}" dt="2020-06-25T14:33:34.841" v="6970" actId="20577"/>
         <pc:sldMkLst>
           <pc:docMk/>
           <pc:sldMk cId="923092625" sldId="277"/>
         </pc:sldMkLst>
         <pc:spChg chg="mod">
-          <ac:chgData name="Francis, Thomas" userId="2e7f689e-290c-4746-ba0f-274b885931e9" providerId="ADAL" clId="{E2F6CC62-A8FA-4CA3-B44E-705F9FC4EF55}" dt="2020-06-24T18:28:56.069" v="3947" actId="20577"/>
+          <ac:chgData name="Francis, Thomas" userId="2e7f689e-290c-4746-ba0f-274b885931e9" providerId="ADAL" clId="{E2F6CC62-A8FA-4CA3-B44E-705F9FC4EF55}" dt="2020-06-25T14:33:34.841" v="6970" actId="20577"/>
           <ac:spMkLst>
             <pc:docMk/>
             <pc:sldMk cId="923092625" sldId="277"/>
@@ -944,7 +944,7 @@
         </pc:spChg>
       </pc:sldChg>
       <pc:sldChg chg="addSp delSp modSp add mod setBg">
-        <pc:chgData name="Francis, Thomas" userId="2e7f689e-290c-4746-ba0f-274b885931e9" providerId="ADAL" clId="{E2F6CC62-A8FA-4CA3-B44E-705F9FC4EF55}" dt="2020-06-25T13:41:28.317" v="5886" actId="1076"/>
+        <pc:chgData name="Francis, Thomas" userId="2e7f689e-290c-4746-ba0f-274b885931e9" providerId="ADAL" clId="{E2F6CC62-A8FA-4CA3-B44E-705F9FC4EF55}" dt="2020-06-25T15:04:28.984" v="7180" actId="1076"/>
         <pc:sldMkLst>
           <pc:docMk/>
           <pc:sldMk cId="1401021797" sldId="278"/>
@@ -963,6 +963,14 @@
             <pc:docMk/>
             <pc:sldMk cId="1401021797" sldId="278"/>
             <ac:spMk id="3" creationId="{6FEAA6AD-8F5A-4A62-8F8E-9D5C6C9AABF0}"/>
+          </ac:spMkLst>
+        </pc:spChg>
+        <pc:spChg chg="add mod">
+          <ac:chgData name="Francis, Thomas" userId="2e7f689e-290c-4746-ba0f-274b885931e9" providerId="ADAL" clId="{E2F6CC62-A8FA-4CA3-B44E-705F9FC4EF55}" dt="2020-06-25T15:04:28.984" v="7180" actId="1076"/>
+          <ac:spMkLst>
+            <pc:docMk/>
+            <pc:sldMk cId="1401021797" sldId="278"/>
+            <ac:spMk id="3" creationId="{B122CE73-AA67-4C5F-8470-CC8DDE0B17F9}"/>
           </ac:spMkLst>
         </pc:spChg>
         <pc:spChg chg="add">
@@ -1046,7 +1054,7 @@
         </pc:sldMkLst>
       </pc:sldChg>
       <pc:sldChg chg="addSp delSp modSp add">
-        <pc:chgData name="Francis, Thomas" userId="2e7f689e-290c-4746-ba0f-274b885931e9" providerId="ADAL" clId="{E2F6CC62-A8FA-4CA3-B44E-705F9FC4EF55}" dt="2020-06-25T14:18:06.710" v="6787" actId="20577"/>
+        <pc:chgData name="Francis, Thomas" userId="2e7f689e-290c-4746-ba0f-274b885931e9" providerId="ADAL" clId="{E2F6CC62-A8FA-4CA3-B44E-705F9FC4EF55}" dt="2020-06-25T15:01:21.002" v="7063" actId="20577"/>
         <pc:sldMkLst>
           <pc:docMk/>
           <pc:sldMk cId="4062344240" sldId="279"/>
@@ -1084,7 +1092,7 @@
           </ac:spMkLst>
         </pc:spChg>
         <pc:spChg chg="add mod">
-          <ac:chgData name="Francis, Thomas" userId="2e7f689e-290c-4746-ba0f-274b885931e9" providerId="ADAL" clId="{E2F6CC62-A8FA-4CA3-B44E-705F9FC4EF55}" dt="2020-06-25T14:18:06.710" v="6787" actId="20577"/>
+          <ac:chgData name="Francis, Thomas" userId="2e7f689e-290c-4746-ba0f-274b885931e9" providerId="ADAL" clId="{E2F6CC62-A8FA-4CA3-B44E-705F9FC4EF55}" dt="2020-06-25T15:01:21.002" v="7063" actId="20577"/>
           <ac:spMkLst>
             <pc:docMk/>
             <pc:sldMk cId="4062344240" sldId="279"/>
@@ -17517,36 +17525,38 @@
           <a:p>
             <a:r>
               <a:rPr lang="en-US" dirty="0"/>
-              <a:t>Operating Costs: </a:t>
+              <a:t>Monthly operating costs: </a:t>
             </a:r>
             <a:r>
               <a:rPr lang="en-US" b="1" dirty="0"/>
-              <a:t>$190,500 </a:t>
+              <a:t>$18,500</a:t>
+            </a:r>
+            <a:endParaRPr lang="en-US" dirty="0"/>
+          </a:p>
+          <a:p>
+            <a:r>
+              <a:rPr lang="en-US" dirty="0"/>
+              <a:t>Overhead: </a:t>
+            </a:r>
+            <a:r>
+              <a:rPr lang="en-US" b="1" dirty="0"/>
+              <a:t>$79,400</a:t>
+            </a:r>
+          </a:p>
+          <a:p>
+            <a:r>
+              <a:rPr lang="en-US" dirty="0"/>
+              <a:t>Funding estimate total: </a:t>
+            </a:r>
+            <a:r>
+              <a:rPr lang="en-US" b="1" dirty="0"/>
+              <a:t>$222,000 </a:t>
             </a:r>
             <a:r>
               <a:rPr lang="en-US" dirty="0"/>
               <a:t>for the first six months of operation</a:t>
             </a:r>
-          </a:p>
-          <a:p>
-            <a:r>
-              <a:rPr lang="en-US" dirty="0"/>
-              <a:t>Overhead: </a:t>
-            </a:r>
-            <a:r>
-              <a:rPr lang="en-US" b="1" dirty="0"/>
-              <a:t>$79,400</a:t>
-            </a:r>
-          </a:p>
-          <a:p>
-            <a:r>
-              <a:rPr lang="en-US" dirty="0"/>
-              <a:t>Funding estimate total: </a:t>
-            </a:r>
-            <a:r>
-              <a:rPr lang="en-US" b="1" dirty="0"/>
-              <a:t>$222,000</a:t>
-            </a:r>
+            <a:endParaRPr lang="en-US" b="1" dirty="0"/>
           </a:p>
           <a:p>
             <a:r>
@@ -18266,6 +18276,69 @@
           <a:p>
             <a:pPr algn="ctr"/>
             <a:endParaRPr lang="en-US"/>
+          </a:p>
+        </p:txBody>
+      </p:sp>
+      <p:sp>
+        <p:nvSpPr>
+          <p:cNvPr id="3" name="TextBox 2">
+            <a:extLst>
+              <a:ext uri="{FF2B5EF4-FFF2-40B4-BE49-F238E27FC236}">
+                <a16:creationId xmlns:a16="http://schemas.microsoft.com/office/drawing/2014/main" id="{B122CE73-AA67-4C5F-8470-CC8DDE0B17F9}"/>
+              </a:ext>
+            </a:extLst>
+          </p:cNvPr>
+          <p:cNvSpPr txBox="1"/>
+          <p:nvPr/>
+        </p:nvSpPr>
+        <p:spPr>
+          <a:xfrm>
+            <a:off x="725864" y="1307210"/>
+            <a:ext cx="7843706" cy="1200329"/>
+          </a:xfrm>
+          <a:prstGeom prst="rect">
+            <a:avLst/>
+          </a:prstGeom>
+          <a:noFill/>
+        </p:spPr>
+        <p:txBody>
+          <a:bodyPr wrap="square" rtlCol="0">
+            <a:spAutoFit/>
+          </a:bodyPr>
+          <a:lstStyle/>
+          <a:p>
+            <a:r>
+              <a:rPr lang="en-US" dirty="0"/>
+              <a:t>Membership fee: </a:t>
+            </a:r>
+            <a:r>
+              <a:rPr lang="en-US" b="1" dirty="0"/>
+              <a:t>$40 per month</a:t>
+            </a:r>
+          </a:p>
+          <a:p>
+            <a:r>
+              <a:rPr lang="en-US" dirty="0"/>
+              <a:t>Weekday Entry fee: </a:t>
+            </a:r>
+            <a:r>
+              <a:rPr lang="en-US" b="1" dirty="0"/>
+              <a:t>$10</a:t>
+            </a:r>
+          </a:p>
+          <a:p>
+            <a:r>
+              <a:rPr lang="en-US" dirty="0"/>
+              <a:t>Weekend Entry fee: </a:t>
+            </a:r>
+            <a:r>
+              <a:rPr lang="en-US" b="1" dirty="0"/>
+              <a:t>$20</a:t>
+            </a:r>
+            <a:endParaRPr lang="en-US" dirty="0"/>
+          </a:p>
+          <a:p>
+            <a:endParaRPr lang="en-US" dirty="0"/>
           </a:p>
         </p:txBody>
       </p:sp>
@@ -19049,7 +19122,7 @@
         <p:spPr>
           <a:xfrm>
             <a:off x="7837498" y="2583809"/>
-            <a:ext cx="3605074" cy="923330"/>
+            <a:ext cx="3605074" cy="1754326"/>
           </a:xfrm>
           <a:prstGeom prst="rect">
             <a:avLst/>
@@ -19064,7 +19137,16 @@
           <a:p>
             <a:r>
               <a:rPr lang="en-US" dirty="0"/>
-              <a:t>The 80/20 rule is used to approximate profit from sub-communities of engagement. </a:t>
+              <a:t>The 80/20 rule is used to approximate profit from sub-communities of engagement.</a:t>
+            </a:r>
+          </a:p>
+          <a:p>
+            <a:endParaRPr lang="en-US" dirty="0"/>
+          </a:p>
+          <a:p>
+            <a:r>
+              <a:rPr lang="en-US" dirty="0"/>
+              <a:t>Assumes exclusive sub-communities.</a:t>
             </a:r>
           </a:p>
         </p:txBody>
@@ -19398,7 +19480,7 @@
           <a:p>
             <a:r>
               <a:rPr lang="en-US" dirty="0"/>
-              <a:t>Health Effects of the Loneliness</a:t>
+              <a:t>Health Effects of Loneliness</a:t>
             </a:r>
           </a:p>
         </p:txBody>

--- a/Presentation/SocialHub_FrancisT_06_23_2020.pptx
+++ b/Presentation/SocialHub_FrancisT_06_23_2020.pptx
@@ -146,16 +146,24 @@
   <pc:docChgLst>
     <pc:chgData name="Francis, Thomas" userId="2e7f689e-290c-4746-ba0f-274b885931e9" providerId="ADAL" clId="{E2F6CC62-A8FA-4CA3-B44E-705F9FC4EF55}"/>
     <pc:docChg chg="undo custSel mod addSld delSld modSld">
-      <pc:chgData name="Francis, Thomas" userId="2e7f689e-290c-4746-ba0f-274b885931e9" providerId="ADAL" clId="{E2F6CC62-A8FA-4CA3-B44E-705F9FC4EF55}" dt="2020-06-25T15:04:28.984" v="7180" actId="1076"/>
+      <pc:chgData name="Francis, Thomas" userId="2e7f689e-290c-4746-ba0f-274b885931e9" providerId="ADAL" clId="{E2F6CC62-A8FA-4CA3-B44E-705F9FC4EF55}" dt="2020-06-25T19:13:55.413" v="7199" actId="20577"/>
       <pc:docMkLst>
         <pc:docMk/>
       </pc:docMkLst>
       <pc:sldChg chg="modSp">
-        <pc:chgData name="Francis, Thomas" userId="2e7f689e-290c-4746-ba0f-274b885931e9" providerId="ADAL" clId="{E2F6CC62-A8FA-4CA3-B44E-705F9FC4EF55}" dt="2020-06-24T16:26:21.569" v="3644" actId="114"/>
+        <pc:chgData name="Francis, Thomas" userId="2e7f689e-290c-4746-ba0f-274b885931e9" providerId="ADAL" clId="{E2F6CC62-A8FA-4CA3-B44E-705F9FC4EF55}" dt="2020-06-25T19:13:55.413" v="7199" actId="20577"/>
         <pc:sldMkLst>
           <pc:docMk/>
           <pc:sldMk cId="118792049" sldId="256"/>
         </pc:sldMkLst>
+        <pc:spChg chg="mod">
+          <ac:chgData name="Francis, Thomas" userId="2e7f689e-290c-4746-ba0f-274b885931e9" providerId="ADAL" clId="{E2F6CC62-A8FA-4CA3-B44E-705F9FC4EF55}" dt="2020-06-25T19:13:55.413" v="7199" actId="20577"/>
+          <ac:spMkLst>
+            <pc:docMk/>
+            <pc:sldMk cId="118792049" sldId="256"/>
+            <ac:spMk id="2" creationId="{14F14D6C-9B62-40E2-A81E-6E3568794489}"/>
+          </ac:spMkLst>
+        </pc:spChg>
         <pc:spChg chg="mod">
           <ac:chgData name="Francis, Thomas" userId="2e7f689e-290c-4746-ba0f-274b885931e9" providerId="ADAL" clId="{E2F6CC62-A8FA-4CA3-B44E-705F9FC4EF55}" dt="2020-06-24T16:26:21.569" v="3644" actId="114"/>
           <ac:spMkLst>
@@ -8858,9 +8866,10 @@
           <a:lstStyle/>
           <a:p>
             <a:r>
-              <a:rPr lang="en-US" dirty="0"/>
-              <a:t>Name of This Business</a:t>
-            </a:r>
+              <a:rPr lang="en-US"/>
+              <a:t>So-Show</a:t>
+            </a:r>
+            <a:endParaRPr lang="en-US" dirty="0"/>
           </a:p>
         </p:txBody>
       </p:sp>

--- a/Presentation/SocialHub_FrancisT_06_23_2020.pptx
+++ b/Presentation/SocialHub_FrancisT_06_23_2020.pptx
@@ -135,7 +135,7 @@
 <file path=ppt/revisionInfo.xml><?xml version="1.0" encoding="utf-8"?>
 <p1510:revInfo xmlns:a="http://schemas.openxmlformats.org/drawingml/2006/main" xmlns:r="http://schemas.openxmlformats.org/officeDocument/2006/relationships" xmlns:p1510="http://schemas.microsoft.com/office/powerpoint/2015/10/main">
   <p1510:revLst>
-    <p1510:client id="{63F3CF76-1364-475A-823F-3E38657C5F84}" v="1" dt="2020-06-24T23:57:48.677"/>
+    <p1510:client id="{63F3CF76-1364-475A-823F-3E38657C5F84}" v="2" dt="2020-06-25T20:55:24.299"/>
     <p1510:client id="{E2F6CC62-A8FA-4CA3-B44E-705F9FC4EF55}" v="75" dt="2020-06-25T15:03:05.464"/>
   </p1510:revLst>
 </p1510:revInfo>
@@ -1241,10 +1241,25 @@
   <pc:docChgLst>
     <pc:chgData name="Thomas Francis" userId="5c2c6e3652e668e7" providerId="LiveId" clId="{63F3CF76-1364-475A-823F-3E38657C5F84}"/>
     <pc:docChg chg="custSel modSld sldOrd">
-      <pc:chgData name="Thomas Francis" userId="5c2c6e3652e668e7" providerId="LiveId" clId="{63F3CF76-1364-475A-823F-3E38657C5F84}" dt="2020-06-25T00:01:11.186" v="177" actId="20577"/>
+      <pc:chgData name="Thomas Francis" userId="5c2c6e3652e668e7" providerId="LiveId" clId="{63F3CF76-1364-475A-823F-3E38657C5F84}" dt="2020-06-25T20:53:56.821" v="184" actId="20577"/>
       <pc:docMkLst>
         <pc:docMk/>
       </pc:docMkLst>
+      <pc:sldChg chg="modSp mod">
+        <pc:chgData name="Thomas Francis" userId="5c2c6e3652e668e7" providerId="LiveId" clId="{63F3CF76-1364-475A-823F-3E38657C5F84}" dt="2020-06-25T20:53:56.821" v="184" actId="20577"/>
+        <pc:sldMkLst>
+          <pc:docMk/>
+          <pc:sldMk cId="118792049" sldId="256"/>
+        </pc:sldMkLst>
+        <pc:spChg chg="mod">
+          <ac:chgData name="Thomas Francis" userId="5c2c6e3652e668e7" providerId="LiveId" clId="{63F3CF76-1364-475A-823F-3E38657C5F84}" dt="2020-06-25T20:53:56.821" v="184" actId="20577"/>
+          <ac:spMkLst>
+            <pc:docMk/>
+            <pc:sldMk cId="118792049" sldId="256"/>
+            <ac:spMk id="2" creationId="{14F14D6C-9B62-40E2-A81E-6E3568794489}"/>
+          </ac:spMkLst>
+        </pc:spChg>
+      </pc:sldChg>
       <pc:sldChg chg="modSp mod">
         <pc:chgData name="Thomas Francis" userId="5c2c6e3652e668e7" providerId="LiveId" clId="{63F3CF76-1364-475A-823F-3E38657C5F84}" dt="2020-06-24T23:58:01.864" v="145" actId="20577"/>
         <pc:sldMkLst>
@@ -8866,10 +8881,9 @@
           <a:lstStyle/>
           <a:p>
             <a:r>
-              <a:rPr lang="en-US"/>
-              <a:t>So-Show</a:t>
-            </a:r>
-            <a:endParaRPr lang="en-US" dirty="0"/>
+              <a:rPr lang="en-US" dirty="0"/>
+              <a:t>The Soshow</a:t>
+            </a:r>
           </a:p>
         </p:txBody>
       </p:sp>

--- a/Presentation/SocialHub_FrancisT_06_23_2020.pptx
+++ b/Presentation/SocialHub_FrancisT_06_23_2020.pptx
@@ -136,7 +136,7 @@
 <p1510:revInfo xmlns:a="http://schemas.openxmlformats.org/drawingml/2006/main" xmlns:r="http://schemas.openxmlformats.org/officeDocument/2006/relationships" xmlns:p1510="http://schemas.microsoft.com/office/powerpoint/2015/10/main">
   <p1510:revLst>
     <p1510:client id="{63F3CF76-1364-475A-823F-3E38657C5F84}" v="2" dt="2020-06-25T20:55:24.299"/>
-    <p1510:client id="{E2F6CC62-A8FA-4CA3-B44E-705F9FC4EF55}" v="75" dt="2020-06-25T15:03:05.464"/>
+    <p1510:client id="{E2F6CC62-A8FA-4CA3-B44E-705F9FC4EF55}" v="81" dt="2020-06-26T14:02:27.736"/>
   </p1510:revLst>
 </p1510:revInfo>
 </file>
@@ -146,7 +146,7 @@
   <pc:docChgLst>
     <pc:chgData name="Francis, Thomas" userId="2e7f689e-290c-4746-ba0f-274b885931e9" providerId="ADAL" clId="{E2F6CC62-A8FA-4CA3-B44E-705F9FC4EF55}"/>
     <pc:docChg chg="undo custSel mod addSld delSld modSld">
-      <pc:chgData name="Francis, Thomas" userId="2e7f689e-290c-4746-ba0f-274b885931e9" providerId="ADAL" clId="{E2F6CC62-A8FA-4CA3-B44E-705F9FC4EF55}" dt="2020-06-25T19:13:55.413" v="7199" actId="20577"/>
+      <pc:chgData name="Francis, Thomas" userId="2e7f689e-290c-4746-ba0f-274b885931e9" providerId="ADAL" clId="{E2F6CC62-A8FA-4CA3-B44E-705F9FC4EF55}" dt="2020-06-26T14:39:48.126" v="7528" actId="20577"/>
       <pc:docMkLst>
         <pc:docMk/>
       </pc:docMkLst>
@@ -173,20 +173,60 @@
           </ac:spMkLst>
         </pc:spChg>
       </pc:sldChg>
-      <pc:sldChg chg="modSp add">
-        <pc:chgData name="Francis, Thomas" userId="2e7f689e-290c-4746-ba0f-274b885931e9" providerId="ADAL" clId="{E2F6CC62-A8FA-4CA3-B44E-705F9FC4EF55}" dt="2020-06-24T18:43:40.049" v="4064" actId="20577"/>
+      <pc:sldChg chg="addSp modSp add mod setBg">
+        <pc:chgData name="Francis, Thomas" userId="2e7f689e-290c-4746-ba0f-274b885931e9" providerId="ADAL" clId="{E2F6CC62-A8FA-4CA3-B44E-705F9FC4EF55}" dt="2020-06-26T14:04:34.778" v="7327" actId="122"/>
         <pc:sldMkLst>
           <pc:docMk/>
           <pc:sldMk cId="3120845105" sldId="257"/>
         </pc:sldMkLst>
         <pc:spChg chg="mod">
-          <ac:chgData name="Francis, Thomas" userId="2e7f689e-290c-4746-ba0f-274b885931e9" providerId="ADAL" clId="{E2F6CC62-A8FA-4CA3-B44E-705F9FC4EF55}" dt="2020-06-24T18:43:40.049" v="4064" actId="20577"/>
+          <ac:chgData name="Francis, Thomas" userId="2e7f689e-290c-4746-ba0f-274b885931e9" providerId="ADAL" clId="{E2F6CC62-A8FA-4CA3-B44E-705F9FC4EF55}" dt="2020-06-26T14:04:34.778" v="7327" actId="122"/>
+          <ac:spMkLst>
+            <pc:docMk/>
+            <pc:sldMk cId="3120845105" sldId="257"/>
+            <ac:spMk id="2" creationId="{BCB2D7CD-753D-4A6A-8CFD-C62EE5AACC66}"/>
+          </ac:spMkLst>
+        </pc:spChg>
+        <pc:spChg chg="mod">
+          <ac:chgData name="Francis, Thomas" userId="2e7f689e-290c-4746-ba0f-274b885931e9" providerId="ADAL" clId="{E2F6CC62-A8FA-4CA3-B44E-705F9FC4EF55}" dt="2020-06-26T14:04:26.296" v="7326" actId="26606"/>
           <ac:spMkLst>
             <pc:docMk/>
             <pc:sldMk cId="3120845105" sldId="257"/>
             <ac:spMk id="3" creationId="{DA475984-AACC-404F-9DED-331D7A7B3FEF}"/>
           </ac:spMkLst>
         </pc:spChg>
+        <pc:spChg chg="add">
+          <ac:chgData name="Francis, Thomas" userId="2e7f689e-290c-4746-ba0f-274b885931e9" providerId="ADAL" clId="{E2F6CC62-A8FA-4CA3-B44E-705F9FC4EF55}" dt="2020-06-26T14:04:26.296" v="7326" actId="26606"/>
+          <ac:spMkLst>
+            <pc:docMk/>
+            <pc:sldMk cId="3120845105" sldId="257"/>
+            <ac:spMk id="8" creationId="{CD306B45-25EE-434D-ABA9-A27B79320CFF}"/>
+          </ac:spMkLst>
+        </pc:spChg>
+        <pc:spChg chg="add">
+          <ac:chgData name="Francis, Thomas" userId="2e7f689e-290c-4746-ba0f-274b885931e9" providerId="ADAL" clId="{E2F6CC62-A8FA-4CA3-B44E-705F9FC4EF55}" dt="2020-06-26T14:04:26.296" v="7326" actId="26606"/>
+          <ac:spMkLst>
+            <pc:docMk/>
+            <pc:sldMk cId="3120845105" sldId="257"/>
+            <ac:spMk id="10" creationId="{0A42F85E-4939-431E-8B4A-EC07C8E0AB65}"/>
+          </ac:spMkLst>
+        </pc:spChg>
+        <pc:grpChg chg="add">
+          <ac:chgData name="Francis, Thomas" userId="2e7f689e-290c-4746-ba0f-274b885931e9" providerId="ADAL" clId="{E2F6CC62-A8FA-4CA3-B44E-705F9FC4EF55}" dt="2020-06-26T14:04:26.296" v="7326" actId="26606"/>
+          <ac:grpSpMkLst>
+            <pc:docMk/>
+            <pc:sldMk cId="3120845105" sldId="257"/>
+            <ac:grpSpMk id="14" creationId="{5D2B17EF-74EB-4C33-B2E2-8E727B2E7D68}"/>
+          </ac:grpSpMkLst>
+        </pc:grpChg>
+        <pc:cxnChg chg="add">
+          <ac:chgData name="Francis, Thomas" userId="2e7f689e-290c-4746-ba0f-274b885931e9" providerId="ADAL" clId="{E2F6CC62-A8FA-4CA3-B44E-705F9FC4EF55}" dt="2020-06-26T14:04:26.296" v="7326" actId="26606"/>
+          <ac:cxnSpMkLst>
+            <pc:docMk/>
+            <pc:sldMk cId="3120845105" sldId="257"/>
+            <ac:cxnSpMk id="12" creationId="{27EBB3F9-D6F7-4F6A-8843-9FEBA15E4969}"/>
+          </ac:cxnSpMkLst>
+        </pc:cxnChg>
       </pc:sldChg>
       <pc:sldChg chg="add">
         <pc:chgData name="Francis, Thomas" userId="2e7f689e-290c-4746-ba0f-274b885931e9" providerId="ADAL" clId="{E2F6CC62-A8FA-4CA3-B44E-705F9FC4EF55}" dt="2020-06-23T19:25:52.582" v="1"/>
@@ -196,13 +236,13 @@
         </pc:sldMkLst>
       </pc:sldChg>
       <pc:sldChg chg="modSp add">
-        <pc:chgData name="Francis, Thomas" userId="2e7f689e-290c-4746-ba0f-274b885931e9" providerId="ADAL" clId="{E2F6CC62-A8FA-4CA3-B44E-705F9FC4EF55}" dt="2020-06-24T18:20:12.472" v="3649"/>
+        <pc:chgData name="Francis, Thomas" userId="2e7f689e-290c-4746-ba0f-274b885931e9" providerId="ADAL" clId="{E2F6CC62-A8FA-4CA3-B44E-705F9FC4EF55}" dt="2020-06-26T13:47:47.096" v="7247" actId="15"/>
         <pc:sldMkLst>
           <pc:docMk/>
           <pc:sldMk cId="2261067227" sldId="259"/>
         </pc:sldMkLst>
         <pc:spChg chg="mod">
-          <ac:chgData name="Francis, Thomas" userId="2e7f689e-290c-4746-ba0f-274b885931e9" providerId="ADAL" clId="{E2F6CC62-A8FA-4CA3-B44E-705F9FC4EF55}" dt="2020-06-24T18:20:12.472" v="3649"/>
+          <ac:chgData name="Francis, Thomas" userId="2e7f689e-290c-4746-ba0f-274b885931e9" providerId="ADAL" clId="{E2F6CC62-A8FA-4CA3-B44E-705F9FC4EF55}" dt="2020-06-26T13:47:47.096" v="7247" actId="15"/>
           <ac:spMkLst>
             <pc:docMk/>
             <pc:sldMk cId="2261067227" sldId="259"/>
@@ -211,13 +251,13 @@
         </pc:spChg>
       </pc:sldChg>
       <pc:sldChg chg="addSp delSp modSp add mod setBg">
-        <pc:chgData name="Francis, Thomas" userId="2e7f689e-290c-4746-ba0f-274b885931e9" providerId="ADAL" clId="{E2F6CC62-A8FA-4CA3-B44E-705F9FC4EF55}" dt="2020-06-25T14:20:00.131" v="6792" actId="20577"/>
+        <pc:chgData name="Francis, Thomas" userId="2e7f689e-290c-4746-ba0f-274b885931e9" providerId="ADAL" clId="{E2F6CC62-A8FA-4CA3-B44E-705F9FC4EF55}" dt="2020-06-26T14:27:45.323" v="7457" actId="20577"/>
         <pc:sldMkLst>
           <pc:docMk/>
           <pc:sldMk cId="1218510847" sldId="260"/>
         </pc:sldMkLst>
         <pc:spChg chg="mod">
-          <ac:chgData name="Francis, Thomas" userId="2e7f689e-290c-4746-ba0f-274b885931e9" providerId="ADAL" clId="{E2F6CC62-A8FA-4CA3-B44E-705F9FC4EF55}" dt="2020-06-25T14:20:00.131" v="6792" actId="20577"/>
+          <ac:chgData name="Francis, Thomas" userId="2e7f689e-290c-4746-ba0f-274b885931e9" providerId="ADAL" clId="{E2F6CC62-A8FA-4CA3-B44E-705F9FC4EF55}" dt="2020-06-26T14:13:41.899" v="7359" actId="20577"/>
           <ac:spMkLst>
             <pc:docMk/>
             <pc:sldMk cId="1218510847" sldId="260"/>
@@ -225,7 +265,7 @@
           </ac:spMkLst>
         </pc:spChg>
         <pc:spChg chg="mod">
-          <ac:chgData name="Francis, Thomas" userId="2e7f689e-290c-4746-ba0f-274b885931e9" providerId="ADAL" clId="{E2F6CC62-A8FA-4CA3-B44E-705F9FC4EF55}" dt="2020-06-24T18:49:00.105" v="4173" actId="20577"/>
+          <ac:chgData name="Francis, Thomas" userId="2e7f689e-290c-4746-ba0f-274b885931e9" providerId="ADAL" clId="{E2F6CC62-A8FA-4CA3-B44E-705F9FC4EF55}" dt="2020-06-26T14:27:45.323" v="7457" actId="20577"/>
           <ac:spMkLst>
             <pc:docMk/>
             <pc:sldMk cId="1218510847" sldId="260"/>
@@ -289,14 +329,14 @@
           </ac:cxnSpMkLst>
         </pc:cxnChg>
       </pc:sldChg>
-      <pc:sldChg chg="addSp modSp add mod setBg">
-        <pc:chgData name="Francis, Thomas" userId="2e7f689e-290c-4746-ba0f-274b885931e9" providerId="ADAL" clId="{E2F6CC62-A8FA-4CA3-B44E-705F9FC4EF55}" dt="2020-06-25T14:21:36.400" v="6844" actId="20577"/>
+      <pc:sldChg chg="addSp delSp modSp add mod setBg">
+        <pc:chgData name="Francis, Thomas" userId="2e7f689e-290c-4746-ba0f-274b885931e9" providerId="ADAL" clId="{E2F6CC62-A8FA-4CA3-B44E-705F9FC4EF55}" dt="2020-06-26T14:31:02" v="7458" actId="122"/>
         <pc:sldMkLst>
           <pc:docMk/>
           <pc:sldMk cId="1869608470" sldId="261"/>
         </pc:sldMkLst>
         <pc:spChg chg="mod">
-          <ac:chgData name="Francis, Thomas" userId="2e7f689e-290c-4746-ba0f-274b885931e9" providerId="ADAL" clId="{E2F6CC62-A8FA-4CA3-B44E-705F9FC4EF55}" dt="2020-06-24T19:04:29.280" v="5304" actId="26606"/>
+          <ac:chgData name="Francis, Thomas" userId="2e7f689e-290c-4746-ba0f-274b885931e9" providerId="ADAL" clId="{E2F6CC62-A8FA-4CA3-B44E-705F9FC4EF55}" dt="2020-06-26T14:31:02" v="7458" actId="122"/>
           <ac:spMkLst>
             <pc:docMk/>
             <pc:sldMk cId="1869608470" sldId="261"/>
@@ -304,68 +344,212 @@
           </ac:spMkLst>
         </pc:spChg>
         <pc:spChg chg="mod">
-          <ac:chgData name="Francis, Thomas" userId="2e7f689e-290c-4746-ba0f-274b885931e9" providerId="ADAL" clId="{E2F6CC62-A8FA-4CA3-B44E-705F9FC4EF55}" dt="2020-06-25T14:21:36.400" v="6844" actId="20577"/>
+          <ac:chgData name="Francis, Thomas" userId="2e7f689e-290c-4746-ba0f-274b885931e9" providerId="ADAL" clId="{E2F6CC62-A8FA-4CA3-B44E-705F9FC4EF55}" dt="2020-06-26T14:14:28.772" v="7364" actId="26606"/>
           <ac:spMkLst>
             <pc:docMk/>
             <pc:sldMk cId="1869608470" sldId="261"/>
             <ac:spMk id="3" creationId="{9D92BAF7-0615-4FB6-B39B-9CDCF6D1CA74}"/>
           </ac:spMkLst>
         </pc:spChg>
-        <pc:spChg chg="add">
-          <ac:chgData name="Francis, Thomas" userId="2e7f689e-290c-4746-ba0f-274b885931e9" providerId="ADAL" clId="{E2F6CC62-A8FA-4CA3-B44E-705F9FC4EF55}" dt="2020-06-24T19:04:29.280" v="5304" actId="26606"/>
+        <pc:spChg chg="add del">
+          <ac:chgData name="Francis, Thomas" userId="2e7f689e-290c-4746-ba0f-274b885931e9" providerId="ADAL" clId="{E2F6CC62-A8FA-4CA3-B44E-705F9FC4EF55}" dt="2020-06-26T14:14:28.777" v="7365" actId="26606"/>
           <ac:spMkLst>
             <pc:docMk/>
             <pc:sldMk cId="1869608470" sldId="261"/>
             <ac:spMk id="8" creationId="{83030214-227F-42DB-9282-BBA6AF8D94A8}"/>
           </ac:spMkLst>
         </pc:spChg>
-        <pc:spChg chg="add">
-          <ac:chgData name="Francis, Thomas" userId="2e7f689e-290c-4746-ba0f-274b885931e9" providerId="ADAL" clId="{E2F6CC62-A8FA-4CA3-B44E-705F9FC4EF55}" dt="2020-06-24T19:04:29.280" v="5304" actId="26606"/>
+        <pc:spChg chg="add del">
+          <ac:chgData name="Francis, Thomas" userId="2e7f689e-290c-4746-ba0f-274b885931e9" providerId="ADAL" clId="{E2F6CC62-A8FA-4CA3-B44E-705F9FC4EF55}" dt="2020-06-26T14:14:28.777" v="7365" actId="26606"/>
           <ac:spMkLst>
             <pc:docMk/>
             <pc:sldMk cId="1869608470" sldId="261"/>
             <ac:spMk id="10" creationId="{0D7A9289-BAD1-4A78-979F-A655C886DBF5}"/>
           </ac:spMkLst>
         </pc:spChg>
+        <pc:spChg chg="add del">
+          <ac:chgData name="Francis, Thomas" userId="2e7f689e-290c-4746-ba0f-274b885931e9" providerId="ADAL" clId="{E2F6CC62-A8FA-4CA3-B44E-705F9FC4EF55}" dt="2020-06-26T14:14:28.772" v="7364" actId="26606"/>
+          <ac:spMkLst>
+            <pc:docMk/>
+            <pc:sldMk cId="1869608470" sldId="261"/>
+            <ac:spMk id="15" creationId="{CD306B45-25EE-434D-ABA9-A27B79320CFF}"/>
+          </ac:spMkLst>
+        </pc:spChg>
+        <pc:spChg chg="add del">
+          <ac:chgData name="Francis, Thomas" userId="2e7f689e-290c-4746-ba0f-274b885931e9" providerId="ADAL" clId="{E2F6CC62-A8FA-4CA3-B44E-705F9FC4EF55}" dt="2020-06-26T14:14:28.772" v="7364" actId="26606"/>
+          <ac:spMkLst>
+            <pc:docMk/>
+            <pc:sldMk cId="1869608470" sldId="261"/>
+            <ac:spMk id="17" creationId="{0A42F85E-4939-431E-8B4A-EC07C8E0AB65}"/>
+          </ac:spMkLst>
+        </pc:spChg>
+        <pc:spChg chg="add">
+          <ac:chgData name="Francis, Thomas" userId="2e7f689e-290c-4746-ba0f-274b885931e9" providerId="ADAL" clId="{E2F6CC62-A8FA-4CA3-B44E-705F9FC4EF55}" dt="2020-06-26T14:14:28.777" v="7365" actId="26606"/>
+          <ac:spMkLst>
+            <pc:docMk/>
+            <pc:sldMk cId="1869608470" sldId="261"/>
+            <ac:spMk id="35" creationId="{83030214-227F-42DB-9282-BBA6AF8D94A8}"/>
+          </ac:spMkLst>
+        </pc:spChg>
+        <pc:spChg chg="add">
+          <ac:chgData name="Francis, Thomas" userId="2e7f689e-290c-4746-ba0f-274b885931e9" providerId="ADAL" clId="{E2F6CC62-A8FA-4CA3-B44E-705F9FC4EF55}" dt="2020-06-26T14:14:28.777" v="7365" actId="26606"/>
+          <ac:spMkLst>
+            <pc:docMk/>
+            <pc:sldMk cId="1869608470" sldId="261"/>
+            <ac:spMk id="36" creationId="{0D7A9289-BAD1-4A78-979F-A655C886DBF5}"/>
+          </ac:spMkLst>
+        </pc:spChg>
+        <pc:grpChg chg="add del">
+          <ac:chgData name="Francis, Thomas" userId="2e7f689e-290c-4746-ba0f-274b885931e9" providerId="ADAL" clId="{E2F6CC62-A8FA-4CA3-B44E-705F9FC4EF55}" dt="2020-06-26T14:14:28.772" v="7364" actId="26606"/>
+          <ac:grpSpMkLst>
+            <pc:docMk/>
+            <pc:sldMk cId="1869608470" sldId="261"/>
+            <ac:grpSpMk id="21" creationId="{5D2B17EF-74EB-4C33-B2E2-8E727B2E7D68}"/>
+          </ac:grpSpMkLst>
+        </pc:grpChg>
+        <pc:cxnChg chg="add del">
+          <ac:chgData name="Francis, Thomas" userId="2e7f689e-290c-4746-ba0f-274b885931e9" providerId="ADAL" clId="{E2F6CC62-A8FA-4CA3-B44E-705F9FC4EF55}" dt="2020-06-26T14:14:28.772" v="7364" actId="26606"/>
+          <ac:cxnSpMkLst>
+            <pc:docMk/>
+            <pc:sldMk cId="1869608470" sldId="261"/>
+            <ac:cxnSpMk id="19" creationId="{27EBB3F9-D6F7-4F6A-8843-9FEBA15E4969}"/>
+          </ac:cxnSpMkLst>
+        </pc:cxnChg>
       </pc:sldChg>
-      <pc:sldChg chg="modSp add">
-        <pc:chgData name="Francis, Thomas" userId="2e7f689e-290c-4746-ba0f-274b885931e9" providerId="ADAL" clId="{E2F6CC62-A8FA-4CA3-B44E-705F9FC4EF55}" dt="2020-06-24T19:48:34.940" v="5590" actId="20577"/>
+      <pc:sldChg chg="addSp modSp add mod setBg">
+        <pc:chgData name="Francis, Thomas" userId="2e7f689e-290c-4746-ba0f-274b885931e9" providerId="ADAL" clId="{E2F6CC62-A8FA-4CA3-B44E-705F9FC4EF55}" dt="2020-06-26T14:35:18.500" v="7459" actId="122"/>
         <pc:sldMkLst>
           <pc:docMk/>
           <pc:sldMk cId="3390689853" sldId="262"/>
         </pc:sldMkLst>
         <pc:spChg chg="mod">
-          <ac:chgData name="Francis, Thomas" userId="2e7f689e-290c-4746-ba0f-274b885931e9" providerId="ADAL" clId="{E2F6CC62-A8FA-4CA3-B44E-705F9FC4EF55}" dt="2020-06-24T19:48:34.940" v="5590" actId="20577"/>
+          <ac:chgData name="Francis, Thomas" userId="2e7f689e-290c-4746-ba0f-274b885931e9" providerId="ADAL" clId="{E2F6CC62-A8FA-4CA3-B44E-705F9FC4EF55}" dt="2020-06-26T14:35:18.500" v="7459" actId="122"/>
+          <ac:spMkLst>
+            <pc:docMk/>
+            <pc:sldMk cId="3390689853" sldId="262"/>
+            <ac:spMk id="2" creationId="{B8AD46B9-84F6-4361-8E76-6BAFE815FFC1}"/>
+          </ac:spMkLst>
+        </pc:spChg>
+        <pc:spChg chg="mod">
+          <ac:chgData name="Francis, Thomas" userId="2e7f689e-290c-4746-ba0f-274b885931e9" providerId="ADAL" clId="{E2F6CC62-A8FA-4CA3-B44E-705F9FC4EF55}" dt="2020-06-26T14:14:21.062" v="7362" actId="26606"/>
           <ac:spMkLst>
             <pc:docMk/>
             <pc:sldMk cId="3390689853" sldId="262"/>
             <ac:spMk id="3" creationId="{69F4B873-5DDA-4F2C-8891-E4BC94C1F90B}"/>
           </ac:spMkLst>
         </pc:spChg>
+        <pc:spChg chg="add">
+          <ac:chgData name="Francis, Thomas" userId="2e7f689e-290c-4746-ba0f-274b885931e9" providerId="ADAL" clId="{E2F6CC62-A8FA-4CA3-B44E-705F9FC4EF55}" dt="2020-06-26T14:14:21.062" v="7362" actId="26606"/>
+          <ac:spMkLst>
+            <pc:docMk/>
+            <pc:sldMk cId="3390689853" sldId="262"/>
+            <ac:spMk id="8" creationId="{CD306B45-25EE-434D-ABA9-A27B79320CFF}"/>
+          </ac:spMkLst>
+        </pc:spChg>
+        <pc:spChg chg="add">
+          <ac:chgData name="Francis, Thomas" userId="2e7f689e-290c-4746-ba0f-274b885931e9" providerId="ADAL" clId="{E2F6CC62-A8FA-4CA3-B44E-705F9FC4EF55}" dt="2020-06-26T14:14:21.062" v="7362" actId="26606"/>
+          <ac:spMkLst>
+            <pc:docMk/>
+            <pc:sldMk cId="3390689853" sldId="262"/>
+            <ac:spMk id="10" creationId="{0A42F85E-4939-431E-8B4A-EC07C8E0AB65}"/>
+          </ac:spMkLst>
+        </pc:spChg>
+        <pc:grpChg chg="add">
+          <ac:chgData name="Francis, Thomas" userId="2e7f689e-290c-4746-ba0f-274b885931e9" providerId="ADAL" clId="{E2F6CC62-A8FA-4CA3-B44E-705F9FC4EF55}" dt="2020-06-26T14:14:21.062" v="7362" actId="26606"/>
+          <ac:grpSpMkLst>
+            <pc:docMk/>
+            <pc:sldMk cId="3390689853" sldId="262"/>
+            <ac:grpSpMk id="14" creationId="{5D2B17EF-74EB-4C33-B2E2-8E727B2E7D68}"/>
+          </ac:grpSpMkLst>
+        </pc:grpChg>
+        <pc:cxnChg chg="add">
+          <ac:chgData name="Francis, Thomas" userId="2e7f689e-290c-4746-ba0f-274b885931e9" providerId="ADAL" clId="{E2F6CC62-A8FA-4CA3-B44E-705F9FC4EF55}" dt="2020-06-26T14:14:21.062" v="7362" actId="26606"/>
+          <ac:cxnSpMkLst>
+            <pc:docMk/>
+            <pc:sldMk cId="3390689853" sldId="262"/>
+            <ac:cxnSpMk id="12" creationId="{27EBB3F9-D6F7-4F6A-8843-9FEBA15E4969}"/>
+          </ac:cxnSpMkLst>
+        </pc:cxnChg>
       </pc:sldChg>
-      <pc:sldChg chg="modSp add">
-        <pc:chgData name="Francis, Thomas" userId="2e7f689e-290c-4746-ba0f-274b885931e9" providerId="ADAL" clId="{E2F6CC62-A8FA-4CA3-B44E-705F9FC4EF55}" dt="2020-06-24T19:51:17.084" v="5689" actId="20577"/>
+      <pc:sldChg chg="addSp delSp modSp add mod setBg">
+        <pc:chgData name="Francis, Thomas" userId="2e7f689e-290c-4746-ba0f-274b885931e9" providerId="ADAL" clId="{E2F6CC62-A8FA-4CA3-B44E-705F9FC4EF55}" dt="2020-06-26T14:14:52.126" v="7369" actId="122"/>
         <pc:sldMkLst>
           <pc:docMk/>
           <pc:sldMk cId="3588991441" sldId="263"/>
         </pc:sldMkLst>
         <pc:spChg chg="mod">
-          <ac:chgData name="Francis, Thomas" userId="2e7f689e-290c-4746-ba0f-274b885931e9" providerId="ADAL" clId="{E2F6CC62-A8FA-4CA3-B44E-705F9FC4EF55}" dt="2020-06-24T19:51:17.084" v="5689" actId="20577"/>
+          <ac:chgData name="Francis, Thomas" userId="2e7f689e-290c-4746-ba0f-274b885931e9" providerId="ADAL" clId="{E2F6CC62-A8FA-4CA3-B44E-705F9FC4EF55}" dt="2020-06-26T14:14:52.126" v="7369" actId="122"/>
+          <ac:spMkLst>
+            <pc:docMk/>
+            <pc:sldMk cId="3588991441" sldId="263"/>
+            <ac:spMk id="2" creationId="{04CED4E4-98F4-4D9F-B822-03E91F005E9C}"/>
+          </ac:spMkLst>
+        </pc:spChg>
+        <pc:spChg chg="mod">
+          <ac:chgData name="Francis, Thomas" userId="2e7f689e-290c-4746-ba0f-274b885931e9" providerId="ADAL" clId="{E2F6CC62-A8FA-4CA3-B44E-705F9FC4EF55}" dt="2020-06-26T14:14:44.044" v="7368" actId="26606"/>
           <ac:spMkLst>
             <pc:docMk/>
             <pc:sldMk cId="3588991441" sldId="263"/>
             <ac:spMk id="3" creationId="{38614445-E97F-4EB7-A9CF-27D818C15CC8}"/>
           </ac:spMkLst>
         </pc:spChg>
+        <pc:spChg chg="add del">
+          <ac:chgData name="Francis, Thomas" userId="2e7f689e-290c-4746-ba0f-274b885931e9" providerId="ADAL" clId="{E2F6CC62-A8FA-4CA3-B44E-705F9FC4EF55}" dt="2020-06-26T14:14:44.044" v="7367" actId="26606"/>
+          <ac:spMkLst>
+            <pc:docMk/>
+            <pc:sldMk cId="3588991441" sldId="263"/>
+            <ac:spMk id="8" creationId="{CD306B45-25EE-434D-ABA9-A27B79320CFF}"/>
+          </ac:spMkLst>
+        </pc:spChg>
+        <pc:spChg chg="add del">
+          <ac:chgData name="Francis, Thomas" userId="2e7f689e-290c-4746-ba0f-274b885931e9" providerId="ADAL" clId="{E2F6CC62-A8FA-4CA3-B44E-705F9FC4EF55}" dt="2020-06-26T14:14:44.044" v="7367" actId="26606"/>
+          <ac:spMkLst>
+            <pc:docMk/>
+            <pc:sldMk cId="3588991441" sldId="263"/>
+            <ac:spMk id="10" creationId="{0A42F85E-4939-431E-8B4A-EC07C8E0AB65}"/>
+          </ac:spMkLst>
+        </pc:spChg>
+        <pc:spChg chg="add">
+          <ac:chgData name="Francis, Thomas" userId="2e7f689e-290c-4746-ba0f-274b885931e9" providerId="ADAL" clId="{E2F6CC62-A8FA-4CA3-B44E-705F9FC4EF55}" dt="2020-06-26T14:14:44.044" v="7368" actId="26606"/>
+          <ac:spMkLst>
+            <pc:docMk/>
+            <pc:sldMk cId="3588991441" sldId="263"/>
+            <ac:spMk id="28" creationId="{83030214-227F-42DB-9282-BBA6AF8D94A8}"/>
+          </ac:spMkLst>
+        </pc:spChg>
+        <pc:spChg chg="add">
+          <ac:chgData name="Francis, Thomas" userId="2e7f689e-290c-4746-ba0f-274b885931e9" providerId="ADAL" clId="{E2F6CC62-A8FA-4CA3-B44E-705F9FC4EF55}" dt="2020-06-26T14:14:44.044" v="7368" actId="26606"/>
+          <ac:spMkLst>
+            <pc:docMk/>
+            <pc:sldMk cId="3588991441" sldId="263"/>
+            <ac:spMk id="29" creationId="{0D7A9289-BAD1-4A78-979F-A655C886DBF5}"/>
+          </ac:spMkLst>
+        </pc:spChg>
+        <pc:grpChg chg="add del">
+          <ac:chgData name="Francis, Thomas" userId="2e7f689e-290c-4746-ba0f-274b885931e9" providerId="ADAL" clId="{E2F6CC62-A8FA-4CA3-B44E-705F9FC4EF55}" dt="2020-06-26T14:14:44.044" v="7367" actId="26606"/>
+          <ac:grpSpMkLst>
+            <pc:docMk/>
+            <pc:sldMk cId="3588991441" sldId="263"/>
+            <ac:grpSpMk id="14" creationId="{5D2B17EF-74EB-4C33-B2E2-8E727B2E7D68}"/>
+          </ac:grpSpMkLst>
+        </pc:grpChg>
+        <pc:cxnChg chg="add del">
+          <ac:chgData name="Francis, Thomas" userId="2e7f689e-290c-4746-ba0f-274b885931e9" providerId="ADAL" clId="{E2F6CC62-A8FA-4CA3-B44E-705F9FC4EF55}" dt="2020-06-26T14:14:44.044" v="7367" actId="26606"/>
+          <ac:cxnSpMkLst>
+            <pc:docMk/>
+            <pc:sldMk cId="3588991441" sldId="263"/>
+            <ac:cxnSpMk id="12" creationId="{27EBB3F9-D6F7-4F6A-8843-9FEBA15E4969}"/>
+          </ac:cxnSpMkLst>
+        </pc:cxnChg>
       </pc:sldChg>
       <pc:sldChg chg="addSp modSp add mod setBg">
-        <pc:chgData name="Francis, Thomas" userId="2e7f689e-290c-4746-ba0f-274b885931e9" providerId="ADAL" clId="{E2F6CC62-A8FA-4CA3-B44E-705F9FC4EF55}" dt="2020-06-25T14:20:15.198" v="6795" actId="20577"/>
+        <pc:chgData name="Francis, Thomas" userId="2e7f689e-290c-4746-ba0f-274b885931e9" providerId="ADAL" clId="{E2F6CC62-A8FA-4CA3-B44E-705F9FC4EF55}" dt="2020-06-26T14:13:47.826" v="7360" actId="20577"/>
         <pc:sldMkLst>
           <pc:docMk/>
           <pc:sldMk cId="2857083325" sldId="264"/>
         </pc:sldMkLst>
         <pc:spChg chg="mod">
-          <ac:chgData name="Francis, Thomas" userId="2e7f689e-290c-4746-ba0f-274b885931e9" providerId="ADAL" clId="{E2F6CC62-A8FA-4CA3-B44E-705F9FC4EF55}" dt="2020-06-25T14:20:15.198" v="6795" actId="20577"/>
+          <ac:chgData name="Francis, Thomas" userId="2e7f689e-290c-4746-ba0f-274b885931e9" providerId="ADAL" clId="{E2F6CC62-A8FA-4CA3-B44E-705F9FC4EF55}" dt="2020-06-26T14:13:47.826" v="7360" actId="20577"/>
           <ac:spMkLst>
             <pc:docMk/>
             <pc:sldMk cId="2857083325" sldId="264"/>
@@ -476,13 +660,13 @@
         </pc:cxnChg>
       </pc:sldChg>
       <pc:sldChg chg="addSp modSp add mod setBg">
-        <pc:chgData name="Francis, Thomas" userId="2e7f689e-290c-4746-ba0f-274b885931e9" providerId="ADAL" clId="{E2F6CC62-A8FA-4CA3-B44E-705F9FC4EF55}" dt="2020-06-25T14:24:15.235" v="6915" actId="20577"/>
+        <pc:chgData name="Francis, Thomas" userId="2e7f689e-290c-4746-ba0f-274b885931e9" providerId="ADAL" clId="{E2F6CC62-A8FA-4CA3-B44E-705F9FC4EF55}" dt="2020-06-26T14:09:49.458" v="7338" actId="20577"/>
         <pc:sldMkLst>
           <pc:docMk/>
           <pc:sldMk cId="2268850528" sldId="267"/>
         </pc:sldMkLst>
         <pc:spChg chg="mod">
-          <ac:chgData name="Francis, Thomas" userId="2e7f689e-290c-4746-ba0f-274b885931e9" providerId="ADAL" clId="{E2F6CC62-A8FA-4CA3-B44E-705F9FC4EF55}" dt="2020-06-25T13:45:01.758" v="5901" actId="122"/>
+          <ac:chgData name="Francis, Thomas" userId="2e7f689e-290c-4746-ba0f-274b885931e9" providerId="ADAL" clId="{E2F6CC62-A8FA-4CA3-B44E-705F9FC4EF55}" dt="2020-06-26T14:09:49.458" v="7338" actId="20577"/>
           <ac:spMkLst>
             <pc:docMk/>
             <pc:sldMk cId="2268850528" sldId="267"/>
@@ -490,7 +674,7 @@
           </ac:spMkLst>
         </pc:spChg>
         <pc:spChg chg="mod">
-          <ac:chgData name="Francis, Thomas" userId="2e7f689e-290c-4746-ba0f-274b885931e9" providerId="ADAL" clId="{E2F6CC62-A8FA-4CA3-B44E-705F9FC4EF55}" dt="2020-06-25T14:24:15.235" v="6915" actId="20577"/>
+          <ac:chgData name="Francis, Thomas" userId="2e7f689e-290c-4746-ba0f-274b885931e9" providerId="ADAL" clId="{E2F6CC62-A8FA-4CA3-B44E-705F9FC4EF55}" dt="2020-06-26T14:02:06.939" v="7295" actId="20577"/>
           <ac:spMkLst>
             <pc:docMk/>
             <pc:sldMk cId="2268850528" sldId="267"/>
@@ -531,13 +715,13 @@
         </pc:cxnChg>
       </pc:sldChg>
       <pc:sldChg chg="addSp modSp add mod setBg">
-        <pc:chgData name="Francis, Thomas" userId="2e7f689e-290c-4746-ba0f-274b885931e9" providerId="ADAL" clId="{E2F6CC62-A8FA-4CA3-B44E-705F9FC4EF55}" dt="2020-06-25T14:24:55.399" v="6917" actId="20577"/>
+        <pc:chgData name="Francis, Thomas" userId="2e7f689e-290c-4746-ba0f-274b885931e9" providerId="ADAL" clId="{E2F6CC62-A8FA-4CA3-B44E-705F9FC4EF55}" dt="2020-06-26T14:05:44.980" v="7328" actId="122"/>
         <pc:sldMkLst>
           <pc:docMk/>
           <pc:sldMk cId="1372409126" sldId="268"/>
         </pc:sldMkLst>
         <pc:spChg chg="mod">
-          <ac:chgData name="Francis, Thomas" userId="2e7f689e-290c-4746-ba0f-274b885931e9" providerId="ADAL" clId="{E2F6CC62-A8FA-4CA3-B44E-705F9FC4EF55}" dt="2020-06-25T13:44:26.264" v="5896" actId="20577"/>
+          <ac:chgData name="Francis, Thomas" userId="2e7f689e-290c-4746-ba0f-274b885931e9" providerId="ADAL" clId="{E2F6CC62-A8FA-4CA3-B44E-705F9FC4EF55}" dt="2020-06-26T14:05:44.980" v="7328" actId="122"/>
           <ac:spMkLst>
             <pc:docMk/>
             <pc:sldMk cId="1372409126" sldId="268"/>
@@ -624,13 +808,13 @@
         </pc:spChg>
       </pc:sldChg>
       <pc:sldChg chg="addSp modSp add mod setBg">
-        <pc:chgData name="Francis, Thomas" userId="2e7f689e-290c-4746-ba0f-274b885931e9" providerId="ADAL" clId="{E2F6CC62-A8FA-4CA3-B44E-705F9FC4EF55}" dt="2020-06-25T14:08:09.037" v="6748" actId="20577"/>
+        <pc:chgData name="Francis, Thomas" userId="2e7f689e-290c-4746-ba0f-274b885931e9" providerId="ADAL" clId="{E2F6CC62-A8FA-4CA3-B44E-705F9FC4EF55}" dt="2020-06-26T14:05:55.672" v="7329" actId="122"/>
         <pc:sldMkLst>
           <pc:docMk/>
           <pc:sldMk cId="3084942385" sldId="270"/>
         </pc:sldMkLst>
         <pc:spChg chg="mod">
-          <ac:chgData name="Francis, Thomas" userId="2e7f689e-290c-4746-ba0f-274b885931e9" providerId="ADAL" clId="{E2F6CC62-A8FA-4CA3-B44E-705F9FC4EF55}" dt="2020-06-25T13:44:03.382" v="5892" actId="26606"/>
+          <ac:chgData name="Francis, Thomas" userId="2e7f689e-290c-4746-ba0f-274b885931e9" providerId="ADAL" clId="{E2F6CC62-A8FA-4CA3-B44E-705F9FC4EF55}" dt="2020-06-26T14:05:55.672" v="7329" actId="122"/>
           <ac:spMkLst>
             <pc:docMk/>
             <pc:sldMk cId="3084942385" sldId="270"/>
@@ -679,13 +863,13 @@
         </pc:cxnChg>
       </pc:sldChg>
       <pc:sldChg chg="addSp modSp add mod setBg">
-        <pc:chgData name="Francis, Thomas" userId="2e7f689e-290c-4746-ba0f-274b885931e9" providerId="ADAL" clId="{E2F6CC62-A8FA-4CA3-B44E-705F9FC4EF55}" dt="2020-06-25T14:16:34.776" v="6779" actId="20577"/>
+        <pc:chgData name="Francis, Thomas" userId="2e7f689e-290c-4746-ba0f-274b885931e9" providerId="ADAL" clId="{E2F6CC62-A8FA-4CA3-B44E-705F9FC4EF55}" dt="2020-06-26T14:06:05.923" v="7330" actId="122"/>
         <pc:sldMkLst>
           <pc:docMk/>
           <pc:sldMk cId="2554370827" sldId="271"/>
         </pc:sldMkLst>
         <pc:spChg chg="mod">
-          <ac:chgData name="Francis, Thomas" userId="2e7f689e-290c-4746-ba0f-274b885931e9" providerId="ADAL" clId="{E2F6CC62-A8FA-4CA3-B44E-705F9FC4EF55}" dt="2020-06-25T13:43:56.013" v="5891" actId="26606"/>
+          <ac:chgData name="Francis, Thomas" userId="2e7f689e-290c-4746-ba0f-274b885931e9" providerId="ADAL" clId="{E2F6CC62-A8FA-4CA3-B44E-705F9FC4EF55}" dt="2020-06-26T14:06:05.923" v="7330" actId="122"/>
           <ac:spMkLst>
             <pc:docMk/>
             <pc:sldMk cId="2554370827" sldId="271"/>
@@ -749,13 +933,13 @@
         </pc:spChg>
       </pc:sldChg>
       <pc:sldChg chg="addSp modSp add mod setBg">
-        <pc:chgData name="Francis, Thomas" userId="2e7f689e-290c-4746-ba0f-274b885931e9" providerId="ADAL" clId="{E2F6CC62-A8FA-4CA3-B44E-705F9FC4EF55}" dt="2020-06-25T14:26:30.736" v="6966" actId="20577"/>
+        <pc:chgData name="Francis, Thomas" userId="2e7f689e-290c-4746-ba0f-274b885931e9" providerId="ADAL" clId="{E2F6CC62-A8FA-4CA3-B44E-705F9FC4EF55}" dt="2020-06-26T14:10:22.944" v="7340" actId="20577"/>
         <pc:sldMkLst>
           <pc:docMk/>
           <pc:sldMk cId="3166939221" sldId="273"/>
         </pc:sldMkLst>
         <pc:spChg chg="mod">
-          <ac:chgData name="Francis, Thomas" userId="2e7f689e-290c-4746-ba0f-274b885931e9" providerId="ADAL" clId="{E2F6CC62-A8FA-4CA3-B44E-705F9FC4EF55}" dt="2020-06-25T14:25:37.031" v="6918" actId="122"/>
+          <ac:chgData name="Francis, Thomas" userId="2e7f689e-290c-4746-ba0f-274b885931e9" providerId="ADAL" clId="{E2F6CC62-A8FA-4CA3-B44E-705F9FC4EF55}" dt="2020-06-26T14:10:22.944" v="7340" actId="20577"/>
           <ac:spMkLst>
             <pc:docMk/>
             <pc:sldMk cId="3166939221" sldId="273"/>
@@ -804,13 +988,13 @@
         </pc:cxnChg>
       </pc:sldChg>
       <pc:sldChg chg="modSp add">
-        <pc:chgData name="Francis, Thomas" userId="2e7f689e-290c-4746-ba0f-274b885931e9" providerId="ADAL" clId="{E2F6CC62-A8FA-4CA3-B44E-705F9FC4EF55}" dt="2020-06-24T19:51:51.960" v="5696" actId="20577"/>
+        <pc:chgData name="Francis, Thomas" userId="2e7f689e-290c-4746-ba0f-274b885931e9" providerId="ADAL" clId="{E2F6CC62-A8FA-4CA3-B44E-705F9FC4EF55}" dt="2020-06-26T14:39:48.126" v="7528" actId="20577"/>
         <pc:sldMkLst>
           <pc:docMk/>
           <pc:sldMk cId="802107649" sldId="274"/>
         </pc:sldMkLst>
         <pc:spChg chg="mod">
-          <ac:chgData name="Francis, Thomas" userId="2e7f689e-290c-4746-ba0f-274b885931e9" providerId="ADAL" clId="{E2F6CC62-A8FA-4CA3-B44E-705F9FC4EF55}" dt="2020-06-24T15:29:40.411" v="1186" actId="20577"/>
+          <ac:chgData name="Francis, Thomas" userId="2e7f689e-290c-4746-ba0f-274b885931e9" providerId="ADAL" clId="{E2F6CC62-A8FA-4CA3-B44E-705F9FC4EF55}" dt="2020-06-26T14:15:30.689" v="7400" actId="20577"/>
           <ac:spMkLst>
             <pc:docMk/>
             <pc:sldMk cId="802107649" sldId="274"/>
@@ -818,7 +1002,7 @@
           </ac:spMkLst>
         </pc:spChg>
         <pc:spChg chg="mod">
-          <ac:chgData name="Francis, Thomas" userId="2e7f689e-290c-4746-ba0f-274b885931e9" providerId="ADAL" clId="{E2F6CC62-A8FA-4CA3-B44E-705F9FC4EF55}" dt="2020-06-24T19:51:51.960" v="5696" actId="20577"/>
+          <ac:chgData name="Francis, Thomas" userId="2e7f689e-290c-4746-ba0f-274b885931e9" providerId="ADAL" clId="{E2F6CC62-A8FA-4CA3-B44E-705F9FC4EF55}" dt="2020-06-26T14:39:48.126" v="7528" actId="20577"/>
           <ac:spMkLst>
             <pc:docMk/>
             <pc:sldMk cId="802107649" sldId="274"/>
@@ -850,13 +1034,13 @@
         </pc:spChg>
       </pc:sldChg>
       <pc:sldChg chg="addSp delSp modSp add mod setBg setClrOvrMap">
-        <pc:chgData name="Francis, Thomas" userId="2e7f689e-290c-4746-ba0f-274b885931e9" providerId="ADAL" clId="{E2F6CC62-A8FA-4CA3-B44E-705F9FC4EF55}" dt="2020-06-24T18:26:38.504" v="3842" actId="5793"/>
+        <pc:chgData name="Francis, Thomas" userId="2e7f689e-290c-4746-ba0f-274b885931e9" providerId="ADAL" clId="{E2F6CC62-A8FA-4CA3-B44E-705F9FC4EF55}" dt="2020-06-26T14:12:25.165" v="7348" actId="20577"/>
         <pc:sldMkLst>
           <pc:docMk/>
           <pc:sldMk cId="3591367428" sldId="276"/>
         </pc:sldMkLst>
         <pc:spChg chg="mod">
-          <ac:chgData name="Francis, Thomas" userId="2e7f689e-290c-4746-ba0f-274b885931e9" providerId="ADAL" clId="{E2F6CC62-A8FA-4CA3-B44E-705F9FC4EF55}" dt="2020-06-24T18:26:19.105" v="3833" actId="26606"/>
+          <ac:chgData name="Francis, Thomas" userId="2e7f689e-290c-4746-ba0f-274b885931e9" providerId="ADAL" clId="{E2F6CC62-A8FA-4CA3-B44E-705F9FC4EF55}" dt="2020-06-26T14:12:25.165" v="7348" actId="20577"/>
           <ac:spMkLst>
             <pc:docMk/>
             <pc:sldMk cId="3591367428" sldId="276"/>
@@ -864,7 +1048,7 @@
           </ac:spMkLst>
         </pc:spChg>
         <pc:spChg chg="mod">
-          <ac:chgData name="Francis, Thomas" userId="2e7f689e-290c-4746-ba0f-274b885931e9" providerId="ADAL" clId="{E2F6CC62-A8FA-4CA3-B44E-705F9FC4EF55}" dt="2020-06-24T18:26:38.504" v="3842" actId="5793"/>
+          <ac:chgData name="Francis, Thomas" userId="2e7f689e-290c-4746-ba0f-274b885931e9" providerId="ADAL" clId="{E2F6CC62-A8FA-4CA3-B44E-705F9FC4EF55}" dt="2020-06-26T14:08:33.815" v="7337" actId="20577"/>
           <ac:spMkLst>
             <pc:docMk/>
             <pc:sldMk cId="3591367428" sldId="276"/>
@@ -929,7 +1113,7 @@
         </pc:picChg>
       </pc:sldChg>
       <pc:sldChg chg="modSp add">
-        <pc:chgData name="Francis, Thomas" userId="2e7f689e-290c-4746-ba0f-274b885931e9" providerId="ADAL" clId="{E2F6CC62-A8FA-4CA3-B44E-705F9FC4EF55}" dt="2020-06-25T14:33:34.841" v="6970" actId="20577"/>
+        <pc:chgData name="Francis, Thomas" userId="2e7f689e-290c-4746-ba0f-274b885931e9" providerId="ADAL" clId="{E2F6CC62-A8FA-4CA3-B44E-705F9FC4EF55}" dt="2020-06-26T13:46:12.852" v="7233" actId="403"/>
         <pc:sldMkLst>
           <pc:docMk/>
           <pc:sldMk cId="923092625" sldId="277"/>
@@ -943,7 +1127,7 @@
           </ac:spMkLst>
         </pc:spChg>
         <pc:spChg chg="mod">
-          <ac:chgData name="Francis, Thomas" userId="2e7f689e-290c-4746-ba0f-274b885931e9" providerId="ADAL" clId="{E2F6CC62-A8FA-4CA3-B44E-705F9FC4EF55}" dt="2020-06-24T18:35:52.693" v="4045" actId="20577"/>
+          <ac:chgData name="Francis, Thomas" userId="2e7f689e-290c-4746-ba0f-274b885931e9" providerId="ADAL" clId="{E2F6CC62-A8FA-4CA3-B44E-705F9FC4EF55}" dt="2020-06-26T13:46:12.852" v="7233" actId="403"/>
           <ac:spMkLst>
             <pc:docMk/>
             <pc:sldMk cId="923092625" sldId="277"/>
@@ -952,7 +1136,7 @@
         </pc:spChg>
       </pc:sldChg>
       <pc:sldChg chg="addSp delSp modSp add mod setBg">
-        <pc:chgData name="Francis, Thomas" userId="2e7f689e-290c-4746-ba0f-274b885931e9" providerId="ADAL" clId="{E2F6CC62-A8FA-4CA3-B44E-705F9FC4EF55}" dt="2020-06-25T15:04:28.984" v="7180" actId="1076"/>
+        <pc:chgData name="Francis, Thomas" userId="2e7f689e-290c-4746-ba0f-274b885931e9" providerId="ADAL" clId="{E2F6CC62-A8FA-4CA3-B44E-705F9FC4EF55}" dt="2020-06-26T14:11:05.567" v="7346" actId="1076"/>
         <pc:sldMkLst>
           <pc:docMk/>
           <pc:sldMk cId="1401021797" sldId="278"/>
@@ -974,7 +1158,7 @@
           </ac:spMkLst>
         </pc:spChg>
         <pc:spChg chg="add mod">
-          <ac:chgData name="Francis, Thomas" userId="2e7f689e-290c-4746-ba0f-274b885931e9" providerId="ADAL" clId="{E2F6CC62-A8FA-4CA3-B44E-705F9FC4EF55}" dt="2020-06-25T15:04:28.984" v="7180" actId="1076"/>
+          <ac:chgData name="Francis, Thomas" userId="2e7f689e-290c-4746-ba0f-274b885931e9" providerId="ADAL" clId="{E2F6CC62-A8FA-4CA3-B44E-705F9FC4EF55}" dt="2020-06-26T14:11:05.567" v="7346" actId="1076"/>
           <ac:spMkLst>
             <pc:docMk/>
             <pc:sldMk cId="1401021797" sldId="278"/>
@@ -1062,13 +1246,13 @@
         </pc:sldMkLst>
       </pc:sldChg>
       <pc:sldChg chg="addSp delSp modSp add">
-        <pc:chgData name="Francis, Thomas" userId="2e7f689e-290c-4746-ba0f-274b885931e9" providerId="ADAL" clId="{E2F6CC62-A8FA-4CA3-B44E-705F9FC4EF55}" dt="2020-06-25T15:01:21.002" v="7063" actId="20577"/>
+        <pc:chgData name="Francis, Thomas" userId="2e7f689e-290c-4746-ba0f-274b885931e9" providerId="ADAL" clId="{E2F6CC62-A8FA-4CA3-B44E-705F9FC4EF55}" dt="2020-06-26T14:17:21.856" v="7410" actId="20577"/>
         <pc:sldMkLst>
           <pc:docMk/>
           <pc:sldMk cId="4062344240" sldId="279"/>
         </pc:sldMkLst>
         <pc:spChg chg="mod">
-          <ac:chgData name="Francis, Thomas" userId="2e7f689e-290c-4746-ba0f-274b885931e9" providerId="ADAL" clId="{E2F6CC62-A8FA-4CA3-B44E-705F9FC4EF55}" dt="2020-06-25T13:51:30.601" v="5999" actId="20577"/>
+          <ac:chgData name="Francis, Thomas" userId="2e7f689e-290c-4746-ba0f-274b885931e9" providerId="ADAL" clId="{E2F6CC62-A8FA-4CA3-B44E-705F9FC4EF55}" dt="2020-06-26T14:17:21.856" v="7410" actId="20577"/>
           <ac:spMkLst>
             <pc:docMk/>
             <pc:sldMk cId="4062344240" sldId="279"/>
@@ -1236,6 +1420,61 @@
           </ac:cxnSpMkLst>
         </pc:cxnChg>
       </pc:sldChg>
+      <pc:sldChg chg="addSp modSp add del mod setBg">
+        <pc:chgData name="Francis, Thomas" userId="2e7f689e-290c-4746-ba0f-274b885931e9" providerId="ADAL" clId="{E2F6CC62-A8FA-4CA3-B44E-705F9FC4EF55}" dt="2020-06-26T14:21:09.668" v="7439" actId="2696"/>
+        <pc:sldMkLst>
+          <pc:docMk/>
+          <pc:sldMk cId="2403884977" sldId="280"/>
+        </pc:sldMkLst>
+        <pc:spChg chg="mod">
+          <ac:chgData name="Francis, Thomas" userId="2e7f689e-290c-4746-ba0f-274b885931e9" providerId="ADAL" clId="{E2F6CC62-A8FA-4CA3-B44E-705F9FC4EF55}" dt="2020-06-26T14:17:11.592" v="7402" actId="122"/>
+          <ac:spMkLst>
+            <pc:docMk/>
+            <pc:sldMk cId="2403884977" sldId="280"/>
+            <ac:spMk id="2" creationId="{48F33CF3-8778-4CC3-ADB9-773E84D6D10B}"/>
+          </ac:spMkLst>
+        </pc:spChg>
+        <pc:spChg chg="mod">
+          <ac:chgData name="Francis, Thomas" userId="2e7f689e-290c-4746-ba0f-274b885931e9" providerId="ADAL" clId="{E2F6CC62-A8FA-4CA3-B44E-705F9FC4EF55}" dt="2020-06-26T14:17:06.364" v="7401" actId="26606"/>
+          <ac:spMkLst>
+            <pc:docMk/>
+            <pc:sldMk cId="2403884977" sldId="280"/>
+            <ac:spMk id="3" creationId="{D4C39BB8-CB4E-4449-80BF-11C3A6D21232}"/>
+          </ac:spMkLst>
+        </pc:spChg>
+        <pc:spChg chg="add">
+          <ac:chgData name="Francis, Thomas" userId="2e7f689e-290c-4746-ba0f-274b885931e9" providerId="ADAL" clId="{E2F6CC62-A8FA-4CA3-B44E-705F9FC4EF55}" dt="2020-06-26T14:17:06.364" v="7401" actId="26606"/>
+          <ac:spMkLst>
+            <pc:docMk/>
+            <pc:sldMk cId="2403884977" sldId="280"/>
+            <ac:spMk id="8" creationId="{CD306B45-25EE-434D-ABA9-A27B79320CFF}"/>
+          </ac:spMkLst>
+        </pc:spChg>
+        <pc:spChg chg="add">
+          <ac:chgData name="Francis, Thomas" userId="2e7f689e-290c-4746-ba0f-274b885931e9" providerId="ADAL" clId="{E2F6CC62-A8FA-4CA3-B44E-705F9FC4EF55}" dt="2020-06-26T14:17:06.364" v="7401" actId="26606"/>
+          <ac:spMkLst>
+            <pc:docMk/>
+            <pc:sldMk cId="2403884977" sldId="280"/>
+            <ac:spMk id="10" creationId="{0A42F85E-4939-431E-8B4A-EC07C8E0AB65}"/>
+          </ac:spMkLst>
+        </pc:spChg>
+        <pc:grpChg chg="add">
+          <ac:chgData name="Francis, Thomas" userId="2e7f689e-290c-4746-ba0f-274b885931e9" providerId="ADAL" clId="{E2F6CC62-A8FA-4CA3-B44E-705F9FC4EF55}" dt="2020-06-26T14:17:06.364" v="7401" actId="26606"/>
+          <ac:grpSpMkLst>
+            <pc:docMk/>
+            <pc:sldMk cId="2403884977" sldId="280"/>
+            <ac:grpSpMk id="14" creationId="{5D2B17EF-74EB-4C33-B2E2-8E727B2E7D68}"/>
+          </ac:grpSpMkLst>
+        </pc:grpChg>
+        <pc:cxnChg chg="add">
+          <ac:chgData name="Francis, Thomas" userId="2e7f689e-290c-4746-ba0f-274b885931e9" providerId="ADAL" clId="{E2F6CC62-A8FA-4CA3-B44E-705F9FC4EF55}" dt="2020-06-26T14:17:06.364" v="7401" actId="26606"/>
+          <ac:cxnSpMkLst>
+            <pc:docMk/>
+            <pc:sldMk cId="2403884977" sldId="280"/>
+            <ac:cxnSpMk id="12" creationId="{27EBB3F9-D6F7-4F6A-8843-9FEBA15E4969}"/>
+          </ac:cxnSpMkLst>
+        </pc:cxnChg>
+      </pc:sldChg>
     </pc:docChg>
   </pc:docChgLst>
   <pc:docChgLst>
@@ -1536,7 +1775,7 @@
             <a:fld id="{B61BEF0D-F0BB-DE4B-95CE-6DB70DBA9567}" type="datetimeFigureOut">
               <a:rPr lang="en-US" dirty="0"/>
               <a:pPr/>
-              <a:t>6/25/2020</a:t>
+              <a:t>6/26/2020</a:t>
             </a:fld>
             <a:endParaRPr lang="en-US" dirty="0"/>
           </a:p>
@@ -1871,7 +2110,7 @@
             <a:fld id="{B61BEF0D-F0BB-DE4B-95CE-6DB70DBA9567}" type="datetimeFigureOut">
               <a:rPr lang="en-US" dirty="0"/>
               <a:pPr/>
-              <a:t>6/25/2020</a:t>
+              <a:t>6/26/2020</a:t>
             </a:fld>
             <a:endParaRPr lang="en-US" dirty="0"/>
           </a:p>
@@ -2269,7 +2508,7 @@
             <a:fld id="{B61BEF0D-F0BB-DE4B-95CE-6DB70DBA9567}" type="datetimeFigureOut">
               <a:rPr lang="en-US" dirty="0"/>
               <a:pPr/>
-              <a:t>6/25/2020</a:t>
+              <a:t>6/26/2020</a:t>
             </a:fld>
             <a:endParaRPr lang="en-US" dirty="0"/>
           </a:p>
@@ -2601,7 +2840,7 @@
             <a:fld id="{B61BEF0D-F0BB-DE4B-95CE-6DB70DBA9567}" type="datetimeFigureOut">
               <a:rPr lang="en-US" dirty="0"/>
               <a:pPr/>
-              <a:t>6/25/2020</a:t>
+              <a:t>6/26/2020</a:t>
             </a:fld>
             <a:endParaRPr lang="en-US" dirty="0"/>
           </a:p>
@@ -2918,7 +3157,7 @@
             <a:fld id="{B61BEF0D-F0BB-DE4B-95CE-6DB70DBA9567}" type="datetimeFigureOut">
               <a:rPr lang="en-US" dirty="0"/>
               <a:pPr/>
-              <a:t>6/25/2020</a:t>
+              <a:t>6/26/2020</a:t>
             </a:fld>
             <a:endParaRPr lang="en-US" dirty="0"/>
           </a:p>
@@ -3311,7 +3550,7 @@
             <a:fld id="{B61BEF0D-F0BB-DE4B-95CE-6DB70DBA9567}" type="datetimeFigureOut">
               <a:rPr lang="en-US" dirty="0"/>
               <a:pPr/>
-              <a:t>6/25/2020</a:t>
+              <a:t>6/26/2020</a:t>
             </a:fld>
             <a:endParaRPr lang="en-US" dirty="0"/>
           </a:p>
@@ -3565,7 +3804,7 @@
             <a:fld id="{B61BEF0D-F0BB-DE4B-95CE-6DB70DBA9567}" type="datetimeFigureOut">
               <a:rPr lang="en-US" dirty="0"/>
               <a:pPr/>
-              <a:t>6/25/2020</a:t>
+              <a:t>6/26/2020</a:t>
             </a:fld>
             <a:endParaRPr lang="en-US" dirty="0"/>
           </a:p>
@@ -3824,7 +4063,7 @@
             <a:fld id="{B61BEF0D-F0BB-DE4B-95CE-6DB70DBA9567}" type="datetimeFigureOut">
               <a:rPr lang="en-US" dirty="0"/>
               <a:pPr/>
-              <a:t>6/25/2020</a:t>
+              <a:t>6/26/2020</a:t>
             </a:fld>
             <a:endParaRPr lang="en-US" dirty="0"/>
           </a:p>
@@ -4083,7 +4322,7 @@
             <a:fld id="{B61BEF0D-F0BB-DE4B-95CE-6DB70DBA9567}" type="datetimeFigureOut">
               <a:rPr lang="en-US" dirty="0"/>
               <a:pPr/>
-              <a:t>6/25/2020</a:t>
+              <a:t>6/26/2020</a:t>
             </a:fld>
             <a:endParaRPr lang="en-US" dirty="0"/>
           </a:p>
@@ -4409,7 +4648,7 @@
             <a:fld id="{B61BEF0D-F0BB-DE4B-95CE-6DB70DBA9567}" type="datetimeFigureOut">
               <a:rPr lang="en-US" dirty="0"/>
               <a:pPr/>
-              <a:t>6/25/2020</a:t>
+              <a:t>6/26/2020</a:t>
             </a:fld>
             <a:endParaRPr lang="en-US" dirty="0"/>
           </a:p>
@@ -4729,7 +4968,7 @@
             <a:fld id="{B61BEF0D-F0BB-DE4B-95CE-6DB70DBA9567}" type="datetimeFigureOut">
               <a:rPr lang="en-US" dirty="0"/>
               <a:pPr/>
-              <a:t>6/25/2020</a:t>
+              <a:t>6/26/2020</a:t>
             </a:fld>
             <a:endParaRPr lang="en-US" dirty="0"/>
           </a:p>
@@ -5183,7 +5422,7 @@
             <a:fld id="{B61BEF0D-F0BB-DE4B-95CE-6DB70DBA9567}" type="datetimeFigureOut">
               <a:rPr lang="en-US" dirty="0"/>
               <a:pPr/>
-              <a:t>6/25/2020</a:t>
+              <a:t>6/26/2020</a:t>
             </a:fld>
             <a:endParaRPr lang="en-US" dirty="0"/>
           </a:p>
@@ -5385,7 +5624,7 @@
             <a:fld id="{B61BEF0D-F0BB-DE4B-95CE-6DB70DBA9567}" type="datetimeFigureOut">
               <a:rPr lang="en-US" dirty="0"/>
               <a:pPr/>
-              <a:t>6/25/2020</a:t>
+              <a:t>6/26/2020</a:t>
             </a:fld>
             <a:endParaRPr lang="en-US" dirty="0"/>
           </a:p>
@@ -5559,7 +5798,7 @@
             <a:fld id="{B61BEF0D-F0BB-DE4B-95CE-6DB70DBA9567}" type="datetimeFigureOut">
               <a:rPr lang="en-US" dirty="0"/>
               <a:pPr/>
-              <a:t>6/25/2020</a:t>
+              <a:t>6/26/2020</a:t>
             </a:fld>
             <a:endParaRPr lang="en-US" dirty="0"/>
           </a:p>
@@ -5889,7 +6128,7 @@
             <a:fld id="{B61BEF0D-F0BB-DE4B-95CE-6DB70DBA9567}" type="datetimeFigureOut">
               <a:rPr lang="en-US" dirty="0"/>
               <a:pPr/>
-              <a:t>6/25/2020</a:t>
+              <a:t>6/26/2020</a:t>
             </a:fld>
             <a:endParaRPr lang="en-US" dirty="0"/>
           </a:p>
@@ -6231,7 +6470,7 @@
             <a:fld id="{B61BEF0D-F0BB-DE4B-95CE-6DB70DBA9567}" type="datetimeFigureOut">
               <a:rPr lang="en-US" dirty="0"/>
               <a:pPr/>
-              <a:t>6/25/2020</a:t>
+              <a:t>6/26/2020</a:t>
             </a:fld>
             <a:endParaRPr lang="en-US" dirty="0"/>
           </a:p>
@@ -8345,7 +8584,7 @@
             <a:fld id="{B61BEF0D-F0BB-DE4B-95CE-6DB70DBA9567}" type="datetimeFigureOut">
               <a:rPr lang="en-US" dirty="0"/>
               <a:pPr/>
-              <a:t>6/25/2020</a:t>
+              <a:t>6/26/2020</a:t>
             </a:fld>
             <a:endParaRPr lang="en-US" dirty="0"/>
           </a:p>
@@ -8935,6 +9174,32 @@
 <file path=ppt/slides/slide10.xml><?xml version="1.0" encoding="utf-8"?>
 <p:sld xmlns:a="http://schemas.openxmlformats.org/drawingml/2006/main" xmlns:r="http://schemas.openxmlformats.org/officeDocument/2006/relationships" xmlns:p="http://schemas.openxmlformats.org/presentationml/2006/main">
   <p:cSld>
+    <p:bg>
+      <p:bgPr>
+        <a:gradFill rotWithShape="1">
+          <a:gsLst>
+            <a:gs pos="0">
+              <a:schemeClr val="bg2">
+                <a:tint val="90000"/>
+                <a:satMod val="92000"/>
+                <a:lumMod val="120000"/>
+              </a:schemeClr>
+            </a:gs>
+            <a:gs pos="100000">
+              <a:schemeClr val="bg2">
+                <a:shade val="98000"/>
+                <a:satMod val="120000"/>
+                <a:lumMod val="98000"/>
+              </a:schemeClr>
+            </a:gs>
+          </a:gsLst>
+          <a:path path="circle">
+            <a:fillToRect l="50000" t="50000" r="100000" b="100000"/>
+          </a:path>
+        </a:gradFill>
+        <a:effectLst/>
+      </p:bgPr>
+    </p:bg>
     <p:spTree>
       <p:nvGrpSpPr>
         <p:cNvPr id="1" name=""/>
@@ -8951,6 +9216,69 @@
       </p:grpSpPr>
       <p:sp>
         <p:nvSpPr>
+          <p:cNvPr id="28" name="Rectangle 7">
+            <a:extLst>
+              <a:ext uri="{FF2B5EF4-FFF2-40B4-BE49-F238E27FC236}">
+                <a16:creationId xmlns:a16="http://schemas.microsoft.com/office/drawing/2014/main" id="{83030214-227F-42DB-9282-BBA6AF8D94A8}"/>
+              </a:ext>
+              <a:ext uri="{C183D7F6-B498-43B3-948B-1728B52AA6E4}">
+                <adec:decorative xmlns:adec="http://schemas.microsoft.com/office/drawing/2017/decorative" val="1"/>
+              </a:ext>
+            </a:extLst>
+          </p:cNvPr>
+          <p:cNvSpPr>
+            <a:spLocks noGrp="1" noRot="1" noChangeAspect="1" noMove="1" noResize="1" noEditPoints="1" noAdjustHandles="1" noChangeArrowheads="1" noChangeShapeType="1" noTextEdit="1"/>
+          </p:cNvSpPr>
+          <p:nvPr>
+            <p:extLst>
+              <p:ext uri="{386F3935-93C4-4BCD-93E2-E3B085C9AB24}">
+                <p16:designElem xmlns:p16="http://schemas.microsoft.com/office/powerpoint/2015/main" val="1"/>
+              </p:ext>
+            </p:extLst>
+          </p:nvPr>
+        </p:nvSpPr>
+        <p:spPr>
+          <a:xfrm>
+            <a:off x="1" y="0"/>
+            <a:ext cx="4654295" cy="6858000"/>
+          </a:xfrm>
+          <a:prstGeom prst="rect">
+            <a:avLst/>
+          </a:prstGeom>
+          <a:solidFill>
+            <a:schemeClr val="bg2"/>
+          </a:solidFill>
+          <a:ln>
+            <a:noFill/>
+          </a:ln>
+        </p:spPr>
+        <p:style>
+          <a:lnRef idx="2">
+            <a:schemeClr val="accent1">
+              <a:shade val="50000"/>
+            </a:schemeClr>
+          </a:lnRef>
+          <a:fillRef idx="1">
+            <a:schemeClr val="accent1"/>
+          </a:fillRef>
+          <a:effectRef idx="0">
+            <a:schemeClr val="accent1"/>
+          </a:effectRef>
+          <a:fontRef idx="minor">
+            <a:schemeClr val="lt1"/>
+          </a:fontRef>
+        </p:style>
+        <p:txBody>
+          <a:bodyPr rtlCol="0" anchor="ctr"/>
+          <a:lstStyle/>
+          <a:p>
+            <a:pPr algn="ctr"/>
+            <a:endParaRPr lang="en-US"/>
+          </a:p>
+        </p:txBody>
+      </p:sp>
+      <p:sp>
+        <p:nvSpPr>
           <p:cNvPr id="2" name="Title 1">
             <a:extLst>
               <a:ext uri="{FF2B5EF4-FFF2-40B4-BE49-F238E27FC236}">
@@ -8965,17 +9293,217 @@
             <p:ph type="title"/>
           </p:nvPr>
         </p:nvSpPr>
-        <p:spPr/>
+        <p:spPr>
+          <a:xfrm>
+            <a:off x="1433889" y="1059872"/>
+            <a:ext cx="3012216" cy="4851349"/>
+          </a:xfrm>
+        </p:spPr>
         <p:txBody>
-          <a:bodyPr/>
+          <a:bodyPr>
+            <a:normAutofit/>
+          </a:bodyPr>
           <a:lstStyle/>
           <a:p>
+            <a:pPr algn="ctr"/>
             <a:r>
               <a:rPr lang="en-US" dirty="0"/>
               <a:t>Appealing to Human Nature</a:t>
             </a:r>
           </a:p>
         </p:txBody>
+      </p:sp>
+      <p:sp>
+        <p:nvSpPr>
+          <p:cNvPr id="29" name="Freeform 11">
+            <a:extLst>
+              <a:ext uri="{FF2B5EF4-FFF2-40B4-BE49-F238E27FC236}">
+                <a16:creationId xmlns:a16="http://schemas.microsoft.com/office/drawing/2014/main" id="{0D7A9289-BAD1-4A78-979F-A655C886DBF5}"/>
+              </a:ext>
+              <a:ext uri="{C183D7F6-B498-43B3-948B-1728B52AA6E4}">
+                <adec:decorative xmlns:adec="http://schemas.microsoft.com/office/drawing/2017/decorative" val="1"/>
+              </a:ext>
+            </a:extLst>
+          </p:cNvPr>
+          <p:cNvSpPr>
+            <a:spLocks noGrp="1" noRot="1" noChangeAspect="1" noMove="1" noResize="1" noEditPoints="1" noAdjustHandles="1" noChangeArrowheads="1" noChangeShapeType="1" noTextEdit="1"/>
+          </p:cNvSpPr>
+          <p:nvPr>
+            <p:extLst>
+              <p:ext uri="{386F3935-93C4-4BCD-93E2-E3B085C9AB24}">
+                <p16:designElem xmlns:p16="http://schemas.microsoft.com/office/powerpoint/2015/main" val="1"/>
+              </p:ext>
+            </p:extLst>
+          </p:nvPr>
+        </p:nvSpPr>
+        <p:spPr bwMode="auto">
+          <a:xfrm flipV="1">
+            <a:off x="-159" y="1149203"/>
+            <a:ext cx="1098194" cy="514066"/>
+          </a:xfrm>
+          <a:custGeom>
+            <a:avLst/>
+            <a:gdLst>
+              <a:gd name="connsiteX0" fmla="*/ 10000 w 10044"/>
+              <a:gd name="connsiteY0" fmla="*/ 4701 h 9966"/>
+              <a:gd name="connsiteX1" fmla="*/ 8559 w 10044"/>
+              <a:gd name="connsiteY1" fmla="*/ 188 h 9966"/>
+              <a:gd name="connsiteX2" fmla="*/ 8527 w 10044"/>
+              <a:gd name="connsiteY2" fmla="*/ 94 h 9966"/>
+              <a:gd name="connsiteX3" fmla="*/ 8438 w 10044"/>
+              <a:gd name="connsiteY3" fmla="*/ 0 h 9966"/>
+              <a:gd name="connsiteX4" fmla="*/ 7867 w 10044"/>
+              <a:gd name="connsiteY4" fmla="*/ 0 h 9966"/>
+              <a:gd name="connsiteX5" fmla="*/ 0 w 10044"/>
+              <a:gd name="connsiteY5" fmla="*/ 70 h 9966"/>
+              <a:gd name="connsiteX6" fmla="*/ 3132 w 10044"/>
+              <a:gd name="connsiteY6" fmla="*/ 9763 h 9966"/>
+              <a:gd name="connsiteX7" fmla="*/ 7867 w 10044"/>
+              <a:gd name="connsiteY7" fmla="*/ 9966 h 9966"/>
+              <a:gd name="connsiteX8" fmla="*/ 8438 w 10044"/>
+              <a:gd name="connsiteY8" fmla="*/ 9966 h 9966"/>
+              <a:gd name="connsiteX9" fmla="*/ 8527 w 10044"/>
+              <a:gd name="connsiteY9" fmla="*/ 9872 h 9966"/>
+              <a:gd name="connsiteX10" fmla="*/ 8559 w 10044"/>
+              <a:gd name="connsiteY10" fmla="*/ 9778 h 9966"/>
+              <a:gd name="connsiteX11" fmla="*/ 10000 w 10044"/>
+              <a:gd name="connsiteY11" fmla="*/ 5265 h 9966"/>
+              <a:gd name="connsiteX12" fmla="*/ 10000 w 10044"/>
+              <a:gd name="connsiteY12" fmla="*/ 4701 h 9966"/>
+              <a:gd name="connsiteX0" fmla="*/ 6839 w 6883"/>
+              <a:gd name="connsiteY0" fmla="*/ 4885 h 10168"/>
+              <a:gd name="connsiteX1" fmla="*/ 5405 w 6883"/>
+              <a:gd name="connsiteY1" fmla="*/ 357 h 10168"/>
+              <a:gd name="connsiteX2" fmla="*/ 5373 w 6883"/>
+              <a:gd name="connsiteY2" fmla="*/ 262 h 10168"/>
+              <a:gd name="connsiteX3" fmla="*/ 5284 w 6883"/>
+              <a:gd name="connsiteY3" fmla="*/ 168 h 10168"/>
+              <a:gd name="connsiteX4" fmla="*/ 4716 w 6883"/>
+              <a:gd name="connsiteY4" fmla="*/ 168 h 10168"/>
+              <a:gd name="connsiteX5" fmla="*/ 50 w 6883"/>
+              <a:gd name="connsiteY5" fmla="*/ 0 h 10168"/>
+              <a:gd name="connsiteX6" fmla="*/ 1 w 6883"/>
+              <a:gd name="connsiteY6" fmla="*/ 9964 h 10168"/>
+              <a:gd name="connsiteX7" fmla="*/ 4716 w 6883"/>
+              <a:gd name="connsiteY7" fmla="*/ 10168 h 10168"/>
+              <a:gd name="connsiteX8" fmla="*/ 5284 w 6883"/>
+              <a:gd name="connsiteY8" fmla="*/ 10168 h 10168"/>
+              <a:gd name="connsiteX9" fmla="*/ 5373 w 6883"/>
+              <a:gd name="connsiteY9" fmla="*/ 10074 h 10168"/>
+              <a:gd name="connsiteX10" fmla="*/ 5405 w 6883"/>
+              <a:gd name="connsiteY10" fmla="*/ 9979 h 10168"/>
+              <a:gd name="connsiteX11" fmla="*/ 6839 w 6883"/>
+              <a:gd name="connsiteY11" fmla="*/ 5451 h 10168"/>
+              <a:gd name="connsiteX12" fmla="*/ 6839 w 6883"/>
+              <a:gd name="connsiteY12" fmla="*/ 4885 h 10168"/>
+            </a:gdLst>
+            <a:ahLst/>
+            <a:cxnLst>
+              <a:cxn ang="0">
+                <a:pos x="connsiteX0" y="connsiteY0"/>
+              </a:cxn>
+              <a:cxn ang="0">
+                <a:pos x="connsiteX1" y="connsiteY1"/>
+              </a:cxn>
+              <a:cxn ang="0">
+                <a:pos x="connsiteX2" y="connsiteY2"/>
+              </a:cxn>
+              <a:cxn ang="0">
+                <a:pos x="connsiteX3" y="connsiteY3"/>
+              </a:cxn>
+              <a:cxn ang="0">
+                <a:pos x="connsiteX4" y="connsiteY4"/>
+              </a:cxn>
+              <a:cxn ang="0">
+                <a:pos x="connsiteX5" y="connsiteY5"/>
+              </a:cxn>
+              <a:cxn ang="0">
+                <a:pos x="connsiteX6" y="connsiteY6"/>
+              </a:cxn>
+              <a:cxn ang="0">
+                <a:pos x="connsiteX7" y="connsiteY7"/>
+              </a:cxn>
+              <a:cxn ang="0">
+                <a:pos x="connsiteX8" y="connsiteY8"/>
+              </a:cxn>
+              <a:cxn ang="0">
+                <a:pos x="connsiteX9" y="connsiteY9"/>
+              </a:cxn>
+              <a:cxn ang="0">
+                <a:pos x="connsiteX10" y="connsiteY10"/>
+              </a:cxn>
+              <a:cxn ang="0">
+                <a:pos x="connsiteX11" y="connsiteY11"/>
+              </a:cxn>
+              <a:cxn ang="0">
+                <a:pos x="connsiteX12" y="connsiteY12"/>
+              </a:cxn>
+            </a:cxnLst>
+            <a:rect l="l" t="t" r="r" b="b"/>
+            <a:pathLst>
+              <a:path w="6883" h="10168">
+                <a:moveTo>
+                  <a:pt x="6839" y="4885"/>
+                </a:moveTo>
+                <a:lnTo>
+                  <a:pt x="5405" y="357"/>
+                </a:lnTo>
+                <a:cubicBezTo>
+                  <a:pt x="5395" y="325"/>
+                  <a:pt x="5383" y="294"/>
+                  <a:pt x="5373" y="262"/>
+                </a:cubicBezTo>
+                <a:cubicBezTo>
+                  <a:pt x="5344" y="168"/>
+                  <a:pt x="5314" y="168"/>
+                  <a:pt x="5284" y="168"/>
+                </a:cubicBezTo>
+                <a:lnTo>
+                  <a:pt x="4716" y="168"/>
+                </a:lnTo>
+                <a:lnTo>
+                  <a:pt x="50" y="0"/>
+                </a:lnTo>
+                <a:cubicBezTo>
+                  <a:pt x="59" y="3322"/>
+                  <a:pt x="-8" y="6643"/>
+                  <a:pt x="1" y="9964"/>
+                </a:cubicBezTo>
+                <a:lnTo>
+                  <a:pt x="4716" y="10168"/>
+                </a:lnTo>
+                <a:lnTo>
+                  <a:pt x="5284" y="10168"/>
+                </a:lnTo>
+                <a:cubicBezTo>
+                  <a:pt x="5314" y="10168"/>
+                  <a:pt x="5344" y="10074"/>
+                  <a:pt x="5373" y="10074"/>
+                </a:cubicBezTo>
+                <a:cubicBezTo>
+                  <a:pt x="5373" y="9979"/>
+                  <a:pt x="5405" y="9979"/>
+                  <a:pt x="5405" y="9979"/>
+                </a:cubicBezTo>
+                <a:lnTo>
+                  <a:pt x="6839" y="5451"/>
+                </a:lnTo>
+                <a:cubicBezTo>
+                  <a:pt x="6898" y="5262"/>
+                  <a:pt x="6898" y="5074"/>
+                  <a:pt x="6839" y="4885"/>
+                </a:cubicBezTo>
+                <a:close/>
+              </a:path>
+            </a:pathLst>
+          </a:custGeom>
+          <a:solidFill>
+            <a:schemeClr val="accent1"/>
+          </a:solidFill>
+          <a:ln>
+            <a:noFill/>
+          </a:ln>
+        </p:spPr>
       </p:sp>
       <p:sp>
         <p:nvSpPr>
@@ -8993,70 +9521,78 @@
             <p:ph idx="1"/>
           </p:nvPr>
         </p:nvSpPr>
-        <p:spPr/>
+        <p:spPr>
+          <a:xfrm>
+            <a:off x="5280368" y="1059872"/>
+            <a:ext cx="6224244" cy="4851350"/>
+          </a:xfrm>
+        </p:spPr>
         <p:txBody>
-          <a:bodyPr/>
+          <a:bodyPr>
+            <a:normAutofit/>
+          </a:bodyPr>
           <a:lstStyle/>
           <a:p>
             <a:r>
-              <a:rPr lang="en-US" dirty="0"/>
+              <a:rPr lang="en-US"/>
               <a:t>Universal Languages</a:t>
             </a:r>
           </a:p>
           <a:p>
             <a:pPr lvl="1"/>
             <a:r>
-              <a:rPr lang="en-US" dirty="0"/>
+              <a:rPr lang="en-US"/>
               <a:t>Dancing</a:t>
             </a:r>
           </a:p>
           <a:p>
             <a:pPr lvl="1"/>
             <a:r>
-              <a:rPr lang="en-US" dirty="0"/>
+              <a:rPr lang="en-US"/>
               <a:t>Cooking</a:t>
             </a:r>
           </a:p>
           <a:p>
             <a:pPr lvl="1"/>
             <a:r>
-              <a:rPr lang="en-US" dirty="0"/>
+              <a:rPr lang="en-US"/>
               <a:t>PCs and gaming</a:t>
             </a:r>
           </a:p>
           <a:p>
             <a:r>
-              <a:rPr lang="en-US" dirty="0"/>
+              <a:rPr lang="en-US"/>
               <a:t>Amenities of a theoretical brick-and-mortar location:</a:t>
             </a:r>
           </a:p>
           <a:p>
             <a:pPr lvl="1"/>
             <a:r>
-              <a:rPr lang="en-US" dirty="0"/>
+              <a:rPr lang="en-US"/>
               <a:t>Dance Area</a:t>
             </a:r>
           </a:p>
           <a:p>
             <a:pPr lvl="1"/>
             <a:r>
-              <a:rPr lang="en-US" dirty="0"/>
+              <a:rPr lang="en-US"/>
               <a:t>Cooking Area</a:t>
             </a:r>
           </a:p>
           <a:p>
             <a:pPr lvl="1"/>
             <a:r>
-              <a:rPr lang="en-US" dirty="0"/>
+              <a:rPr lang="en-US"/>
               <a:t>Eating Area</a:t>
             </a:r>
           </a:p>
           <a:p>
             <a:pPr lvl="1"/>
             <a:r>
-              <a:rPr lang="en-US" dirty="0"/>
+              <a:rPr lang="en-US"/>
               <a:t>PC and gaming Area</a:t>
             </a:r>
+            <a:endParaRPr lang="en-US" dirty="0"/>
           </a:p>
         </p:txBody>
       </p:sp>
@@ -9113,7 +9649,7 @@
           <a:p>
             <a:r>
               <a:rPr lang="en-US" dirty="0"/>
-              <a:t>Becoming a platform: Appealing to Local Professionals and Businesses</a:t>
+              <a:t>Becoming a platform: Appealing to Local Businesses and People</a:t>
             </a:r>
           </a:p>
         </p:txBody>
@@ -9136,7 +9672,9 @@
         </p:nvSpPr>
         <p:spPr/>
         <p:txBody>
-          <a:bodyPr/>
+          <a:bodyPr>
+            <a:normAutofit lnSpcReduction="10000"/>
+          </a:bodyPr>
           <a:lstStyle/>
           <a:p>
             <a:r>
@@ -9148,15 +9686,7 @@
             <a:pPr lvl="1"/>
             <a:r>
               <a:rPr lang="en-US" dirty="0"/>
-              <a:t>Invite local dance groups, chefs, and tech developers or entrepreneurs to teach dancing, cooking, and </a:t>
-            </a:r>
-            <a:r>
-              <a:rPr lang="en-US"/>
-              <a:t>coding or entrepreneurship</a:t>
-            </a:r>
-            <a:r>
-              <a:rPr lang="en-US" dirty="0"/>
-              <a:t>.</a:t>
+              <a:t>Invite local dance groups, chefs, and tech developers or entrepreneurs to teach dancing, cooking, and coding or entrepreneurship.</a:t>
             </a:r>
           </a:p>
           <a:p>
@@ -9170,7 +9700,14 @@
             <a:pPr lvl="2"/>
             <a:r>
               <a:rPr lang="en-US" dirty="0"/>
-              <a:t>Professionals earn 100% of their teaching fees from students who sign up</a:t>
+              <a:t>Professionals/experienced individuals earn 100% of their teaching fees from students who sign up</a:t>
+            </a:r>
+          </a:p>
+          <a:p>
+            <a:pPr lvl="3"/>
+            <a:r>
+              <a:rPr lang="en-US" dirty="0"/>
+              <a:t>Note: Teaching fee may be $0</a:t>
             </a:r>
           </a:p>
           <a:p>
@@ -10770,7 +11307,7 @@
                   </a:schemeClr>
                 </a:solidFill>
               </a:rPr>
-              <a:t>Screening Unknown Professionals and Experienced Individuals</a:t>
+              <a:t>Screening Unknown Professionals</a:t>
             </a:r>
           </a:p>
         </p:txBody>
@@ -11943,42 +12480,6 @@
                   </a:schemeClr>
                 </a:solidFill>
               </a:rPr>
-              <a:t>Open every day</a:t>
-            </a:r>
-          </a:p>
-          <a:p>
-            <a:r>
-              <a:rPr lang="en-US" dirty="0">
-                <a:solidFill>
-                  <a:schemeClr val="tx2">
-                    <a:lumMod val="75000"/>
-                  </a:schemeClr>
-                </a:solidFill>
-              </a:rPr>
-              <a:t>Our Sunday and weekday business hours will be 2pm to 10pm</a:t>
-            </a:r>
-          </a:p>
-          <a:p>
-            <a:r>
-              <a:rPr lang="en-US" dirty="0">
-                <a:solidFill>
-                  <a:schemeClr val="tx2">
-                    <a:lumMod val="75000"/>
-                  </a:schemeClr>
-                </a:solidFill>
-              </a:rPr>
-              <a:t>Weekend (Friday and Saturday) business hours will be 6pm to 2am</a:t>
-            </a:r>
-          </a:p>
-          <a:p>
-            <a:r>
-              <a:rPr lang="en-US" dirty="0">
-                <a:solidFill>
-                  <a:schemeClr val="tx2">
-                    <a:lumMod val="75000"/>
-                  </a:schemeClr>
-                </a:solidFill>
-              </a:rPr>
               <a:t>Screening hours are flexible but must end 2 hours prior to opening</a:t>
             </a:r>
           </a:p>
@@ -12174,6 +12675,7 @@
           </a:bodyPr>
           <a:lstStyle/>
           <a:p>
+            <a:pPr algn="ctr"/>
             <a:r>
               <a:rPr lang="en-US" dirty="0">
                 <a:solidFill>
@@ -13524,8 +14026,9 @@
           </a:bodyPr>
           <a:lstStyle/>
           <a:p>
+            <a:pPr algn="ctr"/>
             <a:r>
-              <a:rPr lang="en-US">
+              <a:rPr lang="en-US" dirty="0">
                 <a:solidFill>
                   <a:schemeClr val="tx2">
                     <a:lumMod val="75000"/>
@@ -14860,8 +15363,9 @@
           </a:bodyPr>
           <a:lstStyle/>
           <a:p>
+            <a:pPr algn="ctr"/>
             <a:r>
-              <a:rPr lang="en-US">
+              <a:rPr lang="en-US" dirty="0">
                 <a:solidFill>
                   <a:schemeClr val="tx2">
                     <a:lumMod val="75000"/>
@@ -16193,7 +16697,7 @@
                   </a:schemeClr>
                 </a:solidFill>
               </a:rPr>
-              <a:t>Target Demographic: 18-80 year-olds in the New Haven County Area, CT</a:t>
+              <a:t>Target Demographic</a:t>
             </a:r>
           </a:p>
         </p:txBody>
@@ -17781,6 +18285,7 @@
             </a:r>
           </a:p>
           <a:p>
+            <a:pPr lvl="1"/>
             <a:r>
               <a:rPr lang="en-US" dirty="0">
                 <a:hlinkClick r:id="rId2"/>
@@ -18316,7 +18821,7 @@
         </p:nvSpPr>
         <p:spPr>
           <a:xfrm>
-            <a:off x="725864" y="1307210"/>
+            <a:off x="725864" y="1333734"/>
             <a:ext cx="7843706" cy="1200329"/>
           </a:xfrm>
           <a:prstGeom prst="rect">
@@ -18418,7 +18923,7 @@
           <a:p>
             <a:r>
               <a:rPr lang="en-US" dirty="0"/>
-              <a:t>Formula Community Breakdown</a:t>
+              <a:t>Formula for Community Breakdown</a:t>
             </a:r>
           </a:p>
         </p:txBody>
@@ -19333,7 +19838,7 @@
           <a:p>
             <a:r>
               <a:rPr lang="en-US" dirty="0"/>
-              <a:t>The Loneliness Epidemic in the U.S. (continued)</a:t>
+              <a:t>The Loneliness Epidemic in the U.S.</a:t>
             </a:r>
           </a:p>
         </p:txBody>
@@ -19357,12 +19862,12 @@
         <p:spPr>
           <a:xfrm>
             <a:off x="2589212" y="2133600"/>
-            <a:ext cx="8915400" cy="3777622"/>
+            <a:ext cx="8915400" cy="4100290"/>
           </a:xfrm>
         </p:spPr>
         <p:txBody>
           <a:bodyPr>
-            <a:normAutofit lnSpcReduction="10000"/>
+            <a:normAutofit/>
           </a:bodyPr>
           <a:lstStyle/>
           <a:p>
@@ -19425,18 +19930,18 @@
             </a:r>
           </a:p>
           <a:p>
-            <a:pPr>
+            <a:pPr lvl="1">
               <a:buClr>
                 <a:srgbClr val="915242"/>
               </a:buClr>
             </a:pPr>
             <a:r>
-              <a:rPr lang="en-US" dirty="0">
+              <a:rPr lang="en-US" sz="800" dirty="0">
                 <a:hlinkClick r:id="rId3"/>
               </a:rPr>
               <a:t>https://www.washingtonpost.com/news/on-leadership/wp/2017/10/04/this-former-surgeon-general-says-theres-a-loneliness-epidemic-and-work-is-partly-to-blame/</a:t>
             </a:r>
-            <a:endParaRPr lang="en-US" dirty="0"/>
+            <a:endParaRPr lang="en-US" sz="800" dirty="0"/>
           </a:p>
           <a:p>
             <a:pPr>
@@ -19543,13 +20048,14 @@
             </a:r>
           </a:p>
           <a:p>
+            <a:pPr lvl="1"/>
             <a:r>
-              <a:rPr lang="en-US" dirty="0">
+              <a:rPr lang="en-US" sz="1200" dirty="0">
                 <a:hlinkClick r:id="rId2"/>
               </a:rPr>
               <a:t>https://pubmed.ncbi.nlm.nih.gov/25910392/</a:t>
             </a:r>
-            <a:endParaRPr lang="en-US" dirty="0"/>
+            <a:endParaRPr lang="en-US" sz="1200" dirty="0"/>
           </a:p>
         </p:txBody>
       </p:sp>
@@ -19569,6 +20075,14 @@
 <file path=ppt/slides/slide5.xml><?xml version="1.0" encoding="utf-8"?>
 <p:sld xmlns:a="http://schemas.openxmlformats.org/drawingml/2006/main" xmlns:r="http://schemas.openxmlformats.org/officeDocument/2006/relationships" xmlns:p="http://schemas.openxmlformats.org/presentationml/2006/main">
   <p:cSld>
+    <p:bg>
+      <p:bgPr>
+        <a:solidFill>
+          <a:schemeClr val="bg2"/>
+        </a:solidFill>
+        <a:effectLst/>
+      </p:bgPr>
+    </p:bg>
     <p:spTree>
       <p:nvGrpSpPr>
         <p:cNvPr id="1" name=""/>
@@ -19583,6 +20097,66 @@
           <a:chExt cx="0" cy="0"/>
         </a:xfrm>
       </p:grpSpPr>
+      <p:sp useBgFill="1">
+        <p:nvSpPr>
+          <p:cNvPr id="8" name="Rectangle 7">
+            <a:extLst>
+              <a:ext uri="{FF2B5EF4-FFF2-40B4-BE49-F238E27FC236}">
+                <a16:creationId xmlns:a16="http://schemas.microsoft.com/office/drawing/2014/main" id="{CD306B45-25EE-434D-ABA9-A27B79320CFF}"/>
+              </a:ext>
+              <a:ext uri="{C183D7F6-B498-43B3-948B-1728B52AA6E4}">
+                <adec:decorative xmlns:adec="http://schemas.microsoft.com/office/drawing/2017/decorative" val="1"/>
+              </a:ext>
+            </a:extLst>
+          </p:cNvPr>
+          <p:cNvSpPr>
+            <a:spLocks noGrp="1" noRot="1" noChangeAspect="1" noMove="1" noResize="1" noEditPoints="1" noAdjustHandles="1" noChangeArrowheads="1" noChangeShapeType="1" noTextEdit="1"/>
+          </p:cNvSpPr>
+          <p:nvPr>
+            <p:extLst>
+              <p:ext uri="{386F3935-93C4-4BCD-93E2-E3B085C9AB24}">
+                <p16:designElem xmlns:p16="http://schemas.microsoft.com/office/powerpoint/2015/main" val="1"/>
+              </p:ext>
+            </p:extLst>
+          </p:nvPr>
+        </p:nvSpPr>
+        <p:spPr>
+          <a:xfrm>
+            <a:off x="2" y="0"/>
+            <a:ext cx="12191998" cy="6858000"/>
+          </a:xfrm>
+          <a:prstGeom prst="rect">
+            <a:avLst/>
+          </a:prstGeom>
+          <a:ln>
+            <a:noFill/>
+          </a:ln>
+        </p:spPr>
+        <p:style>
+          <a:lnRef idx="2">
+            <a:schemeClr val="accent1">
+              <a:shade val="50000"/>
+            </a:schemeClr>
+          </a:lnRef>
+          <a:fillRef idx="1">
+            <a:schemeClr val="accent1"/>
+          </a:fillRef>
+          <a:effectRef idx="0">
+            <a:schemeClr val="accent1"/>
+          </a:effectRef>
+          <a:fontRef idx="minor">
+            <a:schemeClr val="lt1"/>
+          </a:fontRef>
+        </p:style>
+        <p:txBody>
+          <a:bodyPr rtlCol="0" anchor="ctr"/>
+          <a:lstStyle/>
+          <a:p>
+            <a:pPr algn="ctr"/>
+            <a:endParaRPr lang="en-US"/>
+          </a:p>
+        </p:txBody>
+      </p:sp>
       <p:sp>
         <p:nvSpPr>
           <p:cNvPr id="2" name="Title 1">
@@ -19599,18 +20173,1164 @@
             <p:ph type="title"/>
           </p:nvPr>
         </p:nvSpPr>
-        <p:spPr/>
+        <p:spPr>
+          <a:xfrm>
+            <a:off x="1046019" y="942108"/>
+            <a:ext cx="3256550" cy="4969113"/>
+          </a:xfrm>
+        </p:spPr>
         <p:txBody>
-          <a:bodyPr/>
+          <a:bodyPr anchor="ctr">
+            <a:normAutofit/>
+          </a:bodyPr>
           <a:lstStyle/>
           <a:p>
+            <a:pPr algn="ctr"/>
             <a:r>
-              <a:rPr lang="en-US" dirty="0"/>
+              <a:rPr lang="en-US" dirty="0">
+                <a:solidFill>
+                  <a:schemeClr val="tx2">
+                    <a:lumMod val="75000"/>
+                  </a:schemeClr>
+                </a:solidFill>
+              </a:rPr>
               <a:t>Mission</a:t>
             </a:r>
           </a:p>
         </p:txBody>
       </p:sp>
+      <p:sp>
+        <p:nvSpPr>
+          <p:cNvPr id="10" name="Rectangle 9">
+            <a:extLst>
+              <a:ext uri="{FF2B5EF4-FFF2-40B4-BE49-F238E27FC236}">
+                <a16:creationId xmlns:a16="http://schemas.microsoft.com/office/drawing/2014/main" id="{0A42F85E-4939-431E-8B4A-EC07C8E0AB65}"/>
+              </a:ext>
+              <a:ext uri="{C183D7F6-B498-43B3-948B-1728B52AA6E4}">
+                <adec:decorative xmlns:adec="http://schemas.microsoft.com/office/drawing/2017/decorative" val="1"/>
+              </a:ext>
+            </a:extLst>
+          </p:cNvPr>
+          <p:cNvSpPr>
+            <a:spLocks noGrp="1" noRot="1" noChangeAspect="1" noMove="1" noResize="1" noEditPoints="1" noAdjustHandles="1" noChangeArrowheads="1" noChangeShapeType="1" noTextEdit="1"/>
+          </p:cNvSpPr>
+          <p:nvPr>
+            <p:extLst>
+              <p:ext uri="{386F3935-93C4-4BCD-93E2-E3B085C9AB24}">
+                <p16:designElem xmlns:p16="http://schemas.microsoft.com/office/powerpoint/2015/main" val="1"/>
+              </p:ext>
+            </p:extLst>
+          </p:nvPr>
+        </p:nvSpPr>
+        <p:spPr>
+          <a:xfrm>
+            <a:off x="0" y="0"/>
+            <a:ext cx="182880" cy="6858000"/>
+          </a:xfrm>
+          <a:prstGeom prst="rect">
+            <a:avLst/>
+          </a:prstGeom>
+          <a:solidFill>
+            <a:schemeClr val="tx2"/>
+          </a:solidFill>
+          <a:ln>
+            <a:noFill/>
+          </a:ln>
+          <a:effectLst/>
+        </p:spPr>
+        <p:style>
+          <a:lnRef idx="1">
+            <a:schemeClr val="accent1"/>
+          </a:lnRef>
+          <a:fillRef idx="3">
+            <a:schemeClr val="accent1"/>
+          </a:fillRef>
+          <a:effectRef idx="2">
+            <a:schemeClr val="accent1"/>
+          </a:effectRef>
+          <a:fontRef idx="minor">
+            <a:schemeClr val="lt1"/>
+          </a:fontRef>
+        </p:style>
+      </p:sp>
+      <p:cxnSp>
+        <p:nvCxnSpPr>
+          <p:cNvPr id="12" name="Straight Connector 11">
+            <a:extLst>
+              <a:ext uri="{FF2B5EF4-FFF2-40B4-BE49-F238E27FC236}">
+                <a16:creationId xmlns:a16="http://schemas.microsoft.com/office/drawing/2014/main" id="{27EBB3F9-D6F7-4F6A-8843-9FEBA15E4969}"/>
+              </a:ext>
+              <a:ext uri="{C183D7F6-B498-43B3-948B-1728B52AA6E4}">
+                <adec:decorative xmlns:adec="http://schemas.microsoft.com/office/drawing/2017/decorative" val="1"/>
+              </a:ext>
+            </a:extLst>
+          </p:cNvPr>
+          <p:cNvCxnSpPr>
+            <a:cxnSpLocks noGrp="1" noRot="1" noChangeAspect="1" noMove="1" noResize="1" noEditPoints="1" noAdjustHandles="1" noChangeArrowheads="1" noChangeShapeType="1"/>
+          </p:cNvCxnSpPr>
+          <p:nvPr>
+            <p:extLst>
+              <p:ext uri="{386F3935-93C4-4BCD-93E2-E3B085C9AB24}">
+                <p16:designElem xmlns:p16="http://schemas.microsoft.com/office/powerpoint/2015/main" val="1"/>
+              </p:ext>
+            </p:extLst>
+          </p:nvPr>
+        </p:nvCxnSpPr>
+        <p:spPr>
+          <a:xfrm>
+            <a:off x="4654296" y="1871831"/>
+            <a:ext cx="0" cy="3200400"/>
+          </a:xfrm>
+          <a:prstGeom prst="line">
+            <a:avLst/>
+          </a:prstGeom>
+          <a:ln w="15875">
+            <a:solidFill>
+              <a:schemeClr val="accent4"/>
+            </a:solidFill>
+          </a:ln>
+        </p:spPr>
+        <p:style>
+          <a:lnRef idx="1">
+            <a:schemeClr val="accent1"/>
+          </a:lnRef>
+          <a:fillRef idx="0">
+            <a:schemeClr val="accent1"/>
+          </a:fillRef>
+          <a:effectRef idx="0">
+            <a:schemeClr val="accent1"/>
+          </a:effectRef>
+          <a:fontRef idx="minor">
+            <a:schemeClr val="tx1"/>
+          </a:fontRef>
+        </p:style>
+      </p:cxnSp>
+      <p:grpSp>
+        <p:nvGrpSpPr>
+          <p:cNvPr id="14" name="Group 13">
+            <a:extLst>
+              <a:ext uri="{FF2B5EF4-FFF2-40B4-BE49-F238E27FC236}">
+                <a16:creationId xmlns:a16="http://schemas.microsoft.com/office/drawing/2014/main" id="{5D2B17EF-74EB-4C33-B2E2-8E727B2E7D68}"/>
+              </a:ext>
+              <a:ext uri="{C183D7F6-B498-43B3-948B-1728B52AA6E4}">
+                <adec:decorative xmlns:adec="http://schemas.microsoft.com/office/drawing/2017/decorative" val="1"/>
+              </a:ext>
+            </a:extLst>
+          </p:cNvPr>
+          <p:cNvGrpSpPr>
+            <a:grpSpLocks noGrp="1" noUngrp="1" noRot="1" noChangeAspect="1" noMove="1" noResize="1"/>
+          </p:cNvGrpSpPr>
+          <p:nvPr>
+            <p:extLst>
+              <p:ext uri="{386F3935-93C4-4BCD-93E2-E3B085C9AB24}">
+                <p16:designElem xmlns:p16="http://schemas.microsoft.com/office/powerpoint/2015/main" val="1"/>
+              </p:ext>
+            </p:extLst>
+          </p:nvPr>
+        </p:nvGrpSpPr>
+        <p:grpSpPr>
+          <a:xfrm flipH="1">
+            <a:off x="6009967" y="0"/>
+            <a:ext cx="6176982" cy="6853245"/>
+            <a:chOff x="2487613" y="285750"/>
+            <a:chExt cx="2428876" cy="5654676"/>
+          </a:xfrm>
+          <a:solidFill>
+            <a:schemeClr val="bg1">
+              <a:alpha val="30000"/>
+            </a:schemeClr>
+          </a:solidFill>
+        </p:grpSpPr>
+        <p:sp>
+          <p:nvSpPr>
+            <p:cNvPr id="15" name="Freeform 11">
+              <a:extLst>
+                <a:ext uri="{FF2B5EF4-FFF2-40B4-BE49-F238E27FC236}">
+                  <a16:creationId xmlns:a16="http://schemas.microsoft.com/office/drawing/2014/main" id="{0A5F1F8A-3206-4B86-883F-65E98BB6E475}"/>
+                </a:ext>
+                <a:ext uri="{C183D7F6-B498-43B3-948B-1728B52AA6E4}">
+                  <adec:decorative xmlns:adec="http://schemas.microsoft.com/office/drawing/2017/decorative" val="1"/>
+                </a:ext>
+              </a:extLst>
+            </p:cNvPr>
+            <p:cNvSpPr/>
+            <p:nvPr>
+              <p:extLst>
+                <p:ext uri="{386F3935-93C4-4BCD-93E2-E3B085C9AB24}">
+                  <p16:designElem xmlns:p16="http://schemas.microsoft.com/office/powerpoint/2015/main" val="1"/>
+                </p:ext>
+              </p:extLst>
+            </p:nvPr>
+          </p:nvSpPr>
+          <p:spPr bwMode="auto">
+            <a:xfrm>
+              <a:off x="2487613" y="2284413"/>
+              <a:ext cx="85725" cy="533400"/>
+            </a:xfrm>
+            <a:custGeom>
+              <a:avLst/>
+              <a:gdLst/>
+              <a:ahLst/>
+              <a:cxnLst/>
+              <a:rect l="0" t="0" r="r" b="b"/>
+              <a:pathLst>
+                <a:path w="22" h="136">
+                  <a:moveTo>
+                    <a:pt x="22" y="136"/>
+                  </a:moveTo>
+                  <a:cubicBezTo>
+                    <a:pt x="20" y="117"/>
+                    <a:pt x="19" y="99"/>
+                    <a:pt x="17" y="80"/>
+                  </a:cubicBezTo>
+                  <a:cubicBezTo>
+                    <a:pt x="11" y="54"/>
+                    <a:pt x="6" y="27"/>
+                    <a:pt x="0" y="0"/>
+                  </a:cubicBezTo>
+                  <a:cubicBezTo>
+                    <a:pt x="0" y="35"/>
+                    <a:pt x="0" y="35"/>
+                    <a:pt x="0" y="35"/>
+                  </a:cubicBezTo>
+                  <a:cubicBezTo>
+                    <a:pt x="6" y="64"/>
+                    <a:pt x="13" y="94"/>
+                    <a:pt x="20" y="124"/>
+                  </a:cubicBezTo>
+                  <a:cubicBezTo>
+                    <a:pt x="20" y="128"/>
+                    <a:pt x="21" y="132"/>
+                    <a:pt x="22" y="136"/>
+                  </a:cubicBezTo>
+                  <a:close/>
+                </a:path>
+              </a:pathLst>
+            </a:custGeom>
+            <a:grpFill/>
+            <a:ln>
+              <a:noFill/>
+            </a:ln>
+          </p:spPr>
+        </p:sp>
+        <p:sp>
+          <p:nvSpPr>
+            <p:cNvPr id="16" name="Freeform 12">
+              <a:extLst>
+                <a:ext uri="{FF2B5EF4-FFF2-40B4-BE49-F238E27FC236}">
+                  <a16:creationId xmlns:a16="http://schemas.microsoft.com/office/drawing/2014/main" id="{6935F8C7-CC88-4243-9786-F3CDBF04A09F}"/>
+                </a:ext>
+                <a:ext uri="{C183D7F6-B498-43B3-948B-1728B52AA6E4}">
+                  <adec:decorative xmlns:adec="http://schemas.microsoft.com/office/drawing/2017/decorative" val="1"/>
+                </a:ext>
+              </a:extLst>
+            </p:cNvPr>
+            <p:cNvSpPr/>
+            <p:nvPr>
+              <p:extLst>
+                <p:ext uri="{386F3935-93C4-4BCD-93E2-E3B085C9AB24}">
+                  <p16:designElem xmlns:p16="http://schemas.microsoft.com/office/powerpoint/2015/main" val="1"/>
+                </p:ext>
+              </p:extLst>
+            </p:nvPr>
+          </p:nvSpPr>
+          <p:spPr bwMode="auto">
+            <a:xfrm>
+              <a:off x="2597151" y="2779713"/>
+              <a:ext cx="550863" cy="1978025"/>
+            </a:xfrm>
+            <a:custGeom>
+              <a:avLst/>
+              <a:gdLst/>
+              <a:ahLst/>
+              <a:cxnLst/>
+              <a:rect l="0" t="0" r="r" b="b"/>
+              <a:pathLst>
+                <a:path w="140" h="504">
+                  <a:moveTo>
+                    <a:pt x="86" y="350"/>
+                  </a:moveTo>
+                  <a:cubicBezTo>
+                    <a:pt x="103" y="402"/>
+                    <a:pt x="120" y="453"/>
+                    <a:pt x="139" y="504"/>
+                  </a:cubicBezTo>
+                  <a:cubicBezTo>
+                    <a:pt x="139" y="495"/>
+                    <a:pt x="139" y="487"/>
+                    <a:pt x="140" y="478"/>
+                  </a:cubicBezTo>
+                  <a:cubicBezTo>
+                    <a:pt x="124" y="435"/>
+                    <a:pt x="109" y="391"/>
+                    <a:pt x="95" y="347"/>
+                  </a:cubicBezTo>
+                  <a:cubicBezTo>
+                    <a:pt x="58" y="233"/>
+                    <a:pt x="27" y="117"/>
+                    <a:pt x="0" y="0"/>
+                  </a:cubicBezTo>
+                  <a:cubicBezTo>
+                    <a:pt x="2" y="20"/>
+                    <a:pt x="4" y="41"/>
+                    <a:pt x="6" y="61"/>
+                  </a:cubicBezTo>
+                  <a:cubicBezTo>
+                    <a:pt x="30" y="158"/>
+                    <a:pt x="56" y="255"/>
+                    <a:pt x="86" y="350"/>
+                  </a:cubicBezTo>
+                  <a:close/>
+                </a:path>
+              </a:pathLst>
+            </a:custGeom>
+            <a:grpFill/>
+            <a:ln>
+              <a:noFill/>
+            </a:ln>
+          </p:spPr>
+        </p:sp>
+        <p:sp>
+          <p:nvSpPr>
+            <p:cNvPr id="17" name="Freeform 13">
+              <a:extLst>
+                <a:ext uri="{FF2B5EF4-FFF2-40B4-BE49-F238E27FC236}">
+                  <a16:creationId xmlns:a16="http://schemas.microsoft.com/office/drawing/2014/main" id="{9AF7BAD9-71B3-40D8-A089-EFF7FE67BD66}"/>
+                </a:ext>
+                <a:ext uri="{C183D7F6-B498-43B3-948B-1728B52AA6E4}">
+                  <adec:decorative xmlns:adec="http://schemas.microsoft.com/office/drawing/2017/decorative" val="1"/>
+                </a:ext>
+              </a:extLst>
+            </p:cNvPr>
+            <p:cNvSpPr/>
+            <p:nvPr>
+              <p:extLst>
+                <p:ext uri="{386F3935-93C4-4BCD-93E2-E3B085C9AB24}">
+                  <p16:designElem xmlns:p16="http://schemas.microsoft.com/office/powerpoint/2015/main" val="1"/>
+                </p:ext>
+              </p:extLst>
+            </p:nvPr>
+          </p:nvSpPr>
+          <p:spPr bwMode="auto">
+            <a:xfrm>
+              <a:off x="3175001" y="4730750"/>
+              <a:ext cx="519113" cy="1209675"/>
+            </a:xfrm>
+            <a:custGeom>
+              <a:avLst/>
+              <a:gdLst/>
+              <a:ahLst/>
+              <a:cxnLst/>
+              <a:rect l="0" t="0" r="r" b="b"/>
+              <a:pathLst>
+                <a:path w="132" h="308">
+                  <a:moveTo>
+                    <a:pt x="8" y="22"/>
+                  </a:moveTo>
+                  <a:cubicBezTo>
+                    <a:pt x="5" y="15"/>
+                    <a:pt x="2" y="8"/>
+                    <a:pt x="0" y="0"/>
+                  </a:cubicBezTo>
+                  <a:cubicBezTo>
+                    <a:pt x="0" y="10"/>
+                    <a:pt x="0" y="19"/>
+                    <a:pt x="0" y="29"/>
+                  </a:cubicBezTo>
+                  <a:cubicBezTo>
+                    <a:pt x="21" y="85"/>
+                    <a:pt x="44" y="140"/>
+                    <a:pt x="68" y="194"/>
+                  </a:cubicBezTo>
+                  <a:cubicBezTo>
+                    <a:pt x="85" y="232"/>
+                    <a:pt x="104" y="270"/>
+                    <a:pt x="123" y="308"/>
+                  </a:cubicBezTo>
+                  <a:cubicBezTo>
+                    <a:pt x="132" y="308"/>
+                    <a:pt x="132" y="308"/>
+                    <a:pt x="132" y="308"/>
+                  </a:cubicBezTo>
+                  <a:cubicBezTo>
+                    <a:pt x="113" y="269"/>
+                    <a:pt x="94" y="230"/>
+                    <a:pt x="77" y="190"/>
+                  </a:cubicBezTo>
+                  <a:cubicBezTo>
+                    <a:pt x="52" y="135"/>
+                    <a:pt x="29" y="79"/>
+                    <a:pt x="8" y="22"/>
+                  </a:cubicBezTo>
+                  <a:close/>
+                </a:path>
+              </a:pathLst>
+            </a:custGeom>
+            <a:grpFill/>
+            <a:ln>
+              <a:noFill/>
+            </a:ln>
+          </p:spPr>
+        </p:sp>
+        <p:sp>
+          <p:nvSpPr>
+            <p:cNvPr id="18" name="Freeform 14">
+              <a:extLst>
+                <a:ext uri="{FF2B5EF4-FFF2-40B4-BE49-F238E27FC236}">
+                  <a16:creationId xmlns:a16="http://schemas.microsoft.com/office/drawing/2014/main" id="{6467094F-AEF0-4D3B-BB76-8B3C1F08B937}"/>
+                </a:ext>
+                <a:ext uri="{C183D7F6-B498-43B3-948B-1728B52AA6E4}">
+                  <adec:decorative xmlns:adec="http://schemas.microsoft.com/office/drawing/2017/decorative" val="1"/>
+                </a:ext>
+              </a:extLst>
+            </p:cNvPr>
+            <p:cNvSpPr/>
+            <p:nvPr>
+              <p:extLst>
+                <p:ext uri="{386F3935-93C4-4BCD-93E2-E3B085C9AB24}">
+                  <p16:designElem xmlns:p16="http://schemas.microsoft.com/office/powerpoint/2015/main" val="1"/>
+                </p:ext>
+              </p:extLst>
+            </p:nvPr>
+          </p:nvSpPr>
+          <p:spPr bwMode="auto">
+            <a:xfrm>
+              <a:off x="3305176" y="5630863"/>
+              <a:ext cx="146050" cy="309563"/>
+            </a:xfrm>
+            <a:custGeom>
+              <a:avLst/>
+              <a:gdLst/>
+              <a:ahLst/>
+              <a:cxnLst/>
+              <a:rect l="0" t="0" r="r" b="b"/>
+              <a:pathLst>
+                <a:path w="37" h="79">
+                  <a:moveTo>
+                    <a:pt x="28" y="79"/>
+                  </a:moveTo>
+                  <a:cubicBezTo>
+                    <a:pt x="37" y="79"/>
+                    <a:pt x="37" y="79"/>
+                    <a:pt x="37" y="79"/>
+                  </a:cubicBezTo>
+                  <a:cubicBezTo>
+                    <a:pt x="24" y="53"/>
+                    <a:pt x="12" y="27"/>
+                    <a:pt x="0" y="0"/>
+                  </a:cubicBezTo>
+                  <a:cubicBezTo>
+                    <a:pt x="8" y="27"/>
+                    <a:pt x="17" y="53"/>
+                    <a:pt x="28" y="79"/>
+                  </a:cubicBezTo>
+                  <a:close/>
+                </a:path>
+              </a:pathLst>
+            </a:custGeom>
+            <a:grpFill/>
+            <a:ln>
+              <a:noFill/>
+            </a:ln>
+          </p:spPr>
+        </p:sp>
+        <p:sp>
+          <p:nvSpPr>
+            <p:cNvPr id="19" name="Freeform 15">
+              <a:extLst>
+                <a:ext uri="{FF2B5EF4-FFF2-40B4-BE49-F238E27FC236}">
+                  <a16:creationId xmlns:a16="http://schemas.microsoft.com/office/drawing/2014/main" id="{36F56AF9-DEF1-44E7-BF42-6AAC1AA9D19D}"/>
+                </a:ext>
+                <a:ext uri="{C183D7F6-B498-43B3-948B-1728B52AA6E4}">
+                  <adec:decorative xmlns:adec="http://schemas.microsoft.com/office/drawing/2017/decorative" val="1"/>
+                </a:ext>
+              </a:extLst>
+            </p:cNvPr>
+            <p:cNvSpPr/>
+            <p:nvPr>
+              <p:extLst>
+                <p:ext uri="{386F3935-93C4-4BCD-93E2-E3B085C9AB24}">
+                  <p16:designElem xmlns:p16="http://schemas.microsoft.com/office/powerpoint/2015/main" val="1"/>
+                </p:ext>
+              </p:extLst>
+            </p:nvPr>
+          </p:nvSpPr>
+          <p:spPr bwMode="auto">
+            <a:xfrm>
+              <a:off x="2573338" y="2817813"/>
+              <a:ext cx="700088" cy="2835275"/>
+            </a:xfrm>
+            <a:custGeom>
+              <a:avLst/>
+              <a:gdLst/>
+              <a:ahLst/>
+              <a:cxnLst/>
+              <a:rect l="0" t="0" r="r" b="b"/>
+              <a:pathLst>
+                <a:path w="178" h="722">
+                  <a:moveTo>
+                    <a:pt x="162" y="660"/>
+                  </a:moveTo>
+                  <a:cubicBezTo>
+                    <a:pt x="145" y="618"/>
+                    <a:pt x="130" y="576"/>
+                    <a:pt x="116" y="534"/>
+                  </a:cubicBezTo>
+                  <a:cubicBezTo>
+                    <a:pt x="84" y="437"/>
+                    <a:pt x="59" y="337"/>
+                    <a:pt x="40" y="236"/>
+                  </a:cubicBezTo>
+                  <a:cubicBezTo>
+                    <a:pt x="29" y="175"/>
+                    <a:pt x="20" y="113"/>
+                    <a:pt x="12" y="51"/>
+                  </a:cubicBezTo>
+                  <a:cubicBezTo>
+                    <a:pt x="8" y="34"/>
+                    <a:pt x="4" y="17"/>
+                    <a:pt x="0" y="0"/>
+                  </a:cubicBezTo>
+                  <a:cubicBezTo>
+                    <a:pt x="8" y="79"/>
+                    <a:pt x="19" y="159"/>
+                    <a:pt x="33" y="237"/>
+                  </a:cubicBezTo>
+                  <a:cubicBezTo>
+                    <a:pt x="51" y="339"/>
+                    <a:pt x="76" y="439"/>
+                    <a:pt x="107" y="537"/>
+                  </a:cubicBezTo>
+                  <a:cubicBezTo>
+                    <a:pt x="123" y="586"/>
+                    <a:pt x="141" y="634"/>
+                    <a:pt x="160" y="681"/>
+                  </a:cubicBezTo>
+                  <a:cubicBezTo>
+                    <a:pt x="166" y="695"/>
+                    <a:pt x="172" y="708"/>
+                    <a:pt x="178" y="722"/>
+                  </a:cubicBezTo>
+                  <a:cubicBezTo>
+                    <a:pt x="176" y="717"/>
+                    <a:pt x="175" y="713"/>
+                    <a:pt x="174" y="708"/>
+                  </a:cubicBezTo>
+                  <a:cubicBezTo>
+                    <a:pt x="169" y="692"/>
+                    <a:pt x="165" y="676"/>
+                    <a:pt x="162" y="660"/>
+                  </a:cubicBezTo>
+                  <a:close/>
+                </a:path>
+              </a:pathLst>
+            </a:custGeom>
+            <a:grpFill/>
+            <a:ln>
+              <a:noFill/>
+            </a:ln>
+          </p:spPr>
+        </p:sp>
+        <p:sp>
+          <p:nvSpPr>
+            <p:cNvPr id="20" name="Freeform 16">
+              <a:extLst>
+                <a:ext uri="{FF2B5EF4-FFF2-40B4-BE49-F238E27FC236}">
+                  <a16:creationId xmlns:a16="http://schemas.microsoft.com/office/drawing/2014/main" id="{A43EBE71-20BA-4A40-A513-516678089D11}"/>
+                </a:ext>
+                <a:ext uri="{C183D7F6-B498-43B3-948B-1728B52AA6E4}">
+                  <adec:decorative xmlns:adec="http://schemas.microsoft.com/office/drawing/2017/decorative" val="1"/>
+                </a:ext>
+              </a:extLst>
+            </p:cNvPr>
+            <p:cNvSpPr/>
+            <p:nvPr>
+              <p:extLst>
+                <p:ext uri="{386F3935-93C4-4BCD-93E2-E3B085C9AB24}">
+                  <p16:designElem xmlns:p16="http://schemas.microsoft.com/office/powerpoint/2015/main" val="1"/>
+                </p:ext>
+              </p:extLst>
+            </p:nvPr>
+          </p:nvSpPr>
+          <p:spPr bwMode="auto">
+            <a:xfrm>
+              <a:off x="2506663" y="285750"/>
+              <a:ext cx="90488" cy="2493963"/>
+            </a:xfrm>
+            <a:custGeom>
+              <a:avLst/>
+              <a:gdLst/>
+              <a:ahLst/>
+              <a:cxnLst/>
+              <a:rect l="0" t="0" r="r" b="b"/>
+              <a:pathLst>
+                <a:path w="23" h="635">
+                  <a:moveTo>
+                    <a:pt x="11" y="577"/>
+                  </a:moveTo>
+                  <a:cubicBezTo>
+                    <a:pt x="12" y="581"/>
+                    <a:pt x="12" y="585"/>
+                    <a:pt x="12" y="589"/>
+                  </a:cubicBezTo>
+                  <a:cubicBezTo>
+                    <a:pt x="15" y="603"/>
+                    <a:pt x="19" y="617"/>
+                    <a:pt x="22" y="632"/>
+                  </a:cubicBezTo>
+                  <a:cubicBezTo>
+                    <a:pt x="22" y="633"/>
+                    <a:pt x="22" y="634"/>
+                    <a:pt x="23" y="635"/>
+                  </a:cubicBezTo>
+                  <a:cubicBezTo>
+                    <a:pt x="21" y="615"/>
+                    <a:pt x="19" y="596"/>
+                    <a:pt x="17" y="576"/>
+                  </a:cubicBezTo>
+                  <a:cubicBezTo>
+                    <a:pt x="9" y="474"/>
+                    <a:pt x="5" y="372"/>
+                    <a:pt x="5" y="269"/>
+                  </a:cubicBezTo>
+                  <a:cubicBezTo>
+                    <a:pt x="6" y="179"/>
+                    <a:pt x="9" y="90"/>
+                    <a:pt x="15" y="0"/>
+                  </a:cubicBezTo>
+                  <a:cubicBezTo>
+                    <a:pt x="12" y="0"/>
+                    <a:pt x="12" y="0"/>
+                    <a:pt x="12" y="0"/>
+                  </a:cubicBezTo>
+                  <a:cubicBezTo>
+                    <a:pt x="5" y="89"/>
+                    <a:pt x="2" y="179"/>
+                    <a:pt x="1" y="269"/>
+                  </a:cubicBezTo>
+                  <a:cubicBezTo>
+                    <a:pt x="0" y="372"/>
+                    <a:pt x="3" y="474"/>
+                    <a:pt x="11" y="577"/>
+                  </a:cubicBezTo>
+                  <a:close/>
+                </a:path>
+              </a:pathLst>
+            </a:custGeom>
+            <a:grpFill/>
+            <a:ln>
+              <a:noFill/>
+            </a:ln>
+          </p:spPr>
+        </p:sp>
+        <p:sp>
+          <p:nvSpPr>
+            <p:cNvPr id="21" name="Freeform 17">
+              <a:extLst>
+                <a:ext uri="{FF2B5EF4-FFF2-40B4-BE49-F238E27FC236}">
+                  <a16:creationId xmlns:a16="http://schemas.microsoft.com/office/drawing/2014/main" id="{1DB39648-7B38-4D0B-93C5-048EC4A45C99}"/>
+                </a:ext>
+                <a:ext uri="{C183D7F6-B498-43B3-948B-1728B52AA6E4}">
+                  <adec:decorative xmlns:adec="http://schemas.microsoft.com/office/drawing/2017/decorative" val="1"/>
+                </a:ext>
+              </a:extLst>
+            </p:cNvPr>
+            <p:cNvSpPr/>
+            <p:nvPr>
+              <p:extLst>
+                <p:ext uri="{386F3935-93C4-4BCD-93E2-E3B085C9AB24}">
+                  <p16:designElem xmlns:p16="http://schemas.microsoft.com/office/powerpoint/2015/main" val="1"/>
+                </p:ext>
+              </p:extLst>
+            </p:nvPr>
+          </p:nvSpPr>
+          <p:spPr bwMode="auto">
+            <a:xfrm>
+              <a:off x="2554288" y="2598738"/>
+              <a:ext cx="66675" cy="420688"/>
+            </a:xfrm>
+            <a:custGeom>
+              <a:avLst/>
+              <a:gdLst/>
+              <a:ahLst/>
+              <a:cxnLst/>
+              <a:rect l="0" t="0" r="r" b="b"/>
+              <a:pathLst>
+                <a:path w="17" h="107">
+                  <a:moveTo>
+                    <a:pt x="0" y="0"/>
+                  </a:moveTo>
+                  <a:cubicBezTo>
+                    <a:pt x="2" y="19"/>
+                    <a:pt x="3" y="37"/>
+                    <a:pt x="5" y="56"/>
+                  </a:cubicBezTo>
+                  <a:cubicBezTo>
+                    <a:pt x="9" y="73"/>
+                    <a:pt x="13" y="90"/>
+                    <a:pt x="17" y="107"/>
+                  </a:cubicBezTo>
+                  <a:cubicBezTo>
+                    <a:pt x="15" y="87"/>
+                    <a:pt x="13" y="66"/>
+                    <a:pt x="11" y="46"/>
+                  </a:cubicBezTo>
+                  <a:cubicBezTo>
+                    <a:pt x="10" y="45"/>
+                    <a:pt x="10" y="44"/>
+                    <a:pt x="10" y="43"/>
+                  </a:cubicBezTo>
+                  <a:cubicBezTo>
+                    <a:pt x="7" y="28"/>
+                    <a:pt x="3" y="14"/>
+                    <a:pt x="0" y="0"/>
+                  </a:cubicBezTo>
+                  <a:close/>
+                </a:path>
+              </a:pathLst>
+            </a:custGeom>
+            <a:grpFill/>
+            <a:ln>
+              <a:noFill/>
+            </a:ln>
+          </p:spPr>
+        </p:sp>
+        <p:sp>
+          <p:nvSpPr>
+            <p:cNvPr id="22" name="Freeform 18">
+              <a:extLst>
+                <a:ext uri="{FF2B5EF4-FFF2-40B4-BE49-F238E27FC236}">
+                  <a16:creationId xmlns:a16="http://schemas.microsoft.com/office/drawing/2014/main" id="{8DD2661F-DE5F-45EA-B30B-7C6589638836}"/>
+                </a:ext>
+                <a:ext uri="{C183D7F6-B498-43B3-948B-1728B52AA6E4}">
+                  <adec:decorative xmlns:adec="http://schemas.microsoft.com/office/drawing/2017/decorative" val="1"/>
+                </a:ext>
+              </a:extLst>
+            </p:cNvPr>
+            <p:cNvSpPr/>
+            <p:nvPr>
+              <p:extLst>
+                <p:ext uri="{386F3935-93C4-4BCD-93E2-E3B085C9AB24}">
+                  <p16:designElem xmlns:p16="http://schemas.microsoft.com/office/powerpoint/2015/main" val="1"/>
+                </p:ext>
+              </p:extLst>
+            </p:nvPr>
+          </p:nvSpPr>
+          <p:spPr bwMode="auto">
+            <a:xfrm>
+              <a:off x="3143251" y="4757738"/>
+              <a:ext cx="161925" cy="873125"/>
+            </a:xfrm>
+            <a:custGeom>
+              <a:avLst/>
+              <a:gdLst/>
+              <a:ahLst/>
+              <a:cxnLst/>
+              <a:rect l="0" t="0" r="r" b="b"/>
+              <a:pathLst>
+                <a:path w="41" h="222">
+                  <a:moveTo>
+                    <a:pt x="0" y="0"/>
+                  </a:moveTo>
+                  <a:cubicBezTo>
+                    <a:pt x="0" y="31"/>
+                    <a:pt x="2" y="62"/>
+                    <a:pt x="5" y="93"/>
+                  </a:cubicBezTo>
+                  <a:cubicBezTo>
+                    <a:pt x="8" y="117"/>
+                    <a:pt x="12" y="142"/>
+                    <a:pt x="17" y="166"/>
+                  </a:cubicBezTo>
+                  <a:cubicBezTo>
+                    <a:pt x="19" y="172"/>
+                    <a:pt x="22" y="178"/>
+                    <a:pt x="24" y="184"/>
+                  </a:cubicBezTo>
+                  <a:cubicBezTo>
+                    <a:pt x="30" y="197"/>
+                    <a:pt x="35" y="209"/>
+                    <a:pt x="41" y="222"/>
+                  </a:cubicBezTo>
+                  <a:cubicBezTo>
+                    <a:pt x="40" y="219"/>
+                    <a:pt x="39" y="215"/>
+                    <a:pt x="38" y="212"/>
+                  </a:cubicBezTo>
+                  <a:cubicBezTo>
+                    <a:pt x="26" y="172"/>
+                    <a:pt x="18" y="132"/>
+                    <a:pt x="13" y="92"/>
+                  </a:cubicBezTo>
+                  <a:cubicBezTo>
+                    <a:pt x="11" y="68"/>
+                    <a:pt x="9" y="45"/>
+                    <a:pt x="8" y="22"/>
+                  </a:cubicBezTo>
+                  <a:cubicBezTo>
+                    <a:pt x="8" y="21"/>
+                    <a:pt x="7" y="20"/>
+                    <a:pt x="7" y="18"/>
+                  </a:cubicBezTo>
+                  <a:cubicBezTo>
+                    <a:pt x="5" y="12"/>
+                    <a:pt x="2" y="6"/>
+                    <a:pt x="0" y="0"/>
+                  </a:cubicBezTo>
+                  <a:close/>
+                </a:path>
+              </a:pathLst>
+            </a:custGeom>
+            <a:grpFill/>
+            <a:ln>
+              <a:noFill/>
+            </a:ln>
+          </p:spPr>
+        </p:sp>
+        <p:sp>
+          <p:nvSpPr>
+            <p:cNvPr id="23" name="Freeform 19">
+              <a:extLst>
+                <a:ext uri="{FF2B5EF4-FFF2-40B4-BE49-F238E27FC236}">
+                  <a16:creationId xmlns:a16="http://schemas.microsoft.com/office/drawing/2014/main" id="{ABF0A0E5-E68E-4183-A913-228692FD85EC}"/>
+                </a:ext>
+                <a:ext uri="{C183D7F6-B498-43B3-948B-1728B52AA6E4}">
+                  <adec:decorative xmlns:adec="http://schemas.microsoft.com/office/drawing/2017/decorative" val="1"/>
+                </a:ext>
+              </a:extLst>
+            </p:cNvPr>
+            <p:cNvSpPr/>
+            <p:nvPr>
+              <p:extLst>
+                <p:ext uri="{386F3935-93C4-4BCD-93E2-E3B085C9AB24}">
+                  <p16:designElem xmlns:p16="http://schemas.microsoft.com/office/powerpoint/2015/main" val="1"/>
+                </p:ext>
+              </p:extLst>
+            </p:nvPr>
+          </p:nvSpPr>
+          <p:spPr bwMode="auto">
+            <a:xfrm>
+              <a:off x="3148014" y="468286"/>
+              <a:ext cx="1768475" cy="4262464"/>
+            </a:xfrm>
+            <a:custGeom>
+              <a:avLst/>
+              <a:gdLst/>
+              <a:ahLst/>
+              <a:cxnLst/>
+              <a:rect l="0" t="0" r="r" b="b"/>
+              <a:pathLst>
+                <a:path w="450" h="878">
+                  <a:moveTo>
+                    <a:pt x="7" y="854"/>
+                  </a:moveTo>
+                  <a:cubicBezTo>
+                    <a:pt x="10" y="772"/>
+                    <a:pt x="26" y="691"/>
+                    <a:pt x="50" y="613"/>
+                  </a:cubicBezTo>
+                  <a:cubicBezTo>
+                    <a:pt x="75" y="535"/>
+                    <a:pt x="109" y="460"/>
+                    <a:pt x="149" y="388"/>
+                  </a:cubicBezTo>
+                  <a:cubicBezTo>
+                    <a:pt x="189" y="316"/>
+                    <a:pt x="235" y="248"/>
+                    <a:pt x="285" y="183"/>
+                  </a:cubicBezTo>
+                  <a:cubicBezTo>
+                    <a:pt x="310" y="151"/>
+                    <a:pt x="337" y="119"/>
+                    <a:pt x="364" y="89"/>
+                  </a:cubicBezTo>
+                  <a:cubicBezTo>
+                    <a:pt x="378" y="74"/>
+                    <a:pt x="392" y="58"/>
+                    <a:pt x="406" y="44"/>
+                  </a:cubicBezTo>
+                  <a:cubicBezTo>
+                    <a:pt x="421" y="29"/>
+                    <a:pt x="435" y="15"/>
+                    <a:pt x="450" y="1"/>
+                  </a:cubicBezTo>
+                  <a:cubicBezTo>
+                    <a:pt x="450" y="0"/>
+                    <a:pt x="450" y="0"/>
+                    <a:pt x="450" y="0"/>
+                  </a:cubicBezTo>
+                  <a:cubicBezTo>
+                    <a:pt x="434" y="14"/>
+                    <a:pt x="420" y="28"/>
+                    <a:pt x="405" y="43"/>
+                  </a:cubicBezTo>
+                  <a:cubicBezTo>
+                    <a:pt x="391" y="57"/>
+                    <a:pt x="377" y="72"/>
+                    <a:pt x="363" y="88"/>
+                  </a:cubicBezTo>
+                  <a:cubicBezTo>
+                    <a:pt x="335" y="118"/>
+                    <a:pt x="308" y="149"/>
+                    <a:pt x="283" y="181"/>
+                  </a:cubicBezTo>
+                  <a:cubicBezTo>
+                    <a:pt x="232" y="246"/>
+                    <a:pt x="185" y="314"/>
+                    <a:pt x="145" y="386"/>
+                  </a:cubicBezTo>
+                  <a:cubicBezTo>
+                    <a:pt x="104" y="457"/>
+                    <a:pt x="70" y="533"/>
+                    <a:pt x="45" y="611"/>
+                  </a:cubicBezTo>
+                  <a:cubicBezTo>
+                    <a:pt x="19" y="690"/>
+                    <a:pt x="3" y="771"/>
+                    <a:pt x="0" y="854"/>
+                  </a:cubicBezTo>
+                  <a:cubicBezTo>
+                    <a:pt x="0" y="856"/>
+                    <a:pt x="0" y="857"/>
+                    <a:pt x="0" y="859"/>
+                  </a:cubicBezTo>
+                  <a:cubicBezTo>
+                    <a:pt x="2" y="865"/>
+                    <a:pt x="4" y="872"/>
+                    <a:pt x="7" y="878"/>
+                  </a:cubicBezTo>
+                  <a:cubicBezTo>
+                    <a:pt x="7" y="870"/>
+                    <a:pt x="7" y="862"/>
+                    <a:pt x="7" y="854"/>
+                  </a:cubicBezTo>
+                  <a:close/>
+                </a:path>
+              </a:pathLst>
+            </a:custGeom>
+            <a:grpFill/>
+            <a:ln>
+              <a:noFill/>
+            </a:ln>
+          </p:spPr>
+        </p:sp>
+        <p:sp>
+          <p:nvSpPr>
+            <p:cNvPr id="24" name="Freeform 20">
+              <a:extLst>
+                <a:ext uri="{FF2B5EF4-FFF2-40B4-BE49-F238E27FC236}">
+                  <a16:creationId xmlns:a16="http://schemas.microsoft.com/office/drawing/2014/main" id="{615D8F55-8ACD-4EFE-A832-06E785479EA5}"/>
+                </a:ext>
+                <a:ext uri="{C183D7F6-B498-43B3-948B-1728B52AA6E4}">
+                  <adec:decorative xmlns:adec="http://schemas.microsoft.com/office/drawing/2017/decorative" val="1"/>
+                </a:ext>
+              </a:extLst>
+            </p:cNvPr>
+            <p:cNvSpPr/>
+            <p:nvPr>
+              <p:extLst>
+                <p:ext uri="{386F3935-93C4-4BCD-93E2-E3B085C9AB24}">
+                  <p16:designElem xmlns:p16="http://schemas.microsoft.com/office/powerpoint/2015/main" val="1"/>
+                </p:ext>
+              </p:extLst>
+            </p:nvPr>
+          </p:nvSpPr>
+          <p:spPr bwMode="auto">
+            <a:xfrm>
+              <a:off x="3273426" y="5653088"/>
+              <a:ext cx="138113" cy="287338"/>
+            </a:xfrm>
+            <a:custGeom>
+              <a:avLst/>
+              <a:gdLst/>
+              <a:ahLst/>
+              <a:cxnLst/>
+              <a:rect l="0" t="0" r="r" b="b"/>
+              <a:pathLst>
+                <a:path w="35" h="73">
+                  <a:moveTo>
+                    <a:pt x="0" y="0"/>
+                  </a:moveTo>
+                  <a:cubicBezTo>
+                    <a:pt x="7" y="24"/>
+                    <a:pt x="16" y="49"/>
+                    <a:pt x="26" y="73"/>
+                  </a:cubicBezTo>
+                  <a:cubicBezTo>
+                    <a:pt x="35" y="73"/>
+                    <a:pt x="35" y="73"/>
+                    <a:pt x="35" y="73"/>
+                  </a:cubicBezTo>
+                  <a:cubicBezTo>
+                    <a:pt x="23" y="49"/>
+                    <a:pt x="11" y="24"/>
+                    <a:pt x="0" y="0"/>
+                  </a:cubicBezTo>
+                  <a:close/>
+                </a:path>
+              </a:pathLst>
+            </a:custGeom>
+            <a:grpFill/>
+            <a:ln>
+              <a:noFill/>
+            </a:ln>
+          </p:spPr>
+        </p:sp>
+        <p:sp>
+          <p:nvSpPr>
+            <p:cNvPr id="25" name="Freeform 21">
+              <a:extLst>
+                <a:ext uri="{FF2B5EF4-FFF2-40B4-BE49-F238E27FC236}">
+                  <a16:creationId xmlns:a16="http://schemas.microsoft.com/office/drawing/2014/main" id="{0FDF4201-8CEC-474B-A6B1-88039B70416F}"/>
+                </a:ext>
+                <a:ext uri="{C183D7F6-B498-43B3-948B-1728B52AA6E4}">
+                  <adec:decorative xmlns:adec="http://schemas.microsoft.com/office/drawing/2017/decorative" val="1"/>
+                </a:ext>
+              </a:extLst>
+            </p:cNvPr>
+            <p:cNvSpPr/>
+            <p:nvPr>
+              <p:extLst>
+                <p:ext uri="{386F3935-93C4-4BCD-93E2-E3B085C9AB24}">
+                  <p16:designElem xmlns:p16="http://schemas.microsoft.com/office/powerpoint/2015/main" val="1"/>
+                </p:ext>
+              </p:extLst>
+            </p:nvPr>
+          </p:nvSpPr>
+          <p:spPr bwMode="auto">
+            <a:xfrm>
+              <a:off x="3143251" y="4656138"/>
+              <a:ext cx="31750" cy="188913"/>
+            </a:xfrm>
+            <a:custGeom>
+              <a:avLst/>
+              <a:gdLst/>
+              <a:ahLst/>
+              <a:cxnLst/>
+              <a:rect l="0" t="0" r="r" b="b"/>
+              <a:pathLst>
+                <a:path w="8" h="48">
+                  <a:moveTo>
+                    <a:pt x="7" y="44"/>
+                  </a:moveTo>
+                  <a:cubicBezTo>
+                    <a:pt x="7" y="46"/>
+                    <a:pt x="8" y="47"/>
+                    <a:pt x="8" y="48"/>
+                  </a:cubicBezTo>
+                  <a:cubicBezTo>
+                    <a:pt x="8" y="38"/>
+                    <a:pt x="8" y="29"/>
+                    <a:pt x="8" y="19"/>
+                  </a:cubicBezTo>
+                  <a:cubicBezTo>
+                    <a:pt x="5" y="13"/>
+                    <a:pt x="3" y="6"/>
+                    <a:pt x="1" y="0"/>
+                  </a:cubicBezTo>
+                  <a:cubicBezTo>
+                    <a:pt x="0" y="9"/>
+                    <a:pt x="0" y="17"/>
+                    <a:pt x="0" y="26"/>
+                  </a:cubicBezTo>
+                  <a:cubicBezTo>
+                    <a:pt x="2" y="32"/>
+                    <a:pt x="5" y="38"/>
+                    <a:pt x="7" y="44"/>
+                  </a:cubicBezTo>
+                  <a:close/>
+                </a:path>
+              </a:pathLst>
+            </a:custGeom>
+            <a:grpFill/>
+            <a:ln>
+              <a:noFill/>
+            </a:ln>
+          </p:spPr>
+        </p:sp>
+        <p:sp>
+          <p:nvSpPr>
+            <p:cNvPr id="26" name="Freeform 22">
+              <a:extLst>
+                <a:ext uri="{FF2B5EF4-FFF2-40B4-BE49-F238E27FC236}">
+                  <a16:creationId xmlns:a16="http://schemas.microsoft.com/office/drawing/2014/main" id="{0F60AEA4-B25F-417E-93FC-59686DFBE56E}"/>
+                </a:ext>
+                <a:ext uri="{C183D7F6-B498-43B3-948B-1728B52AA6E4}">
+                  <adec:decorative xmlns:adec="http://schemas.microsoft.com/office/drawing/2017/decorative" val="1"/>
+                </a:ext>
+              </a:extLst>
+            </p:cNvPr>
+            <p:cNvSpPr/>
+            <p:nvPr>
+              <p:extLst>
+                <p:ext uri="{386F3935-93C4-4BCD-93E2-E3B085C9AB24}">
+                  <p16:designElem xmlns:p16="http://schemas.microsoft.com/office/powerpoint/2015/main" val="1"/>
+                </p:ext>
+              </p:extLst>
+            </p:nvPr>
+          </p:nvSpPr>
+          <p:spPr bwMode="auto">
+            <a:xfrm>
+              <a:off x="3211513" y="5410200"/>
+              <a:ext cx="203200" cy="530225"/>
+            </a:xfrm>
+            <a:custGeom>
+              <a:avLst/>
+              <a:gdLst/>
+              <a:ahLst/>
+              <a:cxnLst/>
+              <a:rect l="0" t="0" r="r" b="b"/>
+              <a:pathLst>
+                <a:path w="52" h="135">
+                  <a:moveTo>
+                    <a:pt x="7" y="18"/>
+                  </a:moveTo>
+                  <a:cubicBezTo>
+                    <a:pt x="5" y="12"/>
+                    <a:pt x="2" y="6"/>
+                    <a:pt x="0" y="0"/>
+                  </a:cubicBezTo>
+                  <a:cubicBezTo>
+                    <a:pt x="3" y="16"/>
+                    <a:pt x="7" y="32"/>
+                    <a:pt x="12" y="48"/>
+                  </a:cubicBezTo>
+                  <a:cubicBezTo>
+                    <a:pt x="13" y="53"/>
+                    <a:pt x="14" y="57"/>
+                    <a:pt x="16" y="62"/>
+                  </a:cubicBezTo>
+                  <a:cubicBezTo>
+                    <a:pt x="27" y="86"/>
+                    <a:pt x="39" y="111"/>
+                    <a:pt x="51" y="135"/>
+                  </a:cubicBezTo>
+                  <a:cubicBezTo>
+                    <a:pt x="52" y="135"/>
+                    <a:pt x="52" y="135"/>
+                    <a:pt x="52" y="135"/>
+                  </a:cubicBezTo>
+                  <a:cubicBezTo>
+                    <a:pt x="41" y="109"/>
+                    <a:pt x="32" y="83"/>
+                    <a:pt x="24" y="56"/>
+                  </a:cubicBezTo>
+                  <a:cubicBezTo>
+                    <a:pt x="18" y="43"/>
+                    <a:pt x="13" y="31"/>
+                    <a:pt x="7" y="18"/>
+                  </a:cubicBezTo>
+                  <a:close/>
+                </a:path>
+              </a:pathLst>
+            </a:custGeom>
+            <a:grpFill/>
+            <a:ln>
+              <a:noFill/>
+            </a:ln>
+          </p:spPr>
+        </p:sp>
+      </p:grpSp>
       <p:sp>
         <p:nvSpPr>
           <p:cNvPr id="3" name="Content Placeholder 2">
@@ -19627,13 +21347,26 @@
             <p:ph idx="1"/>
           </p:nvPr>
         </p:nvSpPr>
-        <p:spPr/>
+        <p:spPr>
+          <a:xfrm>
+            <a:off x="5049062" y="942108"/>
+            <a:ext cx="6455549" cy="4969114"/>
+          </a:xfrm>
+        </p:spPr>
         <p:txBody>
-          <a:bodyPr/>
+          <a:bodyPr anchor="ctr">
+            <a:normAutofit/>
+          </a:bodyPr>
           <a:lstStyle/>
           <a:p>
             <a:r>
-              <a:rPr lang="en-US" dirty="0"/>
+              <a:rPr lang="en-US" dirty="0">
+                <a:solidFill>
+                  <a:schemeClr val="tx2">
+                    <a:lumMod val="75000"/>
+                  </a:schemeClr>
+                </a:solidFill>
+              </a:rPr>
               <a:t>To mitigate the loneliness epidemic in the U.S. by creating a platform that allows people to form deep and meaningful connections within their local community.</a:t>
             </a:r>
           </a:p>
@@ -19766,44 +21499,6 @@
           <a:lstStyle/>
           <a:p>
             <a:pPr algn="ctr"/>
-            <a:r>
-              <a:rPr lang="en-US" dirty="0">
-                <a:solidFill>
-                  <a:schemeClr val="tx2">
-                    <a:lumMod val="75000"/>
-                  </a:schemeClr>
-                </a:solidFill>
-              </a:rPr>
-              <a:t>App Saturation in the</a:t>
-            </a:r>
-            <a:br>
-              <a:rPr lang="en-US" dirty="0">
-                <a:solidFill>
-                  <a:schemeClr val="tx2">
-                    <a:lumMod val="75000"/>
-                  </a:schemeClr>
-                </a:solidFill>
-              </a:rPr>
-            </a:br>
-            <a:r>
-              <a:rPr lang="en-US" dirty="0">
-                <a:solidFill>
-                  <a:schemeClr val="tx2">
-                    <a:lumMod val="75000"/>
-                  </a:schemeClr>
-                </a:solidFill>
-              </a:rPr>
-              <a:t>Digital Age:</a:t>
-            </a:r>
-            <a:br>
-              <a:rPr lang="en-US" dirty="0">
-                <a:solidFill>
-                  <a:schemeClr val="tx2">
-                    <a:lumMod val="75000"/>
-                  </a:schemeClr>
-                </a:solidFill>
-              </a:rPr>
-            </a:br>
             <a:r>
               <a:rPr lang="en-US" dirty="0">
                 <a:solidFill>
@@ -20989,13 +22684,14 @@
             </a:r>
           </a:p>
           <a:p>
+            <a:pPr lvl="1"/>
             <a:r>
-              <a:rPr lang="en-US" dirty="0">
+              <a:rPr lang="en-US" sz="900" dirty="0">
                 <a:hlinkClick r:id="rId2"/>
               </a:rPr>
               <a:t>https://www.pewforum.org/2016/08/23/2-religious-attendance-fluid-for-many-americans/</a:t>
             </a:r>
-            <a:endParaRPr lang="en-US" dirty="0">
+            <a:endParaRPr lang="en-US" sz="900" dirty="0">
               <a:solidFill>
                 <a:schemeClr val="tx2">
                   <a:lumMod val="75000"/>
@@ -21012,10 +22708,13 @@
                   </a:schemeClr>
                 </a:solidFill>
               </a:rPr>
-              <a:t>Binge drinking has decreased among teens: </a:t>
+              <a:t>Binge drinking has decreased among teens:</a:t>
             </a:r>
+          </a:p>
+          <a:p>
+            <a:pPr lvl="1"/>
             <a:r>
-              <a:rPr lang="en-US" dirty="0">
+              <a:rPr lang="en-US" sz="900" dirty="0">
                 <a:solidFill>
                   <a:schemeClr val="tx2">
                     <a:lumMod val="75000"/>
@@ -21025,7 +22724,7 @@
               </a:rPr>
               <a:t>https://www.nytimes.com/2017/07/31/well/family/binge-drinking-drops-among-teenagers.html</a:t>
             </a:r>
-            <a:endParaRPr lang="en-US" dirty="0">
+            <a:endParaRPr lang="en-US" sz="900" dirty="0">
               <a:solidFill>
                 <a:schemeClr val="tx2">
                   <a:lumMod val="75000"/>
@@ -21034,8 +22733,9 @@
             </a:endParaRPr>
           </a:p>
           <a:p>
+            <a:pPr lvl="1"/>
             <a:r>
-              <a:rPr lang="en-US" dirty="0">
+              <a:rPr lang="en-US" sz="850" dirty="0">
                 <a:solidFill>
                   <a:schemeClr val="tx2">
                     <a:lumMod val="75000"/>
@@ -21045,7 +22745,7 @@
               </a:rPr>
               <a:t>http://www.monitoringthefuture.org/pubs/monographs/mtf-overview2016.pdf</a:t>
             </a:r>
-            <a:endParaRPr lang="en-US" dirty="0">
+            <a:endParaRPr lang="en-US" sz="850" dirty="0">
               <a:solidFill>
                 <a:schemeClr val="tx2">
                   <a:lumMod val="75000"/>
@@ -21062,10 +22762,13 @@
                   </a:schemeClr>
                 </a:solidFill>
               </a:rPr>
-              <a:t>Heterosexual sex among young men: </a:t>
+              <a:t>Sex among heterosexual young men has decreased:</a:t>
             </a:r>
+          </a:p>
+          <a:p>
+            <a:pPr lvl="1"/>
             <a:r>
-              <a:rPr lang="en-US" dirty="0">
+              <a:rPr lang="en-US" sz="1000" dirty="0">
                 <a:solidFill>
                   <a:schemeClr val="tx2">
                     <a:lumMod val="75000"/>
@@ -21075,7 +22778,7 @@
               </a:rPr>
               <a:t>https://www.reuters.com/article/us-usa-health-sex/young-u-s-men-having-a-lot-less-sex-in-the-21st-century-study-shows-idUSKBN23J2LI</a:t>
             </a:r>
-            <a:endParaRPr lang="en-US" dirty="0">
+            <a:endParaRPr lang="en-US" sz="1000" dirty="0">
               <a:solidFill>
                 <a:schemeClr val="tx2">
                   <a:lumMod val="75000"/>
@@ -21221,44 +22924,6 @@
           <a:lstStyle/>
           <a:p>
             <a:pPr algn="ctr"/>
-            <a:r>
-              <a:rPr lang="en-US" dirty="0">
-                <a:solidFill>
-                  <a:schemeClr val="tx2">
-                    <a:lumMod val="75000"/>
-                  </a:schemeClr>
-                </a:solidFill>
-              </a:rPr>
-              <a:t>App Saturation in the</a:t>
-            </a:r>
-            <a:br>
-              <a:rPr lang="en-US" dirty="0">
-                <a:solidFill>
-                  <a:schemeClr val="tx2">
-                    <a:lumMod val="75000"/>
-                  </a:schemeClr>
-                </a:solidFill>
-              </a:rPr>
-            </a:br>
-            <a:r>
-              <a:rPr lang="en-US" dirty="0">
-                <a:solidFill>
-                  <a:schemeClr val="tx2">
-                    <a:lumMod val="75000"/>
-                  </a:schemeClr>
-                </a:solidFill>
-              </a:rPr>
-              <a:t>Digital Age:</a:t>
-            </a:r>
-            <a:br>
-              <a:rPr lang="en-US" dirty="0">
-                <a:solidFill>
-                  <a:schemeClr val="tx2">
-                    <a:lumMod val="75000"/>
-                  </a:schemeClr>
-                </a:solidFill>
-              </a:rPr>
-            </a:br>
             <a:r>
               <a:rPr lang="en-US" dirty="0">
                 <a:solidFill>
@@ -22571,7 +24236,7 @@
       </p:grpSpPr>
       <p:sp>
         <p:nvSpPr>
-          <p:cNvPr id="8" name="Rectangle 7">
+          <p:cNvPr id="35" name="Rectangle 14">
             <a:extLst>
               <a:ext uri="{FF2B5EF4-FFF2-40B4-BE49-F238E27FC236}">
                 <a16:creationId xmlns:a16="http://schemas.microsoft.com/office/drawing/2014/main" id="{83030214-227F-42DB-9282-BBA6AF8D94A8}"/>
@@ -22660,6 +24325,7 @@
           </a:bodyPr>
           <a:lstStyle/>
           <a:p>
+            <a:pPr algn="ctr"/>
             <a:r>
               <a:rPr lang="en-US" dirty="0"/>
               <a:t>The Current Method of Meeting People</a:t>
@@ -22669,7 +24335,7 @@
       </p:sp>
       <p:sp>
         <p:nvSpPr>
-          <p:cNvPr id="10" name="Freeform 11">
+          <p:cNvPr id="36" name="Freeform 11">
             <a:extLst>
               <a:ext uri="{FF2B5EF4-FFF2-40B4-BE49-F238E27FC236}">
                 <a16:creationId xmlns:a16="http://schemas.microsoft.com/office/drawing/2014/main" id="{0D7A9289-BAD1-4A78-979F-A655C886DBF5}"/>
@@ -22888,51 +24554,52 @@
           <a:lstStyle/>
           <a:p>
             <a:r>
-              <a:rPr lang="en-US" dirty="0"/>
+              <a:rPr lang="en-US"/>
               <a:t>Joining a special interest community (gardening, cycling, gaming, or people from work)</a:t>
             </a:r>
           </a:p>
           <a:p>
             <a:pPr lvl="1"/>
             <a:r>
-              <a:rPr lang="en-US" dirty="0"/>
+              <a:rPr lang="en-US"/>
               <a:t>What if no one is interesting to you in this community? (e.g. lack of gender diversity, lack of personality diversity)</a:t>
             </a:r>
           </a:p>
           <a:p>
             <a:pPr lvl="1"/>
             <a:r>
-              <a:rPr lang="en-US" dirty="0"/>
+              <a:rPr lang="en-US"/>
               <a:t>The social stigma of loneliness:</a:t>
             </a:r>
           </a:p>
           <a:p>
             <a:pPr lvl="2"/>
             <a:r>
-              <a:rPr lang="en-US" dirty="0"/>
+              <a:rPr lang="en-US"/>
               <a:t>Not performing well in a special interest activity or looking like an outcast signals that either your interest is not genuine or you’re not fit for the group.</a:t>
             </a:r>
           </a:p>
           <a:p>
             <a:pPr lvl="3"/>
             <a:r>
-              <a:rPr lang="en-US" dirty="0"/>
+              <a:rPr lang="en-US"/>
               <a:t>There may be an assumption that you came to the activity just to meet people.</a:t>
             </a:r>
           </a:p>
           <a:p>
             <a:pPr lvl="4"/>
             <a:r>
-              <a:rPr lang="en-US" dirty="0"/>
+              <a:rPr lang="en-US"/>
               <a:t>It may be obvious that you’re lonely and vulnerable.</a:t>
             </a:r>
           </a:p>
           <a:p>
             <a:pPr lvl="5"/>
             <a:r>
-              <a:rPr lang="en-US" dirty="0"/>
+              <a:rPr lang="en-US"/>
               <a:t>There is an assumption that you must be lonely for a reason.</a:t>
             </a:r>
+            <a:endParaRPr lang="en-US" dirty="0"/>
           </a:p>
         </p:txBody>
       </p:sp>
@@ -22952,6 +24619,14 @@
 <file path=ppt/slides/slide9.xml><?xml version="1.0" encoding="utf-8"?>
 <p:sld xmlns:a="http://schemas.openxmlformats.org/drawingml/2006/main" xmlns:r="http://schemas.openxmlformats.org/officeDocument/2006/relationships" xmlns:p="http://schemas.openxmlformats.org/presentationml/2006/main">
   <p:cSld>
+    <p:bg>
+      <p:bgPr>
+        <a:solidFill>
+          <a:schemeClr val="bg2"/>
+        </a:solidFill>
+        <a:effectLst/>
+      </p:bgPr>
+    </p:bg>
     <p:spTree>
       <p:nvGrpSpPr>
         <p:cNvPr id="1" name=""/>
@@ -22966,6 +24641,66 @@
           <a:chExt cx="0" cy="0"/>
         </a:xfrm>
       </p:grpSpPr>
+      <p:sp useBgFill="1">
+        <p:nvSpPr>
+          <p:cNvPr id="8" name="Rectangle 7">
+            <a:extLst>
+              <a:ext uri="{FF2B5EF4-FFF2-40B4-BE49-F238E27FC236}">
+                <a16:creationId xmlns:a16="http://schemas.microsoft.com/office/drawing/2014/main" id="{CD306B45-25EE-434D-ABA9-A27B79320CFF}"/>
+              </a:ext>
+              <a:ext uri="{C183D7F6-B498-43B3-948B-1728B52AA6E4}">
+                <adec:decorative xmlns:adec="http://schemas.microsoft.com/office/drawing/2017/decorative" val="1"/>
+              </a:ext>
+            </a:extLst>
+          </p:cNvPr>
+          <p:cNvSpPr>
+            <a:spLocks noGrp="1" noRot="1" noChangeAspect="1" noMove="1" noResize="1" noEditPoints="1" noAdjustHandles="1" noChangeArrowheads="1" noChangeShapeType="1" noTextEdit="1"/>
+          </p:cNvSpPr>
+          <p:nvPr>
+            <p:extLst>
+              <p:ext uri="{386F3935-93C4-4BCD-93E2-E3B085C9AB24}">
+                <p16:designElem xmlns:p16="http://schemas.microsoft.com/office/powerpoint/2015/main" val="1"/>
+              </p:ext>
+            </p:extLst>
+          </p:nvPr>
+        </p:nvSpPr>
+        <p:spPr>
+          <a:xfrm>
+            <a:off x="2" y="0"/>
+            <a:ext cx="12191998" cy="6858000"/>
+          </a:xfrm>
+          <a:prstGeom prst="rect">
+            <a:avLst/>
+          </a:prstGeom>
+          <a:ln>
+            <a:noFill/>
+          </a:ln>
+        </p:spPr>
+        <p:style>
+          <a:lnRef idx="2">
+            <a:schemeClr val="accent1">
+              <a:shade val="50000"/>
+            </a:schemeClr>
+          </a:lnRef>
+          <a:fillRef idx="1">
+            <a:schemeClr val="accent1"/>
+          </a:fillRef>
+          <a:effectRef idx="0">
+            <a:schemeClr val="accent1"/>
+          </a:effectRef>
+          <a:fontRef idx="minor">
+            <a:schemeClr val="lt1"/>
+          </a:fontRef>
+        </p:style>
+        <p:txBody>
+          <a:bodyPr rtlCol="0" anchor="ctr"/>
+          <a:lstStyle/>
+          <a:p>
+            <a:pPr algn="ctr"/>
+            <a:endParaRPr lang="en-US"/>
+          </a:p>
+        </p:txBody>
+      </p:sp>
       <p:sp>
         <p:nvSpPr>
           <p:cNvPr id="2" name="Title 1">
@@ -22982,18 +24717,1164 @@
             <p:ph type="title"/>
           </p:nvPr>
         </p:nvSpPr>
-        <p:spPr/>
+        <p:spPr>
+          <a:xfrm>
+            <a:off x="1046019" y="942108"/>
+            <a:ext cx="3256550" cy="4969113"/>
+          </a:xfrm>
+        </p:spPr>
         <p:txBody>
-          <a:bodyPr/>
+          <a:bodyPr anchor="ctr">
+            <a:normAutofit/>
+          </a:bodyPr>
           <a:lstStyle/>
           <a:p>
+            <a:pPr algn="ctr"/>
             <a:r>
-              <a:rPr lang="en-US" dirty="0"/>
+              <a:rPr lang="en-US" dirty="0">
+                <a:solidFill>
+                  <a:schemeClr val="tx2">
+                    <a:lumMod val="75000"/>
+                  </a:schemeClr>
+                </a:solidFill>
+              </a:rPr>
               <a:t>The Old Method of Meeting People</a:t>
             </a:r>
           </a:p>
         </p:txBody>
       </p:sp>
+      <p:sp>
+        <p:nvSpPr>
+          <p:cNvPr id="10" name="Rectangle 9">
+            <a:extLst>
+              <a:ext uri="{FF2B5EF4-FFF2-40B4-BE49-F238E27FC236}">
+                <a16:creationId xmlns:a16="http://schemas.microsoft.com/office/drawing/2014/main" id="{0A42F85E-4939-431E-8B4A-EC07C8E0AB65}"/>
+              </a:ext>
+              <a:ext uri="{C183D7F6-B498-43B3-948B-1728B52AA6E4}">
+                <adec:decorative xmlns:adec="http://schemas.microsoft.com/office/drawing/2017/decorative" val="1"/>
+              </a:ext>
+            </a:extLst>
+          </p:cNvPr>
+          <p:cNvSpPr>
+            <a:spLocks noGrp="1" noRot="1" noChangeAspect="1" noMove="1" noResize="1" noEditPoints="1" noAdjustHandles="1" noChangeArrowheads="1" noChangeShapeType="1" noTextEdit="1"/>
+          </p:cNvSpPr>
+          <p:nvPr>
+            <p:extLst>
+              <p:ext uri="{386F3935-93C4-4BCD-93E2-E3B085C9AB24}">
+                <p16:designElem xmlns:p16="http://schemas.microsoft.com/office/powerpoint/2015/main" val="1"/>
+              </p:ext>
+            </p:extLst>
+          </p:nvPr>
+        </p:nvSpPr>
+        <p:spPr>
+          <a:xfrm>
+            <a:off x="0" y="0"/>
+            <a:ext cx="182880" cy="6858000"/>
+          </a:xfrm>
+          <a:prstGeom prst="rect">
+            <a:avLst/>
+          </a:prstGeom>
+          <a:solidFill>
+            <a:schemeClr val="tx2"/>
+          </a:solidFill>
+          <a:ln>
+            <a:noFill/>
+          </a:ln>
+          <a:effectLst/>
+        </p:spPr>
+        <p:style>
+          <a:lnRef idx="1">
+            <a:schemeClr val="accent1"/>
+          </a:lnRef>
+          <a:fillRef idx="3">
+            <a:schemeClr val="accent1"/>
+          </a:fillRef>
+          <a:effectRef idx="2">
+            <a:schemeClr val="accent1"/>
+          </a:effectRef>
+          <a:fontRef idx="minor">
+            <a:schemeClr val="lt1"/>
+          </a:fontRef>
+        </p:style>
+      </p:sp>
+      <p:cxnSp>
+        <p:nvCxnSpPr>
+          <p:cNvPr id="12" name="Straight Connector 11">
+            <a:extLst>
+              <a:ext uri="{FF2B5EF4-FFF2-40B4-BE49-F238E27FC236}">
+                <a16:creationId xmlns:a16="http://schemas.microsoft.com/office/drawing/2014/main" id="{27EBB3F9-D6F7-4F6A-8843-9FEBA15E4969}"/>
+              </a:ext>
+              <a:ext uri="{C183D7F6-B498-43B3-948B-1728B52AA6E4}">
+                <adec:decorative xmlns:adec="http://schemas.microsoft.com/office/drawing/2017/decorative" val="1"/>
+              </a:ext>
+            </a:extLst>
+          </p:cNvPr>
+          <p:cNvCxnSpPr>
+            <a:cxnSpLocks noGrp="1" noRot="1" noChangeAspect="1" noMove="1" noResize="1" noEditPoints="1" noAdjustHandles="1" noChangeArrowheads="1" noChangeShapeType="1"/>
+          </p:cNvCxnSpPr>
+          <p:nvPr>
+            <p:extLst>
+              <p:ext uri="{386F3935-93C4-4BCD-93E2-E3B085C9AB24}">
+                <p16:designElem xmlns:p16="http://schemas.microsoft.com/office/powerpoint/2015/main" val="1"/>
+              </p:ext>
+            </p:extLst>
+          </p:nvPr>
+        </p:nvCxnSpPr>
+        <p:spPr>
+          <a:xfrm>
+            <a:off x="4654296" y="1871831"/>
+            <a:ext cx="0" cy="3200400"/>
+          </a:xfrm>
+          <a:prstGeom prst="line">
+            <a:avLst/>
+          </a:prstGeom>
+          <a:ln w="15875">
+            <a:solidFill>
+              <a:schemeClr val="accent4"/>
+            </a:solidFill>
+          </a:ln>
+        </p:spPr>
+        <p:style>
+          <a:lnRef idx="1">
+            <a:schemeClr val="accent1"/>
+          </a:lnRef>
+          <a:fillRef idx="0">
+            <a:schemeClr val="accent1"/>
+          </a:fillRef>
+          <a:effectRef idx="0">
+            <a:schemeClr val="accent1"/>
+          </a:effectRef>
+          <a:fontRef idx="minor">
+            <a:schemeClr val="tx1"/>
+          </a:fontRef>
+        </p:style>
+      </p:cxnSp>
+      <p:grpSp>
+        <p:nvGrpSpPr>
+          <p:cNvPr id="14" name="Group 13">
+            <a:extLst>
+              <a:ext uri="{FF2B5EF4-FFF2-40B4-BE49-F238E27FC236}">
+                <a16:creationId xmlns:a16="http://schemas.microsoft.com/office/drawing/2014/main" id="{5D2B17EF-74EB-4C33-B2E2-8E727B2E7D68}"/>
+              </a:ext>
+              <a:ext uri="{C183D7F6-B498-43B3-948B-1728B52AA6E4}">
+                <adec:decorative xmlns:adec="http://schemas.microsoft.com/office/drawing/2017/decorative" val="1"/>
+              </a:ext>
+            </a:extLst>
+          </p:cNvPr>
+          <p:cNvGrpSpPr>
+            <a:grpSpLocks noGrp="1" noUngrp="1" noRot="1" noChangeAspect="1" noMove="1" noResize="1"/>
+          </p:cNvGrpSpPr>
+          <p:nvPr>
+            <p:extLst>
+              <p:ext uri="{386F3935-93C4-4BCD-93E2-E3B085C9AB24}">
+                <p16:designElem xmlns:p16="http://schemas.microsoft.com/office/powerpoint/2015/main" val="1"/>
+              </p:ext>
+            </p:extLst>
+          </p:nvPr>
+        </p:nvGrpSpPr>
+        <p:grpSpPr>
+          <a:xfrm flipH="1">
+            <a:off x="6009967" y="0"/>
+            <a:ext cx="6176982" cy="6853245"/>
+            <a:chOff x="2487613" y="285750"/>
+            <a:chExt cx="2428876" cy="5654676"/>
+          </a:xfrm>
+          <a:solidFill>
+            <a:schemeClr val="bg1">
+              <a:alpha val="30000"/>
+            </a:schemeClr>
+          </a:solidFill>
+        </p:grpSpPr>
+        <p:sp>
+          <p:nvSpPr>
+            <p:cNvPr id="15" name="Freeform 11">
+              <a:extLst>
+                <a:ext uri="{FF2B5EF4-FFF2-40B4-BE49-F238E27FC236}">
+                  <a16:creationId xmlns:a16="http://schemas.microsoft.com/office/drawing/2014/main" id="{0A5F1F8A-3206-4B86-883F-65E98BB6E475}"/>
+                </a:ext>
+                <a:ext uri="{C183D7F6-B498-43B3-948B-1728B52AA6E4}">
+                  <adec:decorative xmlns:adec="http://schemas.microsoft.com/office/drawing/2017/decorative" val="1"/>
+                </a:ext>
+              </a:extLst>
+            </p:cNvPr>
+            <p:cNvSpPr/>
+            <p:nvPr>
+              <p:extLst>
+                <p:ext uri="{386F3935-93C4-4BCD-93E2-E3B085C9AB24}">
+                  <p16:designElem xmlns:p16="http://schemas.microsoft.com/office/powerpoint/2015/main" val="1"/>
+                </p:ext>
+              </p:extLst>
+            </p:nvPr>
+          </p:nvSpPr>
+          <p:spPr bwMode="auto">
+            <a:xfrm>
+              <a:off x="2487613" y="2284413"/>
+              <a:ext cx="85725" cy="533400"/>
+            </a:xfrm>
+            <a:custGeom>
+              <a:avLst/>
+              <a:gdLst/>
+              <a:ahLst/>
+              <a:cxnLst/>
+              <a:rect l="0" t="0" r="r" b="b"/>
+              <a:pathLst>
+                <a:path w="22" h="136">
+                  <a:moveTo>
+                    <a:pt x="22" y="136"/>
+                  </a:moveTo>
+                  <a:cubicBezTo>
+                    <a:pt x="20" y="117"/>
+                    <a:pt x="19" y="99"/>
+                    <a:pt x="17" y="80"/>
+                  </a:cubicBezTo>
+                  <a:cubicBezTo>
+                    <a:pt x="11" y="54"/>
+                    <a:pt x="6" y="27"/>
+                    <a:pt x="0" y="0"/>
+                  </a:cubicBezTo>
+                  <a:cubicBezTo>
+                    <a:pt x="0" y="35"/>
+                    <a:pt x="0" y="35"/>
+                    <a:pt x="0" y="35"/>
+                  </a:cubicBezTo>
+                  <a:cubicBezTo>
+                    <a:pt x="6" y="64"/>
+                    <a:pt x="13" y="94"/>
+                    <a:pt x="20" y="124"/>
+                  </a:cubicBezTo>
+                  <a:cubicBezTo>
+                    <a:pt x="20" y="128"/>
+                    <a:pt x="21" y="132"/>
+                    <a:pt x="22" y="136"/>
+                  </a:cubicBezTo>
+                  <a:close/>
+                </a:path>
+              </a:pathLst>
+            </a:custGeom>
+            <a:grpFill/>
+            <a:ln>
+              <a:noFill/>
+            </a:ln>
+          </p:spPr>
+        </p:sp>
+        <p:sp>
+          <p:nvSpPr>
+            <p:cNvPr id="16" name="Freeform 12">
+              <a:extLst>
+                <a:ext uri="{FF2B5EF4-FFF2-40B4-BE49-F238E27FC236}">
+                  <a16:creationId xmlns:a16="http://schemas.microsoft.com/office/drawing/2014/main" id="{6935F8C7-CC88-4243-9786-F3CDBF04A09F}"/>
+                </a:ext>
+                <a:ext uri="{C183D7F6-B498-43B3-948B-1728B52AA6E4}">
+                  <adec:decorative xmlns:adec="http://schemas.microsoft.com/office/drawing/2017/decorative" val="1"/>
+                </a:ext>
+              </a:extLst>
+            </p:cNvPr>
+            <p:cNvSpPr/>
+            <p:nvPr>
+              <p:extLst>
+                <p:ext uri="{386F3935-93C4-4BCD-93E2-E3B085C9AB24}">
+                  <p16:designElem xmlns:p16="http://schemas.microsoft.com/office/powerpoint/2015/main" val="1"/>
+                </p:ext>
+              </p:extLst>
+            </p:nvPr>
+          </p:nvSpPr>
+          <p:spPr bwMode="auto">
+            <a:xfrm>
+              <a:off x="2597151" y="2779713"/>
+              <a:ext cx="550863" cy="1978025"/>
+            </a:xfrm>
+            <a:custGeom>
+              <a:avLst/>
+              <a:gdLst/>
+              <a:ahLst/>
+              <a:cxnLst/>
+              <a:rect l="0" t="0" r="r" b="b"/>
+              <a:pathLst>
+                <a:path w="140" h="504">
+                  <a:moveTo>
+                    <a:pt x="86" y="350"/>
+                  </a:moveTo>
+                  <a:cubicBezTo>
+                    <a:pt x="103" y="402"/>
+                    <a:pt x="120" y="453"/>
+                    <a:pt x="139" y="504"/>
+                  </a:cubicBezTo>
+                  <a:cubicBezTo>
+                    <a:pt x="139" y="495"/>
+                    <a:pt x="139" y="487"/>
+                    <a:pt x="140" y="478"/>
+                  </a:cubicBezTo>
+                  <a:cubicBezTo>
+                    <a:pt x="124" y="435"/>
+                    <a:pt x="109" y="391"/>
+                    <a:pt x="95" y="347"/>
+                  </a:cubicBezTo>
+                  <a:cubicBezTo>
+                    <a:pt x="58" y="233"/>
+                    <a:pt x="27" y="117"/>
+                    <a:pt x="0" y="0"/>
+                  </a:cubicBezTo>
+                  <a:cubicBezTo>
+                    <a:pt x="2" y="20"/>
+                    <a:pt x="4" y="41"/>
+                    <a:pt x="6" y="61"/>
+                  </a:cubicBezTo>
+                  <a:cubicBezTo>
+                    <a:pt x="30" y="158"/>
+                    <a:pt x="56" y="255"/>
+                    <a:pt x="86" y="350"/>
+                  </a:cubicBezTo>
+                  <a:close/>
+                </a:path>
+              </a:pathLst>
+            </a:custGeom>
+            <a:grpFill/>
+            <a:ln>
+              <a:noFill/>
+            </a:ln>
+          </p:spPr>
+        </p:sp>
+        <p:sp>
+          <p:nvSpPr>
+            <p:cNvPr id="17" name="Freeform 13">
+              <a:extLst>
+                <a:ext uri="{FF2B5EF4-FFF2-40B4-BE49-F238E27FC236}">
+                  <a16:creationId xmlns:a16="http://schemas.microsoft.com/office/drawing/2014/main" id="{9AF7BAD9-71B3-40D8-A089-EFF7FE67BD66}"/>
+                </a:ext>
+                <a:ext uri="{C183D7F6-B498-43B3-948B-1728B52AA6E4}">
+                  <adec:decorative xmlns:adec="http://schemas.microsoft.com/office/drawing/2017/decorative" val="1"/>
+                </a:ext>
+              </a:extLst>
+            </p:cNvPr>
+            <p:cNvSpPr/>
+            <p:nvPr>
+              <p:extLst>
+                <p:ext uri="{386F3935-93C4-4BCD-93E2-E3B085C9AB24}">
+                  <p16:designElem xmlns:p16="http://schemas.microsoft.com/office/powerpoint/2015/main" val="1"/>
+                </p:ext>
+              </p:extLst>
+            </p:nvPr>
+          </p:nvSpPr>
+          <p:spPr bwMode="auto">
+            <a:xfrm>
+              <a:off x="3175001" y="4730750"/>
+              <a:ext cx="519113" cy="1209675"/>
+            </a:xfrm>
+            <a:custGeom>
+              <a:avLst/>
+              <a:gdLst/>
+              <a:ahLst/>
+              <a:cxnLst/>
+              <a:rect l="0" t="0" r="r" b="b"/>
+              <a:pathLst>
+                <a:path w="132" h="308">
+                  <a:moveTo>
+                    <a:pt x="8" y="22"/>
+                  </a:moveTo>
+                  <a:cubicBezTo>
+                    <a:pt x="5" y="15"/>
+                    <a:pt x="2" y="8"/>
+                    <a:pt x="0" y="0"/>
+                  </a:cubicBezTo>
+                  <a:cubicBezTo>
+                    <a:pt x="0" y="10"/>
+                    <a:pt x="0" y="19"/>
+                    <a:pt x="0" y="29"/>
+                  </a:cubicBezTo>
+                  <a:cubicBezTo>
+                    <a:pt x="21" y="85"/>
+                    <a:pt x="44" y="140"/>
+                    <a:pt x="68" y="194"/>
+                  </a:cubicBezTo>
+                  <a:cubicBezTo>
+                    <a:pt x="85" y="232"/>
+                    <a:pt x="104" y="270"/>
+                    <a:pt x="123" y="308"/>
+                  </a:cubicBezTo>
+                  <a:cubicBezTo>
+                    <a:pt x="132" y="308"/>
+                    <a:pt x="132" y="308"/>
+                    <a:pt x="132" y="308"/>
+                  </a:cubicBezTo>
+                  <a:cubicBezTo>
+                    <a:pt x="113" y="269"/>
+                    <a:pt x="94" y="230"/>
+                    <a:pt x="77" y="190"/>
+                  </a:cubicBezTo>
+                  <a:cubicBezTo>
+                    <a:pt x="52" y="135"/>
+                    <a:pt x="29" y="79"/>
+                    <a:pt x="8" y="22"/>
+                  </a:cubicBezTo>
+                  <a:close/>
+                </a:path>
+              </a:pathLst>
+            </a:custGeom>
+            <a:grpFill/>
+            <a:ln>
+              <a:noFill/>
+            </a:ln>
+          </p:spPr>
+        </p:sp>
+        <p:sp>
+          <p:nvSpPr>
+            <p:cNvPr id="18" name="Freeform 14">
+              <a:extLst>
+                <a:ext uri="{FF2B5EF4-FFF2-40B4-BE49-F238E27FC236}">
+                  <a16:creationId xmlns:a16="http://schemas.microsoft.com/office/drawing/2014/main" id="{6467094F-AEF0-4D3B-BB76-8B3C1F08B937}"/>
+                </a:ext>
+                <a:ext uri="{C183D7F6-B498-43B3-948B-1728B52AA6E4}">
+                  <adec:decorative xmlns:adec="http://schemas.microsoft.com/office/drawing/2017/decorative" val="1"/>
+                </a:ext>
+              </a:extLst>
+            </p:cNvPr>
+            <p:cNvSpPr/>
+            <p:nvPr>
+              <p:extLst>
+                <p:ext uri="{386F3935-93C4-4BCD-93E2-E3B085C9AB24}">
+                  <p16:designElem xmlns:p16="http://schemas.microsoft.com/office/powerpoint/2015/main" val="1"/>
+                </p:ext>
+              </p:extLst>
+            </p:nvPr>
+          </p:nvSpPr>
+          <p:spPr bwMode="auto">
+            <a:xfrm>
+              <a:off x="3305176" y="5630863"/>
+              <a:ext cx="146050" cy="309563"/>
+            </a:xfrm>
+            <a:custGeom>
+              <a:avLst/>
+              <a:gdLst/>
+              <a:ahLst/>
+              <a:cxnLst/>
+              <a:rect l="0" t="0" r="r" b="b"/>
+              <a:pathLst>
+                <a:path w="37" h="79">
+                  <a:moveTo>
+                    <a:pt x="28" y="79"/>
+                  </a:moveTo>
+                  <a:cubicBezTo>
+                    <a:pt x="37" y="79"/>
+                    <a:pt x="37" y="79"/>
+                    <a:pt x="37" y="79"/>
+                  </a:cubicBezTo>
+                  <a:cubicBezTo>
+                    <a:pt x="24" y="53"/>
+                    <a:pt x="12" y="27"/>
+                    <a:pt x="0" y="0"/>
+                  </a:cubicBezTo>
+                  <a:cubicBezTo>
+                    <a:pt x="8" y="27"/>
+                    <a:pt x="17" y="53"/>
+                    <a:pt x="28" y="79"/>
+                  </a:cubicBezTo>
+                  <a:close/>
+                </a:path>
+              </a:pathLst>
+            </a:custGeom>
+            <a:grpFill/>
+            <a:ln>
+              <a:noFill/>
+            </a:ln>
+          </p:spPr>
+        </p:sp>
+        <p:sp>
+          <p:nvSpPr>
+            <p:cNvPr id="19" name="Freeform 15">
+              <a:extLst>
+                <a:ext uri="{FF2B5EF4-FFF2-40B4-BE49-F238E27FC236}">
+                  <a16:creationId xmlns:a16="http://schemas.microsoft.com/office/drawing/2014/main" id="{36F56AF9-DEF1-44E7-BF42-6AAC1AA9D19D}"/>
+                </a:ext>
+                <a:ext uri="{C183D7F6-B498-43B3-948B-1728B52AA6E4}">
+                  <adec:decorative xmlns:adec="http://schemas.microsoft.com/office/drawing/2017/decorative" val="1"/>
+                </a:ext>
+              </a:extLst>
+            </p:cNvPr>
+            <p:cNvSpPr/>
+            <p:nvPr>
+              <p:extLst>
+                <p:ext uri="{386F3935-93C4-4BCD-93E2-E3B085C9AB24}">
+                  <p16:designElem xmlns:p16="http://schemas.microsoft.com/office/powerpoint/2015/main" val="1"/>
+                </p:ext>
+              </p:extLst>
+            </p:nvPr>
+          </p:nvSpPr>
+          <p:spPr bwMode="auto">
+            <a:xfrm>
+              <a:off x="2573338" y="2817813"/>
+              <a:ext cx="700088" cy="2835275"/>
+            </a:xfrm>
+            <a:custGeom>
+              <a:avLst/>
+              <a:gdLst/>
+              <a:ahLst/>
+              <a:cxnLst/>
+              <a:rect l="0" t="0" r="r" b="b"/>
+              <a:pathLst>
+                <a:path w="178" h="722">
+                  <a:moveTo>
+                    <a:pt x="162" y="660"/>
+                  </a:moveTo>
+                  <a:cubicBezTo>
+                    <a:pt x="145" y="618"/>
+                    <a:pt x="130" y="576"/>
+                    <a:pt x="116" y="534"/>
+                  </a:cubicBezTo>
+                  <a:cubicBezTo>
+                    <a:pt x="84" y="437"/>
+                    <a:pt x="59" y="337"/>
+                    <a:pt x="40" y="236"/>
+                  </a:cubicBezTo>
+                  <a:cubicBezTo>
+                    <a:pt x="29" y="175"/>
+                    <a:pt x="20" y="113"/>
+                    <a:pt x="12" y="51"/>
+                  </a:cubicBezTo>
+                  <a:cubicBezTo>
+                    <a:pt x="8" y="34"/>
+                    <a:pt x="4" y="17"/>
+                    <a:pt x="0" y="0"/>
+                  </a:cubicBezTo>
+                  <a:cubicBezTo>
+                    <a:pt x="8" y="79"/>
+                    <a:pt x="19" y="159"/>
+                    <a:pt x="33" y="237"/>
+                  </a:cubicBezTo>
+                  <a:cubicBezTo>
+                    <a:pt x="51" y="339"/>
+                    <a:pt x="76" y="439"/>
+                    <a:pt x="107" y="537"/>
+                  </a:cubicBezTo>
+                  <a:cubicBezTo>
+                    <a:pt x="123" y="586"/>
+                    <a:pt x="141" y="634"/>
+                    <a:pt x="160" y="681"/>
+                  </a:cubicBezTo>
+                  <a:cubicBezTo>
+                    <a:pt x="166" y="695"/>
+                    <a:pt x="172" y="708"/>
+                    <a:pt x="178" y="722"/>
+                  </a:cubicBezTo>
+                  <a:cubicBezTo>
+                    <a:pt x="176" y="717"/>
+                    <a:pt x="175" y="713"/>
+                    <a:pt x="174" y="708"/>
+                  </a:cubicBezTo>
+                  <a:cubicBezTo>
+                    <a:pt x="169" y="692"/>
+                    <a:pt x="165" y="676"/>
+                    <a:pt x="162" y="660"/>
+                  </a:cubicBezTo>
+                  <a:close/>
+                </a:path>
+              </a:pathLst>
+            </a:custGeom>
+            <a:grpFill/>
+            <a:ln>
+              <a:noFill/>
+            </a:ln>
+          </p:spPr>
+        </p:sp>
+        <p:sp>
+          <p:nvSpPr>
+            <p:cNvPr id="20" name="Freeform 16">
+              <a:extLst>
+                <a:ext uri="{FF2B5EF4-FFF2-40B4-BE49-F238E27FC236}">
+                  <a16:creationId xmlns:a16="http://schemas.microsoft.com/office/drawing/2014/main" id="{A43EBE71-20BA-4A40-A513-516678089D11}"/>
+                </a:ext>
+                <a:ext uri="{C183D7F6-B498-43B3-948B-1728B52AA6E4}">
+                  <adec:decorative xmlns:adec="http://schemas.microsoft.com/office/drawing/2017/decorative" val="1"/>
+                </a:ext>
+              </a:extLst>
+            </p:cNvPr>
+            <p:cNvSpPr/>
+            <p:nvPr>
+              <p:extLst>
+                <p:ext uri="{386F3935-93C4-4BCD-93E2-E3B085C9AB24}">
+                  <p16:designElem xmlns:p16="http://schemas.microsoft.com/office/powerpoint/2015/main" val="1"/>
+                </p:ext>
+              </p:extLst>
+            </p:nvPr>
+          </p:nvSpPr>
+          <p:spPr bwMode="auto">
+            <a:xfrm>
+              <a:off x="2506663" y="285750"/>
+              <a:ext cx="90488" cy="2493963"/>
+            </a:xfrm>
+            <a:custGeom>
+              <a:avLst/>
+              <a:gdLst/>
+              <a:ahLst/>
+              <a:cxnLst/>
+              <a:rect l="0" t="0" r="r" b="b"/>
+              <a:pathLst>
+                <a:path w="23" h="635">
+                  <a:moveTo>
+                    <a:pt x="11" y="577"/>
+                  </a:moveTo>
+                  <a:cubicBezTo>
+                    <a:pt x="12" y="581"/>
+                    <a:pt x="12" y="585"/>
+                    <a:pt x="12" y="589"/>
+                  </a:cubicBezTo>
+                  <a:cubicBezTo>
+                    <a:pt x="15" y="603"/>
+                    <a:pt x="19" y="617"/>
+                    <a:pt x="22" y="632"/>
+                  </a:cubicBezTo>
+                  <a:cubicBezTo>
+                    <a:pt x="22" y="633"/>
+                    <a:pt x="22" y="634"/>
+                    <a:pt x="23" y="635"/>
+                  </a:cubicBezTo>
+                  <a:cubicBezTo>
+                    <a:pt x="21" y="615"/>
+                    <a:pt x="19" y="596"/>
+                    <a:pt x="17" y="576"/>
+                  </a:cubicBezTo>
+                  <a:cubicBezTo>
+                    <a:pt x="9" y="474"/>
+                    <a:pt x="5" y="372"/>
+                    <a:pt x="5" y="269"/>
+                  </a:cubicBezTo>
+                  <a:cubicBezTo>
+                    <a:pt x="6" y="179"/>
+                    <a:pt x="9" y="90"/>
+                    <a:pt x="15" y="0"/>
+                  </a:cubicBezTo>
+                  <a:cubicBezTo>
+                    <a:pt x="12" y="0"/>
+                    <a:pt x="12" y="0"/>
+                    <a:pt x="12" y="0"/>
+                  </a:cubicBezTo>
+                  <a:cubicBezTo>
+                    <a:pt x="5" y="89"/>
+                    <a:pt x="2" y="179"/>
+                    <a:pt x="1" y="269"/>
+                  </a:cubicBezTo>
+                  <a:cubicBezTo>
+                    <a:pt x="0" y="372"/>
+                    <a:pt x="3" y="474"/>
+                    <a:pt x="11" y="577"/>
+                  </a:cubicBezTo>
+                  <a:close/>
+                </a:path>
+              </a:pathLst>
+            </a:custGeom>
+            <a:grpFill/>
+            <a:ln>
+              <a:noFill/>
+            </a:ln>
+          </p:spPr>
+        </p:sp>
+        <p:sp>
+          <p:nvSpPr>
+            <p:cNvPr id="21" name="Freeform 17">
+              <a:extLst>
+                <a:ext uri="{FF2B5EF4-FFF2-40B4-BE49-F238E27FC236}">
+                  <a16:creationId xmlns:a16="http://schemas.microsoft.com/office/drawing/2014/main" id="{1DB39648-7B38-4D0B-93C5-048EC4A45C99}"/>
+                </a:ext>
+                <a:ext uri="{C183D7F6-B498-43B3-948B-1728B52AA6E4}">
+                  <adec:decorative xmlns:adec="http://schemas.microsoft.com/office/drawing/2017/decorative" val="1"/>
+                </a:ext>
+              </a:extLst>
+            </p:cNvPr>
+            <p:cNvSpPr/>
+            <p:nvPr>
+              <p:extLst>
+                <p:ext uri="{386F3935-93C4-4BCD-93E2-E3B085C9AB24}">
+                  <p16:designElem xmlns:p16="http://schemas.microsoft.com/office/powerpoint/2015/main" val="1"/>
+                </p:ext>
+              </p:extLst>
+            </p:nvPr>
+          </p:nvSpPr>
+          <p:spPr bwMode="auto">
+            <a:xfrm>
+              <a:off x="2554288" y="2598738"/>
+              <a:ext cx="66675" cy="420688"/>
+            </a:xfrm>
+            <a:custGeom>
+              <a:avLst/>
+              <a:gdLst/>
+              <a:ahLst/>
+              <a:cxnLst/>
+              <a:rect l="0" t="0" r="r" b="b"/>
+              <a:pathLst>
+                <a:path w="17" h="107">
+                  <a:moveTo>
+                    <a:pt x="0" y="0"/>
+                  </a:moveTo>
+                  <a:cubicBezTo>
+                    <a:pt x="2" y="19"/>
+                    <a:pt x="3" y="37"/>
+                    <a:pt x="5" y="56"/>
+                  </a:cubicBezTo>
+                  <a:cubicBezTo>
+                    <a:pt x="9" y="73"/>
+                    <a:pt x="13" y="90"/>
+                    <a:pt x="17" y="107"/>
+                  </a:cubicBezTo>
+                  <a:cubicBezTo>
+                    <a:pt x="15" y="87"/>
+                    <a:pt x="13" y="66"/>
+                    <a:pt x="11" y="46"/>
+                  </a:cubicBezTo>
+                  <a:cubicBezTo>
+                    <a:pt x="10" y="45"/>
+                    <a:pt x="10" y="44"/>
+                    <a:pt x="10" y="43"/>
+                  </a:cubicBezTo>
+                  <a:cubicBezTo>
+                    <a:pt x="7" y="28"/>
+                    <a:pt x="3" y="14"/>
+                    <a:pt x="0" y="0"/>
+                  </a:cubicBezTo>
+                  <a:close/>
+                </a:path>
+              </a:pathLst>
+            </a:custGeom>
+            <a:grpFill/>
+            <a:ln>
+              <a:noFill/>
+            </a:ln>
+          </p:spPr>
+        </p:sp>
+        <p:sp>
+          <p:nvSpPr>
+            <p:cNvPr id="22" name="Freeform 18">
+              <a:extLst>
+                <a:ext uri="{FF2B5EF4-FFF2-40B4-BE49-F238E27FC236}">
+                  <a16:creationId xmlns:a16="http://schemas.microsoft.com/office/drawing/2014/main" id="{8DD2661F-DE5F-45EA-B30B-7C6589638836}"/>
+                </a:ext>
+                <a:ext uri="{C183D7F6-B498-43B3-948B-1728B52AA6E4}">
+                  <adec:decorative xmlns:adec="http://schemas.microsoft.com/office/drawing/2017/decorative" val="1"/>
+                </a:ext>
+              </a:extLst>
+            </p:cNvPr>
+            <p:cNvSpPr/>
+            <p:nvPr>
+              <p:extLst>
+                <p:ext uri="{386F3935-93C4-4BCD-93E2-E3B085C9AB24}">
+                  <p16:designElem xmlns:p16="http://schemas.microsoft.com/office/powerpoint/2015/main" val="1"/>
+                </p:ext>
+              </p:extLst>
+            </p:nvPr>
+          </p:nvSpPr>
+          <p:spPr bwMode="auto">
+            <a:xfrm>
+              <a:off x="3143251" y="4757738"/>
+              <a:ext cx="161925" cy="873125"/>
+            </a:xfrm>
+            <a:custGeom>
+              <a:avLst/>
+              <a:gdLst/>
+              <a:ahLst/>
+              <a:cxnLst/>
+              <a:rect l="0" t="0" r="r" b="b"/>
+              <a:pathLst>
+                <a:path w="41" h="222">
+                  <a:moveTo>
+                    <a:pt x="0" y="0"/>
+                  </a:moveTo>
+                  <a:cubicBezTo>
+                    <a:pt x="0" y="31"/>
+                    <a:pt x="2" y="62"/>
+                    <a:pt x="5" y="93"/>
+                  </a:cubicBezTo>
+                  <a:cubicBezTo>
+                    <a:pt x="8" y="117"/>
+                    <a:pt x="12" y="142"/>
+                    <a:pt x="17" y="166"/>
+                  </a:cubicBezTo>
+                  <a:cubicBezTo>
+                    <a:pt x="19" y="172"/>
+                    <a:pt x="22" y="178"/>
+                    <a:pt x="24" y="184"/>
+                  </a:cubicBezTo>
+                  <a:cubicBezTo>
+                    <a:pt x="30" y="197"/>
+                    <a:pt x="35" y="209"/>
+                    <a:pt x="41" y="222"/>
+                  </a:cubicBezTo>
+                  <a:cubicBezTo>
+                    <a:pt x="40" y="219"/>
+                    <a:pt x="39" y="215"/>
+                    <a:pt x="38" y="212"/>
+                  </a:cubicBezTo>
+                  <a:cubicBezTo>
+                    <a:pt x="26" y="172"/>
+                    <a:pt x="18" y="132"/>
+                    <a:pt x="13" y="92"/>
+                  </a:cubicBezTo>
+                  <a:cubicBezTo>
+                    <a:pt x="11" y="68"/>
+                    <a:pt x="9" y="45"/>
+                    <a:pt x="8" y="22"/>
+                  </a:cubicBezTo>
+                  <a:cubicBezTo>
+                    <a:pt x="8" y="21"/>
+                    <a:pt x="7" y="20"/>
+                    <a:pt x="7" y="18"/>
+                  </a:cubicBezTo>
+                  <a:cubicBezTo>
+                    <a:pt x="5" y="12"/>
+                    <a:pt x="2" y="6"/>
+                    <a:pt x="0" y="0"/>
+                  </a:cubicBezTo>
+                  <a:close/>
+                </a:path>
+              </a:pathLst>
+            </a:custGeom>
+            <a:grpFill/>
+            <a:ln>
+              <a:noFill/>
+            </a:ln>
+          </p:spPr>
+        </p:sp>
+        <p:sp>
+          <p:nvSpPr>
+            <p:cNvPr id="23" name="Freeform 19">
+              <a:extLst>
+                <a:ext uri="{FF2B5EF4-FFF2-40B4-BE49-F238E27FC236}">
+                  <a16:creationId xmlns:a16="http://schemas.microsoft.com/office/drawing/2014/main" id="{ABF0A0E5-E68E-4183-A913-228692FD85EC}"/>
+                </a:ext>
+                <a:ext uri="{C183D7F6-B498-43B3-948B-1728B52AA6E4}">
+                  <adec:decorative xmlns:adec="http://schemas.microsoft.com/office/drawing/2017/decorative" val="1"/>
+                </a:ext>
+              </a:extLst>
+            </p:cNvPr>
+            <p:cNvSpPr/>
+            <p:nvPr>
+              <p:extLst>
+                <p:ext uri="{386F3935-93C4-4BCD-93E2-E3B085C9AB24}">
+                  <p16:designElem xmlns:p16="http://schemas.microsoft.com/office/powerpoint/2015/main" val="1"/>
+                </p:ext>
+              </p:extLst>
+            </p:nvPr>
+          </p:nvSpPr>
+          <p:spPr bwMode="auto">
+            <a:xfrm>
+              <a:off x="3148014" y="468286"/>
+              <a:ext cx="1768475" cy="4262464"/>
+            </a:xfrm>
+            <a:custGeom>
+              <a:avLst/>
+              <a:gdLst/>
+              <a:ahLst/>
+              <a:cxnLst/>
+              <a:rect l="0" t="0" r="r" b="b"/>
+              <a:pathLst>
+                <a:path w="450" h="878">
+                  <a:moveTo>
+                    <a:pt x="7" y="854"/>
+                  </a:moveTo>
+                  <a:cubicBezTo>
+                    <a:pt x="10" y="772"/>
+                    <a:pt x="26" y="691"/>
+                    <a:pt x="50" y="613"/>
+                  </a:cubicBezTo>
+                  <a:cubicBezTo>
+                    <a:pt x="75" y="535"/>
+                    <a:pt x="109" y="460"/>
+                    <a:pt x="149" y="388"/>
+                  </a:cubicBezTo>
+                  <a:cubicBezTo>
+                    <a:pt x="189" y="316"/>
+                    <a:pt x="235" y="248"/>
+                    <a:pt x="285" y="183"/>
+                  </a:cubicBezTo>
+                  <a:cubicBezTo>
+                    <a:pt x="310" y="151"/>
+                    <a:pt x="337" y="119"/>
+                    <a:pt x="364" y="89"/>
+                  </a:cubicBezTo>
+                  <a:cubicBezTo>
+                    <a:pt x="378" y="74"/>
+                    <a:pt x="392" y="58"/>
+                    <a:pt x="406" y="44"/>
+                  </a:cubicBezTo>
+                  <a:cubicBezTo>
+                    <a:pt x="421" y="29"/>
+                    <a:pt x="435" y="15"/>
+                    <a:pt x="450" y="1"/>
+                  </a:cubicBezTo>
+                  <a:cubicBezTo>
+                    <a:pt x="450" y="0"/>
+                    <a:pt x="450" y="0"/>
+                    <a:pt x="450" y="0"/>
+                  </a:cubicBezTo>
+                  <a:cubicBezTo>
+                    <a:pt x="434" y="14"/>
+                    <a:pt x="420" y="28"/>
+                    <a:pt x="405" y="43"/>
+                  </a:cubicBezTo>
+                  <a:cubicBezTo>
+                    <a:pt x="391" y="57"/>
+                    <a:pt x="377" y="72"/>
+                    <a:pt x="363" y="88"/>
+                  </a:cubicBezTo>
+                  <a:cubicBezTo>
+                    <a:pt x="335" y="118"/>
+                    <a:pt x="308" y="149"/>
+                    <a:pt x="283" y="181"/>
+                  </a:cubicBezTo>
+                  <a:cubicBezTo>
+                    <a:pt x="232" y="246"/>
+                    <a:pt x="185" y="314"/>
+                    <a:pt x="145" y="386"/>
+                  </a:cubicBezTo>
+                  <a:cubicBezTo>
+                    <a:pt x="104" y="457"/>
+                    <a:pt x="70" y="533"/>
+                    <a:pt x="45" y="611"/>
+                  </a:cubicBezTo>
+                  <a:cubicBezTo>
+                    <a:pt x="19" y="690"/>
+                    <a:pt x="3" y="771"/>
+                    <a:pt x="0" y="854"/>
+                  </a:cubicBezTo>
+                  <a:cubicBezTo>
+                    <a:pt x="0" y="856"/>
+                    <a:pt x="0" y="857"/>
+                    <a:pt x="0" y="859"/>
+                  </a:cubicBezTo>
+                  <a:cubicBezTo>
+                    <a:pt x="2" y="865"/>
+                    <a:pt x="4" y="872"/>
+                    <a:pt x="7" y="878"/>
+                  </a:cubicBezTo>
+                  <a:cubicBezTo>
+                    <a:pt x="7" y="870"/>
+                    <a:pt x="7" y="862"/>
+                    <a:pt x="7" y="854"/>
+                  </a:cubicBezTo>
+                  <a:close/>
+                </a:path>
+              </a:pathLst>
+            </a:custGeom>
+            <a:grpFill/>
+            <a:ln>
+              <a:noFill/>
+            </a:ln>
+          </p:spPr>
+        </p:sp>
+        <p:sp>
+          <p:nvSpPr>
+            <p:cNvPr id="24" name="Freeform 20">
+              <a:extLst>
+                <a:ext uri="{FF2B5EF4-FFF2-40B4-BE49-F238E27FC236}">
+                  <a16:creationId xmlns:a16="http://schemas.microsoft.com/office/drawing/2014/main" id="{615D8F55-8ACD-4EFE-A832-06E785479EA5}"/>
+                </a:ext>
+                <a:ext uri="{C183D7F6-B498-43B3-948B-1728B52AA6E4}">
+                  <adec:decorative xmlns:adec="http://schemas.microsoft.com/office/drawing/2017/decorative" val="1"/>
+                </a:ext>
+              </a:extLst>
+            </p:cNvPr>
+            <p:cNvSpPr/>
+            <p:nvPr>
+              <p:extLst>
+                <p:ext uri="{386F3935-93C4-4BCD-93E2-E3B085C9AB24}">
+                  <p16:designElem xmlns:p16="http://schemas.microsoft.com/office/powerpoint/2015/main" val="1"/>
+                </p:ext>
+              </p:extLst>
+            </p:nvPr>
+          </p:nvSpPr>
+          <p:spPr bwMode="auto">
+            <a:xfrm>
+              <a:off x="3273426" y="5653088"/>
+              <a:ext cx="138113" cy="287338"/>
+            </a:xfrm>
+            <a:custGeom>
+              <a:avLst/>
+              <a:gdLst/>
+              <a:ahLst/>
+              <a:cxnLst/>
+              <a:rect l="0" t="0" r="r" b="b"/>
+              <a:pathLst>
+                <a:path w="35" h="73">
+                  <a:moveTo>
+                    <a:pt x="0" y="0"/>
+                  </a:moveTo>
+                  <a:cubicBezTo>
+                    <a:pt x="7" y="24"/>
+                    <a:pt x="16" y="49"/>
+                    <a:pt x="26" y="73"/>
+                  </a:cubicBezTo>
+                  <a:cubicBezTo>
+                    <a:pt x="35" y="73"/>
+                    <a:pt x="35" y="73"/>
+                    <a:pt x="35" y="73"/>
+                  </a:cubicBezTo>
+                  <a:cubicBezTo>
+                    <a:pt x="23" y="49"/>
+                    <a:pt x="11" y="24"/>
+                    <a:pt x="0" y="0"/>
+                  </a:cubicBezTo>
+                  <a:close/>
+                </a:path>
+              </a:pathLst>
+            </a:custGeom>
+            <a:grpFill/>
+            <a:ln>
+              <a:noFill/>
+            </a:ln>
+          </p:spPr>
+        </p:sp>
+        <p:sp>
+          <p:nvSpPr>
+            <p:cNvPr id="25" name="Freeform 21">
+              <a:extLst>
+                <a:ext uri="{FF2B5EF4-FFF2-40B4-BE49-F238E27FC236}">
+                  <a16:creationId xmlns:a16="http://schemas.microsoft.com/office/drawing/2014/main" id="{0FDF4201-8CEC-474B-A6B1-88039B70416F}"/>
+                </a:ext>
+                <a:ext uri="{C183D7F6-B498-43B3-948B-1728B52AA6E4}">
+                  <adec:decorative xmlns:adec="http://schemas.microsoft.com/office/drawing/2017/decorative" val="1"/>
+                </a:ext>
+              </a:extLst>
+            </p:cNvPr>
+            <p:cNvSpPr/>
+            <p:nvPr>
+              <p:extLst>
+                <p:ext uri="{386F3935-93C4-4BCD-93E2-E3B085C9AB24}">
+                  <p16:designElem xmlns:p16="http://schemas.microsoft.com/office/powerpoint/2015/main" val="1"/>
+                </p:ext>
+              </p:extLst>
+            </p:nvPr>
+          </p:nvSpPr>
+          <p:spPr bwMode="auto">
+            <a:xfrm>
+              <a:off x="3143251" y="4656138"/>
+              <a:ext cx="31750" cy="188913"/>
+            </a:xfrm>
+            <a:custGeom>
+              <a:avLst/>
+              <a:gdLst/>
+              <a:ahLst/>
+              <a:cxnLst/>
+              <a:rect l="0" t="0" r="r" b="b"/>
+              <a:pathLst>
+                <a:path w="8" h="48">
+                  <a:moveTo>
+                    <a:pt x="7" y="44"/>
+                  </a:moveTo>
+                  <a:cubicBezTo>
+                    <a:pt x="7" y="46"/>
+                    <a:pt x="8" y="47"/>
+                    <a:pt x="8" y="48"/>
+                  </a:cubicBezTo>
+                  <a:cubicBezTo>
+                    <a:pt x="8" y="38"/>
+                    <a:pt x="8" y="29"/>
+                    <a:pt x="8" y="19"/>
+                  </a:cubicBezTo>
+                  <a:cubicBezTo>
+                    <a:pt x="5" y="13"/>
+                    <a:pt x="3" y="6"/>
+                    <a:pt x="1" y="0"/>
+                  </a:cubicBezTo>
+                  <a:cubicBezTo>
+                    <a:pt x="0" y="9"/>
+                    <a:pt x="0" y="17"/>
+                    <a:pt x="0" y="26"/>
+                  </a:cubicBezTo>
+                  <a:cubicBezTo>
+                    <a:pt x="2" y="32"/>
+                    <a:pt x="5" y="38"/>
+                    <a:pt x="7" y="44"/>
+                  </a:cubicBezTo>
+                  <a:close/>
+                </a:path>
+              </a:pathLst>
+            </a:custGeom>
+            <a:grpFill/>
+            <a:ln>
+              <a:noFill/>
+            </a:ln>
+          </p:spPr>
+        </p:sp>
+        <p:sp>
+          <p:nvSpPr>
+            <p:cNvPr id="26" name="Freeform 22">
+              <a:extLst>
+                <a:ext uri="{FF2B5EF4-FFF2-40B4-BE49-F238E27FC236}">
+                  <a16:creationId xmlns:a16="http://schemas.microsoft.com/office/drawing/2014/main" id="{0F60AEA4-B25F-417E-93FC-59686DFBE56E}"/>
+                </a:ext>
+                <a:ext uri="{C183D7F6-B498-43B3-948B-1728B52AA6E4}">
+                  <adec:decorative xmlns:adec="http://schemas.microsoft.com/office/drawing/2017/decorative" val="1"/>
+                </a:ext>
+              </a:extLst>
+            </p:cNvPr>
+            <p:cNvSpPr/>
+            <p:nvPr>
+              <p:extLst>
+                <p:ext uri="{386F3935-93C4-4BCD-93E2-E3B085C9AB24}">
+                  <p16:designElem xmlns:p16="http://schemas.microsoft.com/office/powerpoint/2015/main" val="1"/>
+                </p:ext>
+              </p:extLst>
+            </p:nvPr>
+          </p:nvSpPr>
+          <p:spPr bwMode="auto">
+            <a:xfrm>
+              <a:off x="3211513" y="5410200"/>
+              <a:ext cx="203200" cy="530225"/>
+            </a:xfrm>
+            <a:custGeom>
+              <a:avLst/>
+              <a:gdLst/>
+              <a:ahLst/>
+              <a:cxnLst/>
+              <a:rect l="0" t="0" r="r" b="b"/>
+              <a:pathLst>
+                <a:path w="52" h="135">
+                  <a:moveTo>
+                    <a:pt x="7" y="18"/>
+                  </a:moveTo>
+                  <a:cubicBezTo>
+                    <a:pt x="5" y="12"/>
+                    <a:pt x="2" y="6"/>
+                    <a:pt x="0" y="0"/>
+                  </a:cubicBezTo>
+                  <a:cubicBezTo>
+                    <a:pt x="3" y="16"/>
+                    <a:pt x="7" y="32"/>
+                    <a:pt x="12" y="48"/>
+                  </a:cubicBezTo>
+                  <a:cubicBezTo>
+                    <a:pt x="13" y="53"/>
+                    <a:pt x="14" y="57"/>
+                    <a:pt x="16" y="62"/>
+                  </a:cubicBezTo>
+                  <a:cubicBezTo>
+                    <a:pt x="27" y="86"/>
+                    <a:pt x="39" y="111"/>
+                    <a:pt x="51" y="135"/>
+                  </a:cubicBezTo>
+                  <a:cubicBezTo>
+                    <a:pt x="52" y="135"/>
+                    <a:pt x="52" y="135"/>
+                    <a:pt x="52" y="135"/>
+                  </a:cubicBezTo>
+                  <a:cubicBezTo>
+                    <a:pt x="41" y="109"/>
+                    <a:pt x="32" y="83"/>
+                    <a:pt x="24" y="56"/>
+                  </a:cubicBezTo>
+                  <a:cubicBezTo>
+                    <a:pt x="18" y="43"/>
+                    <a:pt x="13" y="31"/>
+                    <a:pt x="7" y="18"/>
+                  </a:cubicBezTo>
+                  <a:close/>
+                </a:path>
+              </a:pathLst>
+            </a:custGeom>
+            <a:grpFill/>
+            <a:ln>
+              <a:noFill/>
+            </a:ln>
+          </p:spPr>
+        </p:sp>
+      </p:grpSp>
       <p:sp>
         <p:nvSpPr>
           <p:cNvPr id="3" name="Content Placeholder 2">
@@ -23010,40 +25891,83 @@
             <p:ph idx="1"/>
           </p:nvPr>
         </p:nvSpPr>
-        <p:spPr/>
+        <p:spPr>
+          <a:xfrm>
+            <a:off x="5049062" y="942108"/>
+            <a:ext cx="6455549" cy="4969114"/>
+          </a:xfrm>
+        </p:spPr>
         <p:txBody>
-          <a:bodyPr/>
+          <a:bodyPr anchor="ctr">
+            <a:normAutofit/>
+          </a:bodyPr>
           <a:lstStyle/>
           <a:p>
             <a:r>
-              <a:rPr lang="en-US" dirty="0"/>
+              <a:rPr lang="en-US">
+                <a:solidFill>
+                  <a:schemeClr val="tx2">
+                    <a:lumMod val="75000"/>
+                  </a:schemeClr>
+                </a:solidFill>
+              </a:rPr>
               <a:t>Attending bars after work</a:t>
             </a:r>
           </a:p>
           <a:p>
             <a:r>
-              <a:rPr lang="en-US" dirty="0"/>
+              <a:rPr lang="en-US">
+                <a:solidFill>
+                  <a:schemeClr val="tx2">
+                    <a:lumMod val="75000"/>
+                  </a:schemeClr>
+                </a:solidFill>
+              </a:rPr>
               <a:t>Going to the park</a:t>
             </a:r>
           </a:p>
           <a:p>
             <a:r>
-              <a:rPr lang="en-US" dirty="0"/>
+              <a:rPr lang="en-US">
+                <a:solidFill>
+                  <a:schemeClr val="tx2">
+                    <a:lumMod val="75000"/>
+                  </a:schemeClr>
+                </a:solidFill>
+              </a:rPr>
               <a:t>Church and other religious organizations</a:t>
             </a:r>
           </a:p>
           <a:p>
-            <a:endParaRPr lang="en-US" dirty="0"/>
+            <a:endParaRPr lang="en-US">
+              <a:solidFill>
+                <a:schemeClr val="tx2">
+                  <a:lumMod val="75000"/>
+                </a:schemeClr>
+              </a:solidFill>
+            </a:endParaRPr>
           </a:p>
           <a:p>
             <a:r>
-              <a:rPr lang="en-US" dirty="0"/>
+              <a:rPr lang="en-US">
+                <a:solidFill>
+                  <a:schemeClr val="tx2">
+                    <a:lumMod val="75000"/>
+                  </a:schemeClr>
+                </a:solidFill>
+              </a:rPr>
               <a:t>Less social stigma because everyone is doing it</a:t>
             </a:r>
           </a:p>
           <a:p>
             <a:r>
-              <a:rPr lang="en-US" dirty="0"/>
+              <a:rPr lang="en-US">
+                <a:solidFill>
+                  <a:schemeClr val="tx2">
+                    <a:lumMod val="75000"/>
+                  </a:schemeClr>
+                </a:solidFill>
+              </a:rPr>
               <a:t>Religious organizations were once the epicenter of local life</a:t>
             </a:r>
           </a:p>

--- a/Presentation/SocialHub_FrancisT_06_23_2020.pptx
+++ b/Presentation/SocialHub_FrancisT_06_23_2020.pptx
@@ -135,7 +135,6 @@
 <file path=ppt/revisionInfo.xml><?xml version="1.0" encoding="utf-8"?>
 <p1510:revInfo xmlns:a="http://schemas.openxmlformats.org/drawingml/2006/main" xmlns:r="http://schemas.openxmlformats.org/officeDocument/2006/relationships" xmlns:p1510="http://schemas.microsoft.com/office/powerpoint/2015/10/main">
   <p1510:revLst>
-    <p1510:client id="{63F3CF76-1364-475A-823F-3E38657C5F84}" v="2" dt="2020-06-25T20:55:24.299"/>
     <p1510:client id="{E2F6CC62-A8FA-4CA3-B44E-705F9FC4EF55}" v="81" dt="2020-06-26T14:02:27.736"/>
   </p1510:revLst>
 </p1510:revInfo>
@@ -1478,6 +1477,60 @@
     </pc:docChg>
   </pc:docChgLst>
   <pc:docChgLst>
+    <pc:chgData name="Thomas Francis" userId="2e7f689e-290c-4746-ba0f-274b885931e9" providerId="ADAL" clId="{E2F6CC62-A8FA-4CA3-B44E-705F9FC4EF55}"/>
+    <pc:docChg chg="modSld">
+      <pc:chgData name="Thomas Francis" userId="2e7f689e-290c-4746-ba0f-274b885931e9" providerId="ADAL" clId="{E2F6CC62-A8FA-4CA3-B44E-705F9FC4EF55}" dt="2020-07-01T15:09:44.797" v="43" actId="20577"/>
+      <pc:docMkLst>
+        <pc:docMk/>
+      </pc:docMkLst>
+      <pc:sldChg chg="modSp">
+        <pc:chgData name="Thomas Francis" userId="2e7f689e-290c-4746-ba0f-274b885931e9" providerId="ADAL" clId="{E2F6CC62-A8FA-4CA3-B44E-705F9FC4EF55}" dt="2020-07-01T15:09:44.797" v="43" actId="20577"/>
+        <pc:sldMkLst>
+          <pc:docMk/>
+          <pc:sldMk cId="3390689853" sldId="262"/>
+        </pc:sldMkLst>
+        <pc:spChg chg="mod">
+          <ac:chgData name="Thomas Francis" userId="2e7f689e-290c-4746-ba0f-274b885931e9" providerId="ADAL" clId="{E2F6CC62-A8FA-4CA3-B44E-705F9FC4EF55}" dt="2020-07-01T15:09:44.797" v="43" actId="20577"/>
+          <ac:spMkLst>
+            <pc:docMk/>
+            <pc:sldMk cId="3390689853" sldId="262"/>
+            <ac:spMk id="3" creationId="{69F4B873-5DDA-4F2C-8891-E4BC94C1F90B}"/>
+          </ac:spMkLst>
+        </pc:spChg>
+      </pc:sldChg>
+      <pc:sldChg chg="modSp">
+        <pc:chgData name="Thomas Francis" userId="2e7f689e-290c-4746-ba0f-274b885931e9" providerId="ADAL" clId="{E2F6CC62-A8FA-4CA3-B44E-705F9FC4EF55}" dt="2020-07-01T14:21:52.502" v="15" actId="20577"/>
+        <pc:sldMkLst>
+          <pc:docMk/>
+          <pc:sldMk cId="3345576059" sldId="272"/>
+        </pc:sldMkLst>
+        <pc:spChg chg="mod">
+          <ac:chgData name="Thomas Francis" userId="2e7f689e-290c-4746-ba0f-274b885931e9" providerId="ADAL" clId="{E2F6CC62-A8FA-4CA3-B44E-705F9FC4EF55}" dt="2020-07-01T14:21:52.502" v="15" actId="20577"/>
+          <ac:spMkLst>
+            <pc:docMk/>
+            <pc:sldMk cId="3345576059" sldId="272"/>
+            <ac:spMk id="3" creationId="{71DB8266-80FE-4AE4-8A09-30C2E2B143AA}"/>
+          </ac:spMkLst>
+        </pc:spChg>
+      </pc:sldChg>
+      <pc:sldChg chg="modSp">
+        <pc:chgData name="Thomas Francis" userId="2e7f689e-290c-4746-ba0f-274b885931e9" providerId="ADAL" clId="{E2F6CC62-A8FA-4CA3-B44E-705F9FC4EF55}" dt="2020-07-01T14:23:27.798" v="38" actId="15"/>
+        <pc:sldMkLst>
+          <pc:docMk/>
+          <pc:sldMk cId="3166939221" sldId="273"/>
+        </pc:sldMkLst>
+        <pc:spChg chg="mod">
+          <ac:chgData name="Thomas Francis" userId="2e7f689e-290c-4746-ba0f-274b885931e9" providerId="ADAL" clId="{E2F6CC62-A8FA-4CA3-B44E-705F9FC4EF55}" dt="2020-07-01T14:23:27.798" v="38" actId="15"/>
+          <ac:spMkLst>
+            <pc:docMk/>
+            <pc:sldMk cId="3166939221" sldId="273"/>
+            <ac:spMk id="3" creationId="{4EDA088C-672F-4FD5-BCB0-9D0AA8F203F3}"/>
+          </ac:spMkLst>
+        </pc:spChg>
+      </pc:sldChg>
+    </pc:docChg>
+  </pc:docChgLst>
+  <pc:docChgLst>
     <pc:chgData name="Thomas Francis" userId="5c2c6e3652e668e7" providerId="LiveId" clId="{63F3CF76-1364-475A-823F-3E38657C5F84}"/>
     <pc:docChg chg="custSel modSld sldOrd">
       <pc:chgData name="Thomas Francis" userId="5c2c6e3652e668e7" providerId="LiveId" clId="{63F3CF76-1364-475A-823F-3E38657C5F84}" dt="2020-06-25T20:53:56.821" v="184" actId="20577"/>
@@ -1775,7 +1828,7 @@
             <a:fld id="{B61BEF0D-F0BB-DE4B-95CE-6DB70DBA9567}" type="datetimeFigureOut">
               <a:rPr lang="en-US" dirty="0"/>
               <a:pPr/>
-              <a:t>6/26/2020</a:t>
+              <a:t>7/1/2020</a:t>
             </a:fld>
             <a:endParaRPr lang="en-US" dirty="0"/>
           </a:p>
@@ -2110,7 +2163,7 @@
             <a:fld id="{B61BEF0D-F0BB-DE4B-95CE-6DB70DBA9567}" type="datetimeFigureOut">
               <a:rPr lang="en-US" dirty="0"/>
               <a:pPr/>
-              <a:t>6/26/2020</a:t>
+              <a:t>7/1/2020</a:t>
             </a:fld>
             <a:endParaRPr lang="en-US" dirty="0"/>
           </a:p>
@@ -2508,7 +2561,7 @@
             <a:fld id="{B61BEF0D-F0BB-DE4B-95CE-6DB70DBA9567}" type="datetimeFigureOut">
               <a:rPr lang="en-US" dirty="0"/>
               <a:pPr/>
-              <a:t>6/26/2020</a:t>
+              <a:t>7/1/2020</a:t>
             </a:fld>
             <a:endParaRPr lang="en-US" dirty="0"/>
           </a:p>
@@ -2840,7 +2893,7 @@
             <a:fld id="{B61BEF0D-F0BB-DE4B-95CE-6DB70DBA9567}" type="datetimeFigureOut">
               <a:rPr lang="en-US" dirty="0"/>
               <a:pPr/>
-              <a:t>6/26/2020</a:t>
+              <a:t>7/1/2020</a:t>
             </a:fld>
             <a:endParaRPr lang="en-US" dirty="0"/>
           </a:p>
@@ -3157,7 +3210,7 @@
             <a:fld id="{B61BEF0D-F0BB-DE4B-95CE-6DB70DBA9567}" type="datetimeFigureOut">
               <a:rPr lang="en-US" dirty="0"/>
               <a:pPr/>
-              <a:t>6/26/2020</a:t>
+              <a:t>7/1/2020</a:t>
             </a:fld>
             <a:endParaRPr lang="en-US" dirty="0"/>
           </a:p>
@@ -3550,7 +3603,7 @@
             <a:fld id="{B61BEF0D-F0BB-DE4B-95CE-6DB70DBA9567}" type="datetimeFigureOut">
               <a:rPr lang="en-US" dirty="0"/>
               <a:pPr/>
-              <a:t>6/26/2020</a:t>
+              <a:t>7/1/2020</a:t>
             </a:fld>
             <a:endParaRPr lang="en-US" dirty="0"/>
           </a:p>
@@ -3804,7 +3857,7 @@
             <a:fld id="{B61BEF0D-F0BB-DE4B-95CE-6DB70DBA9567}" type="datetimeFigureOut">
               <a:rPr lang="en-US" dirty="0"/>
               <a:pPr/>
-              <a:t>6/26/2020</a:t>
+              <a:t>7/1/2020</a:t>
             </a:fld>
             <a:endParaRPr lang="en-US" dirty="0"/>
           </a:p>
@@ -4063,7 +4116,7 @@
             <a:fld id="{B61BEF0D-F0BB-DE4B-95CE-6DB70DBA9567}" type="datetimeFigureOut">
               <a:rPr lang="en-US" dirty="0"/>
               <a:pPr/>
-              <a:t>6/26/2020</a:t>
+              <a:t>7/1/2020</a:t>
             </a:fld>
             <a:endParaRPr lang="en-US" dirty="0"/>
           </a:p>
@@ -4322,7 +4375,7 @@
             <a:fld id="{B61BEF0D-F0BB-DE4B-95CE-6DB70DBA9567}" type="datetimeFigureOut">
               <a:rPr lang="en-US" dirty="0"/>
               <a:pPr/>
-              <a:t>6/26/2020</a:t>
+              <a:t>7/1/2020</a:t>
             </a:fld>
             <a:endParaRPr lang="en-US" dirty="0"/>
           </a:p>
@@ -4648,7 +4701,7 @@
             <a:fld id="{B61BEF0D-F0BB-DE4B-95CE-6DB70DBA9567}" type="datetimeFigureOut">
               <a:rPr lang="en-US" dirty="0"/>
               <a:pPr/>
-              <a:t>6/26/2020</a:t>
+              <a:t>7/1/2020</a:t>
             </a:fld>
             <a:endParaRPr lang="en-US" dirty="0"/>
           </a:p>
@@ -4968,7 +5021,7 @@
             <a:fld id="{B61BEF0D-F0BB-DE4B-95CE-6DB70DBA9567}" type="datetimeFigureOut">
               <a:rPr lang="en-US" dirty="0"/>
               <a:pPr/>
-              <a:t>6/26/2020</a:t>
+              <a:t>7/1/2020</a:t>
             </a:fld>
             <a:endParaRPr lang="en-US" dirty="0"/>
           </a:p>
@@ -5422,7 +5475,7 @@
             <a:fld id="{B61BEF0D-F0BB-DE4B-95CE-6DB70DBA9567}" type="datetimeFigureOut">
               <a:rPr lang="en-US" dirty="0"/>
               <a:pPr/>
-              <a:t>6/26/2020</a:t>
+              <a:t>7/1/2020</a:t>
             </a:fld>
             <a:endParaRPr lang="en-US" dirty="0"/>
           </a:p>
@@ -5624,7 +5677,7 @@
             <a:fld id="{B61BEF0D-F0BB-DE4B-95CE-6DB70DBA9567}" type="datetimeFigureOut">
               <a:rPr lang="en-US" dirty="0"/>
               <a:pPr/>
-              <a:t>6/26/2020</a:t>
+              <a:t>7/1/2020</a:t>
             </a:fld>
             <a:endParaRPr lang="en-US" dirty="0"/>
           </a:p>
@@ -5798,7 +5851,7 @@
             <a:fld id="{B61BEF0D-F0BB-DE4B-95CE-6DB70DBA9567}" type="datetimeFigureOut">
               <a:rPr lang="en-US" dirty="0"/>
               <a:pPr/>
-              <a:t>6/26/2020</a:t>
+              <a:t>7/1/2020</a:t>
             </a:fld>
             <a:endParaRPr lang="en-US" dirty="0"/>
           </a:p>
@@ -6128,7 +6181,7 @@
             <a:fld id="{B61BEF0D-F0BB-DE4B-95CE-6DB70DBA9567}" type="datetimeFigureOut">
               <a:rPr lang="en-US" dirty="0"/>
               <a:pPr/>
-              <a:t>6/26/2020</a:t>
+              <a:t>7/1/2020</a:t>
             </a:fld>
             <a:endParaRPr lang="en-US" dirty="0"/>
           </a:p>
@@ -6470,7 +6523,7 @@
             <a:fld id="{B61BEF0D-F0BB-DE4B-95CE-6DB70DBA9567}" type="datetimeFigureOut">
               <a:rPr lang="en-US" dirty="0"/>
               <a:pPr/>
-              <a:t>6/26/2020</a:t>
+              <a:t>7/1/2020</a:t>
             </a:fld>
             <a:endParaRPr lang="en-US" dirty="0"/>
           </a:p>
@@ -8584,7 +8637,7 @@
             <a:fld id="{B61BEF0D-F0BB-DE4B-95CE-6DB70DBA9567}" type="datetimeFigureOut">
               <a:rPr lang="en-US" dirty="0"/>
               <a:pPr/>
-              <a:t>6/26/2020</a:t>
+              <a:t>7/1/2020</a:t>
             </a:fld>
             <a:endParaRPr lang="en-US" dirty="0"/>
           </a:p>
@@ -17870,8 +17923,11 @@
                   </a:schemeClr>
                 </a:solidFill>
               </a:rPr>
-              <a:t>Target Demographic: </a:t>
+              <a:t>Target Demographic:</a:t>
             </a:r>
+          </a:p>
+          <a:p>
+            <a:pPr lvl="1"/>
             <a:r>
               <a:rPr lang="en-US" b="1" dirty="0">
                 <a:solidFill>
@@ -17880,20 +17936,10 @@
                   </a:schemeClr>
                 </a:solidFill>
               </a:rPr>
-              <a:t>18-80 year-olds</a:t>
+              <a:t>18-30 year-olds and 50-80 year-olds</a:t>
             </a:r>
           </a:p>
           <a:p>
-            <a:r>
-              <a:rPr lang="en-US">
-                <a:solidFill>
-                  <a:schemeClr val="tx2">
-                    <a:lumMod val="75000"/>
-                  </a:schemeClr>
-                </a:solidFill>
-              </a:rPr>
-              <a:t>Target Demographic size </a:t>
-            </a:r>
             <a:r>
               <a:rPr lang="en-US" dirty="0">
                 <a:solidFill>
@@ -17902,7 +17948,7 @@
                   </a:schemeClr>
                 </a:solidFill>
               </a:rPr>
-              <a:t>in New Haven County: </a:t>
+              <a:t>Target Demographic size in New Haven County: </a:t>
             </a:r>
             <a:r>
               <a:rPr lang="en-US" b="1" dirty="0">
@@ -18067,7 +18113,7 @@
             </a:r>
             <a:r>
               <a:rPr lang="en-US" b="1" dirty="0"/>
-              <a:t>$79,400</a:t>
+              <a:t>$92,070</a:t>
             </a:r>
           </a:p>
           <a:p>
@@ -18077,7 +18123,7 @@
             </a:r>
             <a:r>
               <a:rPr lang="en-US" b="1" dirty="0"/>
-              <a:t>$222,000 </a:t>
+              <a:t>$202,000 </a:t>
             </a:r>
             <a:r>
               <a:rPr lang="en-US" dirty="0"/>
@@ -25904,7 +25950,7 @@
           <a:lstStyle/>
           <a:p>
             <a:r>
-              <a:rPr lang="en-US">
+              <a:rPr lang="en-US" dirty="0">
                 <a:solidFill>
                   <a:schemeClr val="tx2">
                     <a:lumMod val="75000"/>
@@ -25916,7 +25962,7 @@
           </a:p>
           <a:p>
             <a:r>
-              <a:rPr lang="en-US">
+              <a:rPr lang="en-US" dirty="0">
                 <a:solidFill>
                   <a:schemeClr val="tx2">
                     <a:lumMod val="75000"/>
@@ -25928,7 +25974,7 @@
           </a:p>
           <a:p>
             <a:r>
-              <a:rPr lang="en-US">
+              <a:rPr lang="en-US" dirty="0">
                 <a:solidFill>
                   <a:schemeClr val="tx2">
                     <a:lumMod val="75000"/>
@@ -25939,7 +25985,7 @@
             </a:r>
           </a:p>
           <a:p>
-            <a:endParaRPr lang="en-US">
+            <a:endParaRPr lang="en-US" dirty="0">
               <a:solidFill>
                 <a:schemeClr val="tx2">
                   <a:lumMod val="75000"/>
@@ -25948,6 +25994,28 @@
             </a:endParaRPr>
           </a:p>
           <a:p>
+            <a:r>
+              <a:rPr lang="en-US" dirty="0">
+                <a:solidFill>
+                  <a:schemeClr val="tx2">
+                    <a:lumMod val="75000"/>
+                  </a:schemeClr>
+                </a:solidFill>
+              </a:rPr>
+              <a:t>Less social stigma because everyone is doing it</a:t>
+            </a:r>
+          </a:p>
+          <a:p>
+            <a:r>
+              <a:rPr lang="en-US" dirty="0">
+                <a:solidFill>
+                  <a:schemeClr val="tx2">
+                    <a:lumMod val="75000"/>
+                  </a:schemeClr>
+                </a:solidFill>
+              </a:rPr>
+              <a:t>Religious organizations were </a:t>
+            </a:r>
             <a:r>
               <a:rPr lang="en-US">
                 <a:solidFill>
@@ -25956,19 +26024,17 @@
                   </a:schemeClr>
                 </a:solidFill>
               </a:rPr>
-              <a:t>Less social stigma because everyone is doing it</a:t>
+              <a:t>once the center </a:t>
             </a:r>
-          </a:p>
-          <a:p>
             <a:r>
-              <a:rPr lang="en-US">
+              <a:rPr lang="en-US" dirty="0">
                 <a:solidFill>
                   <a:schemeClr val="tx2">
                     <a:lumMod val="75000"/>
                   </a:schemeClr>
                 </a:solidFill>
               </a:rPr>
-              <a:t>Religious organizations were once the epicenter of local life</a:t>
+              <a:t>of local life</a:t>
             </a:r>
           </a:p>
         </p:txBody>

--- a/Presentation/SocialHub_FrancisT_06_23_2020.pptx
+++ b/Presentation/SocialHub_FrancisT_06_23_2020.pptx
@@ -135,6 +135,7 @@
 <file path=ppt/revisionInfo.xml><?xml version="1.0" encoding="utf-8"?>
 <p1510:revInfo xmlns:a="http://schemas.openxmlformats.org/drawingml/2006/main" xmlns:r="http://schemas.openxmlformats.org/officeDocument/2006/relationships" xmlns:p1510="http://schemas.microsoft.com/office/powerpoint/2015/10/main">
   <p1510:revLst>
+    <p1510:client id="{63F3CF76-1364-475A-823F-3E38657C5F84}" v="2" dt="2020-06-25T20:55:24.299"/>
     <p1510:client id="{E2F6CC62-A8FA-4CA3-B44E-705F9FC4EF55}" v="81" dt="2020-06-26T14:02:27.736"/>
   </p1510:revLst>
 </p1510:revInfo>
@@ -1477,60 +1478,6 @@
     </pc:docChg>
   </pc:docChgLst>
   <pc:docChgLst>
-    <pc:chgData name="Thomas Francis" userId="2e7f689e-290c-4746-ba0f-274b885931e9" providerId="ADAL" clId="{E2F6CC62-A8FA-4CA3-B44E-705F9FC4EF55}"/>
-    <pc:docChg chg="modSld">
-      <pc:chgData name="Thomas Francis" userId="2e7f689e-290c-4746-ba0f-274b885931e9" providerId="ADAL" clId="{E2F6CC62-A8FA-4CA3-B44E-705F9FC4EF55}" dt="2020-07-01T15:09:44.797" v="43" actId="20577"/>
-      <pc:docMkLst>
-        <pc:docMk/>
-      </pc:docMkLst>
-      <pc:sldChg chg="modSp">
-        <pc:chgData name="Thomas Francis" userId="2e7f689e-290c-4746-ba0f-274b885931e9" providerId="ADAL" clId="{E2F6CC62-A8FA-4CA3-B44E-705F9FC4EF55}" dt="2020-07-01T15:09:44.797" v="43" actId="20577"/>
-        <pc:sldMkLst>
-          <pc:docMk/>
-          <pc:sldMk cId="3390689853" sldId="262"/>
-        </pc:sldMkLst>
-        <pc:spChg chg="mod">
-          <ac:chgData name="Thomas Francis" userId="2e7f689e-290c-4746-ba0f-274b885931e9" providerId="ADAL" clId="{E2F6CC62-A8FA-4CA3-B44E-705F9FC4EF55}" dt="2020-07-01T15:09:44.797" v="43" actId="20577"/>
-          <ac:spMkLst>
-            <pc:docMk/>
-            <pc:sldMk cId="3390689853" sldId="262"/>
-            <ac:spMk id="3" creationId="{69F4B873-5DDA-4F2C-8891-E4BC94C1F90B}"/>
-          </ac:spMkLst>
-        </pc:spChg>
-      </pc:sldChg>
-      <pc:sldChg chg="modSp">
-        <pc:chgData name="Thomas Francis" userId="2e7f689e-290c-4746-ba0f-274b885931e9" providerId="ADAL" clId="{E2F6CC62-A8FA-4CA3-B44E-705F9FC4EF55}" dt="2020-07-01T14:21:52.502" v="15" actId="20577"/>
-        <pc:sldMkLst>
-          <pc:docMk/>
-          <pc:sldMk cId="3345576059" sldId="272"/>
-        </pc:sldMkLst>
-        <pc:spChg chg="mod">
-          <ac:chgData name="Thomas Francis" userId="2e7f689e-290c-4746-ba0f-274b885931e9" providerId="ADAL" clId="{E2F6CC62-A8FA-4CA3-B44E-705F9FC4EF55}" dt="2020-07-01T14:21:52.502" v="15" actId="20577"/>
-          <ac:spMkLst>
-            <pc:docMk/>
-            <pc:sldMk cId="3345576059" sldId="272"/>
-            <ac:spMk id="3" creationId="{71DB8266-80FE-4AE4-8A09-30C2E2B143AA}"/>
-          </ac:spMkLst>
-        </pc:spChg>
-      </pc:sldChg>
-      <pc:sldChg chg="modSp">
-        <pc:chgData name="Thomas Francis" userId="2e7f689e-290c-4746-ba0f-274b885931e9" providerId="ADAL" clId="{E2F6CC62-A8FA-4CA3-B44E-705F9FC4EF55}" dt="2020-07-01T14:23:27.798" v="38" actId="15"/>
-        <pc:sldMkLst>
-          <pc:docMk/>
-          <pc:sldMk cId="3166939221" sldId="273"/>
-        </pc:sldMkLst>
-        <pc:spChg chg="mod">
-          <ac:chgData name="Thomas Francis" userId="2e7f689e-290c-4746-ba0f-274b885931e9" providerId="ADAL" clId="{E2F6CC62-A8FA-4CA3-B44E-705F9FC4EF55}" dt="2020-07-01T14:23:27.798" v="38" actId="15"/>
-          <ac:spMkLst>
-            <pc:docMk/>
-            <pc:sldMk cId="3166939221" sldId="273"/>
-            <ac:spMk id="3" creationId="{4EDA088C-672F-4FD5-BCB0-9D0AA8F203F3}"/>
-          </ac:spMkLst>
-        </pc:spChg>
-      </pc:sldChg>
-    </pc:docChg>
-  </pc:docChgLst>
-  <pc:docChgLst>
     <pc:chgData name="Thomas Francis" userId="5c2c6e3652e668e7" providerId="LiveId" clId="{63F3CF76-1364-475A-823F-3E38657C5F84}"/>
     <pc:docChg chg="custSel modSld sldOrd">
       <pc:chgData name="Thomas Francis" userId="5c2c6e3652e668e7" providerId="LiveId" clId="{63F3CF76-1364-475A-823F-3E38657C5F84}" dt="2020-06-25T20:53:56.821" v="184" actId="20577"/>
@@ -1828,7 +1775,7 @@
             <a:fld id="{B61BEF0D-F0BB-DE4B-95CE-6DB70DBA9567}" type="datetimeFigureOut">
               <a:rPr lang="en-US" dirty="0"/>
               <a:pPr/>
-              <a:t>7/1/2020</a:t>
+              <a:t>6/26/2020</a:t>
             </a:fld>
             <a:endParaRPr lang="en-US" dirty="0"/>
           </a:p>
@@ -2163,7 +2110,7 @@
             <a:fld id="{B61BEF0D-F0BB-DE4B-95CE-6DB70DBA9567}" type="datetimeFigureOut">
               <a:rPr lang="en-US" dirty="0"/>
               <a:pPr/>
-              <a:t>7/1/2020</a:t>
+              <a:t>6/26/2020</a:t>
             </a:fld>
             <a:endParaRPr lang="en-US" dirty="0"/>
           </a:p>
@@ -2561,7 +2508,7 @@
             <a:fld id="{B61BEF0D-F0BB-DE4B-95CE-6DB70DBA9567}" type="datetimeFigureOut">
               <a:rPr lang="en-US" dirty="0"/>
               <a:pPr/>
-              <a:t>7/1/2020</a:t>
+              <a:t>6/26/2020</a:t>
             </a:fld>
             <a:endParaRPr lang="en-US" dirty="0"/>
           </a:p>
@@ -2893,7 +2840,7 @@
             <a:fld id="{B61BEF0D-F0BB-DE4B-95CE-6DB70DBA9567}" type="datetimeFigureOut">
               <a:rPr lang="en-US" dirty="0"/>
               <a:pPr/>
-              <a:t>7/1/2020</a:t>
+              <a:t>6/26/2020</a:t>
             </a:fld>
             <a:endParaRPr lang="en-US" dirty="0"/>
           </a:p>
@@ -3210,7 +3157,7 @@
             <a:fld id="{B61BEF0D-F0BB-DE4B-95CE-6DB70DBA9567}" type="datetimeFigureOut">
               <a:rPr lang="en-US" dirty="0"/>
               <a:pPr/>
-              <a:t>7/1/2020</a:t>
+              <a:t>6/26/2020</a:t>
             </a:fld>
             <a:endParaRPr lang="en-US" dirty="0"/>
           </a:p>
@@ -3603,7 +3550,7 @@
             <a:fld id="{B61BEF0D-F0BB-DE4B-95CE-6DB70DBA9567}" type="datetimeFigureOut">
               <a:rPr lang="en-US" dirty="0"/>
               <a:pPr/>
-              <a:t>7/1/2020</a:t>
+              <a:t>6/26/2020</a:t>
             </a:fld>
             <a:endParaRPr lang="en-US" dirty="0"/>
           </a:p>
@@ -3857,7 +3804,7 @@
             <a:fld id="{B61BEF0D-F0BB-DE4B-95CE-6DB70DBA9567}" type="datetimeFigureOut">
               <a:rPr lang="en-US" dirty="0"/>
               <a:pPr/>
-              <a:t>7/1/2020</a:t>
+              <a:t>6/26/2020</a:t>
             </a:fld>
             <a:endParaRPr lang="en-US" dirty="0"/>
           </a:p>
@@ -4116,7 +4063,7 @@
             <a:fld id="{B61BEF0D-F0BB-DE4B-95CE-6DB70DBA9567}" type="datetimeFigureOut">
               <a:rPr lang="en-US" dirty="0"/>
               <a:pPr/>
-              <a:t>7/1/2020</a:t>
+              <a:t>6/26/2020</a:t>
             </a:fld>
             <a:endParaRPr lang="en-US" dirty="0"/>
           </a:p>
@@ -4375,7 +4322,7 @@
             <a:fld id="{B61BEF0D-F0BB-DE4B-95CE-6DB70DBA9567}" type="datetimeFigureOut">
               <a:rPr lang="en-US" dirty="0"/>
               <a:pPr/>
-              <a:t>7/1/2020</a:t>
+              <a:t>6/26/2020</a:t>
             </a:fld>
             <a:endParaRPr lang="en-US" dirty="0"/>
           </a:p>
@@ -4701,7 +4648,7 @@
             <a:fld id="{B61BEF0D-F0BB-DE4B-95CE-6DB70DBA9567}" type="datetimeFigureOut">
               <a:rPr lang="en-US" dirty="0"/>
               <a:pPr/>
-              <a:t>7/1/2020</a:t>
+              <a:t>6/26/2020</a:t>
             </a:fld>
             <a:endParaRPr lang="en-US" dirty="0"/>
           </a:p>
@@ -5021,7 +4968,7 @@
             <a:fld id="{B61BEF0D-F0BB-DE4B-95CE-6DB70DBA9567}" type="datetimeFigureOut">
               <a:rPr lang="en-US" dirty="0"/>
               <a:pPr/>
-              <a:t>7/1/2020</a:t>
+              <a:t>6/26/2020</a:t>
             </a:fld>
             <a:endParaRPr lang="en-US" dirty="0"/>
           </a:p>
@@ -5475,7 +5422,7 @@
             <a:fld id="{B61BEF0D-F0BB-DE4B-95CE-6DB70DBA9567}" type="datetimeFigureOut">
               <a:rPr lang="en-US" dirty="0"/>
               <a:pPr/>
-              <a:t>7/1/2020</a:t>
+              <a:t>6/26/2020</a:t>
             </a:fld>
             <a:endParaRPr lang="en-US" dirty="0"/>
           </a:p>
@@ -5677,7 +5624,7 @@
             <a:fld id="{B61BEF0D-F0BB-DE4B-95CE-6DB70DBA9567}" type="datetimeFigureOut">
               <a:rPr lang="en-US" dirty="0"/>
               <a:pPr/>
-              <a:t>7/1/2020</a:t>
+              <a:t>6/26/2020</a:t>
             </a:fld>
             <a:endParaRPr lang="en-US" dirty="0"/>
           </a:p>
@@ -5851,7 +5798,7 @@
             <a:fld id="{B61BEF0D-F0BB-DE4B-95CE-6DB70DBA9567}" type="datetimeFigureOut">
               <a:rPr lang="en-US" dirty="0"/>
               <a:pPr/>
-              <a:t>7/1/2020</a:t>
+              <a:t>6/26/2020</a:t>
             </a:fld>
             <a:endParaRPr lang="en-US" dirty="0"/>
           </a:p>
@@ -6181,7 +6128,7 @@
             <a:fld id="{B61BEF0D-F0BB-DE4B-95CE-6DB70DBA9567}" type="datetimeFigureOut">
               <a:rPr lang="en-US" dirty="0"/>
               <a:pPr/>
-              <a:t>7/1/2020</a:t>
+              <a:t>6/26/2020</a:t>
             </a:fld>
             <a:endParaRPr lang="en-US" dirty="0"/>
           </a:p>
@@ -6523,7 +6470,7 @@
             <a:fld id="{B61BEF0D-F0BB-DE4B-95CE-6DB70DBA9567}" type="datetimeFigureOut">
               <a:rPr lang="en-US" dirty="0"/>
               <a:pPr/>
-              <a:t>7/1/2020</a:t>
+              <a:t>6/26/2020</a:t>
             </a:fld>
             <a:endParaRPr lang="en-US" dirty="0"/>
           </a:p>
@@ -8637,7 +8584,7 @@
             <a:fld id="{B61BEF0D-F0BB-DE4B-95CE-6DB70DBA9567}" type="datetimeFigureOut">
               <a:rPr lang="en-US" dirty="0"/>
               <a:pPr/>
-              <a:t>7/1/2020</a:t>
+              <a:t>6/26/2020</a:t>
             </a:fld>
             <a:endParaRPr lang="en-US" dirty="0"/>
           </a:p>
@@ -17923,11 +17870,8 @@
                   </a:schemeClr>
                 </a:solidFill>
               </a:rPr>
-              <a:t>Target Demographic:</a:t>
+              <a:t>Target Demographic: </a:t>
             </a:r>
-          </a:p>
-          <a:p>
-            <a:pPr lvl="1"/>
             <a:r>
               <a:rPr lang="en-US" b="1" dirty="0">
                 <a:solidFill>
@@ -17936,10 +17880,20 @@
                   </a:schemeClr>
                 </a:solidFill>
               </a:rPr>
-              <a:t>18-30 year-olds and 50-80 year-olds</a:t>
+              <a:t>18-80 year-olds</a:t>
             </a:r>
           </a:p>
           <a:p>
+            <a:r>
+              <a:rPr lang="en-US">
+                <a:solidFill>
+                  <a:schemeClr val="tx2">
+                    <a:lumMod val="75000"/>
+                  </a:schemeClr>
+                </a:solidFill>
+              </a:rPr>
+              <a:t>Target Demographic size </a:t>
+            </a:r>
             <a:r>
               <a:rPr lang="en-US" dirty="0">
                 <a:solidFill>
@@ -17948,7 +17902,7 @@
                   </a:schemeClr>
                 </a:solidFill>
               </a:rPr>
-              <a:t>Target Demographic size in New Haven County: </a:t>
+              <a:t>in New Haven County: </a:t>
             </a:r>
             <a:r>
               <a:rPr lang="en-US" b="1" dirty="0">
@@ -18113,7 +18067,7 @@
             </a:r>
             <a:r>
               <a:rPr lang="en-US" b="1" dirty="0"/>
-              <a:t>$92,070</a:t>
+              <a:t>$79,400</a:t>
             </a:r>
           </a:p>
           <a:p>
@@ -18123,7 +18077,7 @@
             </a:r>
             <a:r>
               <a:rPr lang="en-US" b="1" dirty="0"/>
-              <a:t>$202,000 </a:t>
+              <a:t>$222,000 </a:t>
             </a:r>
             <a:r>
               <a:rPr lang="en-US" dirty="0"/>
@@ -25950,7 +25904,7 @@
           <a:lstStyle/>
           <a:p>
             <a:r>
-              <a:rPr lang="en-US" dirty="0">
+              <a:rPr lang="en-US">
                 <a:solidFill>
                   <a:schemeClr val="tx2">
                     <a:lumMod val="75000"/>
@@ -25962,7 +25916,7 @@
           </a:p>
           <a:p>
             <a:r>
-              <a:rPr lang="en-US" dirty="0">
+              <a:rPr lang="en-US">
                 <a:solidFill>
                   <a:schemeClr val="tx2">
                     <a:lumMod val="75000"/>
@@ -25974,7 +25928,7 @@
           </a:p>
           <a:p>
             <a:r>
-              <a:rPr lang="en-US" dirty="0">
+              <a:rPr lang="en-US">
                 <a:solidFill>
                   <a:schemeClr val="tx2">
                     <a:lumMod val="75000"/>
@@ -25985,7 +25939,7 @@
             </a:r>
           </a:p>
           <a:p>
-            <a:endParaRPr lang="en-US" dirty="0">
+            <a:endParaRPr lang="en-US">
               <a:solidFill>
                 <a:schemeClr val="tx2">
                   <a:lumMod val="75000"/>
@@ -25995,7 +25949,7 @@
           </a:p>
           <a:p>
             <a:r>
-              <a:rPr lang="en-US" dirty="0">
+              <a:rPr lang="en-US">
                 <a:solidFill>
                   <a:schemeClr val="tx2">
                     <a:lumMod val="75000"/>
@@ -26007,16 +25961,6 @@
           </a:p>
           <a:p>
             <a:r>
-              <a:rPr lang="en-US" dirty="0">
-                <a:solidFill>
-                  <a:schemeClr val="tx2">
-                    <a:lumMod val="75000"/>
-                  </a:schemeClr>
-                </a:solidFill>
-              </a:rPr>
-              <a:t>Religious organizations were </a:t>
-            </a:r>
-            <a:r>
               <a:rPr lang="en-US">
                 <a:solidFill>
                   <a:schemeClr val="tx2">
@@ -26024,17 +25968,7 @@
                   </a:schemeClr>
                 </a:solidFill>
               </a:rPr>
-              <a:t>once the center </a:t>
-            </a:r>
-            <a:r>
-              <a:rPr lang="en-US" dirty="0">
-                <a:solidFill>
-                  <a:schemeClr val="tx2">
-                    <a:lumMod val="75000"/>
-                  </a:schemeClr>
-                </a:solidFill>
-              </a:rPr>
-              <a:t>of local life</a:t>
+              <a:t>Religious organizations were once the epicenter of local life</a:t>
             </a:r>
           </a:p>
         </p:txBody>

--- a/Presentation/SocialHub_FrancisT_06_23_2020.pptx
+++ b/Presentation/SocialHub_FrancisT_06_23_2020.pptx
@@ -135,8 +135,7 @@
 <file path=ppt/revisionInfo.xml><?xml version="1.0" encoding="utf-8"?>
 <p1510:revInfo xmlns:a="http://schemas.openxmlformats.org/drawingml/2006/main" xmlns:r="http://schemas.openxmlformats.org/officeDocument/2006/relationships" xmlns:p1510="http://schemas.microsoft.com/office/powerpoint/2015/10/main">
   <p1510:revLst>
-    <p1510:client id="{63F3CF76-1364-475A-823F-3E38657C5F84}" v="2" dt="2020-06-25T20:55:24.299"/>
-    <p1510:client id="{E2F6CC62-A8FA-4CA3-B44E-705F9FC4EF55}" v="81" dt="2020-06-26T14:02:27.736"/>
+    <p1510:client id="{E2F6CC62-A8FA-4CA3-B44E-705F9FC4EF55}" v="82" dt="2020-07-07T13:47:13.480"/>
   </p1510:revLst>
 </p1510:revInfo>
 </file>
@@ -146,7 +145,7 @@
   <pc:docChgLst>
     <pc:chgData name="Francis, Thomas" userId="2e7f689e-290c-4746-ba0f-274b885931e9" providerId="ADAL" clId="{E2F6CC62-A8FA-4CA3-B44E-705F9FC4EF55}"/>
     <pc:docChg chg="undo custSel mod addSld delSld modSld">
-      <pc:chgData name="Francis, Thomas" userId="2e7f689e-290c-4746-ba0f-274b885931e9" providerId="ADAL" clId="{E2F6CC62-A8FA-4CA3-B44E-705F9FC4EF55}" dt="2020-06-26T14:39:48.126" v="7528" actId="20577"/>
+      <pc:chgData name="Francis, Thomas" userId="2e7f689e-290c-4746-ba0f-274b885931e9" providerId="ADAL" clId="{E2F6CC62-A8FA-4CA3-B44E-705F9FC4EF55}" dt="2020-07-07T13:47:44.391" v="7716" actId="1076"/>
       <pc:docMkLst>
         <pc:docMk/>
       </pc:docMkLst>
@@ -417,7 +416,7 @@
         </pc:cxnChg>
       </pc:sldChg>
       <pc:sldChg chg="addSp modSp add mod setBg">
-        <pc:chgData name="Francis, Thomas" userId="2e7f689e-290c-4746-ba0f-274b885931e9" providerId="ADAL" clId="{E2F6CC62-A8FA-4CA3-B44E-705F9FC4EF55}" dt="2020-06-26T14:35:18.500" v="7459" actId="122"/>
+        <pc:chgData name="Francis, Thomas" userId="2e7f689e-290c-4746-ba0f-274b885931e9" providerId="ADAL" clId="{E2F6CC62-A8FA-4CA3-B44E-705F9FC4EF55}" dt="2020-07-07T13:36:34.865" v="7531" actId="20577"/>
         <pc:sldMkLst>
           <pc:docMk/>
           <pc:sldMk cId="3390689853" sldId="262"/>
@@ -431,7 +430,7 @@
           </ac:spMkLst>
         </pc:spChg>
         <pc:spChg chg="mod">
-          <ac:chgData name="Francis, Thomas" userId="2e7f689e-290c-4746-ba0f-274b885931e9" providerId="ADAL" clId="{E2F6CC62-A8FA-4CA3-B44E-705F9FC4EF55}" dt="2020-06-26T14:14:21.062" v="7362" actId="26606"/>
+          <ac:chgData name="Francis, Thomas" userId="2e7f689e-290c-4746-ba0f-274b885931e9" providerId="ADAL" clId="{E2F6CC62-A8FA-4CA3-B44E-705F9FC4EF55}" dt="2020-07-07T13:36:34.865" v="7531" actId="20577"/>
           <ac:spMkLst>
             <pc:docMk/>
             <pc:sldMk cId="3390689853" sldId="262"/>
@@ -918,13 +917,13 @@
         </pc:cxnChg>
       </pc:sldChg>
       <pc:sldChg chg="modSp add">
-        <pc:chgData name="Francis, Thomas" userId="2e7f689e-290c-4746-ba0f-274b885931e9" providerId="ADAL" clId="{E2F6CC62-A8FA-4CA3-B44E-705F9FC4EF55}" dt="2020-06-25T14:57:23.524" v="7006" actId="20577"/>
+        <pc:chgData name="Francis, Thomas" userId="2e7f689e-290c-4746-ba0f-274b885931e9" providerId="ADAL" clId="{E2F6CC62-A8FA-4CA3-B44E-705F9FC4EF55}" dt="2020-07-07T13:44:27.684" v="7703" actId="20577"/>
         <pc:sldMkLst>
           <pc:docMk/>
           <pc:sldMk cId="3345576059" sldId="272"/>
         </pc:sldMkLst>
         <pc:spChg chg="mod">
-          <ac:chgData name="Francis, Thomas" userId="2e7f689e-290c-4746-ba0f-274b885931e9" providerId="ADAL" clId="{E2F6CC62-A8FA-4CA3-B44E-705F9FC4EF55}" dt="2020-06-25T14:57:23.524" v="7006" actId="20577"/>
+          <ac:chgData name="Francis, Thomas" userId="2e7f689e-290c-4746-ba0f-274b885931e9" providerId="ADAL" clId="{E2F6CC62-A8FA-4CA3-B44E-705F9FC4EF55}" dt="2020-07-07T13:44:27.684" v="7703" actId="20577"/>
           <ac:spMkLst>
             <pc:docMk/>
             <pc:sldMk cId="3345576059" sldId="272"/>
@@ -933,7 +932,7 @@
         </pc:spChg>
       </pc:sldChg>
       <pc:sldChg chg="addSp modSp add mod setBg">
-        <pc:chgData name="Francis, Thomas" userId="2e7f689e-290c-4746-ba0f-274b885931e9" providerId="ADAL" clId="{E2F6CC62-A8FA-4CA3-B44E-705F9FC4EF55}" dt="2020-06-26T14:10:22.944" v="7340" actId="20577"/>
+        <pc:chgData name="Francis, Thomas" userId="2e7f689e-290c-4746-ba0f-274b885931e9" providerId="ADAL" clId="{E2F6CC62-A8FA-4CA3-B44E-705F9FC4EF55}" dt="2020-07-07T13:39:34.262" v="7631" actId="20577"/>
         <pc:sldMkLst>
           <pc:docMk/>
           <pc:sldMk cId="3166939221" sldId="273"/>
@@ -947,7 +946,7 @@
           </ac:spMkLst>
         </pc:spChg>
         <pc:spChg chg="mod">
-          <ac:chgData name="Francis, Thomas" userId="2e7f689e-290c-4746-ba0f-274b885931e9" providerId="ADAL" clId="{E2F6CC62-A8FA-4CA3-B44E-705F9FC4EF55}" dt="2020-06-25T14:26:30.736" v="6966" actId="20577"/>
+          <ac:chgData name="Francis, Thomas" userId="2e7f689e-290c-4746-ba0f-274b885931e9" providerId="ADAL" clId="{E2F6CC62-A8FA-4CA3-B44E-705F9FC4EF55}" dt="2020-07-07T13:39:34.262" v="7631" actId="20577"/>
           <ac:spMkLst>
             <pc:docMk/>
             <pc:sldMk cId="3166939221" sldId="273"/>
@@ -1136,7 +1135,7 @@
         </pc:spChg>
       </pc:sldChg>
       <pc:sldChg chg="addSp delSp modSp add mod setBg">
-        <pc:chgData name="Francis, Thomas" userId="2e7f689e-290c-4746-ba0f-274b885931e9" providerId="ADAL" clId="{E2F6CC62-A8FA-4CA3-B44E-705F9FC4EF55}" dt="2020-06-26T14:11:05.567" v="7346" actId="1076"/>
+        <pc:chgData name="Francis, Thomas" userId="2e7f689e-290c-4746-ba0f-274b885931e9" providerId="ADAL" clId="{E2F6CC62-A8FA-4CA3-B44E-705F9FC4EF55}" dt="2020-07-07T13:47:44.391" v="7716" actId="1076"/>
         <pc:sldMkLst>
           <pc:docMk/>
           <pc:sldMk cId="1401021797" sldId="278"/>
@@ -1229,12 +1228,20 @@
             <ac:spMk id="16" creationId="{D49441E5-946F-46B3-BDD2-BAD088532367}"/>
           </ac:spMkLst>
         </pc:spChg>
-        <pc:picChg chg="add mod">
-          <ac:chgData name="Francis, Thomas" userId="2e7f689e-290c-4746-ba0f-274b885931e9" providerId="ADAL" clId="{E2F6CC62-A8FA-4CA3-B44E-705F9FC4EF55}" dt="2020-06-25T13:39:19.332" v="5793" actId="14100"/>
+        <pc:picChg chg="add del mod">
+          <ac:chgData name="Francis, Thomas" userId="2e7f689e-290c-4746-ba0f-274b885931e9" providerId="ADAL" clId="{E2F6CC62-A8FA-4CA3-B44E-705F9FC4EF55}" dt="2020-07-07T13:46:58.315" v="7704" actId="478"/>
           <ac:picMkLst>
             <pc:docMk/>
             <pc:sldMk cId="1401021797" sldId="278"/>
             <ac:picMk id="5" creationId="{573DD099-B936-4870-9CEC-60DACFA5B592}"/>
+          </ac:picMkLst>
+        </pc:picChg>
+        <pc:picChg chg="add mod">
+          <ac:chgData name="Francis, Thomas" userId="2e7f689e-290c-4746-ba0f-274b885931e9" providerId="ADAL" clId="{E2F6CC62-A8FA-4CA3-B44E-705F9FC4EF55}" dt="2020-07-07T13:47:44.391" v="7716" actId="1076"/>
+          <ac:picMkLst>
+            <pc:docMk/>
+            <pc:sldMk cId="1401021797" sldId="278"/>
+            <ac:picMk id="6" creationId="{E27163F9-AE16-4310-AA3F-0731FA78AF3A}"/>
           </ac:picMkLst>
         </pc:picChg>
       </pc:sldChg>
@@ -1775,7 +1782,7 @@
             <a:fld id="{B61BEF0D-F0BB-DE4B-95CE-6DB70DBA9567}" type="datetimeFigureOut">
               <a:rPr lang="en-US" dirty="0"/>
               <a:pPr/>
-              <a:t>6/26/2020</a:t>
+              <a:t>7/7/2020</a:t>
             </a:fld>
             <a:endParaRPr lang="en-US" dirty="0"/>
           </a:p>
@@ -2110,7 +2117,7 @@
             <a:fld id="{B61BEF0D-F0BB-DE4B-95CE-6DB70DBA9567}" type="datetimeFigureOut">
               <a:rPr lang="en-US" dirty="0"/>
               <a:pPr/>
-              <a:t>6/26/2020</a:t>
+              <a:t>7/7/2020</a:t>
             </a:fld>
             <a:endParaRPr lang="en-US" dirty="0"/>
           </a:p>
@@ -2508,7 +2515,7 @@
             <a:fld id="{B61BEF0D-F0BB-DE4B-95CE-6DB70DBA9567}" type="datetimeFigureOut">
               <a:rPr lang="en-US" dirty="0"/>
               <a:pPr/>
-              <a:t>6/26/2020</a:t>
+              <a:t>7/7/2020</a:t>
             </a:fld>
             <a:endParaRPr lang="en-US" dirty="0"/>
           </a:p>
@@ -2840,7 +2847,7 @@
             <a:fld id="{B61BEF0D-F0BB-DE4B-95CE-6DB70DBA9567}" type="datetimeFigureOut">
               <a:rPr lang="en-US" dirty="0"/>
               <a:pPr/>
-              <a:t>6/26/2020</a:t>
+              <a:t>7/7/2020</a:t>
             </a:fld>
             <a:endParaRPr lang="en-US" dirty="0"/>
           </a:p>
@@ -3157,7 +3164,7 @@
             <a:fld id="{B61BEF0D-F0BB-DE4B-95CE-6DB70DBA9567}" type="datetimeFigureOut">
               <a:rPr lang="en-US" dirty="0"/>
               <a:pPr/>
-              <a:t>6/26/2020</a:t>
+              <a:t>7/7/2020</a:t>
             </a:fld>
             <a:endParaRPr lang="en-US" dirty="0"/>
           </a:p>
@@ -3550,7 +3557,7 @@
             <a:fld id="{B61BEF0D-F0BB-DE4B-95CE-6DB70DBA9567}" type="datetimeFigureOut">
               <a:rPr lang="en-US" dirty="0"/>
               <a:pPr/>
-              <a:t>6/26/2020</a:t>
+              <a:t>7/7/2020</a:t>
             </a:fld>
             <a:endParaRPr lang="en-US" dirty="0"/>
           </a:p>
@@ -3804,7 +3811,7 @@
             <a:fld id="{B61BEF0D-F0BB-DE4B-95CE-6DB70DBA9567}" type="datetimeFigureOut">
               <a:rPr lang="en-US" dirty="0"/>
               <a:pPr/>
-              <a:t>6/26/2020</a:t>
+              <a:t>7/7/2020</a:t>
             </a:fld>
             <a:endParaRPr lang="en-US" dirty="0"/>
           </a:p>
@@ -4063,7 +4070,7 @@
             <a:fld id="{B61BEF0D-F0BB-DE4B-95CE-6DB70DBA9567}" type="datetimeFigureOut">
               <a:rPr lang="en-US" dirty="0"/>
               <a:pPr/>
-              <a:t>6/26/2020</a:t>
+              <a:t>7/7/2020</a:t>
             </a:fld>
             <a:endParaRPr lang="en-US" dirty="0"/>
           </a:p>
@@ -4322,7 +4329,7 @@
             <a:fld id="{B61BEF0D-F0BB-DE4B-95CE-6DB70DBA9567}" type="datetimeFigureOut">
               <a:rPr lang="en-US" dirty="0"/>
               <a:pPr/>
-              <a:t>6/26/2020</a:t>
+              <a:t>7/7/2020</a:t>
             </a:fld>
             <a:endParaRPr lang="en-US" dirty="0"/>
           </a:p>
@@ -4648,7 +4655,7 @@
             <a:fld id="{B61BEF0D-F0BB-DE4B-95CE-6DB70DBA9567}" type="datetimeFigureOut">
               <a:rPr lang="en-US" dirty="0"/>
               <a:pPr/>
-              <a:t>6/26/2020</a:t>
+              <a:t>7/7/2020</a:t>
             </a:fld>
             <a:endParaRPr lang="en-US" dirty="0"/>
           </a:p>
@@ -4968,7 +4975,7 @@
             <a:fld id="{B61BEF0D-F0BB-DE4B-95CE-6DB70DBA9567}" type="datetimeFigureOut">
               <a:rPr lang="en-US" dirty="0"/>
               <a:pPr/>
-              <a:t>6/26/2020</a:t>
+              <a:t>7/7/2020</a:t>
             </a:fld>
             <a:endParaRPr lang="en-US" dirty="0"/>
           </a:p>
@@ -5422,7 +5429,7 @@
             <a:fld id="{B61BEF0D-F0BB-DE4B-95CE-6DB70DBA9567}" type="datetimeFigureOut">
               <a:rPr lang="en-US" dirty="0"/>
               <a:pPr/>
-              <a:t>6/26/2020</a:t>
+              <a:t>7/7/2020</a:t>
             </a:fld>
             <a:endParaRPr lang="en-US" dirty="0"/>
           </a:p>
@@ -5624,7 +5631,7 @@
             <a:fld id="{B61BEF0D-F0BB-DE4B-95CE-6DB70DBA9567}" type="datetimeFigureOut">
               <a:rPr lang="en-US" dirty="0"/>
               <a:pPr/>
-              <a:t>6/26/2020</a:t>
+              <a:t>7/7/2020</a:t>
             </a:fld>
             <a:endParaRPr lang="en-US" dirty="0"/>
           </a:p>
@@ -5798,7 +5805,7 @@
             <a:fld id="{B61BEF0D-F0BB-DE4B-95CE-6DB70DBA9567}" type="datetimeFigureOut">
               <a:rPr lang="en-US" dirty="0"/>
               <a:pPr/>
-              <a:t>6/26/2020</a:t>
+              <a:t>7/7/2020</a:t>
             </a:fld>
             <a:endParaRPr lang="en-US" dirty="0"/>
           </a:p>
@@ -6128,7 +6135,7 @@
             <a:fld id="{B61BEF0D-F0BB-DE4B-95CE-6DB70DBA9567}" type="datetimeFigureOut">
               <a:rPr lang="en-US" dirty="0"/>
               <a:pPr/>
-              <a:t>6/26/2020</a:t>
+              <a:t>7/7/2020</a:t>
             </a:fld>
             <a:endParaRPr lang="en-US" dirty="0"/>
           </a:p>
@@ -6470,7 +6477,7 @@
             <a:fld id="{B61BEF0D-F0BB-DE4B-95CE-6DB70DBA9567}" type="datetimeFigureOut">
               <a:rPr lang="en-US" dirty="0"/>
               <a:pPr/>
-              <a:t>6/26/2020</a:t>
+              <a:t>7/7/2020</a:t>
             </a:fld>
             <a:endParaRPr lang="en-US" dirty="0"/>
           </a:p>
@@ -8584,7 +8591,7 @@
             <a:fld id="{B61BEF0D-F0BB-DE4B-95CE-6DB70DBA9567}" type="datetimeFigureOut">
               <a:rPr lang="en-US" dirty="0"/>
               <a:pPr/>
-              <a:t>6/26/2020</a:t>
+              <a:t>7/7/2020</a:t>
             </a:fld>
             <a:endParaRPr lang="en-US" dirty="0"/>
           </a:p>
@@ -17885,15 +17892,43 @@
           </a:p>
           <a:p>
             <a:r>
-              <a:rPr lang="en-US">
+              <a:rPr lang="en-US" dirty="0">
                 <a:solidFill>
                   <a:schemeClr val="tx2">
                     <a:lumMod val="75000"/>
                   </a:schemeClr>
                 </a:solidFill>
               </a:rPr>
-              <a:t>Target Demographic size </a:t>
+              <a:t>Narrowed Target Demographic:</a:t>
             </a:r>
+          </a:p>
+          <a:p>
+            <a:pPr lvl="1"/>
+            <a:r>
+              <a:rPr lang="en-US" b="1" dirty="0">
+                <a:solidFill>
+                  <a:schemeClr val="tx2">
+                    <a:lumMod val="75000"/>
+                  </a:schemeClr>
+                </a:solidFill>
+              </a:rPr>
+              <a:t>18-30 year-olds</a:t>
+            </a:r>
+          </a:p>
+          <a:p>
+            <a:pPr lvl="1"/>
+            <a:r>
+              <a:rPr lang="en-US" b="1" dirty="0">
+                <a:solidFill>
+                  <a:schemeClr val="tx2">
+                    <a:lumMod val="75000"/>
+                  </a:schemeClr>
+                </a:solidFill>
+              </a:rPr>
+              <a:t>50-80 year-olds</a:t>
+            </a:r>
+          </a:p>
+          <a:p>
             <a:r>
               <a:rPr lang="en-US" dirty="0">
                 <a:solidFill>
@@ -17902,7 +17937,7 @@
                   </a:schemeClr>
                 </a:solidFill>
               </a:rPr>
-              <a:t>in New Haven County: </a:t>
+              <a:t>Target Demographic size in New Haven County: </a:t>
             </a:r>
             <a:r>
               <a:rPr lang="en-US" b="1" dirty="0">
@@ -18056,7 +18091,7 @@
             </a:r>
             <a:r>
               <a:rPr lang="en-US" b="1" dirty="0"/>
-              <a:t>$18,500</a:t>
+              <a:t>$30,610</a:t>
             </a:r>
             <a:endParaRPr lang="en-US" dirty="0"/>
           </a:p>
@@ -18067,7 +18102,7 @@
             </a:r>
             <a:r>
               <a:rPr lang="en-US" b="1" dirty="0"/>
-              <a:t>$79,400</a:t>
+              <a:t>$99,650</a:t>
             </a:r>
           </a:p>
           <a:p>
@@ -18077,11 +18112,11 @@
             </a:r>
             <a:r>
               <a:rPr lang="en-US" b="1" dirty="0"/>
-              <a:t>$222,000 </a:t>
+              <a:t>$283,150 </a:t>
             </a:r>
             <a:r>
               <a:rPr lang="en-US" dirty="0"/>
-              <a:t>for the first six months of operation</a:t>
+              <a:t>for the first six months of operation and overhead</a:t>
             </a:r>
             <a:endParaRPr lang="en-US" b="1" dirty="0"/>
           </a:p>
@@ -18092,7 +18127,7 @@
             </a:r>
             <a:r>
               <a:rPr lang="en-US" b="1" dirty="0"/>
-              <a:t>214</a:t>
+              <a:t>355</a:t>
             </a:r>
             <a:r>
               <a:rPr lang="en-US" dirty="0"/>
@@ -18106,7 +18141,7 @@
             </a:r>
             <a:r>
               <a:rPr lang="en-US" b="1" dirty="0"/>
-              <a:t>580</a:t>
+              <a:t>~600</a:t>
             </a:r>
             <a:r>
               <a:rPr lang="en-US" dirty="0"/>
@@ -18560,36 +18595,6 @@
           </a:p>
         </p:txBody>
       </p:sp>
-      <p:pic>
-        <p:nvPicPr>
-          <p:cNvPr id="5" name="Content Placeholder 4" descr="A screenshot of a cell phone&#10;&#10;Description automatically generated">
-            <a:extLst>
-              <a:ext uri="{FF2B5EF4-FFF2-40B4-BE49-F238E27FC236}">
-                <a16:creationId xmlns:a16="http://schemas.microsoft.com/office/drawing/2014/main" id="{573DD099-B936-4870-9CEC-60DACFA5B592}"/>
-              </a:ext>
-            </a:extLst>
-          </p:cNvPr>
-          <p:cNvPicPr>
-            <a:picLocks noChangeAspect="1"/>
-          </p:cNvPicPr>
-          <p:nvPr/>
-        </p:nvPicPr>
-        <p:blipFill>
-          <a:blip r:embed="rId2"/>
-          <a:stretch>
-            <a:fillRect/>
-          </a:stretch>
-        </p:blipFill>
-        <p:spPr>
-          <a:xfrm>
-            <a:off x="2564092" y="2565666"/>
-            <a:ext cx="8979452" cy="2316874"/>
-          </a:xfrm>
-          <a:prstGeom prst="rect">
-            <a:avLst/>
-          </a:prstGeom>
-        </p:spPr>
-      </p:pic>
       <p:sp>
         <p:nvSpPr>
           <p:cNvPr id="11" name="Freeform 12">
@@ -18870,6 +18875,36 @@
           </a:p>
         </p:txBody>
       </p:sp>
+      <p:pic>
+        <p:nvPicPr>
+          <p:cNvPr id="6" name="Picture 5" descr="A screenshot of a cell phone&#10;&#10;Description automatically generated">
+            <a:extLst>
+              <a:ext uri="{FF2B5EF4-FFF2-40B4-BE49-F238E27FC236}">
+                <a16:creationId xmlns:a16="http://schemas.microsoft.com/office/drawing/2014/main" id="{E27163F9-AE16-4310-AA3F-0731FA78AF3A}"/>
+              </a:ext>
+            </a:extLst>
+          </p:cNvPr>
+          <p:cNvPicPr>
+            <a:picLocks noChangeAspect="1"/>
+          </p:cNvPicPr>
+          <p:nvPr/>
+        </p:nvPicPr>
+        <p:blipFill>
+          <a:blip r:embed="rId2"/>
+          <a:stretch>
+            <a:fillRect/>
+          </a:stretch>
+        </p:blipFill>
+        <p:spPr>
+          <a:xfrm>
+            <a:off x="2564092" y="2466952"/>
+            <a:ext cx="8324818" cy="2650398"/>
+          </a:xfrm>
+          <a:prstGeom prst="rect">
+            <a:avLst/>
+          </a:prstGeom>
+        </p:spPr>
+      </p:pic>
     </p:spTree>
     <p:extLst>
       <p:ext uri="{BB962C8B-B14F-4D97-AF65-F5344CB8AC3E}">
@@ -25904,7 +25939,7 @@
           <a:lstStyle/>
           <a:p>
             <a:r>
-              <a:rPr lang="en-US">
+              <a:rPr lang="en-US" dirty="0">
                 <a:solidFill>
                   <a:schemeClr val="tx2">
                     <a:lumMod val="75000"/>
@@ -25916,7 +25951,7 @@
           </a:p>
           <a:p>
             <a:r>
-              <a:rPr lang="en-US">
+              <a:rPr lang="en-US" dirty="0">
                 <a:solidFill>
                   <a:schemeClr val="tx2">
                     <a:lumMod val="75000"/>
@@ -25928,7 +25963,7 @@
           </a:p>
           <a:p>
             <a:r>
-              <a:rPr lang="en-US">
+              <a:rPr lang="en-US" dirty="0">
                 <a:solidFill>
                   <a:schemeClr val="tx2">
                     <a:lumMod val="75000"/>
@@ -25939,7 +25974,7 @@
             </a:r>
           </a:p>
           <a:p>
-            <a:endParaRPr lang="en-US">
+            <a:endParaRPr lang="en-US" dirty="0">
               <a:solidFill>
                 <a:schemeClr val="tx2">
                   <a:lumMod val="75000"/>
@@ -25949,7 +25984,7 @@
           </a:p>
           <a:p>
             <a:r>
-              <a:rPr lang="en-US">
+              <a:rPr lang="en-US" dirty="0">
                 <a:solidFill>
                   <a:schemeClr val="tx2">
                     <a:lumMod val="75000"/>
@@ -25961,14 +25996,14 @@
           </a:p>
           <a:p>
             <a:r>
-              <a:rPr lang="en-US">
+              <a:rPr lang="en-US" dirty="0">
                 <a:solidFill>
                   <a:schemeClr val="tx2">
                     <a:lumMod val="75000"/>
                   </a:schemeClr>
                 </a:solidFill>
               </a:rPr>
-              <a:t>Religious organizations were once the epicenter of local life</a:t>
+              <a:t>Religious organizations were once the center of local life</a:t>
             </a:r>
           </a:p>
         </p:txBody>

--- a/Presentation/SocialHub_FrancisT_06_23_2020.pptx
+++ b/Presentation/SocialHub_FrancisT_06_23_2020.pptx
@@ -23,9 +23,6 @@
     <p:sldId id="270" r:id="rId17"/>
     <p:sldId id="271" r:id="rId18"/>
     <p:sldId id="273" r:id="rId19"/>
-    <p:sldId id="272" r:id="rId20"/>
-    <p:sldId id="278" r:id="rId21"/>
-    <p:sldId id="279" r:id="rId22"/>
   </p:sldIdLst>
   <p:sldSz cx="12192000" cy="6858000"/>
   <p:notesSz cx="6858000" cy="9144000"/>
@@ -130,14 +127,6 @@
     </p:ext>
   </p:extLst>
 </p:presentation>
-</file>
-
-<file path=ppt/revisionInfo.xml><?xml version="1.0" encoding="utf-8"?>
-<p1510:revInfo xmlns:a="http://schemas.openxmlformats.org/drawingml/2006/main" xmlns:r="http://schemas.openxmlformats.org/officeDocument/2006/relationships" xmlns:p1510="http://schemas.microsoft.com/office/powerpoint/2015/10/main">
-  <p1510:revLst>
-    <p1510:client id="{E2F6CC62-A8FA-4CA3-B44E-705F9FC4EF55}" v="82" dt="2020-07-07T13:47:13.480"/>
-  </p1510:revLst>
-</p1510:revInfo>
 </file>
 
 <file path=ppt/changesInfos/changesInfo1.xml><?xml version="1.0" encoding="utf-8"?>
@@ -1485,6 +1474,51 @@
     </pc:docChg>
   </pc:docChgLst>
   <pc:docChgLst>
+    <pc:chgData name="Francis, Thomas" userId="2e7f689e-290c-4746-ba0f-274b885931e9" providerId="ADAL" clId="{42E66BFF-8D15-486F-AC42-6FF4162CF924}"/>
+    <pc:docChg chg="delSld modSld">
+      <pc:chgData name="Francis, Thomas" userId="2e7f689e-290c-4746-ba0f-274b885931e9" providerId="ADAL" clId="{42E66BFF-8D15-486F-AC42-6FF4162CF924}" dt="2020-08-11T15:27:30.148" v="7" actId="404"/>
+      <pc:docMkLst>
+        <pc:docMk/>
+      </pc:docMkLst>
+      <pc:sldChg chg="del">
+        <pc:chgData name="Francis, Thomas" userId="2e7f689e-290c-4746-ba0f-274b885931e9" providerId="ADAL" clId="{42E66BFF-8D15-486F-AC42-6FF4162CF924}" dt="2020-08-11T15:26:29.942" v="2" actId="2696"/>
+        <pc:sldMkLst>
+          <pc:docMk/>
+          <pc:sldMk cId="3345576059" sldId="272"/>
+        </pc:sldMkLst>
+      </pc:sldChg>
+      <pc:sldChg chg="modSp">
+        <pc:chgData name="Francis, Thomas" userId="2e7f689e-290c-4746-ba0f-274b885931e9" providerId="ADAL" clId="{42E66BFF-8D15-486F-AC42-6FF4162CF924}" dt="2020-08-11T15:27:30.148" v="7" actId="404"/>
+        <pc:sldMkLst>
+          <pc:docMk/>
+          <pc:sldMk cId="3166939221" sldId="273"/>
+        </pc:sldMkLst>
+        <pc:spChg chg="mod">
+          <ac:chgData name="Francis, Thomas" userId="2e7f689e-290c-4746-ba0f-274b885931e9" providerId="ADAL" clId="{42E66BFF-8D15-486F-AC42-6FF4162CF924}" dt="2020-08-11T15:27:30.148" v="7" actId="404"/>
+          <ac:spMkLst>
+            <pc:docMk/>
+            <pc:sldMk cId="3166939221" sldId="273"/>
+            <ac:spMk id="3" creationId="{4EDA088C-672F-4FD5-BCB0-9D0AA8F203F3}"/>
+          </ac:spMkLst>
+        </pc:spChg>
+      </pc:sldChg>
+      <pc:sldChg chg="del">
+        <pc:chgData name="Francis, Thomas" userId="2e7f689e-290c-4746-ba0f-274b885931e9" providerId="ADAL" clId="{42E66BFF-8D15-486F-AC42-6FF4162CF924}" dt="2020-08-11T15:26:00.293" v="0" actId="2696"/>
+        <pc:sldMkLst>
+          <pc:docMk/>
+          <pc:sldMk cId="1401021797" sldId="278"/>
+        </pc:sldMkLst>
+      </pc:sldChg>
+      <pc:sldChg chg="del">
+        <pc:chgData name="Francis, Thomas" userId="2e7f689e-290c-4746-ba0f-274b885931e9" providerId="ADAL" clId="{42E66BFF-8D15-486F-AC42-6FF4162CF924}" dt="2020-08-11T15:26:06.077" v="1" actId="2696"/>
+        <pc:sldMkLst>
+          <pc:docMk/>
+          <pc:sldMk cId="4062344240" sldId="279"/>
+        </pc:sldMkLst>
+      </pc:sldChg>
+    </pc:docChg>
+  </pc:docChgLst>
+  <pc:docChgLst>
     <pc:chgData name="Thomas Francis" userId="5c2c6e3652e668e7" providerId="LiveId" clId="{63F3CF76-1364-475A-823F-3E38657C5F84}"/>
     <pc:docChg chg="custSel modSld sldOrd">
       <pc:chgData name="Thomas Francis" userId="5c2c6e3652e668e7" providerId="LiveId" clId="{63F3CF76-1364-475A-823F-3E38657C5F84}" dt="2020-06-25T20:53:56.821" v="184" actId="20577"/>
@@ -1782,7 +1816,7 @@
             <a:fld id="{B61BEF0D-F0BB-DE4B-95CE-6DB70DBA9567}" type="datetimeFigureOut">
               <a:rPr lang="en-US" dirty="0"/>
               <a:pPr/>
-              <a:t>7/7/2020</a:t>
+              <a:t>8/11/2020</a:t>
             </a:fld>
             <a:endParaRPr lang="en-US" dirty="0"/>
           </a:p>
@@ -2117,7 +2151,7 @@
             <a:fld id="{B61BEF0D-F0BB-DE4B-95CE-6DB70DBA9567}" type="datetimeFigureOut">
               <a:rPr lang="en-US" dirty="0"/>
               <a:pPr/>
-              <a:t>7/7/2020</a:t>
+              <a:t>8/11/2020</a:t>
             </a:fld>
             <a:endParaRPr lang="en-US" dirty="0"/>
           </a:p>
@@ -2515,7 +2549,7 @@
             <a:fld id="{B61BEF0D-F0BB-DE4B-95CE-6DB70DBA9567}" type="datetimeFigureOut">
               <a:rPr lang="en-US" dirty="0"/>
               <a:pPr/>
-              <a:t>7/7/2020</a:t>
+              <a:t>8/11/2020</a:t>
             </a:fld>
             <a:endParaRPr lang="en-US" dirty="0"/>
           </a:p>
@@ -2847,7 +2881,7 @@
             <a:fld id="{B61BEF0D-F0BB-DE4B-95CE-6DB70DBA9567}" type="datetimeFigureOut">
               <a:rPr lang="en-US" dirty="0"/>
               <a:pPr/>
-              <a:t>7/7/2020</a:t>
+              <a:t>8/11/2020</a:t>
             </a:fld>
             <a:endParaRPr lang="en-US" dirty="0"/>
           </a:p>
@@ -3164,7 +3198,7 @@
             <a:fld id="{B61BEF0D-F0BB-DE4B-95CE-6DB70DBA9567}" type="datetimeFigureOut">
               <a:rPr lang="en-US" dirty="0"/>
               <a:pPr/>
-              <a:t>7/7/2020</a:t>
+              <a:t>8/11/2020</a:t>
             </a:fld>
             <a:endParaRPr lang="en-US" dirty="0"/>
           </a:p>
@@ -3557,7 +3591,7 @@
             <a:fld id="{B61BEF0D-F0BB-DE4B-95CE-6DB70DBA9567}" type="datetimeFigureOut">
               <a:rPr lang="en-US" dirty="0"/>
               <a:pPr/>
-              <a:t>7/7/2020</a:t>
+              <a:t>8/11/2020</a:t>
             </a:fld>
             <a:endParaRPr lang="en-US" dirty="0"/>
           </a:p>
@@ -3811,7 +3845,7 @@
             <a:fld id="{B61BEF0D-F0BB-DE4B-95CE-6DB70DBA9567}" type="datetimeFigureOut">
               <a:rPr lang="en-US" dirty="0"/>
               <a:pPr/>
-              <a:t>7/7/2020</a:t>
+              <a:t>8/11/2020</a:t>
             </a:fld>
             <a:endParaRPr lang="en-US" dirty="0"/>
           </a:p>
@@ -4070,7 +4104,7 @@
             <a:fld id="{B61BEF0D-F0BB-DE4B-95CE-6DB70DBA9567}" type="datetimeFigureOut">
               <a:rPr lang="en-US" dirty="0"/>
               <a:pPr/>
-              <a:t>7/7/2020</a:t>
+              <a:t>8/11/2020</a:t>
             </a:fld>
             <a:endParaRPr lang="en-US" dirty="0"/>
           </a:p>
@@ -4329,7 +4363,7 @@
             <a:fld id="{B61BEF0D-F0BB-DE4B-95CE-6DB70DBA9567}" type="datetimeFigureOut">
               <a:rPr lang="en-US" dirty="0"/>
               <a:pPr/>
-              <a:t>7/7/2020</a:t>
+              <a:t>8/11/2020</a:t>
             </a:fld>
             <a:endParaRPr lang="en-US" dirty="0"/>
           </a:p>
@@ -4655,7 +4689,7 @@
             <a:fld id="{B61BEF0D-F0BB-DE4B-95CE-6DB70DBA9567}" type="datetimeFigureOut">
               <a:rPr lang="en-US" dirty="0"/>
               <a:pPr/>
-              <a:t>7/7/2020</a:t>
+              <a:t>8/11/2020</a:t>
             </a:fld>
             <a:endParaRPr lang="en-US" dirty="0"/>
           </a:p>
@@ -4975,7 +5009,7 @@
             <a:fld id="{B61BEF0D-F0BB-DE4B-95CE-6DB70DBA9567}" type="datetimeFigureOut">
               <a:rPr lang="en-US" dirty="0"/>
               <a:pPr/>
-              <a:t>7/7/2020</a:t>
+              <a:t>8/11/2020</a:t>
             </a:fld>
             <a:endParaRPr lang="en-US" dirty="0"/>
           </a:p>
@@ -5429,7 +5463,7 @@
             <a:fld id="{B61BEF0D-F0BB-DE4B-95CE-6DB70DBA9567}" type="datetimeFigureOut">
               <a:rPr lang="en-US" dirty="0"/>
               <a:pPr/>
-              <a:t>7/7/2020</a:t>
+              <a:t>8/11/2020</a:t>
             </a:fld>
             <a:endParaRPr lang="en-US" dirty="0"/>
           </a:p>
@@ -5631,7 +5665,7 @@
             <a:fld id="{B61BEF0D-F0BB-DE4B-95CE-6DB70DBA9567}" type="datetimeFigureOut">
               <a:rPr lang="en-US" dirty="0"/>
               <a:pPr/>
-              <a:t>7/7/2020</a:t>
+              <a:t>8/11/2020</a:t>
             </a:fld>
             <a:endParaRPr lang="en-US" dirty="0"/>
           </a:p>
@@ -5805,7 +5839,7 @@
             <a:fld id="{B61BEF0D-F0BB-DE4B-95CE-6DB70DBA9567}" type="datetimeFigureOut">
               <a:rPr lang="en-US" dirty="0"/>
               <a:pPr/>
-              <a:t>7/7/2020</a:t>
+              <a:t>8/11/2020</a:t>
             </a:fld>
             <a:endParaRPr lang="en-US" dirty="0"/>
           </a:p>
@@ -6135,7 +6169,7 @@
             <a:fld id="{B61BEF0D-F0BB-DE4B-95CE-6DB70DBA9567}" type="datetimeFigureOut">
               <a:rPr lang="en-US" dirty="0"/>
               <a:pPr/>
-              <a:t>7/7/2020</a:t>
+              <a:t>8/11/2020</a:t>
             </a:fld>
             <a:endParaRPr lang="en-US" dirty="0"/>
           </a:p>
@@ -6477,7 +6511,7 @@
             <a:fld id="{B61BEF0D-F0BB-DE4B-95CE-6DB70DBA9567}" type="datetimeFigureOut">
               <a:rPr lang="en-US" dirty="0"/>
               <a:pPr/>
-              <a:t>7/7/2020</a:t>
+              <a:t>8/11/2020</a:t>
             </a:fld>
             <a:endParaRPr lang="en-US" dirty="0"/>
           </a:p>
@@ -8591,7 +8625,7 @@
             <a:fld id="{B61BEF0D-F0BB-DE4B-95CE-6DB70DBA9567}" type="datetimeFigureOut">
               <a:rPr lang="en-US" dirty="0"/>
               <a:pPr/>
-              <a:t>7/7/2020</a:t>
+              <a:t>8/11/2020</a:t>
             </a:fld>
             <a:endParaRPr lang="en-US" dirty="0"/>
           </a:p>
@@ -17870,7 +17904,7 @@
           <a:lstStyle/>
           <a:p>
             <a:r>
-              <a:rPr lang="en-US" dirty="0">
+              <a:rPr lang="en-US" sz="2400" dirty="0">
                 <a:solidFill>
                   <a:schemeClr val="tx2">
                     <a:lumMod val="75000"/>
@@ -17880,7 +17914,7 @@
               <a:t>Target Demographic: </a:t>
             </a:r>
             <a:r>
-              <a:rPr lang="en-US" b="1" dirty="0">
+              <a:rPr lang="en-US" sz="2400" b="1" dirty="0">
                 <a:solidFill>
                   <a:schemeClr val="tx2">
                     <a:lumMod val="75000"/>
@@ -17892,7 +17926,7 @@
           </a:p>
           <a:p>
             <a:r>
-              <a:rPr lang="en-US" dirty="0">
+              <a:rPr lang="en-US" sz="2400" dirty="0">
                 <a:solidFill>
                   <a:schemeClr val="tx2">
                     <a:lumMod val="75000"/>
@@ -17905,7 +17939,7 @@
           <a:p>
             <a:pPr lvl="1"/>
             <a:r>
-              <a:rPr lang="en-US" b="1" dirty="0">
+              <a:rPr lang="en-US" sz="2000" b="1" dirty="0">
                 <a:solidFill>
                   <a:schemeClr val="tx2">
                     <a:lumMod val="75000"/>
@@ -17918,7 +17952,7 @@
           <a:p>
             <a:pPr lvl="1"/>
             <a:r>
-              <a:rPr lang="en-US" b="1" dirty="0">
+              <a:rPr lang="en-US" sz="2000" b="1" dirty="0">
                 <a:solidFill>
                   <a:schemeClr val="tx2">
                     <a:lumMod val="75000"/>
@@ -17930,7 +17964,7 @@
           </a:p>
           <a:p>
             <a:r>
-              <a:rPr lang="en-US" dirty="0">
+              <a:rPr lang="en-US" sz="2400" dirty="0">
                 <a:solidFill>
                   <a:schemeClr val="tx2">
                     <a:lumMod val="75000"/>
@@ -17940,7 +17974,7 @@
               <a:t>Target Demographic size in New Haven County: </a:t>
             </a:r>
             <a:r>
-              <a:rPr lang="en-US" b="1" dirty="0">
+              <a:rPr lang="en-US" sz="2400" b="1" dirty="0">
                 <a:solidFill>
                   <a:schemeClr val="tx2">
                     <a:lumMod val="75000"/>
@@ -17950,7 +17984,7 @@
               <a:t>~620,000 </a:t>
             </a:r>
             <a:r>
-              <a:rPr lang="en-US" dirty="0">
+              <a:rPr lang="en-US" sz="2400" dirty="0">
                 <a:solidFill>
                   <a:schemeClr val="tx2">
                     <a:lumMod val="75000"/>
@@ -17960,200 +17994,12 @@
               <a:t>people</a:t>
             </a:r>
           </a:p>
-          <a:p>
-            <a:r>
-              <a:rPr lang="en-US" dirty="0">
-                <a:solidFill>
-                  <a:schemeClr val="tx2">
-                    <a:lumMod val="75000"/>
-                  </a:schemeClr>
-                </a:solidFill>
-              </a:rPr>
-              <a:t>Percent of people needed to break even: </a:t>
-            </a:r>
-            <a:r>
-              <a:rPr lang="en-US" b="1" dirty="0">
-                <a:solidFill>
-                  <a:schemeClr val="tx2">
-                    <a:lumMod val="75000"/>
-                  </a:schemeClr>
-                </a:solidFill>
-              </a:rPr>
-              <a:t>0.035%</a:t>
-            </a:r>
-          </a:p>
-          <a:p>
-            <a:r>
-              <a:rPr lang="en-US" dirty="0">
-                <a:solidFill>
-                  <a:schemeClr val="tx2">
-                    <a:lumMod val="75000"/>
-                  </a:schemeClr>
-                </a:solidFill>
-              </a:rPr>
-              <a:t>Percent of people needed to reach max capacity: </a:t>
-            </a:r>
-            <a:r>
-              <a:rPr lang="en-US" b="1" dirty="0">
-                <a:solidFill>
-                  <a:schemeClr val="tx2">
-                    <a:lumMod val="75000"/>
-                  </a:schemeClr>
-                </a:solidFill>
-              </a:rPr>
-              <a:t>0.098%</a:t>
-            </a:r>
-          </a:p>
         </p:txBody>
       </p:sp>
     </p:spTree>
     <p:extLst>
       <p:ext uri="{BB962C8B-B14F-4D97-AF65-F5344CB8AC3E}">
         <p14:creationId xmlns:p14="http://schemas.microsoft.com/office/powerpoint/2010/main" val="3166939221"/>
-      </p:ext>
-    </p:extLst>
-  </p:cSld>
-  <p:clrMapOvr>
-    <a:masterClrMapping/>
-  </p:clrMapOvr>
-</p:sld>
-</file>
-
-<file path=ppt/slides/slide19.xml><?xml version="1.0" encoding="utf-8"?>
-<p:sld xmlns:a="http://schemas.openxmlformats.org/drawingml/2006/main" xmlns:r="http://schemas.openxmlformats.org/officeDocument/2006/relationships" xmlns:p="http://schemas.openxmlformats.org/presentationml/2006/main">
-  <p:cSld>
-    <p:spTree>
-      <p:nvGrpSpPr>
-        <p:cNvPr id="1" name=""/>
-        <p:cNvGrpSpPr/>
-        <p:nvPr/>
-      </p:nvGrpSpPr>
-      <p:grpSpPr>
-        <a:xfrm>
-          <a:off x="0" y="0"/>
-          <a:ext cx="0" cy="0"/>
-          <a:chOff x="0" y="0"/>
-          <a:chExt cx="0" cy="0"/>
-        </a:xfrm>
-      </p:grpSpPr>
-      <p:sp>
-        <p:nvSpPr>
-          <p:cNvPr id="2" name="Title 1">
-            <a:extLst>
-              <a:ext uri="{FF2B5EF4-FFF2-40B4-BE49-F238E27FC236}">
-                <a16:creationId xmlns:a16="http://schemas.microsoft.com/office/drawing/2014/main" id="{EF0FDFBD-C4F8-4F2B-B418-027C2D9234B8}"/>
-              </a:ext>
-            </a:extLst>
-          </p:cNvPr>
-          <p:cNvSpPr>
-            <a:spLocks noGrp="1"/>
-          </p:cNvSpPr>
-          <p:nvPr>
-            <p:ph type="title"/>
-          </p:nvPr>
-        </p:nvSpPr>
-        <p:spPr/>
-        <p:txBody>
-          <a:bodyPr/>
-          <a:lstStyle/>
-          <a:p>
-            <a:r>
-              <a:rPr lang="en-US" dirty="0"/>
-              <a:t>Finances</a:t>
-            </a:r>
-          </a:p>
-        </p:txBody>
-      </p:sp>
-      <p:sp>
-        <p:nvSpPr>
-          <p:cNvPr id="3" name="Content Placeholder 2">
-            <a:extLst>
-              <a:ext uri="{FF2B5EF4-FFF2-40B4-BE49-F238E27FC236}">
-                <a16:creationId xmlns:a16="http://schemas.microsoft.com/office/drawing/2014/main" id="{71DB8266-80FE-4AE4-8A09-30C2E2B143AA}"/>
-              </a:ext>
-            </a:extLst>
-          </p:cNvPr>
-          <p:cNvSpPr>
-            <a:spLocks noGrp="1"/>
-          </p:cNvSpPr>
-          <p:nvPr>
-            <p:ph idx="1"/>
-          </p:nvPr>
-        </p:nvSpPr>
-        <p:spPr/>
-        <p:txBody>
-          <a:bodyPr/>
-          <a:lstStyle/>
-          <a:p>
-            <a:r>
-              <a:rPr lang="en-US" dirty="0"/>
-              <a:t>Monthly operating costs: </a:t>
-            </a:r>
-            <a:r>
-              <a:rPr lang="en-US" b="1" dirty="0"/>
-              <a:t>$30,610</a:t>
-            </a:r>
-            <a:endParaRPr lang="en-US" dirty="0"/>
-          </a:p>
-          <a:p>
-            <a:r>
-              <a:rPr lang="en-US" dirty="0"/>
-              <a:t>Overhead: </a:t>
-            </a:r>
-            <a:r>
-              <a:rPr lang="en-US" b="1" dirty="0"/>
-              <a:t>$99,650</a:t>
-            </a:r>
-          </a:p>
-          <a:p>
-            <a:r>
-              <a:rPr lang="en-US" dirty="0"/>
-              <a:t>Funding estimate total: </a:t>
-            </a:r>
-            <a:r>
-              <a:rPr lang="en-US" b="1" dirty="0"/>
-              <a:t>$283,150 </a:t>
-            </a:r>
-            <a:r>
-              <a:rPr lang="en-US" dirty="0"/>
-              <a:t>for the first six months of operation and overhead</a:t>
-            </a:r>
-            <a:endParaRPr lang="en-US" b="1" dirty="0"/>
-          </a:p>
-          <a:p>
-            <a:r>
-              <a:rPr lang="en-US" dirty="0"/>
-              <a:t>Break-even point: an engaged community of </a:t>
-            </a:r>
-            <a:r>
-              <a:rPr lang="en-US" b="1" dirty="0"/>
-              <a:t>355</a:t>
-            </a:r>
-            <a:r>
-              <a:rPr lang="en-US" dirty="0"/>
-              <a:t> people</a:t>
-            </a:r>
-          </a:p>
-          <a:p>
-            <a:r>
-              <a:rPr lang="en-US" dirty="0"/>
-              <a:t>Max community engagement capacity: </a:t>
-            </a:r>
-            <a:r>
-              <a:rPr lang="en-US" b="1" dirty="0"/>
-              <a:t>~600</a:t>
-            </a:r>
-            <a:r>
-              <a:rPr lang="en-US" dirty="0"/>
-              <a:t> people</a:t>
-            </a:r>
-          </a:p>
-        </p:txBody>
-      </p:sp>
-    </p:spTree>
-    <p:extLst>
-      <p:ext uri="{BB962C8B-B14F-4D97-AF65-F5344CB8AC3E}">
-        <p14:creationId xmlns:p14="http://schemas.microsoft.com/office/powerpoint/2010/main" val="3345576059"/>
       </p:ext>
     </p:extLst>
   </p:cSld>
@@ -18335,1389 +18181,6 @@
     <p:extLst>
       <p:ext uri="{BB962C8B-B14F-4D97-AF65-F5344CB8AC3E}">
         <p14:creationId xmlns:p14="http://schemas.microsoft.com/office/powerpoint/2010/main" val="2261067227"/>
-      </p:ext>
-    </p:extLst>
-  </p:cSld>
-  <p:clrMapOvr>
-    <a:masterClrMapping/>
-  </p:clrMapOvr>
-</p:sld>
-</file>
-
-<file path=ppt/slides/slide20.xml><?xml version="1.0" encoding="utf-8"?>
-<p:sld xmlns:a="http://schemas.openxmlformats.org/drawingml/2006/main" xmlns:r="http://schemas.openxmlformats.org/officeDocument/2006/relationships" xmlns:p="http://schemas.openxmlformats.org/presentationml/2006/main">
-  <p:cSld>
-    <p:bg>
-      <p:bgPr>
-        <a:gradFill rotWithShape="1">
-          <a:gsLst>
-            <a:gs pos="0">
-              <a:schemeClr val="bg2">
-                <a:tint val="90000"/>
-                <a:satMod val="92000"/>
-                <a:lumMod val="120000"/>
-              </a:schemeClr>
-            </a:gs>
-            <a:gs pos="100000">
-              <a:schemeClr val="bg2">
-                <a:shade val="98000"/>
-                <a:satMod val="120000"/>
-                <a:lumMod val="98000"/>
-              </a:schemeClr>
-            </a:gs>
-          </a:gsLst>
-          <a:path path="circle">
-            <a:fillToRect l="50000" t="50000" r="100000" b="100000"/>
-          </a:path>
-        </a:gradFill>
-        <a:effectLst/>
-      </p:bgPr>
-    </p:bg>
-    <p:spTree>
-      <p:nvGrpSpPr>
-        <p:cNvPr id="1" name=""/>
-        <p:cNvGrpSpPr/>
-        <p:nvPr/>
-      </p:nvGrpSpPr>
-      <p:grpSpPr>
-        <a:xfrm>
-          <a:off x="0" y="0"/>
-          <a:ext cx="0" cy="0"/>
-          <a:chOff x="0" y="0"/>
-          <a:chExt cx="0" cy="0"/>
-        </a:xfrm>
-      </p:grpSpPr>
-      <p:sp useBgFill="1">
-        <p:nvSpPr>
-          <p:cNvPr id="7" name="Rectangle 11">
-            <a:extLst>
-              <a:ext uri="{FF2B5EF4-FFF2-40B4-BE49-F238E27FC236}">
-                <a16:creationId xmlns:a16="http://schemas.microsoft.com/office/drawing/2014/main" id="{3419E28B-721B-4D0D-A1D3-78EAC57253AF}"/>
-              </a:ext>
-              <a:ext uri="{C183D7F6-B498-43B3-948B-1728B52AA6E4}">
-                <adec:decorative xmlns:adec="http://schemas.microsoft.com/office/drawing/2017/decorative" val="1"/>
-              </a:ext>
-            </a:extLst>
-          </p:cNvPr>
-          <p:cNvSpPr>
-            <a:spLocks noGrp="1" noRot="1" noChangeAspect="1" noMove="1" noResize="1" noEditPoints="1" noAdjustHandles="1" noChangeArrowheads="1" noChangeShapeType="1" noTextEdit="1"/>
-          </p:cNvSpPr>
-          <p:nvPr>
-            <p:extLst>
-              <p:ext uri="{386F3935-93C4-4BCD-93E2-E3B085C9AB24}">
-                <p16:designElem xmlns:p16="http://schemas.microsoft.com/office/powerpoint/2015/main" val="1"/>
-              </p:ext>
-            </p:extLst>
-          </p:nvPr>
-        </p:nvSpPr>
-        <p:spPr>
-          <a:xfrm>
-            <a:off x="0" y="-786"/>
-            <a:ext cx="12192000" cy="6854038"/>
-          </a:xfrm>
-          <a:prstGeom prst="rect">
-            <a:avLst/>
-          </a:prstGeom>
-          <a:ln>
-            <a:noFill/>
-          </a:ln>
-        </p:spPr>
-        <p:style>
-          <a:lnRef idx="2">
-            <a:schemeClr val="accent1">
-              <a:shade val="50000"/>
-            </a:schemeClr>
-          </a:lnRef>
-          <a:fillRef idx="1">
-            <a:schemeClr val="accent1"/>
-          </a:fillRef>
-          <a:effectRef idx="0">
-            <a:schemeClr val="accent1"/>
-          </a:effectRef>
-          <a:fontRef idx="minor">
-            <a:schemeClr val="lt1"/>
-          </a:fontRef>
-        </p:style>
-        <p:txBody>
-          <a:bodyPr rtlCol="0" anchor="ctr"/>
-          <a:lstStyle/>
-          <a:p>
-            <a:pPr algn="ctr"/>
-            <a:endParaRPr lang="en-US"/>
-          </a:p>
-        </p:txBody>
-      </p:sp>
-      <p:sp>
-        <p:nvSpPr>
-          <p:cNvPr id="2" name="Title 1">
-            <a:extLst>
-              <a:ext uri="{FF2B5EF4-FFF2-40B4-BE49-F238E27FC236}">
-                <a16:creationId xmlns:a16="http://schemas.microsoft.com/office/drawing/2014/main" id="{955A6AF0-FBBF-4B43-8C54-F118A1CF8DAB}"/>
-              </a:ext>
-            </a:extLst>
-          </p:cNvPr>
-          <p:cNvSpPr>
-            <a:spLocks noGrp="1"/>
-          </p:cNvSpPr>
-          <p:nvPr>
-            <p:ph type="title"/>
-          </p:nvPr>
-        </p:nvSpPr>
-        <p:spPr>
-          <a:xfrm>
-            <a:off x="649224" y="645106"/>
-            <a:ext cx="5122652" cy="1259894"/>
-          </a:xfrm>
-        </p:spPr>
-        <p:txBody>
-          <a:bodyPr>
-            <a:normAutofit/>
-          </a:bodyPr>
-          <a:lstStyle/>
-          <a:p>
-            <a:r>
-              <a:rPr lang="en-US" dirty="0"/>
-              <a:t>Profit Projections</a:t>
-            </a:r>
-          </a:p>
-        </p:txBody>
-      </p:sp>
-      <p:sp>
-        <p:nvSpPr>
-          <p:cNvPr id="8" name="Rectangle 13">
-            <a:extLst>
-              <a:ext uri="{FF2B5EF4-FFF2-40B4-BE49-F238E27FC236}">
-                <a16:creationId xmlns:a16="http://schemas.microsoft.com/office/drawing/2014/main" id="{359E45B9-0D24-465E-84AD-FEDBA836B569}"/>
-              </a:ext>
-              <a:ext uri="{C183D7F6-B498-43B3-948B-1728B52AA6E4}">
-                <adec:decorative xmlns:adec="http://schemas.microsoft.com/office/drawing/2017/decorative" val="1"/>
-              </a:ext>
-            </a:extLst>
-          </p:cNvPr>
-          <p:cNvSpPr>
-            <a:spLocks noGrp="1" noRot="1" noChangeAspect="1" noMove="1" noResize="1" noEditPoints="1" noAdjustHandles="1" noChangeArrowheads="1" noChangeShapeType="1" noTextEdit="1"/>
-          </p:cNvSpPr>
-          <p:nvPr>
-            <p:extLst>
-              <p:ext uri="{386F3935-93C4-4BCD-93E2-E3B085C9AB24}">
-                <p16:designElem xmlns:p16="http://schemas.microsoft.com/office/powerpoint/2015/main" val="1"/>
-              </p:ext>
-            </p:extLst>
-          </p:nvPr>
-        </p:nvSpPr>
-        <p:spPr>
-          <a:xfrm>
-            <a:off x="0" y="0"/>
-            <a:ext cx="182880" cy="6858000"/>
-          </a:xfrm>
-          <a:prstGeom prst="rect">
-            <a:avLst/>
-          </a:prstGeom>
-          <a:solidFill>
-            <a:schemeClr val="tx2"/>
-          </a:solidFill>
-          <a:ln>
-            <a:noFill/>
-          </a:ln>
-          <a:effectLst/>
-        </p:spPr>
-        <p:style>
-          <a:lnRef idx="1">
-            <a:schemeClr val="accent1"/>
-          </a:lnRef>
-          <a:fillRef idx="3">
-            <a:schemeClr val="accent1"/>
-          </a:fillRef>
-          <a:effectRef idx="2">
-            <a:schemeClr val="accent1"/>
-          </a:effectRef>
-          <a:fontRef idx="minor">
-            <a:schemeClr val="lt1"/>
-          </a:fontRef>
-        </p:style>
-      </p:sp>
-      <p:sp>
-        <p:nvSpPr>
-          <p:cNvPr id="10" name="Content Placeholder 8">
-            <a:extLst>
-              <a:ext uri="{FF2B5EF4-FFF2-40B4-BE49-F238E27FC236}">
-                <a16:creationId xmlns:a16="http://schemas.microsoft.com/office/drawing/2014/main" id="{C961D741-D118-4749-A01B-E7B7353BA15A}"/>
-              </a:ext>
-            </a:extLst>
-          </p:cNvPr>
-          <p:cNvSpPr>
-            <a:spLocks noGrp="1"/>
-          </p:cNvSpPr>
-          <p:nvPr>
-            <p:ph idx="1"/>
-          </p:nvPr>
-        </p:nvSpPr>
-        <p:spPr>
-          <a:xfrm>
-            <a:off x="725864" y="2103485"/>
-            <a:ext cx="1838228" cy="3759253"/>
-          </a:xfrm>
-        </p:spPr>
-        <p:txBody>
-          <a:bodyPr>
-            <a:normAutofit/>
-          </a:bodyPr>
-          <a:lstStyle/>
-          <a:p>
-            <a:endParaRPr lang="en-US" dirty="0"/>
-          </a:p>
-          <a:p>
-            <a:endParaRPr lang="en-US" dirty="0"/>
-          </a:p>
-          <a:p>
-            <a:r>
-              <a:rPr lang="en-US" dirty="0"/>
-              <a:t>Community</a:t>
-            </a:r>
-          </a:p>
-          <a:p>
-            <a:r>
-              <a:rPr lang="en-US" dirty="0"/>
-              <a:t>Gross</a:t>
-            </a:r>
-          </a:p>
-          <a:p>
-            <a:endParaRPr lang="en-US" dirty="0"/>
-          </a:p>
-          <a:p>
-            <a:endParaRPr lang="en-US" dirty="0"/>
-          </a:p>
-          <a:p>
-            <a:r>
-              <a:rPr lang="en-US" dirty="0"/>
-              <a:t>Profit</a:t>
-            </a:r>
-          </a:p>
-        </p:txBody>
-      </p:sp>
-      <p:sp>
-        <p:nvSpPr>
-          <p:cNvPr id="11" name="Freeform 12">
-            <a:extLst>
-              <a:ext uri="{FF2B5EF4-FFF2-40B4-BE49-F238E27FC236}">
-                <a16:creationId xmlns:a16="http://schemas.microsoft.com/office/drawing/2014/main" id="{1F36A2FB-17CD-4DA6-9D8A-BFD6ADF6A321}"/>
-              </a:ext>
-              <a:ext uri="{C183D7F6-B498-43B3-948B-1728B52AA6E4}">
-                <adec:decorative xmlns:adec="http://schemas.microsoft.com/office/drawing/2017/decorative" val="1"/>
-              </a:ext>
-            </a:extLst>
-          </p:cNvPr>
-          <p:cNvSpPr>
-            <a:spLocks noGrp="1" noRot="1" noChangeAspect="1" noMove="1" noResize="1" noEditPoints="1" noAdjustHandles="1" noChangeArrowheads="1" noChangeShapeType="1" noTextEdit="1"/>
-          </p:cNvSpPr>
-          <p:nvPr>
-            <p:extLst>
-              <p:ext uri="{386F3935-93C4-4BCD-93E2-E3B085C9AB24}">
-                <p16:designElem xmlns:p16="http://schemas.microsoft.com/office/powerpoint/2015/main" val="1"/>
-              </p:ext>
-            </p:extLst>
-          </p:nvPr>
-        </p:nvSpPr>
-        <p:spPr>
-          <a:xfrm>
-            <a:off x="-1" y="6061223"/>
-            <a:ext cx="1038036" cy="506277"/>
-          </a:xfrm>
-          <a:custGeom>
-            <a:avLst/>
-            <a:gdLst>
-              <a:gd name="connsiteX0" fmla="*/ 0 w 1038036"/>
-              <a:gd name="connsiteY0" fmla="*/ 0 h 506277"/>
-              <a:gd name="connsiteX1" fmla="*/ 182880 w 1038036"/>
-              <a:gd name="connsiteY1" fmla="*/ 0 h 506277"/>
-              <a:gd name="connsiteX2" fmla="*/ 291705 w 1038036"/>
-              <a:gd name="connsiteY2" fmla="*/ 0 h 506277"/>
-              <a:gd name="connsiteX3" fmla="*/ 291705 w 1038036"/>
-              <a:gd name="connsiteY3" fmla="*/ 151 h 506277"/>
-              <a:gd name="connsiteX4" fmla="*/ 692049 w 1038036"/>
-              <a:gd name="connsiteY4" fmla="*/ 705 h 506277"/>
-              <a:gd name="connsiteX5" fmla="*/ 782744 w 1038036"/>
-              <a:gd name="connsiteY5" fmla="*/ 705 h 506277"/>
-              <a:gd name="connsiteX6" fmla="*/ 797001 w 1038036"/>
-              <a:gd name="connsiteY6" fmla="*/ 5473 h 506277"/>
-              <a:gd name="connsiteX7" fmla="*/ 801982 w 1038036"/>
-              <a:gd name="connsiteY7" fmla="*/ 10242 h 506277"/>
-              <a:gd name="connsiteX8" fmla="*/ 1030951 w 1038036"/>
-              <a:gd name="connsiteY8" fmla="*/ 239185 h 506277"/>
-              <a:gd name="connsiteX9" fmla="*/ 1030951 w 1038036"/>
-              <a:gd name="connsiteY9" fmla="*/ 267797 h 506277"/>
-              <a:gd name="connsiteX10" fmla="*/ 801982 w 1038036"/>
-              <a:gd name="connsiteY10" fmla="*/ 496740 h 506277"/>
-              <a:gd name="connsiteX11" fmla="*/ 797001 w 1038036"/>
-              <a:gd name="connsiteY11" fmla="*/ 501508 h 506277"/>
-              <a:gd name="connsiteX12" fmla="*/ 782744 w 1038036"/>
-              <a:gd name="connsiteY12" fmla="*/ 506277 h 506277"/>
-              <a:gd name="connsiteX13" fmla="*/ 692049 w 1038036"/>
-              <a:gd name="connsiteY13" fmla="*/ 506277 h 506277"/>
-              <a:gd name="connsiteX14" fmla="*/ 291705 w 1038036"/>
-              <a:gd name="connsiteY14" fmla="*/ 505140 h 506277"/>
-              <a:gd name="connsiteX15" fmla="*/ 291705 w 1038036"/>
-              <a:gd name="connsiteY15" fmla="*/ 506277 h 506277"/>
-              <a:gd name="connsiteX16" fmla="*/ 0 w 1038036"/>
-              <a:gd name="connsiteY16" fmla="*/ 506277 h 506277"/>
-            </a:gdLst>
-            <a:ahLst/>
-            <a:cxnLst>
-              <a:cxn ang="0">
-                <a:pos x="connsiteX0" y="connsiteY0"/>
-              </a:cxn>
-              <a:cxn ang="0">
-                <a:pos x="connsiteX1" y="connsiteY1"/>
-              </a:cxn>
-              <a:cxn ang="0">
-                <a:pos x="connsiteX2" y="connsiteY2"/>
-              </a:cxn>
-              <a:cxn ang="0">
-                <a:pos x="connsiteX3" y="connsiteY3"/>
-              </a:cxn>
-              <a:cxn ang="0">
-                <a:pos x="connsiteX4" y="connsiteY4"/>
-              </a:cxn>
-              <a:cxn ang="0">
-                <a:pos x="connsiteX5" y="connsiteY5"/>
-              </a:cxn>
-              <a:cxn ang="0">
-                <a:pos x="connsiteX6" y="connsiteY6"/>
-              </a:cxn>
-              <a:cxn ang="0">
-                <a:pos x="connsiteX7" y="connsiteY7"/>
-              </a:cxn>
-              <a:cxn ang="0">
-                <a:pos x="connsiteX8" y="connsiteY8"/>
-              </a:cxn>
-              <a:cxn ang="0">
-                <a:pos x="connsiteX9" y="connsiteY9"/>
-              </a:cxn>
-              <a:cxn ang="0">
-                <a:pos x="connsiteX10" y="connsiteY10"/>
-              </a:cxn>
-              <a:cxn ang="0">
-                <a:pos x="connsiteX11" y="connsiteY11"/>
-              </a:cxn>
-              <a:cxn ang="0">
-                <a:pos x="connsiteX12" y="connsiteY12"/>
-              </a:cxn>
-              <a:cxn ang="0">
-                <a:pos x="connsiteX13" y="connsiteY13"/>
-              </a:cxn>
-              <a:cxn ang="0">
-                <a:pos x="connsiteX14" y="connsiteY14"/>
-              </a:cxn>
-              <a:cxn ang="0">
-                <a:pos x="connsiteX15" y="connsiteY15"/>
-              </a:cxn>
-              <a:cxn ang="0">
-                <a:pos x="connsiteX16" y="connsiteY16"/>
-              </a:cxn>
-            </a:cxnLst>
-            <a:rect l="l" t="t" r="r" b="b"/>
-            <a:pathLst>
-              <a:path w="1038036" h="506277">
-                <a:moveTo>
-                  <a:pt x="0" y="0"/>
-                </a:moveTo>
-                <a:lnTo>
-                  <a:pt x="182880" y="0"/>
-                </a:lnTo>
-                <a:lnTo>
-                  <a:pt x="291705" y="0"/>
-                </a:lnTo>
-                <a:lnTo>
-                  <a:pt x="291705" y="151"/>
-                </a:lnTo>
-                <a:lnTo>
-                  <a:pt x="692049" y="705"/>
-                </a:lnTo>
-                <a:lnTo>
-                  <a:pt x="782744" y="705"/>
-                </a:lnTo>
-                <a:cubicBezTo>
-                  <a:pt x="787553" y="705"/>
-                  <a:pt x="792363" y="5473"/>
-                  <a:pt x="797001" y="5473"/>
-                </a:cubicBezTo>
-                <a:cubicBezTo>
-                  <a:pt x="797001" y="10242"/>
-                  <a:pt x="801982" y="10242"/>
-                  <a:pt x="801982" y="10242"/>
-                </a:cubicBezTo>
-                <a:lnTo>
-                  <a:pt x="1030951" y="239185"/>
-                </a:lnTo>
-                <a:cubicBezTo>
-                  <a:pt x="1040398" y="248722"/>
-                  <a:pt x="1040398" y="258259"/>
-                  <a:pt x="1030951" y="267797"/>
-                </a:cubicBezTo>
-                <a:lnTo>
-                  <a:pt x="801982" y="496740"/>
-                </a:lnTo>
-                <a:cubicBezTo>
-                  <a:pt x="800436" y="498363"/>
-                  <a:pt x="798547" y="499885"/>
-                  <a:pt x="797001" y="501508"/>
-                </a:cubicBezTo>
-                <a:cubicBezTo>
-                  <a:pt x="792363" y="506277"/>
-                  <a:pt x="787553" y="506277"/>
-                  <a:pt x="782744" y="506277"/>
-                </a:cubicBezTo>
-                <a:lnTo>
-                  <a:pt x="692049" y="506277"/>
-                </a:lnTo>
-                <a:lnTo>
-                  <a:pt x="291705" y="505140"/>
-                </a:lnTo>
-                <a:lnTo>
-                  <a:pt x="291705" y="506277"/>
-                </a:lnTo>
-                <a:lnTo>
-                  <a:pt x="0" y="506277"/>
-                </a:lnTo>
-                <a:close/>
-              </a:path>
-            </a:pathLst>
-          </a:custGeom>
-          <a:ln>
-            <a:noFill/>
-          </a:ln>
-        </p:spPr>
-        <p:style>
-          <a:lnRef idx="2">
-            <a:schemeClr val="accent1">
-              <a:shade val="50000"/>
-            </a:schemeClr>
-          </a:lnRef>
-          <a:fillRef idx="1">
-            <a:schemeClr val="accent1"/>
-          </a:fillRef>
-          <a:effectRef idx="0">
-            <a:schemeClr val="accent1"/>
-          </a:effectRef>
-          <a:fontRef idx="minor">
-            <a:schemeClr val="lt1"/>
-          </a:fontRef>
-        </p:style>
-        <p:txBody>
-          <a:bodyPr rtlCol="0" anchor="ctr"/>
-          <a:lstStyle/>
-          <a:p>
-            <a:pPr algn="ctr"/>
-            <a:endParaRPr lang="en-US"/>
-          </a:p>
-        </p:txBody>
-      </p:sp>
-      <p:sp>
-        <p:nvSpPr>
-          <p:cNvPr id="3" name="TextBox 2">
-            <a:extLst>
-              <a:ext uri="{FF2B5EF4-FFF2-40B4-BE49-F238E27FC236}">
-                <a16:creationId xmlns:a16="http://schemas.microsoft.com/office/drawing/2014/main" id="{B122CE73-AA67-4C5F-8470-CC8DDE0B17F9}"/>
-              </a:ext>
-            </a:extLst>
-          </p:cNvPr>
-          <p:cNvSpPr txBox="1"/>
-          <p:nvPr/>
-        </p:nvSpPr>
-        <p:spPr>
-          <a:xfrm>
-            <a:off x="725864" y="1333734"/>
-            <a:ext cx="7843706" cy="1200329"/>
-          </a:xfrm>
-          <a:prstGeom prst="rect">
-            <a:avLst/>
-          </a:prstGeom>
-          <a:noFill/>
-        </p:spPr>
-        <p:txBody>
-          <a:bodyPr wrap="square" rtlCol="0">
-            <a:spAutoFit/>
-          </a:bodyPr>
-          <a:lstStyle/>
-          <a:p>
-            <a:r>
-              <a:rPr lang="en-US" dirty="0"/>
-              <a:t>Membership fee: </a:t>
-            </a:r>
-            <a:r>
-              <a:rPr lang="en-US" b="1" dirty="0"/>
-              <a:t>$40 per month</a:t>
-            </a:r>
-          </a:p>
-          <a:p>
-            <a:r>
-              <a:rPr lang="en-US" dirty="0"/>
-              <a:t>Weekday Entry fee: </a:t>
-            </a:r>
-            <a:r>
-              <a:rPr lang="en-US" b="1" dirty="0"/>
-              <a:t>$10</a:t>
-            </a:r>
-          </a:p>
-          <a:p>
-            <a:r>
-              <a:rPr lang="en-US" dirty="0"/>
-              <a:t>Weekend Entry fee: </a:t>
-            </a:r>
-            <a:r>
-              <a:rPr lang="en-US" b="1" dirty="0"/>
-              <a:t>$20</a:t>
-            </a:r>
-            <a:endParaRPr lang="en-US" dirty="0"/>
-          </a:p>
-          <a:p>
-            <a:endParaRPr lang="en-US" dirty="0"/>
-          </a:p>
-        </p:txBody>
-      </p:sp>
-      <p:pic>
-        <p:nvPicPr>
-          <p:cNvPr id="6" name="Picture 5" descr="A screenshot of a cell phone&#10;&#10;Description automatically generated">
-            <a:extLst>
-              <a:ext uri="{FF2B5EF4-FFF2-40B4-BE49-F238E27FC236}">
-                <a16:creationId xmlns:a16="http://schemas.microsoft.com/office/drawing/2014/main" id="{E27163F9-AE16-4310-AA3F-0731FA78AF3A}"/>
-              </a:ext>
-            </a:extLst>
-          </p:cNvPr>
-          <p:cNvPicPr>
-            <a:picLocks noChangeAspect="1"/>
-          </p:cNvPicPr>
-          <p:nvPr/>
-        </p:nvPicPr>
-        <p:blipFill>
-          <a:blip r:embed="rId2"/>
-          <a:stretch>
-            <a:fillRect/>
-          </a:stretch>
-        </p:blipFill>
-        <p:spPr>
-          <a:xfrm>
-            <a:off x="2564092" y="2466952"/>
-            <a:ext cx="8324818" cy="2650398"/>
-          </a:xfrm>
-          <a:prstGeom prst="rect">
-            <a:avLst/>
-          </a:prstGeom>
-        </p:spPr>
-      </p:pic>
-    </p:spTree>
-    <p:extLst>
-      <p:ext uri="{BB962C8B-B14F-4D97-AF65-F5344CB8AC3E}">
-        <p14:creationId xmlns:p14="http://schemas.microsoft.com/office/powerpoint/2010/main" val="1401021797"/>
-      </p:ext>
-    </p:extLst>
-  </p:cSld>
-  <p:clrMapOvr>
-    <a:masterClrMapping/>
-  </p:clrMapOvr>
-</p:sld>
-</file>
-
-<file path=ppt/slides/slide21.xml><?xml version="1.0" encoding="utf-8"?>
-<p:sld xmlns:a="http://schemas.openxmlformats.org/drawingml/2006/main" xmlns:r="http://schemas.openxmlformats.org/officeDocument/2006/relationships" xmlns:p="http://schemas.openxmlformats.org/presentationml/2006/main">
-  <p:cSld>
-    <p:spTree>
-      <p:nvGrpSpPr>
-        <p:cNvPr id="1" name=""/>
-        <p:cNvGrpSpPr/>
-        <p:nvPr/>
-      </p:nvGrpSpPr>
-      <p:grpSpPr>
-        <a:xfrm>
-          <a:off x="0" y="0"/>
-          <a:ext cx="0" cy="0"/>
-          <a:chOff x="0" y="0"/>
-          <a:chExt cx="0" cy="0"/>
-        </a:xfrm>
-      </p:grpSpPr>
-      <p:sp>
-        <p:nvSpPr>
-          <p:cNvPr id="2" name="Title 1">
-            <a:extLst>
-              <a:ext uri="{FF2B5EF4-FFF2-40B4-BE49-F238E27FC236}">
-                <a16:creationId xmlns:a16="http://schemas.microsoft.com/office/drawing/2014/main" id="{2662D9AB-F2DB-46A7-9EFA-7C00249E6180}"/>
-              </a:ext>
-            </a:extLst>
-          </p:cNvPr>
-          <p:cNvSpPr>
-            <a:spLocks noGrp="1"/>
-          </p:cNvSpPr>
-          <p:nvPr>
-            <p:ph type="title"/>
-          </p:nvPr>
-        </p:nvSpPr>
-        <p:spPr/>
-        <p:txBody>
-          <a:bodyPr/>
-          <a:lstStyle/>
-          <a:p>
-            <a:r>
-              <a:rPr lang="en-US" dirty="0"/>
-              <a:t>Formula for Community Breakdown</a:t>
-            </a:r>
-          </a:p>
-        </p:txBody>
-      </p:sp>
-      <p:sp>
-        <p:nvSpPr>
-          <p:cNvPr id="3" name="Content Placeholder 2">
-            <a:extLst>
-              <a:ext uri="{FF2B5EF4-FFF2-40B4-BE49-F238E27FC236}">
-                <a16:creationId xmlns:a16="http://schemas.microsoft.com/office/drawing/2014/main" id="{770313A2-0A4C-4259-8D0B-3EFF9C904EC7}"/>
-              </a:ext>
-            </a:extLst>
-          </p:cNvPr>
-          <p:cNvSpPr>
-            <a:spLocks noGrp="1"/>
-          </p:cNvSpPr>
-          <p:nvPr>
-            <p:ph idx="1"/>
-          </p:nvPr>
-        </p:nvSpPr>
-        <p:spPr>
-          <a:xfrm>
-            <a:off x="1137037" y="1540189"/>
-            <a:ext cx="10820800" cy="3777622"/>
-          </a:xfrm>
-        </p:spPr>
-        <p:txBody>
-          <a:bodyPr/>
-          <a:lstStyle/>
-          <a:p>
-            <a:pPr marL="0" indent="0">
-              <a:buNone/>
-            </a:pPr>
-            <a:r>
-              <a:rPr lang="en-US" dirty="0"/>
-              <a:t>                              80%                                     20%                        = 100% of total Community</a:t>
-            </a:r>
-          </a:p>
-          <a:p>
-            <a:pPr marL="0" indent="0">
-              <a:buNone/>
-            </a:pPr>
-            <a:endParaRPr lang="en-US" dirty="0"/>
-          </a:p>
-          <a:p>
-            <a:pPr marL="0" indent="0">
-              <a:buNone/>
-            </a:pPr>
-            <a:r>
-              <a:rPr lang="en-US" dirty="0"/>
-              <a:t>            (Weekday + Weekend)         +      Members</a:t>
-            </a:r>
-          </a:p>
-          <a:p>
-            <a:pPr marL="0" indent="0">
-              <a:buNone/>
-            </a:pPr>
-            <a:endParaRPr lang="en-US" dirty="0"/>
-          </a:p>
-          <a:p>
-            <a:pPr marL="0" indent="0">
-              <a:buNone/>
-            </a:pPr>
-            <a:r>
-              <a:rPr lang="en-US" dirty="0"/>
-              <a:t>              80%    20%     80%    20%               80%     20%</a:t>
-            </a:r>
-          </a:p>
-          <a:p>
-            <a:pPr marL="0" indent="0">
-              <a:buNone/>
-            </a:pPr>
-            <a:endParaRPr lang="en-US" dirty="0"/>
-          </a:p>
-          <a:p>
-            <a:pPr marL="0" indent="0">
-              <a:buNone/>
-            </a:pPr>
-            <a:endParaRPr lang="en-US" dirty="0"/>
-          </a:p>
-          <a:p>
-            <a:pPr marL="0" indent="0">
-              <a:buNone/>
-            </a:pPr>
-            <a:r>
-              <a:rPr lang="en-US" dirty="0"/>
-              <a:t>             (2)        (3)      (1)        (2)                (3)        (5)    </a:t>
-            </a:r>
-          </a:p>
-          <a:p>
-            <a:pPr marL="0" indent="0">
-              <a:buNone/>
-            </a:pPr>
-            <a:endParaRPr lang="en-US" dirty="0"/>
-          </a:p>
-        </p:txBody>
-      </p:sp>
-      <p:cxnSp>
-        <p:nvCxnSpPr>
-          <p:cNvPr id="5" name="Straight Arrow Connector 4">
-            <a:extLst>
-              <a:ext uri="{FF2B5EF4-FFF2-40B4-BE49-F238E27FC236}">
-                <a16:creationId xmlns:a16="http://schemas.microsoft.com/office/drawing/2014/main" id="{26147EEF-2B16-4F62-8A6C-0736B9987F81}"/>
-              </a:ext>
-            </a:extLst>
-          </p:cNvPr>
-          <p:cNvCxnSpPr>
-            <a:cxnSpLocks/>
-          </p:cNvCxnSpPr>
-          <p:nvPr/>
-        </p:nvCxnSpPr>
-        <p:spPr>
-          <a:xfrm flipH="1">
-            <a:off x="3288484" y="1905000"/>
-            <a:ext cx="1" cy="477473"/>
-          </a:xfrm>
-          <a:prstGeom prst="straightConnector1">
-            <a:avLst/>
-          </a:prstGeom>
-          <a:ln>
-            <a:tailEnd type="triangle"/>
-          </a:ln>
-        </p:spPr>
-        <p:style>
-          <a:lnRef idx="1">
-            <a:schemeClr val="accent1"/>
-          </a:lnRef>
-          <a:fillRef idx="0">
-            <a:schemeClr val="accent1"/>
-          </a:fillRef>
-          <a:effectRef idx="0">
-            <a:schemeClr val="accent1"/>
-          </a:effectRef>
-          <a:fontRef idx="minor">
-            <a:schemeClr val="tx1"/>
-          </a:fontRef>
-        </p:style>
-      </p:cxnSp>
-      <p:cxnSp>
-        <p:nvCxnSpPr>
-          <p:cNvPr id="8" name="Straight Arrow Connector 7">
-            <a:extLst>
-              <a:ext uri="{FF2B5EF4-FFF2-40B4-BE49-F238E27FC236}">
-                <a16:creationId xmlns:a16="http://schemas.microsoft.com/office/drawing/2014/main" id="{8D76AB83-AB2E-4872-8D73-D2FAB019C222}"/>
-              </a:ext>
-            </a:extLst>
-          </p:cNvPr>
-          <p:cNvCxnSpPr/>
-          <p:nvPr/>
-        </p:nvCxnSpPr>
-        <p:spPr>
-          <a:xfrm flipH="1">
-            <a:off x="2399978" y="2711742"/>
-            <a:ext cx="192947" cy="469084"/>
-          </a:xfrm>
-          <a:prstGeom prst="straightConnector1">
-            <a:avLst/>
-          </a:prstGeom>
-          <a:ln>
-            <a:tailEnd type="triangle"/>
-          </a:ln>
-        </p:spPr>
-        <p:style>
-          <a:lnRef idx="1">
-            <a:schemeClr val="accent1"/>
-          </a:lnRef>
-          <a:fillRef idx="0">
-            <a:schemeClr val="accent1"/>
-          </a:fillRef>
-          <a:effectRef idx="0">
-            <a:schemeClr val="accent1"/>
-          </a:effectRef>
-          <a:fontRef idx="minor">
-            <a:schemeClr val="tx1"/>
-          </a:fontRef>
-        </p:style>
-      </p:cxnSp>
-      <p:cxnSp>
-        <p:nvCxnSpPr>
-          <p:cNvPr id="9" name="Straight Arrow Connector 8">
-            <a:extLst>
-              <a:ext uri="{FF2B5EF4-FFF2-40B4-BE49-F238E27FC236}">
-                <a16:creationId xmlns:a16="http://schemas.microsoft.com/office/drawing/2014/main" id="{B0AC10AB-F001-41AE-A99D-20A85D8584FA}"/>
-              </a:ext>
-            </a:extLst>
-          </p:cNvPr>
-          <p:cNvCxnSpPr/>
-          <p:nvPr/>
-        </p:nvCxnSpPr>
-        <p:spPr>
-          <a:xfrm flipH="1">
-            <a:off x="3759392" y="2750081"/>
-            <a:ext cx="192947" cy="469084"/>
-          </a:xfrm>
-          <a:prstGeom prst="straightConnector1">
-            <a:avLst/>
-          </a:prstGeom>
-          <a:ln>
-            <a:tailEnd type="triangle"/>
-          </a:ln>
-        </p:spPr>
-        <p:style>
-          <a:lnRef idx="1">
-            <a:schemeClr val="accent1"/>
-          </a:lnRef>
-          <a:fillRef idx="0">
-            <a:schemeClr val="accent1"/>
-          </a:fillRef>
-          <a:effectRef idx="0">
-            <a:schemeClr val="accent1"/>
-          </a:effectRef>
-          <a:fontRef idx="minor">
-            <a:schemeClr val="tx1"/>
-          </a:fontRef>
-        </p:style>
-      </p:cxnSp>
-      <p:cxnSp>
-        <p:nvCxnSpPr>
-          <p:cNvPr id="10" name="Straight Arrow Connector 9">
-            <a:extLst>
-              <a:ext uri="{FF2B5EF4-FFF2-40B4-BE49-F238E27FC236}">
-                <a16:creationId xmlns:a16="http://schemas.microsoft.com/office/drawing/2014/main" id="{8917B651-8A04-44F1-B26A-D9D3B786A815}"/>
-              </a:ext>
-            </a:extLst>
-          </p:cNvPr>
-          <p:cNvCxnSpPr/>
-          <p:nvPr/>
-        </p:nvCxnSpPr>
-        <p:spPr>
-          <a:xfrm flipH="1">
-            <a:off x="5773024" y="2754864"/>
-            <a:ext cx="192947" cy="469084"/>
-          </a:xfrm>
-          <a:prstGeom prst="straightConnector1">
-            <a:avLst/>
-          </a:prstGeom>
-          <a:ln>
-            <a:tailEnd type="triangle"/>
-          </a:ln>
-        </p:spPr>
-        <p:style>
-          <a:lnRef idx="1">
-            <a:schemeClr val="accent1"/>
-          </a:lnRef>
-          <a:fillRef idx="0">
-            <a:schemeClr val="accent1"/>
-          </a:fillRef>
-          <a:effectRef idx="0">
-            <a:schemeClr val="accent1"/>
-          </a:effectRef>
-          <a:fontRef idx="minor">
-            <a:schemeClr val="tx1"/>
-          </a:fontRef>
-        </p:style>
-      </p:cxnSp>
-      <p:cxnSp>
-        <p:nvCxnSpPr>
-          <p:cNvPr id="12" name="Straight Arrow Connector 11">
-            <a:extLst>
-              <a:ext uri="{FF2B5EF4-FFF2-40B4-BE49-F238E27FC236}">
-                <a16:creationId xmlns:a16="http://schemas.microsoft.com/office/drawing/2014/main" id="{F817CD03-05E0-4181-B43D-5CAE7456285F}"/>
-              </a:ext>
-            </a:extLst>
-          </p:cNvPr>
-          <p:cNvCxnSpPr>
-            <a:cxnSpLocks/>
-          </p:cNvCxnSpPr>
-          <p:nvPr/>
-        </p:nvCxnSpPr>
-        <p:spPr>
-          <a:xfrm flipH="1">
-            <a:off x="6095999" y="1905000"/>
-            <a:ext cx="1" cy="477473"/>
-          </a:xfrm>
-          <a:prstGeom prst="straightConnector1">
-            <a:avLst/>
-          </a:prstGeom>
-          <a:ln>
-            <a:tailEnd type="triangle"/>
-          </a:ln>
-        </p:spPr>
-        <p:style>
-          <a:lnRef idx="1">
-            <a:schemeClr val="accent1"/>
-          </a:lnRef>
-          <a:fillRef idx="0">
-            <a:schemeClr val="accent1"/>
-          </a:fillRef>
-          <a:effectRef idx="0">
-            <a:schemeClr val="accent1"/>
-          </a:effectRef>
-          <a:fontRef idx="minor">
-            <a:schemeClr val="tx1"/>
-          </a:fontRef>
-        </p:style>
-      </p:cxnSp>
-      <p:cxnSp>
-        <p:nvCxnSpPr>
-          <p:cNvPr id="14" name="Straight Arrow Connector 13">
-            <a:extLst>
-              <a:ext uri="{FF2B5EF4-FFF2-40B4-BE49-F238E27FC236}">
-                <a16:creationId xmlns:a16="http://schemas.microsoft.com/office/drawing/2014/main" id="{BB168110-7D2B-49E3-A07C-F9CA71F3D922}"/>
-              </a:ext>
-            </a:extLst>
-          </p:cNvPr>
-          <p:cNvCxnSpPr/>
-          <p:nvPr/>
-        </p:nvCxnSpPr>
-        <p:spPr>
-          <a:xfrm>
-            <a:off x="2784925" y="2711742"/>
-            <a:ext cx="201556" cy="469084"/>
-          </a:xfrm>
-          <a:prstGeom prst="straightConnector1">
-            <a:avLst/>
-          </a:prstGeom>
-          <a:ln>
-            <a:tailEnd type="triangle"/>
-          </a:ln>
-        </p:spPr>
-        <p:style>
-          <a:lnRef idx="1">
-            <a:schemeClr val="accent1"/>
-          </a:lnRef>
-          <a:fillRef idx="0">
-            <a:schemeClr val="accent1"/>
-          </a:fillRef>
-          <a:effectRef idx="0">
-            <a:schemeClr val="accent1"/>
-          </a:effectRef>
-          <a:fontRef idx="minor">
-            <a:schemeClr val="tx1"/>
-          </a:fontRef>
-        </p:style>
-      </p:cxnSp>
-      <p:cxnSp>
-        <p:nvCxnSpPr>
-          <p:cNvPr id="15" name="Straight Arrow Connector 14">
-            <a:extLst>
-              <a:ext uri="{FF2B5EF4-FFF2-40B4-BE49-F238E27FC236}">
-                <a16:creationId xmlns:a16="http://schemas.microsoft.com/office/drawing/2014/main" id="{ED309313-AABF-4E7E-B3F4-39BA910B47E2}"/>
-              </a:ext>
-            </a:extLst>
-          </p:cNvPr>
-          <p:cNvCxnSpPr/>
-          <p:nvPr/>
-        </p:nvCxnSpPr>
-        <p:spPr>
-          <a:xfrm>
-            <a:off x="4152948" y="2750081"/>
-            <a:ext cx="201556" cy="469084"/>
-          </a:xfrm>
-          <a:prstGeom prst="straightConnector1">
-            <a:avLst/>
-          </a:prstGeom>
-          <a:ln>
-            <a:tailEnd type="triangle"/>
-          </a:ln>
-        </p:spPr>
-        <p:style>
-          <a:lnRef idx="1">
-            <a:schemeClr val="accent1"/>
-          </a:lnRef>
-          <a:fillRef idx="0">
-            <a:schemeClr val="accent1"/>
-          </a:fillRef>
-          <a:effectRef idx="0">
-            <a:schemeClr val="accent1"/>
-          </a:effectRef>
-          <a:fontRef idx="minor">
-            <a:schemeClr val="tx1"/>
-          </a:fontRef>
-        </p:style>
-      </p:cxnSp>
-      <p:cxnSp>
-        <p:nvCxnSpPr>
-          <p:cNvPr id="16" name="Straight Arrow Connector 15">
-            <a:extLst>
-              <a:ext uri="{FF2B5EF4-FFF2-40B4-BE49-F238E27FC236}">
-                <a16:creationId xmlns:a16="http://schemas.microsoft.com/office/drawing/2014/main" id="{6E3B9402-5654-437C-9B10-2C382E6AEC45}"/>
-              </a:ext>
-            </a:extLst>
-          </p:cNvPr>
-          <p:cNvCxnSpPr/>
-          <p:nvPr/>
-        </p:nvCxnSpPr>
-        <p:spPr>
-          <a:xfrm>
-            <a:off x="6293813" y="2750081"/>
-            <a:ext cx="201556" cy="469084"/>
-          </a:xfrm>
-          <a:prstGeom prst="straightConnector1">
-            <a:avLst/>
-          </a:prstGeom>
-          <a:ln>
-            <a:tailEnd type="triangle"/>
-          </a:ln>
-        </p:spPr>
-        <p:style>
-          <a:lnRef idx="1">
-            <a:schemeClr val="accent1"/>
-          </a:lnRef>
-          <a:fillRef idx="0">
-            <a:schemeClr val="accent1"/>
-          </a:fillRef>
-          <a:effectRef idx="0">
-            <a:schemeClr val="accent1"/>
-          </a:effectRef>
-          <a:fontRef idx="minor">
-            <a:schemeClr val="tx1"/>
-          </a:fontRef>
-        </p:style>
-      </p:cxnSp>
-      <p:cxnSp>
-        <p:nvCxnSpPr>
-          <p:cNvPr id="18" name="Straight Connector 17">
-            <a:extLst>
-              <a:ext uri="{FF2B5EF4-FFF2-40B4-BE49-F238E27FC236}">
-                <a16:creationId xmlns:a16="http://schemas.microsoft.com/office/drawing/2014/main" id="{C0EEE9D5-684E-4043-9BD0-A4D5D405C568}"/>
-              </a:ext>
-            </a:extLst>
-          </p:cNvPr>
-          <p:cNvCxnSpPr/>
-          <p:nvPr/>
-        </p:nvCxnSpPr>
-        <p:spPr>
-          <a:xfrm>
-            <a:off x="3691156" y="3498209"/>
-            <a:ext cx="0" cy="822121"/>
-          </a:xfrm>
-          <a:prstGeom prst="line">
-            <a:avLst/>
-          </a:prstGeom>
-        </p:spPr>
-        <p:style>
-          <a:lnRef idx="1">
-            <a:schemeClr val="accent1"/>
-          </a:lnRef>
-          <a:fillRef idx="0">
-            <a:schemeClr val="accent1"/>
-          </a:fillRef>
-          <a:effectRef idx="0">
-            <a:schemeClr val="accent1"/>
-          </a:effectRef>
-          <a:fontRef idx="minor">
-            <a:schemeClr val="tx1"/>
-          </a:fontRef>
-        </p:style>
-      </p:cxnSp>
-      <p:cxnSp>
-        <p:nvCxnSpPr>
-          <p:cNvPr id="19" name="Straight Connector 18">
-            <a:extLst>
-              <a:ext uri="{FF2B5EF4-FFF2-40B4-BE49-F238E27FC236}">
-                <a16:creationId xmlns:a16="http://schemas.microsoft.com/office/drawing/2014/main" id="{13B7F9FF-4F5A-428E-8A82-FE8C7C2F40B5}"/>
-              </a:ext>
-            </a:extLst>
-          </p:cNvPr>
-          <p:cNvCxnSpPr/>
-          <p:nvPr/>
-        </p:nvCxnSpPr>
-        <p:spPr>
-          <a:xfrm>
-            <a:off x="4447563" y="3498208"/>
-            <a:ext cx="0" cy="822121"/>
-          </a:xfrm>
-          <a:prstGeom prst="line">
-            <a:avLst/>
-          </a:prstGeom>
-        </p:spPr>
-        <p:style>
-          <a:lnRef idx="1">
-            <a:schemeClr val="accent1"/>
-          </a:lnRef>
-          <a:fillRef idx="0">
-            <a:schemeClr val="accent1"/>
-          </a:fillRef>
-          <a:effectRef idx="0">
-            <a:schemeClr val="accent1"/>
-          </a:effectRef>
-          <a:fontRef idx="minor">
-            <a:schemeClr val="tx1"/>
-          </a:fontRef>
-        </p:style>
-      </p:cxnSp>
-      <p:cxnSp>
-        <p:nvCxnSpPr>
-          <p:cNvPr id="20" name="Straight Connector 19">
-            <a:extLst>
-              <a:ext uri="{FF2B5EF4-FFF2-40B4-BE49-F238E27FC236}">
-                <a16:creationId xmlns:a16="http://schemas.microsoft.com/office/drawing/2014/main" id="{6AFB718B-5FE4-44EA-B898-DEBC1B3EDC24}"/>
-              </a:ext>
-            </a:extLst>
-          </p:cNvPr>
-          <p:cNvCxnSpPr/>
-          <p:nvPr/>
-        </p:nvCxnSpPr>
-        <p:spPr>
-          <a:xfrm>
-            <a:off x="5740866" y="3498208"/>
-            <a:ext cx="0" cy="822121"/>
-          </a:xfrm>
-          <a:prstGeom prst="line">
-            <a:avLst/>
-          </a:prstGeom>
-        </p:spPr>
-        <p:style>
-          <a:lnRef idx="1">
-            <a:schemeClr val="accent1"/>
-          </a:lnRef>
-          <a:fillRef idx="0">
-            <a:schemeClr val="accent1"/>
-          </a:fillRef>
-          <a:effectRef idx="0">
-            <a:schemeClr val="accent1"/>
-          </a:effectRef>
-          <a:fontRef idx="minor">
-            <a:schemeClr val="tx1"/>
-          </a:fontRef>
-        </p:style>
-      </p:cxnSp>
-      <p:cxnSp>
-        <p:nvCxnSpPr>
-          <p:cNvPr id="21" name="Straight Connector 20">
-            <a:extLst>
-              <a:ext uri="{FF2B5EF4-FFF2-40B4-BE49-F238E27FC236}">
-                <a16:creationId xmlns:a16="http://schemas.microsoft.com/office/drawing/2014/main" id="{5E3F9216-A7BE-4A99-9AB1-952DE90C0662}"/>
-              </a:ext>
-            </a:extLst>
-          </p:cNvPr>
-          <p:cNvCxnSpPr/>
-          <p:nvPr/>
-        </p:nvCxnSpPr>
-        <p:spPr>
-          <a:xfrm>
-            <a:off x="6547437" y="3498208"/>
-            <a:ext cx="0" cy="822121"/>
-          </a:xfrm>
-          <a:prstGeom prst="line">
-            <a:avLst/>
-          </a:prstGeom>
-        </p:spPr>
-        <p:style>
-          <a:lnRef idx="1">
-            <a:schemeClr val="accent1"/>
-          </a:lnRef>
-          <a:fillRef idx="0">
-            <a:schemeClr val="accent1"/>
-          </a:fillRef>
-          <a:effectRef idx="0">
-            <a:schemeClr val="accent1"/>
-          </a:effectRef>
-          <a:fontRef idx="minor">
-            <a:schemeClr val="tx1"/>
-          </a:fontRef>
-        </p:style>
-      </p:cxnSp>
-      <p:cxnSp>
-        <p:nvCxnSpPr>
-          <p:cNvPr id="24" name="Straight Connector 23">
-            <a:extLst>
-              <a:ext uri="{FF2B5EF4-FFF2-40B4-BE49-F238E27FC236}">
-                <a16:creationId xmlns:a16="http://schemas.microsoft.com/office/drawing/2014/main" id="{ECEBF768-63D4-486B-A33F-A3440837C216}"/>
-              </a:ext>
-            </a:extLst>
-          </p:cNvPr>
-          <p:cNvCxnSpPr/>
-          <p:nvPr/>
-        </p:nvCxnSpPr>
-        <p:spPr>
-          <a:xfrm>
-            <a:off x="2986481" y="3498208"/>
-            <a:ext cx="0" cy="822121"/>
-          </a:xfrm>
-          <a:prstGeom prst="line">
-            <a:avLst/>
-          </a:prstGeom>
-        </p:spPr>
-        <p:style>
-          <a:lnRef idx="1">
-            <a:schemeClr val="accent1"/>
-          </a:lnRef>
-          <a:fillRef idx="0">
-            <a:schemeClr val="accent1"/>
-          </a:fillRef>
-          <a:effectRef idx="0">
-            <a:schemeClr val="accent1"/>
-          </a:effectRef>
-          <a:fontRef idx="minor">
-            <a:schemeClr val="tx1"/>
-          </a:fontRef>
-        </p:style>
-      </p:cxnSp>
-      <p:cxnSp>
-        <p:nvCxnSpPr>
-          <p:cNvPr id="25" name="Straight Connector 24">
-            <a:extLst>
-              <a:ext uri="{FF2B5EF4-FFF2-40B4-BE49-F238E27FC236}">
-                <a16:creationId xmlns:a16="http://schemas.microsoft.com/office/drawing/2014/main" id="{41DA78D4-2056-4FD7-918D-35DD647FAC53}"/>
-              </a:ext>
-            </a:extLst>
-          </p:cNvPr>
-          <p:cNvCxnSpPr/>
-          <p:nvPr/>
-        </p:nvCxnSpPr>
-        <p:spPr>
-          <a:xfrm>
-            <a:off x="2224481" y="3498208"/>
-            <a:ext cx="0" cy="822121"/>
-          </a:xfrm>
-          <a:prstGeom prst="line">
-            <a:avLst/>
-          </a:prstGeom>
-        </p:spPr>
-        <p:style>
-          <a:lnRef idx="1">
-            <a:schemeClr val="accent1"/>
-          </a:lnRef>
-          <a:fillRef idx="0">
-            <a:schemeClr val="accent1"/>
-          </a:fillRef>
-          <a:effectRef idx="0">
-            <a:schemeClr val="accent1"/>
-          </a:effectRef>
-          <a:fontRef idx="minor">
-            <a:schemeClr val="tx1"/>
-          </a:fontRef>
-        </p:style>
-      </p:cxnSp>
-      <p:sp>
-        <p:nvSpPr>
-          <p:cNvPr id="26" name="Rectangle 25">
-            <a:extLst>
-              <a:ext uri="{FF2B5EF4-FFF2-40B4-BE49-F238E27FC236}">
-                <a16:creationId xmlns:a16="http://schemas.microsoft.com/office/drawing/2014/main" id="{D6CB9168-6994-43DE-889E-35C0B5182226}"/>
-              </a:ext>
-            </a:extLst>
-          </p:cNvPr>
-          <p:cNvSpPr/>
-          <p:nvPr/>
-        </p:nvSpPr>
-        <p:spPr>
-          <a:xfrm>
-            <a:off x="1879134" y="4352379"/>
-            <a:ext cx="5058558" cy="1024964"/>
-          </a:xfrm>
-          <a:prstGeom prst="rect">
-            <a:avLst/>
-          </a:prstGeom>
-          <a:noFill/>
-        </p:spPr>
-        <p:style>
-          <a:lnRef idx="2">
-            <a:schemeClr val="accent1">
-              <a:shade val="50000"/>
-            </a:schemeClr>
-          </a:lnRef>
-          <a:fillRef idx="1">
-            <a:schemeClr val="accent1"/>
-          </a:fillRef>
-          <a:effectRef idx="0">
-            <a:schemeClr val="accent1"/>
-          </a:effectRef>
-          <a:fontRef idx="minor">
-            <a:schemeClr val="lt1"/>
-          </a:fontRef>
-        </p:style>
-        <p:txBody>
-          <a:bodyPr rtlCol="0" anchor="ctr"/>
-          <a:lstStyle/>
-          <a:p>
-            <a:pPr algn="ctr"/>
-            <a:endParaRPr lang="en-US"/>
-          </a:p>
-        </p:txBody>
-      </p:sp>
-      <p:sp>
-        <p:nvSpPr>
-          <p:cNvPr id="27" name="TextBox 26">
-            <a:extLst>
-              <a:ext uri="{FF2B5EF4-FFF2-40B4-BE49-F238E27FC236}">
-                <a16:creationId xmlns:a16="http://schemas.microsoft.com/office/drawing/2014/main" id="{870119F7-0201-48E8-92DD-FB68E4DEDB6A}"/>
-              </a:ext>
-            </a:extLst>
-          </p:cNvPr>
-          <p:cNvSpPr txBox="1"/>
-          <p:nvPr/>
-        </p:nvSpPr>
-        <p:spPr>
-          <a:xfrm>
-            <a:off x="2828486" y="4889165"/>
-            <a:ext cx="3137484" cy="369332"/>
-          </a:xfrm>
-          <a:prstGeom prst="rect">
-            <a:avLst/>
-          </a:prstGeom>
-          <a:noFill/>
-        </p:spPr>
-        <p:txBody>
-          <a:bodyPr wrap="square" rtlCol="0">
-            <a:spAutoFit/>
-          </a:bodyPr>
-          <a:lstStyle/>
-          <a:p>
-            <a:r>
-              <a:rPr lang="en-US" dirty="0"/>
-              <a:t>Weekly Visiting Frequency</a:t>
-            </a:r>
-          </a:p>
-        </p:txBody>
-      </p:sp>
-      <p:sp>
-        <p:nvSpPr>
-          <p:cNvPr id="28" name="TextBox 27">
-            <a:extLst>
-              <a:ext uri="{FF2B5EF4-FFF2-40B4-BE49-F238E27FC236}">
-                <a16:creationId xmlns:a16="http://schemas.microsoft.com/office/drawing/2014/main" id="{46CE1A09-1BCF-4A54-9ACF-C7C6D1B0612B}"/>
-              </a:ext>
-            </a:extLst>
-          </p:cNvPr>
-          <p:cNvSpPr txBox="1"/>
-          <p:nvPr/>
-        </p:nvSpPr>
-        <p:spPr>
-          <a:xfrm>
-            <a:off x="7837498" y="2583809"/>
-            <a:ext cx="3605074" cy="1754326"/>
-          </a:xfrm>
-          <a:prstGeom prst="rect">
-            <a:avLst/>
-          </a:prstGeom>
-          <a:noFill/>
-        </p:spPr>
-        <p:txBody>
-          <a:bodyPr wrap="square" rtlCol="0">
-            <a:spAutoFit/>
-          </a:bodyPr>
-          <a:lstStyle/>
-          <a:p>
-            <a:r>
-              <a:rPr lang="en-US" dirty="0"/>
-              <a:t>The 80/20 rule is used to approximate profit from sub-communities of engagement.</a:t>
-            </a:r>
-          </a:p>
-          <a:p>
-            <a:endParaRPr lang="en-US" dirty="0"/>
-          </a:p>
-          <a:p>
-            <a:r>
-              <a:rPr lang="en-US" dirty="0"/>
-              <a:t>Assumes exclusive sub-communities.</a:t>
-            </a:r>
-          </a:p>
-        </p:txBody>
-      </p:sp>
-    </p:spTree>
-    <p:extLst>
-      <p:ext uri="{BB962C8B-B14F-4D97-AF65-F5344CB8AC3E}">
-        <p14:creationId xmlns:p14="http://schemas.microsoft.com/office/powerpoint/2010/main" val="4062344240"/>
       </p:ext>
     </p:extLst>
   </p:cSld>
